--- a/Project supporting Artifacts/Friday Presentations/201023_friday_presentation.pptx
+++ b/Project supporting Artifacts/Friday Presentations/201023_friday_presentation.pptx
@@ -4,14 +4,17 @@
   <p:sldMasterIdLst>
     <p:sldMasterId id="2147483648" r:id="rId1"/>
   </p:sldMasterIdLst>
+  <p:notesMasterIdLst>
+    <p:notesMasterId r:id="rId12"/>
+  </p:notesMasterIdLst>
   <p:sldIdLst>
     <p:sldId id="256" r:id="rId2"/>
     <p:sldId id="257" r:id="rId3"/>
     <p:sldId id="258" r:id="rId4"/>
-    <p:sldId id="259" r:id="rId5"/>
+    <p:sldId id="266" r:id="rId5"/>
     <p:sldId id="260" r:id="rId6"/>
     <p:sldId id="261" r:id="rId7"/>
-    <p:sldId id="262" r:id="rId8"/>
+    <p:sldId id="267" r:id="rId8"/>
     <p:sldId id="263" r:id="rId9"/>
     <p:sldId id="264" r:id="rId10"/>
     <p:sldId id="265" r:id="rId11"/>
@@ -113,6 +116,11 @@
       </a:defRPr>
     </a:lvl9pPr>
   </p:defaultTextStyle>
+  <p:extLst>
+    <p:ext uri="{EFAFB233-063F-42B5-8137-9DF3F51BA10A}">
+      <p15:sldGuideLst xmlns:p15="http://schemas.microsoft.com/office/powerpoint/2012/main"/>
+    </p:ext>
+  </p:extLst>
 </p:presentation>
 </file>
 
@@ -866,755 +874,6 @@
 </file>
 
 <file path=ppt/diagrams/colors2.xml><?xml version="1.0" encoding="utf-8"?>
-<dgm:colorsDef xmlns:dgm="http://schemas.openxmlformats.org/drawingml/2006/diagram" xmlns:a="http://schemas.openxmlformats.org/drawingml/2006/main" uniqueId="urn:microsoft.com/office/officeart/2018/5/colors/Iconchunking_neutralbg_accent5_2">
-  <dgm:title val=""/>
-  <dgm:desc val=""/>
-  <dgm:catLst>
-    <dgm:cat type="accent5" pri="15200"/>
-  </dgm:catLst>
-  <dgm:styleLbl name="node0">
-    <dgm:fillClrLst meth="repeat">
-      <a:schemeClr val="accent5"/>
-    </dgm:fillClrLst>
-    <dgm:linClrLst meth="repeat">
-      <a:schemeClr val="lt1"/>
-    </dgm:linClrLst>
-    <dgm:effectClrLst/>
-    <dgm:txLinClrLst/>
-    <dgm:txFillClrLst/>
-    <dgm:txEffectClrLst/>
-  </dgm:styleLbl>
-  <dgm:styleLbl name="node1">
-    <dgm:fillClrLst meth="repeat">
-      <a:schemeClr val="accent5"/>
-    </dgm:fillClrLst>
-    <dgm:linClrLst meth="repeat">
-      <a:schemeClr val="lt1">
-        <a:alpha val="0"/>
-      </a:schemeClr>
-    </dgm:linClrLst>
-    <dgm:effectClrLst/>
-    <dgm:txLinClrLst/>
-    <dgm:txFillClrLst/>
-    <dgm:txEffectClrLst/>
-  </dgm:styleLbl>
-  <dgm:styleLbl name="alignNode1">
-    <dgm:fillClrLst meth="repeat">
-      <a:schemeClr val="accent5"/>
-    </dgm:fillClrLst>
-    <dgm:linClrLst meth="repeat">
-      <a:schemeClr val="accent5"/>
-    </dgm:linClrLst>
-    <dgm:effectClrLst/>
-    <dgm:txLinClrLst/>
-    <dgm:txFillClrLst/>
-    <dgm:txEffectClrLst/>
-  </dgm:styleLbl>
-  <dgm:styleLbl name="lnNode1">
-    <dgm:fillClrLst meth="repeat">
-      <a:schemeClr val="accent5"/>
-    </dgm:fillClrLst>
-    <dgm:linClrLst meth="repeat">
-      <a:schemeClr val="lt1"/>
-    </dgm:linClrLst>
-    <dgm:effectClrLst/>
-    <dgm:txLinClrLst/>
-    <dgm:txFillClrLst/>
-    <dgm:txEffectClrLst/>
-  </dgm:styleLbl>
-  <dgm:styleLbl name="vennNode1">
-    <dgm:fillClrLst meth="repeat">
-      <a:schemeClr val="accent5">
-        <a:alpha val="50000"/>
-      </a:schemeClr>
-    </dgm:fillClrLst>
-    <dgm:linClrLst meth="repeat">
-      <a:schemeClr val="lt1"/>
-    </dgm:linClrLst>
-    <dgm:effectClrLst/>
-    <dgm:txLinClrLst/>
-    <dgm:txFillClrLst/>
-    <dgm:txEffectClrLst/>
-  </dgm:styleLbl>
-  <dgm:styleLbl name="node2">
-    <dgm:fillClrLst meth="repeat">
-      <a:schemeClr val="accent5"/>
-    </dgm:fillClrLst>
-    <dgm:linClrLst meth="repeat">
-      <a:schemeClr val="lt1"/>
-    </dgm:linClrLst>
-    <dgm:effectClrLst/>
-    <dgm:txLinClrLst/>
-    <dgm:txFillClrLst/>
-    <dgm:txEffectClrLst/>
-  </dgm:styleLbl>
-  <dgm:styleLbl name="node3">
-    <dgm:fillClrLst meth="repeat">
-      <a:schemeClr val="accent5"/>
-    </dgm:fillClrLst>
-    <dgm:linClrLst meth="repeat">
-      <a:schemeClr val="lt1"/>
-    </dgm:linClrLst>
-    <dgm:effectClrLst/>
-    <dgm:txLinClrLst/>
-    <dgm:txFillClrLst/>
-    <dgm:txEffectClrLst/>
-  </dgm:styleLbl>
-  <dgm:styleLbl name="node4">
-    <dgm:fillClrLst meth="repeat">
-      <a:schemeClr val="accent5"/>
-    </dgm:fillClrLst>
-    <dgm:linClrLst meth="repeat">
-      <a:schemeClr val="lt1"/>
-    </dgm:linClrLst>
-    <dgm:effectClrLst/>
-    <dgm:txLinClrLst/>
-    <dgm:txFillClrLst/>
-    <dgm:txEffectClrLst/>
-  </dgm:styleLbl>
-  <dgm:styleLbl name="fgImgPlace1">
-    <dgm:fillClrLst meth="repeat">
-      <a:schemeClr val="accent5">
-        <a:tint val="50000"/>
-      </a:schemeClr>
-    </dgm:fillClrLst>
-    <dgm:linClrLst meth="repeat">
-      <a:schemeClr val="lt1"/>
-    </dgm:linClrLst>
-    <dgm:effectClrLst/>
-    <dgm:txLinClrLst/>
-    <dgm:txFillClrLst meth="repeat">
-      <a:schemeClr val="lt1"/>
-    </dgm:txFillClrLst>
-    <dgm:txEffectClrLst/>
-  </dgm:styleLbl>
-  <dgm:styleLbl name="alignImgPlace1">
-    <dgm:fillClrLst meth="repeat">
-      <a:schemeClr val="accent5">
-        <a:tint val="50000"/>
-      </a:schemeClr>
-    </dgm:fillClrLst>
-    <dgm:linClrLst meth="repeat">
-      <a:schemeClr val="lt1"/>
-    </dgm:linClrLst>
-    <dgm:effectClrLst/>
-    <dgm:txLinClrLst/>
-    <dgm:txFillClrLst meth="repeat">
-      <a:schemeClr val="lt1"/>
-    </dgm:txFillClrLst>
-    <dgm:txEffectClrLst/>
-  </dgm:styleLbl>
-  <dgm:styleLbl name="bgImgPlace1">
-    <dgm:fillClrLst meth="repeat">
-      <a:schemeClr val="accent5">
-        <a:tint val="50000"/>
-      </a:schemeClr>
-    </dgm:fillClrLst>
-    <dgm:linClrLst meth="repeat">
-      <a:schemeClr val="lt1"/>
-    </dgm:linClrLst>
-    <dgm:effectClrLst/>
-    <dgm:txLinClrLst/>
-    <dgm:txFillClrLst meth="repeat">
-      <a:schemeClr val="lt1"/>
-    </dgm:txFillClrLst>
-    <dgm:txEffectClrLst/>
-  </dgm:styleLbl>
-  <dgm:styleLbl name="sibTrans2D1">
-    <dgm:fillClrLst meth="repeat">
-      <a:schemeClr val="accent5">
-        <a:tint val="60000"/>
-      </a:schemeClr>
-    </dgm:fillClrLst>
-    <dgm:linClrLst meth="repeat">
-      <a:schemeClr val="accent5">
-        <a:tint val="60000"/>
-      </a:schemeClr>
-    </dgm:linClrLst>
-    <dgm:effectClrLst/>
-    <dgm:txLinClrLst/>
-    <dgm:txFillClrLst/>
-    <dgm:txEffectClrLst/>
-  </dgm:styleLbl>
-  <dgm:styleLbl name="fgSibTrans2D1">
-    <dgm:fillClrLst meth="repeat">
-      <a:schemeClr val="accent5">
-        <a:tint val="60000"/>
-      </a:schemeClr>
-    </dgm:fillClrLst>
-    <dgm:linClrLst meth="repeat">
-      <a:schemeClr val="accent5">
-        <a:tint val="60000"/>
-      </a:schemeClr>
-    </dgm:linClrLst>
-    <dgm:effectClrLst/>
-    <dgm:txLinClrLst/>
-    <dgm:txFillClrLst/>
-    <dgm:txEffectClrLst/>
-  </dgm:styleLbl>
-  <dgm:styleLbl name="bgSibTrans2D1">
-    <dgm:fillClrLst meth="repeat">
-      <a:schemeClr val="accent5">
-        <a:tint val="60000"/>
-      </a:schemeClr>
-    </dgm:fillClrLst>
-    <dgm:linClrLst meth="repeat">
-      <a:schemeClr val="accent5">
-        <a:tint val="60000"/>
-      </a:schemeClr>
-    </dgm:linClrLst>
-    <dgm:effectClrLst/>
-    <dgm:txLinClrLst/>
-    <dgm:txFillClrLst/>
-    <dgm:txEffectClrLst/>
-  </dgm:styleLbl>
-  <dgm:styleLbl name="sibTrans1D1">
-    <dgm:fillClrLst meth="repeat">
-      <a:schemeClr val="accent5"/>
-    </dgm:fillClrLst>
-    <dgm:linClrLst meth="repeat">
-      <a:schemeClr val="accent5"/>
-    </dgm:linClrLst>
-    <dgm:effectClrLst/>
-    <dgm:txLinClrLst/>
-    <dgm:txFillClrLst meth="repeat">
-      <a:schemeClr val="tx1"/>
-    </dgm:txFillClrLst>
-    <dgm:txEffectClrLst/>
-  </dgm:styleLbl>
-  <dgm:styleLbl name="callout">
-    <dgm:fillClrLst meth="repeat">
-      <a:schemeClr val="accent5"/>
-    </dgm:fillClrLst>
-    <dgm:linClrLst meth="repeat">
-      <a:schemeClr val="accent5">
-        <a:tint val="50000"/>
-      </a:schemeClr>
-    </dgm:linClrLst>
-    <dgm:effectClrLst/>
-    <dgm:txLinClrLst/>
-    <dgm:txFillClrLst meth="repeat">
-      <a:schemeClr val="tx1"/>
-    </dgm:txFillClrLst>
-    <dgm:txEffectClrLst/>
-  </dgm:styleLbl>
-  <dgm:styleLbl name="asst0">
-    <dgm:fillClrLst meth="repeat">
-      <a:schemeClr val="accent5"/>
-    </dgm:fillClrLst>
-    <dgm:linClrLst meth="repeat">
-      <a:schemeClr val="lt1"/>
-    </dgm:linClrLst>
-    <dgm:effectClrLst/>
-    <dgm:txLinClrLst/>
-    <dgm:txFillClrLst/>
-    <dgm:txEffectClrLst/>
-  </dgm:styleLbl>
-  <dgm:styleLbl name="asst1">
-    <dgm:fillClrLst meth="repeat">
-      <a:schemeClr val="accent5"/>
-    </dgm:fillClrLst>
-    <dgm:linClrLst meth="repeat">
-      <a:schemeClr val="lt1"/>
-    </dgm:linClrLst>
-    <dgm:effectClrLst/>
-    <dgm:txLinClrLst/>
-    <dgm:txFillClrLst/>
-    <dgm:txEffectClrLst/>
-  </dgm:styleLbl>
-  <dgm:styleLbl name="asst2">
-    <dgm:fillClrLst meth="repeat">
-      <a:schemeClr val="accent5"/>
-    </dgm:fillClrLst>
-    <dgm:linClrLst meth="repeat">
-      <a:schemeClr val="lt1"/>
-    </dgm:linClrLst>
-    <dgm:effectClrLst/>
-    <dgm:txLinClrLst/>
-    <dgm:txFillClrLst/>
-    <dgm:txEffectClrLst/>
-  </dgm:styleLbl>
-  <dgm:styleLbl name="asst3">
-    <dgm:fillClrLst meth="repeat">
-      <a:schemeClr val="accent5"/>
-    </dgm:fillClrLst>
-    <dgm:linClrLst meth="repeat">
-      <a:schemeClr val="lt1"/>
-    </dgm:linClrLst>
-    <dgm:effectClrLst/>
-    <dgm:txLinClrLst/>
-    <dgm:txFillClrLst/>
-    <dgm:txEffectClrLst/>
-  </dgm:styleLbl>
-  <dgm:styleLbl name="asst4">
-    <dgm:fillClrLst meth="repeat">
-      <a:schemeClr val="accent5"/>
-    </dgm:fillClrLst>
-    <dgm:linClrLst meth="repeat">
-      <a:schemeClr val="lt1"/>
-    </dgm:linClrLst>
-    <dgm:effectClrLst/>
-    <dgm:txLinClrLst/>
-    <dgm:txFillClrLst/>
-    <dgm:txEffectClrLst/>
-  </dgm:styleLbl>
-  <dgm:styleLbl name="parChTrans2D1">
-    <dgm:fillClrLst meth="repeat">
-      <a:schemeClr val="accent5">
-        <a:tint val="60000"/>
-      </a:schemeClr>
-    </dgm:fillClrLst>
-    <dgm:linClrLst meth="repeat">
-      <a:schemeClr val="accent5">
-        <a:tint val="60000"/>
-      </a:schemeClr>
-    </dgm:linClrLst>
-    <dgm:effectClrLst/>
-    <dgm:txLinClrLst/>
-    <dgm:txFillClrLst meth="repeat">
-      <a:schemeClr val="lt1"/>
-    </dgm:txFillClrLst>
-    <dgm:txEffectClrLst/>
-  </dgm:styleLbl>
-  <dgm:styleLbl name="parChTrans2D2">
-    <dgm:fillClrLst meth="repeat">
-      <a:schemeClr val="accent5"/>
-    </dgm:fillClrLst>
-    <dgm:linClrLst meth="repeat">
-      <a:schemeClr val="accent5"/>
-    </dgm:linClrLst>
-    <dgm:effectClrLst/>
-    <dgm:txLinClrLst/>
-    <dgm:txFillClrLst meth="repeat">
-      <a:schemeClr val="lt1"/>
-    </dgm:txFillClrLst>
-    <dgm:txEffectClrLst/>
-  </dgm:styleLbl>
-  <dgm:styleLbl name="parChTrans2D3">
-    <dgm:fillClrLst meth="repeat">
-      <a:schemeClr val="accent5"/>
-    </dgm:fillClrLst>
-    <dgm:linClrLst meth="repeat">
-      <a:schemeClr val="accent5"/>
-    </dgm:linClrLst>
-    <dgm:effectClrLst/>
-    <dgm:txLinClrLst/>
-    <dgm:txFillClrLst meth="repeat">
-      <a:schemeClr val="lt1"/>
-    </dgm:txFillClrLst>
-    <dgm:txEffectClrLst/>
-  </dgm:styleLbl>
-  <dgm:styleLbl name="parChTrans2D4">
-    <dgm:fillClrLst meth="repeat">
-      <a:schemeClr val="accent5"/>
-    </dgm:fillClrLst>
-    <dgm:linClrLst meth="repeat">
-      <a:schemeClr val="accent5"/>
-    </dgm:linClrLst>
-    <dgm:effectClrLst/>
-    <dgm:txLinClrLst/>
-    <dgm:txFillClrLst meth="repeat">
-      <a:schemeClr val="lt1"/>
-    </dgm:txFillClrLst>
-    <dgm:txEffectClrLst/>
-  </dgm:styleLbl>
-  <dgm:styleLbl name="parChTrans1D1">
-    <dgm:fillClrLst meth="repeat">
-      <a:schemeClr val="accent5"/>
-    </dgm:fillClrLst>
-    <dgm:linClrLst meth="repeat">
-      <a:schemeClr val="accent5">
-        <a:shade val="60000"/>
-      </a:schemeClr>
-    </dgm:linClrLst>
-    <dgm:effectClrLst/>
-    <dgm:txLinClrLst/>
-    <dgm:txFillClrLst meth="repeat">
-      <a:schemeClr val="tx1"/>
-    </dgm:txFillClrLst>
-    <dgm:txEffectClrLst/>
-  </dgm:styleLbl>
-  <dgm:styleLbl name="parChTrans1D2">
-    <dgm:fillClrLst meth="repeat">
-      <a:schemeClr val="accent5"/>
-    </dgm:fillClrLst>
-    <dgm:linClrLst meth="repeat">
-      <a:schemeClr val="accent5">
-        <a:shade val="60000"/>
-      </a:schemeClr>
-    </dgm:linClrLst>
-    <dgm:effectClrLst/>
-    <dgm:txLinClrLst/>
-    <dgm:txFillClrLst meth="repeat">
-      <a:schemeClr val="tx1"/>
-    </dgm:txFillClrLst>
-    <dgm:txEffectClrLst/>
-  </dgm:styleLbl>
-  <dgm:styleLbl name="parChTrans1D3">
-    <dgm:fillClrLst meth="repeat">
-      <a:schemeClr val="accent5"/>
-    </dgm:fillClrLst>
-    <dgm:linClrLst meth="repeat">
-      <a:schemeClr val="accent5">
-        <a:shade val="80000"/>
-      </a:schemeClr>
-    </dgm:linClrLst>
-    <dgm:effectClrLst/>
-    <dgm:txLinClrLst/>
-    <dgm:txFillClrLst meth="repeat">
-      <a:schemeClr val="tx1"/>
-    </dgm:txFillClrLst>
-    <dgm:txEffectClrLst/>
-  </dgm:styleLbl>
-  <dgm:styleLbl name="parChTrans1D4">
-    <dgm:fillClrLst meth="repeat">
-      <a:schemeClr val="accent5"/>
-    </dgm:fillClrLst>
-    <dgm:linClrLst meth="repeat">
-      <a:schemeClr val="accent5">
-        <a:shade val="80000"/>
-      </a:schemeClr>
-    </dgm:linClrLst>
-    <dgm:effectClrLst/>
-    <dgm:txLinClrLst/>
-    <dgm:txFillClrLst meth="repeat">
-      <a:schemeClr val="tx1"/>
-    </dgm:txFillClrLst>
-    <dgm:txEffectClrLst/>
-  </dgm:styleLbl>
-  <dgm:styleLbl name="fgAcc1">
-    <dgm:fillClrLst meth="repeat">
-      <a:schemeClr val="lt1">
-        <a:alpha val="90000"/>
-      </a:schemeClr>
-    </dgm:fillClrLst>
-    <dgm:linClrLst meth="repeat">
-      <a:schemeClr val="accent5"/>
-    </dgm:linClrLst>
-    <dgm:effectClrLst/>
-    <dgm:txLinClrLst/>
-    <dgm:txFillClrLst meth="repeat">
-      <a:schemeClr val="dk1"/>
-    </dgm:txFillClrLst>
-    <dgm:txEffectClrLst/>
-  </dgm:styleLbl>
-  <dgm:styleLbl name="conFgAcc1">
-    <dgm:fillClrLst meth="repeat">
-      <a:schemeClr val="lt1">
-        <a:alpha val="90000"/>
-      </a:schemeClr>
-    </dgm:fillClrLst>
-    <dgm:linClrLst meth="repeat">
-      <a:schemeClr val="accent5"/>
-    </dgm:linClrLst>
-    <dgm:effectClrLst/>
-    <dgm:txLinClrLst/>
-    <dgm:txFillClrLst meth="repeat">
-      <a:schemeClr val="dk1"/>
-    </dgm:txFillClrLst>
-    <dgm:txEffectClrLst/>
-  </dgm:styleLbl>
-  <dgm:styleLbl name="alignAcc1">
-    <dgm:fillClrLst meth="repeat">
-      <a:schemeClr val="lt1">
-        <a:alpha val="90000"/>
-      </a:schemeClr>
-    </dgm:fillClrLst>
-    <dgm:linClrLst meth="repeat">
-      <a:schemeClr val="accent5"/>
-    </dgm:linClrLst>
-    <dgm:effectClrLst/>
-    <dgm:txLinClrLst/>
-    <dgm:txFillClrLst meth="repeat">
-      <a:schemeClr val="dk1"/>
-    </dgm:txFillClrLst>
-    <dgm:txEffectClrLst/>
-  </dgm:styleLbl>
-  <dgm:styleLbl name="trAlignAcc1">
-    <dgm:fillClrLst meth="repeat">
-      <a:schemeClr val="lt1">
-        <a:alpha val="40000"/>
-      </a:schemeClr>
-    </dgm:fillClrLst>
-    <dgm:linClrLst meth="repeat">
-      <a:schemeClr val="accent5"/>
-    </dgm:linClrLst>
-    <dgm:effectClrLst/>
-    <dgm:txLinClrLst/>
-    <dgm:txFillClrLst meth="repeat">
-      <a:schemeClr val="dk1"/>
-    </dgm:txFillClrLst>
-    <dgm:txEffectClrLst/>
-  </dgm:styleLbl>
-  <dgm:styleLbl name="bgAcc1">
-    <dgm:fillClrLst meth="repeat">
-      <a:schemeClr val="lt1">
-        <a:alpha val="90000"/>
-      </a:schemeClr>
-    </dgm:fillClrLst>
-    <dgm:linClrLst meth="repeat">
-      <a:schemeClr val="accent5"/>
-    </dgm:linClrLst>
-    <dgm:effectClrLst/>
-    <dgm:txLinClrLst/>
-    <dgm:txFillClrLst meth="repeat">
-      <a:schemeClr val="dk1"/>
-    </dgm:txFillClrLst>
-    <dgm:txEffectClrLst/>
-  </dgm:styleLbl>
-  <dgm:styleLbl name="solidFgAcc1">
-    <dgm:fillClrLst meth="repeat">
-      <a:schemeClr val="lt1"/>
-    </dgm:fillClrLst>
-    <dgm:linClrLst meth="repeat">
-      <a:schemeClr val="accent5"/>
-    </dgm:linClrLst>
-    <dgm:effectClrLst/>
-    <dgm:txLinClrLst/>
-    <dgm:txFillClrLst meth="repeat">
-      <a:schemeClr val="dk1"/>
-    </dgm:txFillClrLst>
-    <dgm:txEffectClrLst/>
-  </dgm:styleLbl>
-  <dgm:styleLbl name="solidAlignAcc1">
-    <dgm:fillClrLst meth="repeat">
-      <a:schemeClr val="lt1"/>
-    </dgm:fillClrLst>
-    <dgm:linClrLst meth="repeat">
-      <a:schemeClr val="accent5"/>
-    </dgm:linClrLst>
-    <dgm:effectClrLst/>
-    <dgm:txLinClrLst/>
-    <dgm:txFillClrLst meth="repeat">
-      <a:schemeClr val="dk1"/>
-    </dgm:txFillClrLst>
-    <dgm:txEffectClrLst/>
-  </dgm:styleLbl>
-  <dgm:styleLbl name="solidBgAcc1">
-    <dgm:fillClrLst meth="repeat">
-      <a:schemeClr val="lt1"/>
-    </dgm:fillClrLst>
-    <dgm:linClrLst meth="repeat">
-      <a:schemeClr val="accent5"/>
-    </dgm:linClrLst>
-    <dgm:effectClrLst/>
-    <dgm:txLinClrLst/>
-    <dgm:txFillClrLst meth="repeat">
-      <a:schemeClr val="dk1"/>
-    </dgm:txFillClrLst>
-    <dgm:txEffectClrLst/>
-  </dgm:styleLbl>
-  <dgm:styleLbl name="fgAccFollowNode1">
-    <dgm:fillClrLst meth="repeat">
-      <a:schemeClr val="accent5">
-        <a:alpha val="90000"/>
-        <a:tint val="40000"/>
-      </a:schemeClr>
-    </dgm:fillClrLst>
-    <dgm:linClrLst meth="repeat">
-      <a:schemeClr val="accent5">
-        <a:alpha val="90000"/>
-        <a:tint val="40000"/>
-      </a:schemeClr>
-    </dgm:linClrLst>
-    <dgm:effectClrLst/>
-    <dgm:txLinClrLst/>
-    <dgm:txFillClrLst meth="repeat">
-      <a:schemeClr val="dk1"/>
-    </dgm:txFillClrLst>
-    <dgm:txEffectClrLst/>
-  </dgm:styleLbl>
-  <dgm:styleLbl name="alignAccFollowNode1">
-    <dgm:fillClrLst meth="repeat">
-      <a:schemeClr val="accent5">
-        <a:alpha val="90000"/>
-        <a:tint val="40000"/>
-      </a:schemeClr>
-    </dgm:fillClrLst>
-    <dgm:linClrLst meth="repeat">
-      <a:schemeClr val="accent5">
-        <a:alpha val="90000"/>
-        <a:tint val="40000"/>
-      </a:schemeClr>
-    </dgm:linClrLst>
-    <dgm:effectClrLst/>
-    <dgm:txLinClrLst/>
-    <dgm:txFillClrLst meth="repeat">
-      <a:schemeClr val="dk1"/>
-    </dgm:txFillClrLst>
-    <dgm:txEffectClrLst/>
-  </dgm:styleLbl>
-  <dgm:styleLbl name="bgAccFollowNode1">
-    <dgm:fillClrLst meth="repeat">
-      <a:schemeClr val="accent5">
-        <a:alpha val="90000"/>
-        <a:tint val="40000"/>
-      </a:schemeClr>
-    </dgm:fillClrLst>
-    <dgm:linClrLst meth="repeat">
-      <a:schemeClr val="accent5">
-        <a:alpha val="90000"/>
-        <a:tint val="40000"/>
-      </a:schemeClr>
-    </dgm:linClrLst>
-    <dgm:effectClrLst/>
-    <dgm:txLinClrLst/>
-    <dgm:txFillClrLst meth="repeat">
-      <a:schemeClr val="dk1"/>
-    </dgm:txFillClrLst>
-    <dgm:txEffectClrLst/>
-  </dgm:styleLbl>
-  <dgm:styleLbl name="fgAcc0">
-    <dgm:fillClrLst meth="repeat">
-      <a:schemeClr val="lt1">
-        <a:alpha val="90000"/>
-      </a:schemeClr>
-    </dgm:fillClrLst>
-    <dgm:linClrLst meth="repeat">
-      <a:schemeClr val="accent5"/>
-    </dgm:linClrLst>
-    <dgm:effectClrLst/>
-    <dgm:txLinClrLst/>
-    <dgm:txFillClrLst meth="repeat">
-      <a:schemeClr val="dk1"/>
-    </dgm:txFillClrLst>
-    <dgm:txEffectClrLst/>
-  </dgm:styleLbl>
-  <dgm:styleLbl name="fgAcc2">
-    <dgm:fillClrLst meth="repeat">
-      <a:schemeClr val="lt1">
-        <a:alpha val="90000"/>
-      </a:schemeClr>
-    </dgm:fillClrLst>
-    <dgm:linClrLst meth="repeat">
-      <a:schemeClr val="accent5"/>
-    </dgm:linClrLst>
-    <dgm:effectClrLst/>
-    <dgm:txLinClrLst/>
-    <dgm:txFillClrLst meth="repeat">
-      <a:schemeClr val="dk1"/>
-    </dgm:txFillClrLst>
-    <dgm:txEffectClrLst/>
-  </dgm:styleLbl>
-  <dgm:styleLbl name="fgAcc3">
-    <dgm:fillClrLst meth="repeat">
-      <a:schemeClr val="lt1">
-        <a:alpha val="90000"/>
-      </a:schemeClr>
-    </dgm:fillClrLst>
-    <dgm:linClrLst meth="repeat">
-      <a:schemeClr val="accent5"/>
-    </dgm:linClrLst>
-    <dgm:effectClrLst/>
-    <dgm:txLinClrLst/>
-    <dgm:txFillClrLst meth="repeat">
-      <a:schemeClr val="dk1"/>
-    </dgm:txFillClrLst>
-    <dgm:txEffectClrLst/>
-  </dgm:styleLbl>
-  <dgm:styleLbl name="fgAcc4">
-    <dgm:fillClrLst meth="repeat">
-      <a:schemeClr val="lt1">
-        <a:alpha val="90000"/>
-      </a:schemeClr>
-    </dgm:fillClrLst>
-    <dgm:linClrLst meth="repeat">
-      <a:schemeClr val="accent5"/>
-    </dgm:linClrLst>
-    <dgm:effectClrLst/>
-    <dgm:txLinClrLst/>
-    <dgm:txFillClrLst meth="repeat">
-      <a:schemeClr val="dk1"/>
-    </dgm:txFillClrLst>
-    <dgm:txEffectClrLst/>
-  </dgm:styleLbl>
-  <dgm:styleLbl name="bgShp">
-    <dgm:fillClrLst meth="repeat">
-      <a:schemeClr val="bg1">
-        <a:lumMod val="95000"/>
-      </a:schemeClr>
-    </dgm:fillClrLst>
-    <dgm:linClrLst meth="repeat">
-      <a:schemeClr val="accent5"/>
-    </dgm:linClrLst>
-    <dgm:effectClrLst/>
-    <dgm:txLinClrLst/>
-    <dgm:txFillClrLst meth="repeat">
-      <a:schemeClr val="dk1"/>
-    </dgm:txFillClrLst>
-    <dgm:txEffectClrLst/>
-  </dgm:styleLbl>
-  <dgm:styleLbl name="dkBgShp">
-    <dgm:fillClrLst meth="repeat">
-      <a:schemeClr val="accent5">
-        <a:shade val="80000"/>
-      </a:schemeClr>
-    </dgm:fillClrLst>
-    <dgm:linClrLst meth="repeat">
-      <a:schemeClr val="accent5"/>
-    </dgm:linClrLst>
-    <dgm:effectClrLst/>
-    <dgm:txLinClrLst/>
-    <dgm:txFillClrLst meth="repeat">
-      <a:schemeClr val="lt1"/>
-    </dgm:txFillClrLst>
-    <dgm:txEffectClrLst/>
-  </dgm:styleLbl>
-  <dgm:styleLbl name="trBgShp">
-    <dgm:fillClrLst meth="repeat">
-      <a:schemeClr val="accent5">
-        <a:tint val="50000"/>
-        <a:alpha val="40000"/>
-      </a:schemeClr>
-    </dgm:fillClrLst>
-    <dgm:linClrLst meth="repeat">
-      <a:schemeClr val="accent5"/>
-    </dgm:linClrLst>
-    <dgm:effectClrLst/>
-    <dgm:txLinClrLst/>
-    <dgm:txFillClrLst meth="repeat">
-      <a:schemeClr val="lt1"/>
-    </dgm:txFillClrLst>
-    <dgm:txEffectClrLst/>
-  </dgm:styleLbl>
-  <dgm:styleLbl name="fgShp">
-    <dgm:fillClrLst meth="repeat">
-      <a:schemeClr val="accent5">
-        <a:tint val="60000"/>
-      </a:schemeClr>
-    </dgm:fillClrLst>
-    <dgm:linClrLst meth="repeat">
-      <a:schemeClr val="lt1"/>
-    </dgm:linClrLst>
-    <dgm:effectClrLst/>
-    <dgm:txLinClrLst/>
-    <dgm:txFillClrLst meth="repeat">
-      <a:schemeClr val="dk1"/>
-    </dgm:txFillClrLst>
-    <dgm:txEffectClrLst/>
-  </dgm:styleLbl>
-  <dgm:styleLbl name="revTx">
-    <dgm:fillClrLst meth="repeat">
-      <a:schemeClr val="lt1">
-        <a:alpha val="0"/>
-      </a:schemeClr>
-    </dgm:fillClrLst>
-    <dgm:linClrLst meth="repeat">
-      <a:schemeClr val="dk1">
-        <a:alpha val="0"/>
-      </a:schemeClr>
-    </dgm:linClrLst>
-    <dgm:effectClrLst/>
-    <dgm:txLinClrLst/>
-    <dgm:txFillClrLst meth="repeat">
-      <a:schemeClr val="tx1"/>
-    </dgm:txFillClrLst>
-    <dgm:txEffectClrLst/>
-  </dgm:styleLbl>
-</dgm:colorsDef>
-</file>
-
-<file path=ppt/diagrams/colors3.xml><?xml version="1.0" encoding="utf-8"?>
 <dgm:colorsDef xmlns:dgm="http://schemas.openxmlformats.org/drawingml/2006/diagram" xmlns:a="http://schemas.openxmlformats.org/drawingml/2006/main" uniqueId="urn:microsoft.com/office/officeart/2005/8/colors/accent1_2">
   <dgm:title val=""/>
   <dgm:desc val=""/>
@@ -2361,7 +1620,7 @@
 </dgm:colorsDef>
 </file>
 
-<file path=ppt/diagrams/colors4.xml><?xml version="1.0" encoding="utf-8"?>
+<file path=ppt/diagrams/colors3.xml><?xml version="1.0" encoding="utf-8"?>
 <dgm:colorsDef xmlns:dgm="http://schemas.openxmlformats.org/drawingml/2006/diagram" xmlns:a="http://schemas.openxmlformats.org/drawingml/2006/main" uniqueId="urn:microsoft.com/office/officeart/2005/8/colors/colorful5">
   <dgm:title val=""/>
   <dgm:desc val=""/>
@@ -3165,8 +2424,8 @@
         <a:lstStyle/>
         <a:p>
           <a:r>
-            <a:rPr lang="en-US"/>
-            <a:t>Communication Evolution</a:t>
+            <a:rPr lang="en-US" dirty="0"/>
+            <a:t>Communication</a:t>
           </a:r>
         </a:p>
       </dgm:t>
@@ -3345,7 +2604,7 @@
         <a:lstStyle/>
         <a:p>
           <a:r>
-            <a:rPr lang="en-US"/>
+            <a:rPr lang="en-US" dirty="0"/>
             <a:t>Design workshop and feature prioritization</a:t>
           </a:r>
         </a:p>
@@ -3760,8 +3019,8 @@
 <file path=ppt/diagrams/data2.xml><?xml version="1.0" encoding="utf-8"?>
 <dgm:dataModel xmlns:dgm="http://schemas.openxmlformats.org/drawingml/2006/diagram" xmlns:a="http://schemas.openxmlformats.org/drawingml/2006/main">
   <dgm:ptLst>
-    <dgm:pt modelId="{D5D6E6EA-31CF-43FC-9473-099AFFFE1CA1}" type="doc">
-      <dgm:prSet loTypeId="urn:microsoft.com/office/officeart/2018/5/layout/CenteredIconLabelDescriptionList" loCatId="icon" qsTypeId="urn:microsoft.com/office/officeart/2005/8/quickstyle/simple1" qsCatId="simple" csTypeId="urn:microsoft.com/office/officeart/2018/5/colors/Iconchunking_neutralbg_accent5_2" csCatId="accent5" phldr="1"/>
+    <dgm:pt modelId="{A43C4127-5676-47BB-B9D3-1EDB892F2E58}" type="doc">
+      <dgm:prSet loTypeId="urn:microsoft.com/office/officeart/2018/2/layout/IconLabelList" loCatId="icon" qsTypeId="urn:microsoft.com/office/officeart/2005/8/quickstyle/simple1" qsCatId="simple" csTypeId="urn:microsoft.com/office/officeart/2005/8/colors/accent1_2" csCatId="accent1" phldr="1"/>
       <dgm:spPr/>
       <dgm:t>
         <a:bodyPr/>
@@ -3771,329 +3030,7 @@
         </a:p>
       </dgm:t>
     </dgm:pt>
-    <dgm:pt modelId="{DF823C1D-1ABD-41B3-94F8-5B462AB5D775}">
-      <dgm:prSet/>
-      <dgm:spPr/>
-      <dgm:t>
-        <a:bodyPr/>
-        <a:lstStyle/>
-        <a:p>
-          <a:pPr>
-            <a:defRPr b="1"/>
-          </a:pPr>
-          <a:r>
-            <a:rPr lang="en-US"/>
-            <a:t>Problem</a:t>
-          </a:r>
-        </a:p>
-      </dgm:t>
-    </dgm:pt>
-    <dgm:pt modelId="{A02A609B-994C-47AA-8E6A-2881A568652D}" type="parTrans" cxnId="{835D4FC5-2984-49CD-BE32-5EA784A33D57}">
-      <dgm:prSet/>
-      <dgm:spPr/>
-      <dgm:t>
-        <a:bodyPr/>
-        <a:lstStyle/>
-        <a:p>
-          <a:endParaRPr lang="en-US"/>
-        </a:p>
-      </dgm:t>
-    </dgm:pt>
-    <dgm:pt modelId="{FE3B7D62-18F1-4F23-B54B-F8FAD011BF39}" type="sibTrans" cxnId="{835D4FC5-2984-49CD-BE32-5EA784A33D57}">
-      <dgm:prSet/>
-      <dgm:spPr/>
-      <dgm:t>
-        <a:bodyPr/>
-        <a:lstStyle/>
-        <a:p>
-          <a:endParaRPr lang="en-US"/>
-        </a:p>
-      </dgm:t>
-    </dgm:pt>
-    <dgm:pt modelId="{CF59C957-A8AB-43A7-AB38-BAD3B07E8620}">
-      <dgm:prSet/>
-      <dgm:spPr/>
-      <dgm:t>
-        <a:bodyPr/>
-        <a:lstStyle/>
-        <a:p>
-          <a:r>
-            <a:rPr lang="en-US"/>
-            <a:t>One of the problems we identified internally on our first sprint retrospective was research visibility</a:t>
-          </a:r>
-        </a:p>
-      </dgm:t>
-    </dgm:pt>
-    <dgm:pt modelId="{899E6441-7C0C-4F53-9E0A-8C8863088BD9}" type="parTrans" cxnId="{7053906F-33AC-4D90-A585-9E3EC298C9D3}">
-      <dgm:prSet/>
-      <dgm:spPr/>
-      <dgm:t>
-        <a:bodyPr/>
-        <a:lstStyle/>
-        <a:p>
-          <a:endParaRPr lang="en-US"/>
-        </a:p>
-      </dgm:t>
-    </dgm:pt>
-    <dgm:pt modelId="{E3ACB11C-52C5-4DDF-B90F-B8FF0D362A9A}" type="sibTrans" cxnId="{7053906F-33AC-4D90-A585-9E3EC298C9D3}">
-      <dgm:prSet/>
-      <dgm:spPr/>
-      <dgm:t>
-        <a:bodyPr/>
-        <a:lstStyle/>
-        <a:p>
-          <a:endParaRPr lang="en-US"/>
-        </a:p>
-      </dgm:t>
-    </dgm:pt>
-    <dgm:pt modelId="{F74802C1-C2C6-4209-826F-E4D0272C4CEC}">
-      <dgm:prSet/>
-      <dgm:spPr/>
-      <dgm:t>
-        <a:bodyPr/>
-        <a:lstStyle/>
-        <a:p>
-          <a:pPr>
-            <a:defRPr b="1"/>
-          </a:pPr>
-          <a:r>
-            <a:rPr lang="en-US"/>
-            <a:t>Solution</a:t>
-          </a:r>
-        </a:p>
-      </dgm:t>
-    </dgm:pt>
-    <dgm:pt modelId="{BC4AFA05-A572-4A9D-89D5-82B8019B060C}" type="parTrans" cxnId="{9B472406-153A-4022-A3B6-991550AE4138}">
-      <dgm:prSet/>
-      <dgm:spPr/>
-      <dgm:t>
-        <a:bodyPr/>
-        <a:lstStyle/>
-        <a:p>
-          <a:endParaRPr lang="en-US"/>
-        </a:p>
-      </dgm:t>
-    </dgm:pt>
-    <dgm:pt modelId="{44B61A0A-F0E1-434B-995E-B7E8A914D078}" type="sibTrans" cxnId="{9B472406-153A-4022-A3B6-991550AE4138}">
-      <dgm:prSet/>
-      <dgm:spPr/>
-      <dgm:t>
-        <a:bodyPr/>
-        <a:lstStyle/>
-        <a:p>
-          <a:endParaRPr lang="en-US"/>
-        </a:p>
-      </dgm:t>
-    </dgm:pt>
-    <dgm:pt modelId="{6F087AC2-0B15-4AEE-B26F-43EF5FA5B003}">
-      <dgm:prSet/>
-      <dgm:spPr/>
-      <dgm:t>
-        <a:bodyPr/>
-        <a:lstStyle/>
-        <a:p>
-          <a:r>
-            <a:rPr lang="en-US"/>
-            <a:t>After each piece of research, we share it in Slack and then try to organize a brief presentation with the whole team to get feedback.</a:t>
-          </a:r>
-        </a:p>
-      </dgm:t>
-    </dgm:pt>
-    <dgm:pt modelId="{B14ECB1F-F0C1-4454-AABC-A964408B6E62}" type="parTrans" cxnId="{92EED3DC-0A6D-463C-8053-32A1DFDDEC90}">
-      <dgm:prSet/>
-      <dgm:spPr/>
-      <dgm:t>
-        <a:bodyPr/>
-        <a:lstStyle/>
-        <a:p>
-          <a:endParaRPr lang="en-US"/>
-        </a:p>
-      </dgm:t>
-    </dgm:pt>
-    <dgm:pt modelId="{94636341-9ECA-41C3-A5E3-A68A94A8E668}" type="sibTrans" cxnId="{92EED3DC-0A6D-463C-8053-32A1DFDDEC90}">
-      <dgm:prSet/>
-      <dgm:spPr/>
-      <dgm:t>
-        <a:bodyPr/>
-        <a:lstStyle/>
-        <a:p>
-          <a:endParaRPr lang="en-US"/>
-        </a:p>
-      </dgm:t>
-    </dgm:pt>
-    <dgm:pt modelId="{0DC0F113-6147-4C40-9FB5-6AB7F5D6B628}" type="pres">
-      <dgm:prSet presAssocID="{D5D6E6EA-31CF-43FC-9473-099AFFFE1CA1}" presName="root" presStyleCnt="0">
-        <dgm:presLayoutVars>
-          <dgm:dir/>
-          <dgm:resizeHandles val="exact"/>
-        </dgm:presLayoutVars>
-      </dgm:prSet>
-      <dgm:spPr/>
-    </dgm:pt>
-    <dgm:pt modelId="{83BD0120-E245-4840-8395-230E90E3A20C}" type="pres">
-      <dgm:prSet presAssocID="{DF823C1D-1ABD-41B3-94F8-5B462AB5D775}" presName="compNode" presStyleCnt="0"/>
-      <dgm:spPr/>
-    </dgm:pt>
-    <dgm:pt modelId="{ED22224E-0FBA-468D-B01F-56911EB39660}" type="pres">
-      <dgm:prSet presAssocID="{DF823C1D-1ABD-41B3-94F8-5B462AB5D775}" presName="iconRect" presStyleLbl="node1" presStyleIdx="0" presStyleCnt="2"/>
-      <dgm:spPr>
-        <a:blipFill>
-          <a:blip xmlns:r="http://schemas.openxmlformats.org/officeDocument/2006/relationships" r:embed="rId1">
-            <a:extLst>
-              <a:ext uri="{28A0092B-C50C-407E-A947-70E740481C1C}">
-                <a14:useLocalDpi xmlns:a14="http://schemas.microsoft.com/office/drawing/2010/main" val="0"/>
-              </a:ext>
-              <a:ext uri="{96DAC541-7B7A-43D3-8B79-37D633B846F1}">
-                <asvg:svgBlip xmlns:asvg="http://schemas.microsoft.com/office/drawing/2016/SVG/main" r:embed="rId2"/>
-              </a:ext>
-            </a:extLst>
-          </a:blip>
-          <a:stretch>
-            <a:fillRect/>
-          </a:stretch>
-        </a:blipFill>
-        <a:ln>
-          <a:noFill/>
-        </a:ln>
-      </dgm:spPr>
-      <dgm:extLst>
-        <a:ext uri="{E40237B7-FDA0-4F09-8148-C483321AD2D9}">
-          <dgm14:cNvPr xmlns:dgm14="http://schemas.microsoft.com/office/drawing/2010/diagram" id="0" name="" descr="Magnifying glass"/>
-        </a:ext>
-      </dgm:extLst>
-    </dgm:pt>
-    <dgm:pt modelId="{B48612EC-8573-477C-A6EA-B1EFEA4C53C5}" type="pres">
-      <dgm:prSet presAssocID="{DF823C1D-1ABD-41B3-94F8-5B462AB5D775}" presName="iconSpace" presStyleCnt="0"/>
-      <dgm:spPr/>
-    </dgm:pt>
-    <dgm:pt modelId="{C9D54BEF-EBEC-4FF6-B4A2-A6CA3B089BCD}" type="pres">
-      <dgm:prSet presAssocID="{DF823C1D-1ABD-41B3-94F8-5B462AB5D775}" presName="parTx" presStyleLbl="revTx" presStyleIdx="0" presStyleCnt="4">
-        <dgm:presLayoutVars>
-          <dgm:chMax val="0"/>
-          <dgm:chPref val="0"/>
-        </dgm:presLayoutVars>
-      </dgm:prSet>
-      <dgm:spPr/>
-    </dgm:pt>
-    <dgm:pt modelId="{C68D0489-EFF4-4074-BA8E-2EA21427E5DC}" type="pres">
-      <dgm:prSet presAssocID="{DF823C1D-1ABD-41B3-94F8-5B462AB5D775}" presName="txSpace" presStyleCnt="0"/>
-      <dgm:spPr/>
-    </dgm:pt>
-    <dgm:pt modelId="{D9159E77-8DCA-4379-946C-DE95DCB8BE76}" type="pres">
-      <dgm:prSet presAssocID="{DF823C1D-1ABD-41B3-94F8-5B462AB5D775}" presName="desTx" presStyleLbl="revTx" presStyleIdx="1" presStyleCnt="4">
-        <dgm:presLayoutVars/>
-      </dgm:prSet>
-      <dgm:spPr/>
-    </dgm:pt>
-    <dgm:pt modelId="{510F2AB7-18C0-4D47-9F1C-72CFFEE13213}" type="pres">
-      <dgm:prSet presAssocID="{FE3B7D62-18F1-4F23-B54B-F8FAD011BF39}" presName="sibTrans" presStyleCnt="0"/>
-      <dgm:spPr/>
-    </dgm:pt>
-    <dgm:pt modelId="{AFBECED7-FEAE-4ED5-A2D2-00116D79EFFF}" type="pres">
-      <dgm:prSet presAssocID="{F74802C1-C2C6-4209-826F-E4D0272C4CEC}" presName="compNode" presStyleCnt="0"/>
-      <dgm:spPr/>
-    </dgm:pt>
-    <dgm:pt modelId="{39928BFF-5ADB-42CD-8D63-DC60CF5AD1A1}" type="pres">
-      <dgm:prSet presAssocID="{F74802C1-C2C6-4209-826F-E4D0272C4CEC}" presName="iconRect" presStyleLbl="node1" presStyleIdx="1" presStyleCnt="2"/>
-      <dgm:spPr>
-        <a:blipFill>
-          <a:blip xmlns:r="http://schemas.openxmlformats.org/officeDocument/2006/relationships" r:embed="rId3">
-            <a:extLst>
-              <a:ext uri="{28A0092B-C50C-407E-A947-70E740481C1C}">
-                <a14:useLocalDpi xmlns:a14="http://schemas.microsoft.com/office/drawing/2010/main" val="0"/>
-              </a:ext>
-              <a:ext uri="{96DAC541-7B7A-43D3-8B79-37D633B846F1}">
-                <asvg:svgBlip xmlns:asvg="http://schemas.microsoft.com/office/drawing/2016/SVG/main" r:embed="rId4"/>
-              </a:ext>
-            </a:extLst>
-          </a:blip>
-          <a:stretch>
-            <a:fillRect/>
-          </a:stretch>
-        </a:blipFill>
-        <a:ln>
-          <a:noFill/>
-        </a:ln>
-      </dgm:spPr>
-      <dgm:extLst>
-        <a:ext uri="{E40237B7-FDA0-4F09-8148-C483321AD2D9}">
-          <dgm14:cNvPr xmlns:dgm14="http://schemas.microsoft.com/office/drawing/2010/diagram" id="0" name="" descr="Group Brainstorm"/>
-        </a:ext>
-      </dgm:extLst>
-    </dgm:pt>
-    <dgm:pt modelId="{C30B1DBA-2CAC-4227-9602-EA19D364237F}" type="pres">
-      <dgm:prSet presAssocID="{F74802C1-C2C6-4209-826F-E4D0272C4CEC}" presName="iconSpace" presStyleCnt="0"/>
-      <dgm:spPr/>
-    </dgm:pt>
-    <dgm:pt modelId="{4E521992-CBD0-41AD-A44D-EA3A50C8F09A}" type="pres">
-      <dgm:prSet presAssocID="{F74802C1-C2C6-4209-826F-E4D0272C4CEC}" presName="parTx" presStyleLbl="revTx" presStyleIdx="2" presStyleCnt="4">
-        <dgm:presLayoutVars>
-          <dgm:chMax val="0"/>
-          <dgm:chPref val="0"/>
-        </dgm:presLayoutVars>
-      </dgm:prSet>
-      <dgm:spPr/>
-    </dgm:pt>
-    <dgm:pt modelId="{D062F3C2-0814-4939-8041-DE25DF21B043}" type="pres">
-      <dgm:prSet presAssocID="{F74802C1-C2C6-4209-826F-E4D0272C4CEC}" presName="txSpace" presStyleCnt="0"/>
-      <dgm:spPr/>
-    </dgm:pt>
-    <dgm:pt modelId="{F0536FDB-4446-4DCB-A34B-36D784166459}" type="pres">
-      <dgm:prSet presAssocID="{F74802C1-C2C6-4209-826F-E4D0272C4CEC}" presName="desTx" presStyleLbl="revTx" presStyleIdx="3" presStyleCnt="4">
-        <dgm:presLayoutVars/>
-      </dgm:prSet>
-      <dgm:spPr/>
-    </dgm:pt>
-  </dgm:ptLst>
-  <dgm:cxnLst>
-    <dgm:cxn modelId="{9B472406-153A-4022-A3B6-991550AE4138}" srcId="{D5D6E6EA-31CF-43FC-9473-099AFFFE1CA1}" destId="{F74802C1-C2C6-4209-826F-E4D0272C4CEC}" srcOrd="1" destOrd="0" parTransId="{BC4AFA05-A572-4A9D-89D5-82B8019B060C}" sibTransId="{44B61A0A-F0E1-434B-995E-B7E8A914D078}"/>
-    <dgm:cxn modelId="{EAA7A428-2D13-4262-B718-33E6A4AF665B}" type="presOf" srcId="{F74802C1-C2C6-4209-826F-E4D0272C4CEC}" destId="{4E521992-CBD0-41AD-A44D-EA3A50C8F09A}" srcOrd="0" destOrd="0" presId="urn:microsoft.com/office/officeart/2018/5/layout/CenteredIconLabelDescriptionList"/>
-    <dgm:cxn modelId="{704E222E-E93D-4F03-9CA4-FAEB2CC4D4D2}" type="presOf" srcId="{DF823C1D-1ABD-41B3-94F8-5B462AB5D775}" destId="{C9D54BEF-EBEC-4FF6-B4A2-A6CA3B089BCD}" srcOrd="0" destOrd="0" presId="urn:microsoft.com/office/officeart/2018/5/layout/CenteredIconLabelDescriptionList"/>
-    <dgm:cxn modelId="{EC793A54-EEB6-41FD-A17A-DB7698E1DFAA}" type="presOf" srcId="{6F087AC2-0B15-4AEE-B26F-43EF5FA5B003}" destId="{F0536FDB-4446-4DCB-A34B-36D784166459}" srcOrd="0" destOrd="0" presId="urn:microsoft.com/office/officeart/2018/5/layout/CenteredIconLabelDescriptionList"/>
-    <dgm:cxn modelId="{211D595E-0D91-4B03-9CBD-DF154B7856CF}" type="presOf" srcId="{CF59C957-A8AB-43A7-AB38-BAD3B07E8620}" destId="{D9159E77-8DCA-4379-946C-DE95DCB8BE76}" srcOrd="0" destOrd="0" presId="urn:microsoft.com/office/officeart/2018/5/layout/CenteredIconLabelDescriptionList"/>
-    <dgm:cxn modelId="{7053906F-33AC-4D90-A585-9E3EC298C9D3}" srcId="{DF823C1D-1ABD-41B3-94F8-5B462AB5D775}" destId="{CF59C957-A8AB-43A7-AB38-BAD3B07E8620}" srcOrd="0" destOrd="0" parTransId="{899E6441-7C0C-4F53-9E0A-8C8863088BD9}" sibTransId="{E3ACB11C-52C5-4DDF-B90F-B8FF0D362A9A}"/>
-    <dgm:cxn modelId="{3438AE74-1522-40FC-8030-4251ABCB12E2}" type="presOf" srcId="{D5D6E6EA-31CF-43FC-9473-099AFFFE1CA1}" destId="{0DC0F113-6147-4C40-9FB5-6AB7F5D6B628}" srcOrd="0" destOrd="0" presId="urn:microsoft.com/office/officeart/2018/5/layout/CenteredIconLabelDescriptionList"/>
-    <dgm:cxn modelId="{835D4FC5-2984-49CD-BE32-5EA784A33D57}" srcId="{D5D6E6EA-31CF-43FC-9473-099AFFFE1CA1}" destId="{DF823C1D-1ABD-41B3-94F8-5B462AB5D775}" srcOrd="0" destOrd="0" parTransId="{A02A609B-994C-47AA-8E6A-2881A568652D}" sibTransId="{FE3B7D62-18F1-4F23-B54B-F8FAD011BF39}"/>
-    <dgm:cxn modelId="{92EED3DC-0A6D-463C-8053-32A1DFDDEC90}" srcId="{F74802C1-C2C6-4209-826F-E4D0272C4CEC}" destId="{6F087AC2-0B15-4AEE-B26F-43EF5FA5B003}" srcOrd="0" destOrd="0" parTransId="{B14ECB1F-F0C1-4454-AABC-A964408B6E62}" sibTransId="{94636341-9ECA-41C3-A5E3-A68A94A8E668}"/>
-    <dgm:cxn modelId="{C2F4E0C4-1064-4A0B-8D0B-9B7215107F8D}" type="presParOf" srcId="{0DC0F113-6147-4C40-9FB5-6AB7F5D6B628}" destId="{83BD0120-E245-4840-8395-230E90E3A20C}" srcOrd="0" destOrd="0" presId="urn:microsoft.com/office/officeart/2018/5/layout/CenteredIconLabelDescriptionList"/>
-    <dgm:cxn modelId="{0D372334-6E71-4DE1-A2AD-D666CB053A48}" type="presParOf" srcId="{83BD0120-E245-4840-8395-230E90E3A20C}" destId="{ED22224E-0FBA-468D-B01F-56911EB39660}" srcOrd="0" destOrd="0" presId="urn:microsoft.com/office/officeart/2018/5/layout/CenteredIconLabelDescriptionList"/>
-    <dgm:cxn modelId="{610F87C5-2A4A-4111-A99C-190B26CB56A1}" type="presParOf" srcId="{83BD0120-E245-4840-8395-230E90E3A20C}" destId="{B48612EC-8573-477C-A6EA-B1EFEA4C53C5}" srcOrd="1" destOrd="0" presId="urn:microsoft.com/office/officeart/2018/5/layout/CenteredIconLabelDescriptionList"/>
-    <dgm:cxn modelId="{D7A044DF-F56B-44D0-A05C-47156C68DCFB}" type="presParOf" srcId="{83BD0120-E245-4840-8395-230E90E3A20C}" destId="{C9D54BEF-EBEC-4FF6-B4A2-A6CA3B089BCD}" srcOrd="2" destOrd="0" presId="urn:microsoft.com/office/officeart/2018/5/layout/CenteredIconLabelDescriptionList"/>
-    <dgm:cxn modelId="{1B001422-9DBC-4CC9-8DC2-C38C55F9FF51}" type="presParOf" srcId="{83BD0120-E245-4840-8395-230E90E3A20C}" destId="{C68D0489-EFF4-4074-BA8E-2EA21427E5DC}" srcOrd="3" destOrd="0" presId="urn:microsoft.com/office/officeart/2018/5/layout/CenteredIconLabelDescriptionList"/>
-    <dgm:cxn modelId="{B460F779-6352-496B-B2F1-CCDD8A9FE030}" type="presParOf" srcId="{83BD0120-E245-4840-8395-230E90E3A20C}" destId="{D9159E77-8DCA-4379-946C-DE95DCB8BE76}" srcOrd="4" destOrd="0" presId="urn:microsoft.com/office/officeart/2018/5/layout/CenteredIconLabelDescriptionList"/>
-    <dgm:cxn modelId="{B6680EAA-B01B-4222-AB03-A869B8DD4ED1}" type="presParOf" srcId="{0DC0F113-6147-4C40-9FB5-6AB7F5D6B628}" destId="{510F2AB7-18C0-4D47-9F1C-72CFFEE13213}" srcOrd="1" destOrd="0" presId="urn:microsoft.com/office/officeart/2018/5/layout/CenteredIconLabelDescriptionList"/>
-    <dgm:cxn modelId="{F58C6D49-D106-40EB-8A49-188F05F8681B}" type="presParOf" srcId="{0DC0F113-6147-4C40-9FB5-6AB7F5D6B628}" destId="{AFBECED7-FEAE-4ED5-A2D2-00116D79EFFF}" srcOrd="2" destOrd="0" presId="urn:microsoft.com/office/officeart/2018/5/layout/CenteredIconLabelDescriptionList"/>
-    <dgm:cxn modelId="{9FA09F6D-5402-4DB5-B301-EC482EAB8543}" type="presParOf" srcId="{AFBECED7-FEAE-4ED5-A2D2-00116D79EFFF}" destId="{39928BFF-5ADB-42CD-8D63-DC60CF5AD1A1}" srcOrd="0" destOrd="0" presId="urn:microsoft.com/office/officeart/2018/5/layout/CenteredIconLabelDescriptionList"/>
-    <dgm:cxn modelId="{E22C1906-A266-4CE6-AD12-BB329C4F8306}" type="presParOf" srcId="{AFBECED7-FEAE-4ED5-A2D2-00116D79EFFF}" destId="{C30B1DBA-2CAC-4227-9602-EA19D364237F}" srcOrd="1" destOrd="0" presId="urn:microsoft.com/office/officeart/2018/5/layout/CenteredIconLabelDescriptionList"/>
-    <dgm:cxn modelId="{D0BA4903-27E0-4222-8D44-190AC54C32FB}" type="presParOf" srcId="{AFBECED7-FEAE-4ED5-A2D2-00116D79EFFF}" destId="{4E521992-CBD0-41AD-A44D-EA3A50C8F09A}" srcOrd="2" destOrd="0" presId="urn:microsoft.com/office/officeart/2018/5/layout/CenteredIconLabelDescriptionList"/>
-    <dgm:cxn modelId="{D90667FA-AF46-4FB4-A721-D3898C0EFAAA}" type="presParOf" srcId="{AFBECED7-FEAE-4ED5-A2D2-00116D79EFFF}" destId="{D062F3C2-0814-4939-8041-DE25DF21B043}" srcOrd="3" destOrd="0" presId="urn:microsoft.com/office/officeart/2018/5/layout/CenteredIconLabelDescriptionList"/>
-    <dgm:cxn modelId="{152D5DB2-21D4-44C0-90D2-F2B079418879}" type="presParOf" srcId="{AFBECED7-FEAE-4ED5-A2D2-00116D79EFFF}" destId="{F0536FDB-4446-4DCB-A34B-36D784166459}" srcOrd="4" destOrd="0" presId="urn:microsoft.com/office/officeart/2018/5/layout/CenteredIconLabelDescriptionList"/>
-  </dgm:cxnLst>
-  <dgm:bg/>
-  <dgm:whole/>
-  <dgm:extLst>
-    <a:ext uri="http://schemas.microsoft.com/office/drawing/2008/diagram">
-      <dsp:dataModelExt xmlns:dsp="http://schemas.microsoft.com/office/drawing/2008/diagram" relId="rId6" minVer="http://schemas.openxmlformats.org/drawingml/2006/diagram"/>
-    </a:ext>
-  </dgm:extLst>
-</dgm:dataModel>
-</file>
-
-<file path=ppt/diagrams/data3.xml><?xml version="1.0" encoding="utf-8"?>
-<dgm:dataModel xmlns:dgm="http://schemas.openxmlformats.org/drawingml/2006/diagram" xmlns:a="http://schemas.openxmlformats.org/drawingml/2006/main">
-  <dgm:ptLst>
-    <dgm:pt modelId="{607607E3-CBC9-43FE-8F22-A8B644E02913}" type="doc">
-      <dgm:prSet loTypeId="urn:microsoft.com/office/officeart/2018/2/layout/IconVerticalSolidList" loCatId="icon" qsTypeId="urn:microsoft.com/office/officeart/2005/8/quickstyle/simple1" qsCatId="simple" csTypeId="urn:microsoft.com/office/officeart/2005/8/colors/accent1_2" csCatId="accent1" phldr="1"/>
-      <dgm:spPr/>
-      <dgm:t>
-        <a:bodyPr/>
-        <a:lstStyle/>
-        <a:p>
-          <a:endParaRPr lang="en-US"/>
-        </a:p>
-      </dgm:t>
-    </dgm:pt>
-    <dgm:pt modelId="{9215B54D-9A10-4567-A3AA-A04FE3586E44}">
+    <dgm:pt modelId="{D92455F7-E3DA-4839-B0A1-E08502E82586}">
       <dgm:prSet/>
       <dgm:spPr/>
       <dgm:t>
@@ -4107,12 +3044,12 @@
           </a:pPr>
           <a:r>
             <a:rPr lang="en-US"/>
-            <a:t>Day to Day we have daily stand ups that answer the following questions</a:t>
+            <a:t>To share knowledge, we have regular catch ups, share and communicate on slack and share on sprint meetings</a:t>
           </a:r>
         </a:p>
       </dgm:t>
     </dgm:pt>
-    <dgm:pt modelId="{0DC8E8CF-C47D-4DC8-9C20-FB453B8A5E3E}" type="parTrans" cxnId="{160FC1A4-BEDC-4D1F-AD41-D6FBB0485113}">
+    <dgm:pt modelId="{8A5C50E1-F913-4464-9F7F-CEFDE92FEDF4}" type="parTrans" cxnId="{49BF08F9-1FB7-4F0D-B2FF-BF2148C1864F}">
       <dgm:prSet/>
       <dgm:spPr/>
       <dgm:t>
@@ -4123,7 +3060,7 @@
         </a:p>
       </dgm:t>
     </dgm:pt>
-    <dgm:pt modelId="{E3846883-C8D8-4697-AE55-39CFA17790C3}" type="sibTrans" cxnId="{160FC1A4-BEDC-4D1F-AD41-D6FBB0485113}">
+    <dgm:pt modelId="{6070A4EF-C6DF-4AB7-9C34-45091A1AB489}" type="sibTrans" cxnId="{49BF08F9-1FB7-4F0D-B2FF-BF2148C1864F}">
       <dgm:prSet/>
       <dgm:spPr/>
       <dgm:t>
@@ -4134,7 +3071,7 @@
         </a:p>
       </dgm:t>
     </dgm:pt>
-    <dgm:pt modelId="{4D47A4E0-3FEC-45B8-9236-CE0F1FC9DD8D}">
+    <dgm:pt modelId="{44E6FA7F-243C-4BA1-804A-042256D52394}">
       <dgm:prSet/>
       <dgm:spPr/>
       <dgm:t>
@@ -4148,12 +3085,12 @@
           </a:pPr>
           <a:r>
             <a:rPr lang="en-US"/>
-            <a:t>What did you complete yesterday?</a:t>
+            <a:t>ASD team have learned about data cleaning, data profiling, outliers and clustering</a:t>
           </a:r>
         </a:p>
       </dgm:t>
     </dgm:pt>
-    <dgm:pt modelId="{753BB2FA-680E-4F66-A04D-73A56A0151E5}" type="parTrans" cxnId="{7C1EB0E9-7B31-40AD-99F6-F21BBB7A8C28}">
+    <dgm:pt modelId="{F55E2403-BFED-49D5-B17E-A323D7ABADB8}" type="parTrans" cxnId="{07A449F0-F921-4D3B-9796-C73D34E02F26}">
       <dgm:prSet/>
       <dgm:spPr/>
       <dgm:t>
@@ -4164,7 +3101,7 @@
         </a:p>
       </dgm:t>
     </dgm:pt>
-    <dgm:pt modelId="{83ADF2BD-3BFB-4545-913E-91A7B082C578}" type="sibTrans" cxnId="{7C1EB0E9-7B31-40AD-99F6-F21BBB7A8C28}">
+    <dgm:pt modelId="{42D56262-32D7-4F06-A6E4-BD9C558EA064}" type="sibTrans" cxnId="{07A449F0-F921-4D3B-9796-C73D34E02F26}">
       <dgm:prSet/>
       <dgm:spPr/>
       <dgm:t>
@@ -4175,7 +3112,7 @@
         </a:p>
       </dgm:t>
     </dgm:pt>
-    <dgm:pt modelId="{796DE3E9-1931-40CB-B7B0-F107C69BB786}">
+    <dgm:pt modelId="{01701FB5-07C4-4AD8-9767-6B3EEF9749D2}">
       <dgm:prSet/>
       <dgm:spPr/>
       <dgm:t>
@@ -4189,12 +3126,12 @@
           </a:pPr>
           <a:r>
             <a:rPr lang="en-US"/>
-            <a:t>What are you doing today?</a:t>
+            <a:t>DS team have learned about API’s, coding in a software environment rather than notebooks and GitHub </a:t>
           </a:r>
         </a:p>
       </dgm:t>
     </dgm:pt>
-    <dgm:pt modelId="{BD1DBB54-4039-48CE-B646-927AA80ADC7F}" type="parTrans" cxnId="{39913FAA-885B-41E5-B41D-BE9F59067084}">
+    <dgm:pt modelId="{57D0E236-EC05-4459-844A-84255410372F}" type="parTrans" cxnId="{14377736-7869-40AD-ADE1-2D57FE293568}">
       <dgm:prSet/>
       <dgm:spPr/>
       <dgm:t>
@@ -4205,7 +3142,7 @@
         </a:p>
       </dgm:t>
     </dgm:pt>
-    <dgm:pt modelId="{F532D86C-E4FA-4484-9BAE-4A0463E87943}" type="sibTrans" cxnId="{39913FAA-885B-41E5-B41D-BE9F59067084}">
+    <dgm:pt modelId="{D410635E-550F-4FF2-B1CA-D337AA0A32B0}" type="sibTrans" cxnId="{14377736-7869-40AD-ADE1-2D57FE293568}">
       <dgm:prSet/>
       <dgm:spPr/>
       <dgm:t>
@@ -4216,172 +3153,8 @@
         </a:p>
       </dgm:t>
     </dgm:pt>
-    <dgm:pt modelId="{519ECCC8-C736-404B-BEE9-2DB338D4235E}">
-      <dgm:prSet/>
-      <dgm:spPr/>
-      <dgm:t>
-        <a:bodyPr/>
-        <a:lstStyle/>
-        <a:p>
-          <a:pPr>
-            <a:lnSpc>
-              <a:spcPct val="100000"/>
-            </a:lnSpc>
-          </a:pPr>
-          <a:r>
-            <a:rPr lang="en-US"/>
-            <a:t>Any blockers?</a:t>
-          </a:r>
-        </a:p>
-      </dgm:t>
-    </dgm:pt>
-    <dgm:pt modelId="{9F051A7C-BF0A-4158-9A8F-318BAA008024}" type="parTrans" cxnId="{92407CE0-73E6-46F7-86BB-F2C52EB856AD}">
-      <dgm:prSet/>
-      <dgm:spPr/>
-      <dgm:t>
-        <a:bodyPr/>
-        <a:lstStyle/>
-        <a:p>
-          <a:endParaRPr lang="en-US"/>
-        </a:p>
-      </dgm:t>
-    </dgm:pt>
-    <dgm:pt modelId="{79141777-D187-454D-A1FD-EB6E4D62BCC7}" type="sibTrans" cxnId="{92407CE0-73E6-46F7-86BB-F2C52EB856AD}">
-      <dgm:prSet/>
-      <dgm:spPr/>
-      <dgm:t>
-        <a:bodyPr/>
-        <a:lstStyle/>
-        <a:p>
-          <a:endParaRPr lang="en-US"/>
-        </a:p>
-      </dgm:t>
-    </dgm:pt>
-    <dgm:pt modelId="{64DB106C-CAD6-4229-9DB6-98E82CFAD6AF}">
-      <dgm:prSet/>
-      <dgm:spPr/>
-      <dgm:t>
-        <a:bodyPr/>
-        <a:lstStyle/>
-        <a:p>
-          <a:pPr>
-            <a:lnSpc>
-              <a:spcPct val="100000"/>
-            </a:lnSpc>
-          </a:pPr>
-          <a:r>
-            <a:rPr lang="en-US"/>
-            <a:t>If problems are identified, we try to solve as a team on the call or organize a call between members that can help solve</a:t>
-          </a:r>
-        </a:p>
-      </dgm:t>
-    </dgm:pt>
-    <dgm:pt modelId="{31B4B605-0F7B-4E76-9860-274882B1EE8E}" type="parTrans" cxnId="{77B5DD2A-7461-49E8-8EF8-282B59B30E6B}">
-      <dgm:prSet/>
-      <dgm:spPr/>
-      <dgm:t>
-        <a:bodyPr/>
-        <a:lstStyle/>
-        <a:p>
-          <a:endParaRPr lang="en-US"/>
-        </a:p>
-      </dgm:t>
-    </dgm:pt>
-    <dgm:pt modelId="{8254D2DC-A3F2-43F3-8C8F-F6FB8F5F175C}" type="sibTrans" cxnId="{77B5DD2A-7461-49E8-8EF8-282B59B30E6B}">
-      <dgm:prSet/>
-      <dgm:spPr/>
-      <dgm:t>
-        <a:bodyPr/>
-        <a:lstStyle/>
-        <a:p>
-          <a:endParaRPr lang="en-US"/>
-        </a:p>
-      </dgm:t>
-    </dgm:pt>
-    <dgm:pt modelId="{64F79D64-9458-4C20-B5C7-652B636E9368}">
-      <dgm:prSet/>
-      <dgm:spPr/>
-      <dgm:t>
-        <a:bodyPr/>
-        <a:lstStyle/>
-        <a:p>
-          <a:pPr>
-            <a:lnSpc>
-              <a:spcPct val="100000"/>
-            </a:lnSpc>
-          </a:pPr>
-          <a:r>
-            <a:rPr lang="en-US"/>
-            <a:t>Dynamics of the team are evolving with rotation of a scrum master</a:t>
-          </a:r>
-        </a:p>
-      </dgm:t>
-    </dgm:pt>
-    <dgm:pt modelId="{A23A7E78-59C5-4DDD-943C-4AF3F005585E}" type="parTrans" cxnId="{20414F42-53CC-4B9B-9C3F-B0BEDB4C6EF8}">
-      <dgm:prSet/>
-      <dgm:spPr/>
-      <dgm:t>
-        <a:bodyPr/>
-        <a:lstStyle/>
-        <a:p>
-          <a:endParaRPr lang="en-US"/>
-        </a:p>
-      </dgm:t>
-    </dgm:pt>
-    <dgm:pt modelId="{66AB99E6-9B8C-43E1-9FDC-2A4F53D630BD}" type="sibTrans" cxnId="{20414F42-53CC-4B9B-9C3F-B0BEDB4C6EF8}">
-      <dgm:prSet/>
-      <dgm:spPr/>
-      <dgm:t>
-        <a:bodyPr/>
-        <a:lstStyle/>
-        <a:p>
-          <a:endParaRPr lang="en-US"/>
-        </a:p>
-      </dgm:t>
-    </dgm:pt>
-    <dgm:pt modelId="{F700388C-2E38-4BF3-9F62-AEB8C7EC2272}">
-      <dgm:prSet/>
-      <dgm:spPr/>
-      <dgm:t>
-        <a:bodyPr/>
-        <a:lstStyle/>
-        <a:p>
-          <a:pPr>
-            <a:lnSpc>
-              <a:spcPct val="100000"/>
-            </a:lnSpc>
-          </a:pPr>
-          <a:r>
-            <a:rPr lang="en-US"/>
-            <a:t>Ownership of certain tasks may also change.</a:t>
-          </a:r>
-        </a:p>
-      </dgm:t>
-    </dgm:pt>
-    <dgm:pt modelId="{55D53289-FBA3-4852-B40F-BD86069BA58C}" type="parTrans" cxnId="{E54B95EC-AFDF-4D23-A50B-D4EBBEBCA74F}">
-      <dgm:prSet/>
-      <dgm:spPr/>
-      <dgm:t>
-        <a:bodyPr/>
-        <a:lstStyle/>
-        <a:p>
-          <a:endParaRPr lang="en-US"/>
-        </a:p>
-      </dgm:t>
-    </dgm:pt>
-    <dgm:pt modelId="{420E1143-3A8E-4CA5-8BDE-B6E833FBD2CE}" type="sibTrans" cxnId="{E54B95EC-AFDF-4D23-A50B-D4EBBEBCA74F}">
-      <dgm:prSet/>
-      <dgm:spPr/>
-      <dgm:t>
-        <a:bodyPr/>
-        <a:lstStyle/>
-        <a:p>
-          <a:endParaRPr lang="en-US"/>
-        </a:p>
-      </dgm:t>
-    </dgm:pt>
-    <dgm:pt modelId="{950E1837-ACE2-44DA-A145-1A4CD38E5065}" type="pres">
-      <dgm:prSet presAssocID="{607607E3-CBC9-43FE-8F22-A8B644E02913}" presName="root" presStyleCnt="0">
+    <dgm:pt modelId="{7ED6CE45-05C2-47E4-A15C-3FB473F93C8B}" type="pres">
+      <dgm:prSet presAssocID="{A43C4127-5676-47BB-B9D3-1EDB892F2E58}" presName="root" presStyleCnt="0">
         <dgm:presLayoutVars>
           <dgm:dir/>
           <dgm:resizeHandles val="exact"/>
@@ -4389,16 +3162,12 @@
       </dgm:prSet>
       <dgm:spPr/>
     </dgm:pt>
-    <dgm:pt modelId="{52D13AAA-1E24-4543-8DF6-076AF569CEE2}" type="pres">
-      <dgm:prSet presAssocID="{9215B54D-9A10-4567-A3AA-A04FE3586E44}" presName="compNode" presStyleCnt="0"/>
+    <dgm:pt modelId="{45F266F8-AD7B-4027-B1CD-C601593053F9}" type="pres">
+      <dgm:prSet presAssocID="{D92455F7-E3DA-4839-B0A1-E08502E82586}" presName="compNode" presStyleCnt="0"/>
       <dgm:spPr/>
     </dgm:pt>
-    <dgm:pt modelId="{07827464-940F-4359-A152-E9E0821986AE}" type="pres">
-      <dgm:prSet presAssocID="{9215B54D-9A10-4567-A3AA-A04FE3586E44}" presName="bgRect" presStyleLbl="bgShp" presStyleIdx="0" presStyleCnt="4"/>
-      <dgm:spPr/>
-    </dgm:pt>
-    <dgm:pt modelId="{740EB814-0FEE-4753-ADAA-418E6B83469D}" type="pres">
-      <dgm:prSet presAssocID="{9215B54D-9A10-4567-A3AA-A04FE3586E44}" presName="iconRect" presStyleLbl="node1" presStyleIdx="0" presStyleCnt="4"/>
+    <dgm:pt modelId="{D3D61E8D-CACF-45C6-B2DD-2A66B76FFB8D}" type="pres">
+      <dgm:prSet presAssocID="{D92455F7-E3DA-4839-B0A1-E08502E82586}" presName="iconRect" presStyleLbl="node1" presStyleIdx="0" presStyleCnt="3"/>
       <dgm:spPr>
         <a:blipFill>
           <a:blip xmlns:r="http://schemas.openxmlformats.org/officeDocument/2006/relationships" r:embed="rId1">
@@ -4418,43 +3187,33 @@
       </dgm:spPr>
       <dgm:extLst>
         <a:ext uri="{E40237B7-FDA0-4F09-8148-C483321AD2D9}">
-          <dgm14:cNvPr xmlns:dgm14="http://schemas.microsoft.com/office/drawing/2010/diagram" id="0" name="" descr="Questions"/>
+          <dgm14:cNvPr xmlns:dgm14="http://schemas.microsoft.com/office/drawing/2010/diagram" id="0" name="" descr="Meeting"/>
         </a:ext>
       </dgm:extLst>
     </dgm:pt>
-    <dgm:pt modelId="{AC7DA35B-F793-4490-9640-86CB26C61013}" type="pres">
-      <dgm:prSet presAssocID="{9215B54D-9A10-4567-A3AA-A04FE3586E44}" presName="spaceRect" presStyleCnt="0"/>
+    <dgm:pt modelId="{A04A224A-F9A6-472A-8F75-AF4940375949}" type="pres">
+      <dgm:prSet presAssocID="{D92455F7-E3DA-4839-B0A1-E08502E82586}" presName="spaceRect" presStyleCnt="0"/>
       <dgm:spPr/>
     </dgm:pt>
-    <dgm:pt modelId="{4560B6D9-190E-45B1-81F8-CDAE5919F1F6}" type="pres">
-      <dgm:prSet presAssocID="{9215B54D-9A10-4567-A3AA-A04FE3586E44}" presName="parTx" presStyleLbl="revTx" presStyleIdx="0" presStyleCnt="5">
+    <dgm:pt modelId="{112BA1B5-1220-4189-8C54-F99B3EE4A852}" type="pres">
+      <dgm:prSet presAssocID="{D92455F7-E3DA-4839-B0A1-E08502E82586}" presName="textRect" presStyleLbl="revTx" presStyleIdx="0" presStyleCnt="3">
         <dgm:presLayoutVars>
-          <dgm:chMax val="0"/>
-          <dgm:chPref val="0"/>
+          <dgm:chMax val="1"/>
+          <dgm:chPref val="1"/>
         </dgm:presLayoutVars>
       </dgm:prSet>
       <dgm:spPr/>
     </dgm:pt>
-    <dgm:pt modelId="{D47FC03E-A7D2-4EEC-871E-57566DE65A0D}" type="pres">
-      <dgm:prSet presAssocID="{9215B54D-9A10-4567-A3AA-A04FE3586E44}" presName="desTx" presStyleLbl="revTx" presStyleIdx="1" presStyleCnt="5">
-        <dgm:presLayoutVars/>
-      </dgm:prSet>
+    <dgm:pt modelId="{5376A966-B112-4479-BA0D-0F08CD95CF47}" type="pres">
+      <dgm:prSet presAssocID="{6070A4EF-C6DF-4AB7-9C34-45091A1AB489}" presName="sibTrans" presStyleCnt="0"/>
       <dgm:spPr/>
     </dgm:pt>
-    <dgm:pt modelId="{F4DC8C99-8426-4482-90D0-19328F30F248}" type="pres">
-      <dgm:prSet presAssocID="{E3846883-C8D8-4697-AE55-39CFA17790C3}" presName="sibTrans" presStyleCnt="0"/>
+    <dgm:pt modelId="{0FBED357-2647-425A-82FB-BC49BB9C247C}" type="pres">
+      <dgm:prSet presAssocID="{44E6FA7F-243C-4BA1-804A-042256D52394}" presName="compNode" presStyleCnt="0"/>
       <dgm:spPr/>
     </dgm:pt>
-    <dgm:pt modelId="{01C7C784-618B-4EB3-8A6C-CDCCF3ED62EB}" type="pres">
-      <dgm:prSet presAssocID="{64DB106C-CAD6-4229-9DB6-98E82CFAD6AF}" presName="compNode" presStyleCnt="0"/>
-      <dgm:spPr/>
-    </dgm:pt>
-    <dgm:pt modelId="{0F8832A0-6286-4E44-8D21-477A1E7E671A}" type="pres">
-      <dgm:prSet presAssocID="{64DB106C-CAD6-4229-9DB6-98E82CFAD6AF}" presName="bgRect" presStyleLbl="bgShp" presStyleIdx="1" presStyleCnt="4"/>
-      <dgm:spPr/>
-    </dgm:pt>
-    <dgm:pt modelId="{6025364B-1297-42F0-BC95-871BDC52882E}" type="pres">
-      <dgm:prSet presAssocID="{64DB106C-CAD6-4229-9DB6-98E82CFAD6AF}" presName="iconRect" presStyleLbl="node1" presStyleIdx="1" presStyleCnt="4"/>
+    <dgm:pt modelId="{218A7973-65F6-4815-AFBC-6A86F21CE1E7}" type="pres">
+      <dgm:prSet presAssocID="{44E6FA7F-243C-4BA1-804A-042256D52394}" presName="iconRect" presStyleLbl="node1" presStyleIdx="1" presStyleCnt="3"/>
       <dgm:spPr>
         <a:blipFill>
           <a:blip xmlns:r="http://schemas.openxmlformats.org/officeDocument/2006/relationships" r:embed="rId3">
@@ -4474,37 +3233,33 @@
       </dgm:spPr>
       <dgm:extLst>
         <a:ext uri="{E40237B7-FDA0-4F09-8148-C483321AD2D9}">
-          <dgm14:cNvPr xmlns:dgm14="http://schemas.microsoft.com/office/drawing/2010/diagram" id="0" name="" descr="Board Room"/>
+          <dgm14:cNvPr xmlns:dgm14="http://schemas.microsoft.com/office/drawing/2010/diagram" id="0" name="" descr="Table"/>
         </a:ext>
       </dgm:extLst>
     </dgm:pt>
-    <dgm:pt modelId="{C9DFB5CF-05B9-4B47-A5AD-0A9E609A29DF}" type="pres">
-      <dgm:prSet presAssocID="{64DB106C-CAD6-4229-9DB6-98E82CFAD6AF}" presName="spaceRect" presStyleCnt="0"/>
+    <dgm:pt modelId="{B897C0F2-F090-40A5-8F03-573DB2059236}" type="pres">
+      <dgm:prSet presAssocID="{44E6FA7F-243C-4BA1-804A-042256D52394}" presName="spaceRect" presStyleCnt="0"/>
       <dgm:spPr/>
     </dgm:pt>
-    <dgm:pt modelId="{6E727185-017A-41E8-BE50-0C1CFED30916}" type="pres">
-      <dgm:prSet presAssocID="{64DB106C-CAD6-4229-9DB6-98E82CFAD6AF}" presName="parTx" presStyleLbl="revTx" presStyleIdx="2" presStyleCnt="5">
+    <dgm:pt modelId="{C1A3329E-7D7F-4A5E-9A72-706D0E578852}" type="pres">
+      <dgm:prSet presAssocID="{44E6FA7F-243C-4BA1-804A-042256D52394}" presName="textRect" presStyleLbl="revTx" presStyleIdx="1" presStyleCnt="3">
         <dgm:presLayoutVars>
-          <dgm:chMax val="0"/>
-          <dgm:chPref val="0"/>
+          <dgm:chMax val="1"/>
+          <dgm:chPref val="1"/>
         </dgm:presLayoutVars>
       </dgm:prSet>
       <dgm:spPr/>
     </dgm:pt>
-    <dgm:pt modelId="{57CF95C3-C589-4D16-8F7D-855413512060}" type="pres">
-      <dgm:prSet presAssocID="{8254D2DC-A3F2-43F3-8C8F-F6FB8F5F175C}" presName="sibTrans" presStyleCnt="0"/>
+    <dgm:pt modelId="{28CDD555-4155-47C3-AE3A-3A77AB32820D}" type="pres">
+      <dgm:prSet presAssocID="{42D56262-32D7-4F06-A6E4-BD9C558EA064}" presName="sibTrans" presStyleCnt="0"/>
       <dgm:spPr/>
     </dgm:pt>
-    <dgm:pt modelId="{55CCE5F4-0786-410C-A151-9FAC4ED90A3B}" type="pres">
-      <dgm:prSet presAssocID="{64F79D64-9458-4C20-B5C7-652B636E9368}" presName="compNode" presStyleCnt="0"/>
+    <dgm:pt modelId="{7C099B74-F484-4C0A-94B9-A6376045B117}" type="pres">
+      <dgm:prSet presAssocID="{01701FB5-07C4-4AD8-9767-6B3EEF9749D2}" presName="compNode" presStyleCnt="0"/>
       <dgm:spPr/>
     </dgm:pt>
-    <dgm:pt modelId="{EF079ED5-E560-439F-90EF-F0484EA9B385}" type="pres">
-      <dgm:prSet presAssocID="{64F79D64-9458-4C20-B5C7-652B636E9368}" presName="bgRect" presStyleLbl="bgShp" presStyleIdx="2" presStyleCnt="4"/>
-      <dgm:spPr/>
-    </dgm:pt>
-    <dgm:pt modelId="{291505EE-E626-4635-BF01-7E0DBB4AC563}" type="pres">
-      <dgm:prSet presAssocID="{64F79D64-9458-4C20-B5C7-652B636E9368}" presName="iconRect" presStyleLbl="node1" presStyleIdx="2" presStyleCnt="4"/>
+    <dgm:pt modelId="{9AABF2A9-0583-4B48-9747-C101A78BD21C}" type="pres">
+      <dgm:prSet presAssocID="{01701FB5-07C4-4AD8-9767-6B3EEF9749D2}" presName="iconRect" presStyleLbl="node1" presStyleIdx="2" presStyleCnt="3"/>
       <dgm:spPr>
         <a:blipFill>
           <a:blip xmlns:r="http://schemas.openxmlformats.org/officeDocument/2006/relationships" r:embed="rId5">
@@ -4524,114 +3279,46 @@
       </dgm:spPr>
       <dgm:extLst>
         <a:ext uri="{E40237B7-FDA0-4F09-8148-C483321AD2D9}">
-          <dgm14:cNvPr xmlns:dgm14="http://schemas.microsoft.com/office/drawing/2010/diagram" id="0" name="" descr="Users"/>
+          <dgm14:cNvPr xmlns:dgm14="http://schemas.microsoft.com/office/drawing/2010/diagram" id="0" name="" descr="Processor"/>
         </a:ext>
       </dgm:extLst>
     </dgm:pt>
-    <dgm:pt modelId="{6A1CA894-C6B4-4505-9F13-56CC73C5C40F}" type="pres">
-      <dgm:prSet presAssocID="{64F79D64-9458-4C20-B5C7-652B636E9368}" presName="spaceRect" presStyleCnt="0"/>
+    <dgm:pt modelId="{F12ECC81-DF8A-4C8A-8DE6-FF6934AF8386}" type="pres">
+      <dgm:prSet presAssocID="{01701FB5-07C4-4AD8-9767-6B3EEF9749D2}" presName="spaceRect" presStyleCnt="0"/>
       <dgm:spPr/>
     </dgm:pt>
-    <dgm:pt modelId="{5B506843-E1AA-4DD7-B2DA-31B8AB344789}" type="pres">
-      <dgm:prSet presAssocID="{64F79D64-9458-4C20-B5C7-652B636E9368}" presName="parTx" presStyleLbl="revTx" presStyleIdx="3" presStyleCnt="5">
+    <dgm:pt modelId="{61902390-6512-41D0-96FB-89189C98AE4F}" type="pres">
+      <dgm:prSet presAssocID="{01701FB5-07C4-4AD8-9767-6B3EEF9749D2}" presName="textRect" presStyleLbl="revTx" presStyleIdx="2" presStyleCnt="3">
         <dgm:presLayoutVars>
-          <dgm:chMax val="0"/>
-          <dgm:chPref val="0"/>
-        </dgm:presLayoutVars>
-      </dgm:prSet>
-      <dgm:spPr/>
-    </dgm:pt>
-    <dgm:pt modelId="{C7D89D79-8DF2-49E4-8274-C3BD8D116C37}" type="pres">
-      <dgm:prSet presAssocID="{66AB99E6-9B8C-43E1-9FDC-2A4F53D630BD}" presName="sibTrans" presStyleCnt="0"/>
-      <dgm:spPr/>
-    </dgm:pt>
-    <dgm:pt modelId="{CCEEF5BF-EA5F-4E35-9475-D002A93C0011}" type="pres">
-      <dgm:prSet presAssocID="{F700388C-2E38-4BF3-9F62-AEB8C7EC2272}" presName="compNode" presStyleCnt="0"/>
-      <dgm:spPr/>
-    </dgm:pt>
-    <dgm:pt modelId="{0C73EDC0-4DB9-4E6D-BB05-5FCFC4FF03EA}" type="pres">
-      <dgm:prSet presAssocID="{F700388C-2E38-4BF3-9F62-AEB8C7EC2272}" presName="bgRect" presStyleLbl="bgShp" presStyleIdx="3" presStyleCnt="4"/>
-      <dgm:spPr/>
-    </dgm:pt>
-    <dgm:pt modelId="{A6DC414E-0DBB-4209-8FD6-1DF21C1B41BD}" type="pres">
-      <dgm:prSet presAssocID="{F700388C-2E38-4BF3-9F62-AEB8C7EC2272}" presName="iconRect" presStyleLbl="node1" presStyleIdx="3" presStyleCnt="4"/>
-      <dgm:spPr>
-        <a:blipFill>
-          <a:blip xmlns:r="http://schemas.openxmlformats.org/officeDocument/2006/relationships" r:embed="rId7">
-            <a:extLst>
-              <a:ext uri="{28A0092B-C50C-407E-A947-70E740481C1C}">
-                <a14:useLocalDpi xmlns:a14="http://schemas.microsoft.com/office/drawing/2010/main" val="0"/>
-              </a:ext>
-              <a:ext uri="{96DAC541-7B7A-43D3-8B79-37D633B846F1}">
-                <asvg:svgBlip xmlns:asvg="http://schemas.microsoft.com/office/drawing/2016/SVG/main" r:embed="rId8"/>
-              </a:ext>
-            </a:extLst>
-          </a:blip>
-          <a:stretch>
-            <a:fillRect/>
-          </a:stretch>
-        </a:blipFill>
-      </dgm:spPr>
-      <dgm:extLst>
-        <a:ext uri="{E40237B7-FDA0-4F09-8148-C483321AD2D9}">
-          <dgm14:cNvPr xmlns:dgm14="http://schemas.microsoft.com/office/drawing/2010/diagram" id="0" name="" descr="Branching Diagram"/>
-        </a:ext>
-      </dgm:extLst>
-    </dgm:pt>
-    <dgm:pt modelId="{B2EABE54-8D2A-429E-9CE5-1010C45E58D7}" type="pres">
-      <dgm:prSet presAssocID="{F700388C-2E38-4BF3-9F62-AEB8C7EC2272}" presName="spaceRect" presStyleCnt="0"/>
-      <dgm:spPr/>
-    </dgm:pt>
-    <dgm:pt modelId="{559D6451-36E5-47D5-93FF-35D7B9CD5D07}" type="pres">
-      <dgm:prSet presAssocID="{F700388C-2E38-4BF3-9F62-AEB8C7EC2272}" presName="parTx" presStyleLbl="revTx" presStyleIdx="4" presStyleCnt="5">
-        <dgm:presLayoutVars>
-          <dgm:chMax val="0"/>
-          <dgm:chPref val="0"/>
+          <dgm:chMax val="1"/>
+          <dgm:chPref val="1"/>
         </dgm:presLayoutVars>
       </dgm:prSet>
       <dgm:spPr/>
     </dgm:pt>
   </dgm:ptLst>
   <dgm:cxnLst>
-    <dgm:cxn modelId="{0339781A-ADFB-4B42-8A8F-9BE65E17EDA4}" type="presOf" srcId="{9215B54D-9A10-4567-A3AA-A04FE3586E44}" destId="{4560B6D9-190E-45B1-81F8-CDAE5919F1F6}" srcOrd="0" destOrd="0" presId="urn:microsoft.com/office/officeart/2018/2/layout/IconVerticalSolidList"/>
-    <dgm:cxn modelId="{77B5DD2A-7461-49E8-8EF8-282B59B30E6B}" srcId="{607607E3-CBC9-43FE-8F22-A8B644E02913}" destId="{64DB106C-CAD6-4229-9DB6-98E82CFAD6AF}" srcOrd="1" destOrd="0" parTransId="{31B4B605-0F7B-4E76-9860-274882B1EE8E}" sibTransId="{8254D2DC-A3F2-43F3-8C8F-F6FB8F5F175C}"/>
-    <dgm:cxn modelId="{4A853E31-1678-4BF7-824A-E424EB0BF09B}" type="presOf" srcId="{607607E3-CBC9-43FE-8F22-A8B644E02913}" destId="{950E1837-ACE2-44DA-A145-1A4CD38E5065}" srcOrd="0" destOrd="0" presId="urn:microsoft.com/office/officeart/2018/2/layout/IconVerticalSolidList"/>
-    <dgm:cxn modelId="{20414F42-53CC-4B9B-9C3F-B0BEDB4C6EF8}" srcId="{607607E3-CBC9-43FE-8F22-A8B644E02913}" destId="{64F79D64-9458-4C20-B5C7-652B636E9368}" srcOrd="2" destOrd="0" parTransId="{A23A7E78-59C5-4DDD-943C-4AF3F005585E}" sibTransId="{66AB99E6-9B8C-43E1-9FDC-2A4F53D630BD}"/>
-    <dgm:cxn modelId="{95A07561-D47F-476C-A919-DD915E035527}" type="presOf" srcId="{4D47A4E0-3FEC-45B8-9236-CE0F1FC9DD8D}" destId="{D47FC03E-A7D2-4EEC-871E-57566DE65A0D}" srcOrd="0" destOrd="0" presId="urn:microsoft.com/office/officeart/2018/2/layout/IconVerticalSolidList"/>
-    <dgm:cxn modelId="{494CA678-79C5-4119-AA45-EFEDAD415E91}" type="presOf" srcId="{64F79D64-9458-4C20-B5C7-652B636E9368}" destId="{5B506843-E1AA-4DD7-B2DA-31B8AB344789}" srcOrd="0" destOrd="0" presId="urn:microsoft.com/office/officeart/2018/2/layout/IconVerticalSolidList"/>
-    <dgm:cxn modelId="{160FC1A4-BEDC-4D1F-AD41-D6FBB0485113}" srcId="{607607E3-CBC9-43FE-8F22-A8B644E02913}" destId="{9215B54D-9A10-4567-A3AA-A04FE3586E44}" srcOrd="0" destOrd="0" parTransId="{0DC8E8CF-C47D-4DC8-9C20-FB453B8A5E3E}" sibTransId="{E3846883-C8D8-4697-AE55-39CFA17790C3}"/>
-    <dgm:cxn modelId="{39913FAA-885B-41E5-B41D-BE9F59067084}" srcId="{9215B54D-9A10-4567-A3AA-A04FE3586E44}" destId="{796DE3E9-1931-40CB-B7B0-F107C69BB786}" srcOrd="1" destOrd="0" parTransId="{BD1DBB54-4039-48CE-B646-927AA80ADC7F}" sibTransId="{F532D86C-E4FA-4484-9BAE-4A0463E87943}"/>
-    <dgm:cxn modelId="{A7E3CEAA-4E19-43A5-A101-D60B8C442017}" type="presOf" srcId="{796DE3E9-1931-40CB-B7B0-F107C69BB786}" destId="{D47FC03E-A7D2-4EEC-871E-57566DE65A0D}" srcOrd="0" destOrd="1" presId="urn:microsoft.com/office/officeart/2018/2/layout/IconVerticalSolidList"/>
-    <dgm:cxn modelId="{CB4629C1-FC62-4F3D-9444-C2E3CDB92F3A}" type="presOf" srcId="{F700388C-2E38-4BF3-9F62-AEB8C7EC2272}" destId="{559D6451-36E5-47D5-93FF-35D7B9CD5D07}" srcOrd="0" destOrd="0" presId="urn:microsoft.com/office/officeart/2018/2/layout/IconVerticalSolidList"/>
-    <dgm:cxn modelId="{5E1FD0D5-235E-4B26-A047-D68702265098}" type="presOf" srcId="{64DB106C-CAD6-4229-9DB6-98E82CFAD6AF}" destId="{6E727185-017A-41E8-BE50-0C1CFED30916}" srcOrd="0" destOrd="0" presId="urn:microsoft.com/office/officeart/2018/2/layout/IconVerticalSolidList"/>
-    <dgm:cxn modelId="{92407CE0-73E6-46F7-86BB-F2C52EB856AD}" srcId="{9215B54D-9A10-4567-A3AA-A04FE3586E44}" destId="{519ECCC8-C736-404B-BEE9-2DB338D4235E}" srcOrd="2" destOrd="0" parTransId="{9F051A7C-BF0A-4158-9A8F-318BAA008024}" sibTransId="{79141777-D187-454D-A1FD-EB6E4D62BCC7}"/>
-    <dgm:cxn modelId="{D77C4EE5-3188-4776-98F0-CF1CB5EDDCC8}" type="presOf" srcId="{519ECCC8-C736-404B-BEE9-2DB338D4235E}" destId="{D47FC03E-A7D2-4EEC-871E-57566DE65A0D}" srcOrd="0" destOrd="2" presId="urn:microsoft.com/office/officeart/2018/2/layout/IconVerticalSolidList"/>
-    <dgm:cxn modelId="{7C1EB0E9-7B31-40AD-99F6-F21BBB7A8C28}" srcId="{9215B54D-9A10-4567-A3AA-A04FE3586E44}" destId="{4D47A4E0-3FEC-45B8-9236-CE0F1FC9DD8D}" srcOrd="0" destOrd="0" parTransId="{753BB2FA-680E-4F66-A04D-73A56A0151E5}" sibTransId="{83ADF2BD-3BFB-4545-913E-91A7B082C578}"/>
-    <dgm:cxn modelId="{E54B95EC-AFDF-4D23-A50B-D4EBBEBCA74F}" srcId="{607607E3-CBC9-43FE-8F22-A8B644E02913}" destId="{F700388C-2E38-4BF3-9F62-AEB8C7EC2272}" srcOrd="3" destOrd="0" parTransId="{55D53289-FBA3-4852-B40F-BD86069BA58C}" sibTransId="{420E1143-3A8E-4CA5-8BDE-B6E833FBD2CE}"/>
-    <dgm:cxn modelId="{D1E75AAD-9A6D-47C7-90A4-0D77AAD612F6}" type="presParOf" srcId="{950E1837-ACE2-44DA-A145-1A4CD38E5065}" destId="{52D13AAA-1E24-4543-8DF6-076AF569CEE2}" srcOrd="0" destOrd="0" presId="urn:microsoft.com/office/officeart/2018/2/layout/IconVerticalSolidList"/>
-    <dgm:cxn modelId="{EF0BEB98-C42C-4A5E-8F96-C4C73F927B8C}" type="presParOf" srcId="{52D13AAA-1E24-4543-8DF6-076AF569CEE2}" destId="{07827464-940F-4359-A152-E9E0821986AE}" srcOrd="0" destOrd="0" presId="urn:microsoft.com/office/officeart/2018/2/layout/IconVerticalSolidList"/>
-    <dgm:cxn modelId="{43886850-3E7F-45AC-8C3D-6523E8329711}" type="presParOf" srcId="{52D13AAA-1E24-4543-8DF6-076AF569CEE2}" destId="{740EB814-0FEE-4753-ADAA-418E6B83469D}" srcOrd="1" destOrd="0" presId="urn:microsoft.com/office/officeart/2018/2/layout/IconVerticalSolidList"/>
-    <dgm:cxn modelId="{B6373717-B80A-4A13-83EF-8DB4C24E9E4A}" type="presParOf" srcId="{52D13AAA-1E24-4543-8DF6-076AF569CEE2}" destId="{AC7DA35B-F793-4490-9640-86CB26C61013}" srcOrd="2" destOrd="0" presId="urn:microsoft.com/office/officeart/2018/2/layout/IconVerticalSolidList"/>
-    <dgm:cxn modelId="{A9C6FEBA-3767-4F50-9596-A58511596730}" type="presParOf" srcId="{52D13AAA-1E24-4543-8DF6-076AF569CEE2}" destId="{4560B6D9-190E-45B1-81F8-CDAE5919F1F6}" srcOrd="3" destOrd="0" presId="urn:microsoft.com/office/officeart/2018/2/layout/IconVerticalSolidList"/>
-    <dgm:cxn modelId="{60C7583C-702E-4807-AECC-AD8197D8509D}" type="presParOf" srcId="{52D13AAA-1E24-4543-8DF6-076AF569CEE2}" destId="{D47FC03E-A7D2-4EEC-871E-57566DE65A0D}" srcOrd="4" destOrd="0" presId="urn:microsoft.com/office/officeart/2018/2/layout/IconVerticalSolidList"/>
-    <dgm:cxn modelId="{8744F032-C535-415D-ADAC-E9587E052BE5}" type="presParOf" srcId="{950E1837-ACE2-44DA-A145-1A4CD38E5065}" destId="{F4DC8C99-8426-4482-90D0-19328F30F248}" srcOrd="1" destOrd="0" presId="urn:microsoft.com/office/officeart/2018/2/layout/IconVerticalSolidList"/>
-    <dgm:cxn modelId="{0CFC8C3E-9185-4579-B620-001449E5684C}" type="presParOf" srcId="{950E1837-ACE2-44DA-A145-1A4CD38E5065}" destId="{01C7C784-618B-4EB3-8A6C-CDCCF3ED62EB}" srcOrd="2" destOrd="0" presId="urn:microsoft.com/office/officeart/2018/2/layout/IconVerticalSolidList"/>
-    <dgm:cxn modelId="{DA5E5D85-28DA-4437-A73E-703F18A19559}" type="presParOf" srcId="{01C7C784-618B-4EB3-8A6C-CDCCF3ED62EB}" destId="{0F8832A0-6286-4E44-8D21-477A1E7E671A}" srcOrd="0" destOrd="0" presId="urn:microsoft.com/office/officeart/2018/2/layout/IconVerticalSolidList"/>
-    <dgm:cxn modelId="{10F569C3-D0EC-42C7-9A91-A90B8CD334FB}" type="presParOf" srcId="{01C7C784-618B-4EB3-8A6C-CDCCF3ED62EB}" destId="{6025364B-1297-42F0-BC95-871BDC52882E}" srcOrd="1" destOrd="0" presId="urn:microsoft.com/office/officeart/2018/2/layout/IconVerticalSolidList"/>
-    <dgm:cxn modelId="{11948EA6-01C6-428D-BCA4-6EC992845155}" type="presParOf" srcId="{01C7C784-618B-4EB3-8A6C-CDCCF3ED62EB}" destId="{C9DFB5CF-05B9-4B47-A5AD-0A9E609A29DF}" srcOrd="2" destOrd="0" presId="urn:microsoft.com/office/officeart/2018/2/layout/IconVerticalSolidList"/>
-    <dgm:cxn modelId="{10E92350-C70A-4682-99B5-451D1FF70EC6}" type="presParOf" srcId="{01C7C784-618B-4EB3-8A6C-CDCCF3ED62EB}" destId="{6E727185-017A-41E8-BE50-0C1CFED30916}" srcOrd="3" destOrd="0" presId="urn:microsoft.com/office/officeart/2018/2/layout/IconVerticalSolidList"/>
-    <dgm:cxn modelId="{78881FC9-7115-40A1-B035-ABBE6A213BD4}" type="presParOf" srcId="{950E1837-ACE2-44DA-A145-1A4CD38E5065}" destId="{57CF95C3-C589-4D16-8F7D-855413512060}" srcOrd="3" destOrd="0" presId="urn:microsoft.com/office/officeart/2018/2/layout/IconVerticalSolidList"/>
-    <dgm:cxn modelId="{30CE3D99-B0F0-4015-AAF1-6A1AC4AF6070}" type="presParOf" srcId="{950E1837-ACE2-44DA-A145-1A4CD38E5065}" destId="{55CCE5F4-0786-410C-A151-9FAC4ED90A3B}" srcOrd="4" destOrd="0" presId="urn:microsoft.com/office/officeart/2018/2/layout/IconVerticalSolidList"/>
-    <dgm:cxn modelId="{6CCCE8AD-9B3F-43A1-B1AA-1843AFA1F9B4}" type="presParOf" srcId="{55CCE5F4-0786-410C-A151-9FAC4ED90A3B}" destId="{EF079ED5-E560-439F-90EF-F0484EA9B385}" srcOrd="0" destOrd="0" presId="urn:microsoft.com/office/officeart/2018/2/layout/IconVerticalSolidList"/>
-    <dgm:cxn modelId="{6446744D-4A3A-42DC-BB7F-BB1F1A32D8F7}" type="presParOf" srcId="{55CCE5F4-0786-410C-A151-9FAC4ED90A3B}" destId="{291505EE-E626-4635-BF01-7E0DBB4AC563}" srcOrd="1" destOrd="0" presId="urn:microsoft.com/office/officeart/2018/2/layout/IconVerticalSolidList"/>
-    <dgm:cxn modelId="{1B48B951-EB2F-4839-A189-6D8C7EBA5FE9}" type="presParOf" srcId="{55CCE5F4-0786-410C-A151-9FAC4ED90A3B}" destId="{6A1CA894-C6B4-4505-9F13-56CC73C5C40F}" srcOrd="2" destOrd="0" presId="urn:microsoft.com/office/officeart/2018/2/layout/IconVerticalSolidList"/>
-    <dgm:cxn modelId="{008F5834-42A1-4EA3-9B29-DE7A888825EF}" type="presParOf" srcId="{55CCE5F4-0786-410C-A151-9FAC4ED90A3B}" destId="{5B506843-E1AA-4DD7-B2DA-31B8AB344789}" srcOrd="3" destOrd="0" presId="urn:microsoft.com/office/officeart/2018/2/layout/IconVerticalSolidList"/>
-    <dgm:cxn modelId="{0219BCA7-4D7C-405D-8FEC-085227866FEB}" type="presParOf" srcId="{950E1837-ACE2-44DA-A145-1A4CD38E5065}" destId="{C7D89D79-8DF2-49E4-8274-C3BD8D116C37}" srcOrd="5" destOrd="0" presId="urn:microsoft.com/office/officeart/2018/2/layout/IconVerticalSolidList"/>
-    <dgm:cxn modelId="{244CE5DF-0ECB-42DE-B170-E353E0B70AEE}" type="presParOf" srcId="{950E1837-ACE2-44DA-A145-1A4CD38E5065}" destId="{CCEEF5BF-EA5F-4E35-9475-D002A93C0011}" srcOrd="6" destOrd="0" presId="urn:microsoft.com/office/officeart/2018/2/layout/IconVerticalSolidList"/>
-    <dgm:cxn modelId="{AC541C02-0749-4197-862E-A13AF971BD9E}" type="presParOf" srcId="{CCEEF5BF-EA5F-4E35-9475-D002A93C0011}" destId="{0C73EDC0-4DB9-4E6D-BB05-5FCFC4FF03EA}" srcOrd="0" destOrd="0" presId="urn:microsoft.com/office/officeart/2018/2/layout/IconVerticalSolidList"/>
-    <dgm:cxn modelId="{B9434D05-0C32-4D55-A64A-EFD924786FA2}" type="presParOf" srcId="{CCEEF5BF-EA5F-4E35-9475-D002A93C0011}" destId="{A6DC414E-0DBB-4209-8FD6-1DF21C1B41BD}" srcOrd="1" destOrd="0" presId="urn:microsoft.com/office/officeart/2018/2/layout/IconVerticalSolidList"/>
-    <dgm:cxn modelId="{F034821C-C49D-412D-B291-4EB09BF11EE9}" type="presParOf" srcId="{CCEEF5BF-EA5F-4E35-9475-D002A93C0011}" destId="{B2EABE54-8D2A-429E-9CE5-1010C45E58D7}" srcOrd="2" destOrd="0" presId="urn:microsoft.com/office/officeart/2018/2/layout/IconVerticalSolidList"/>
-    <dgm:cxn modelId="{02D700C1-6CCD-47D0-931C-8A09038D192A}" type="presParOf" srcId="{CCEEF5BF-EA5F-4E35-9475-D002A93C0011}" destId="{559D6451-36E5-47D5-93FF-35D7B9CD5D07}" srcOrd="3" destOrd="0" presId="urn:microsoft.com/office/officeart/2018/2/layout/IconVerticalSolidList"/>
+    <dgm:cxn modelId="{14377736-7869-40AD-ADE1-2D57FE293568}" srcId="{A43C4127-5676-47BB-B9D3-1EDB892F2E58}" destId="{01701FB5-07C4-4AD8-9767-6B3EEF9749D2}" srcOrd="2" destOrd="0" parTransId="{57D0E236-EC05-4459-844A-84255410372F}" sibTransId="{D410635E-550F-4FF2-B1CA-D337AA0A32B0}"/>
+    <dgm:cxn modelId="{7ABE3E67-1D5A-45EF-96A2-61DB70E07050}" type="presOf" srcId="{D92455F7-E3DA-4839-B0A1-E08502E82586}" destId="{112BA1B5-1220-4189-8C54-F99B3EE4A852}" srcOrd="0" destOrd="0" presId="urn:microsoft.com/office/officeart/2018/2/layout/IconLabelList"/>
+    <dgm:cxn modelId="{09768972-D7EC-4F8E-AE16-3577B80156FF}" type="presOf" srcId="{01701FB5-07C4-4AD8-9767-6B3EEF9749D2}" destId="{61902390-6512-41D0-96FB-89189C98AE4F}" srcOrd="0" destOrd="0" presId="urn:microsoft.com/office/officeart/2018/2/layout/IconLabelList"/>
+    <dgm:cxn modelId="{EC631DAE-1CE2-43DB-A8E9-00B4D546C46D}" type="presOf" srcId="{A43C4127-5676-47BB-B9D3-1EDB892F2E58}" destId="{7ED6CE45-05C2-47E4-A15C-3FB473F93C8B}" srcOrd="0" destOrd="0" presId="urn:microsoft.com/office/officeart/2018/2/layout/IconLabelList"/>
+    <dgm:cxn modelId="{6D2F6BD6-567F-4D60-B71D-0457EECEDBF3}" type="presOf" srcId="{44E6FA7F-243C-4BA1-804A-042256D52394}" destId="{C1A3329E-7D7F-4A5E-9A72-706D0E578852}" srcOrd="0" destOrd="0" presId="urn:microsoft.com/office/officeart/2018/2/layout/IconLabelList"/>
+    <dgm:cxn modelId="{07A449F0-F921-4D3B-9796-C73D34E02F26}" srcId="{A43C4127-5676-47BB-B9D3-1EDB892F2E58}" destId="{44E6FA7F-243C-4BA1-804A-042256D52394}" srcOrd="1" destOrd="0" parTransId="{F55E2403-BFED-49D5-B17E-A323D7ABADB8}" sibTransId="{42D56262-32D7-4F06-A6E4-BD9C558EA064}"/>
+    <dgm:cxn modelId="{49BF08F9-1FB7-4F0D-B2FF-BF2148C1864F}" srcId="{A43C4127-5676-47BB-B9D3-1EDB892F2E58}" destId="{D92455F7-E3DA-4839-B0A1-E08502E82586}" srcOrd="0" destOrd="0" parTransId="{8A5C50E1-F913-4464-9F7F-CEFDE92FEDF4}" sibTransId="{6070A4EF-C6DF-4AB7-9C34-45091A1AB489}"/>
+    <dgm:cxn modelId="{188D11D1-2ED8-49B1-82EA-42A1AFEFB51F}" type="presParOf" srcId="{7ED6CE45-05C2-47E4-A15C-3FB473F93C8B}" destId="{45F266F8-AD7B-4027-B1CD-C601593053F9}" srcOrd="0" destOrd="0" presId="urn:microsoft.com/office/officeart/2018/2/layout/IconLabelList"/>
+    <dgm:cxn modelId="{17381632-04F2-4799-8A1F-9E5522B3636F}" type="presParOf" srcId="{45F266F8-AD7B-4027-B1CD-C601593053F9}" destId="{D3D61E8D-CACF-45C6-B2DD-2A66B76FFB8D}" srcOrd="0" destOrd="0" presId="urn:microsoft.com/office/officeart/2018/2/layout/IconLabelList"/>
+    <dgm:cxn modelId="{4813FA80-CF32-4214-B2A1-552A7908E480}" type="presParOf" srcId="{45F266F8-AD7B-4027-B1CD-C601593053F9}" destId="{A04A224A-F9A6-472A-8F75-AF4940375949}" srcOrd="1" destOrd="0" presId="urn:microsoft.com/office/officeart/2018/2/layout/IconLabelList"/>
+    <dgm:cxn modelId="{F2A95D2B-06E4-433C-A630-4ABDF487E36A}" type="presParOf" srcId="{45F266F8-AD7B-4027-B1CD-C601593053F9}" destId="{112BA1B5-1220-4189-8C54-F99B3EE4A852}" srcOrd="2" destOrd="0" presId="urn:microsoft.com/office/officeart/2018/2/layout/IconLabelList"/>
+    <dgm:cxn modelId="{9742D8F7-F7CF-438F-AA3B-196D5C6F989F}" type="presParOf" srcId="{7ED6CE45-05C2-47E4-A15C-3FB473F93C8B}" destId="{5376A966-B112-4479-BA0D-0F08CD95CF47}" srcOrd="1" destOrd="0" presId="urn:microsoft.com/office/officeart/2018/2/layout/IconLabelList"/>
+    <dgm:cxn modelId="{15CFB98B-1A88-44AB-8DE0-0AB60F536F6E}" type="presParOf" srcId="{7ED6CE45-05C2-47E4-A15C-3FB473F93C8B}" destId="{0FBED357-2647-425A-82FB-BC49BB9C247C}" srcOrd="2" destOrd="0" presId="urn:microsoft.com/office/officeart/2018/2/layout/IconLabelList"/>
+    <dgm:cxn modelId="{C4F95C69-1BAE-4295-B9E8-5C227BD9D0C7}" type="presParOf" srcId="{0FBED357-2647-425A-82FB-BC49BB9C247C}" destId="{218A7973-65F6-4815-AFBC-6A86F21CE1E7}" srcOrd="0" destOrd="0" presId="urn:microsoft.com/office/officeart/2018/2/layout/IconLabelList"/>
+    <dgm:cxn modelId="{70451823-C21E-4423-B5B9-1B73F7D3B7E6}" type="presParOf" srcId="{0FBED357-2647-425A-82FB-BC49BB9C247C}" destId="{B897C0F2-F090-40A5-8F03-573DB2059236}" srcOrd="1" destOrd="0" presId="urn:microsoft.com/office/officeart/2018/2/layout/IconLabelList"/>
+    <dgm:cxn modelId="{F4399297-217C-4EC4-8337-77D79303007C}" type="presParOf" srcId="{0FBED357-2647-425A-82FB-BC49BB9C247C}" destId="{C1A3329E-7D7F-4A5E-9A72-706D0E578852}" srcOrd="2" destOrd="0" presId="urn:microsoft.com/office/officeart/2018/2/layout/IconLabelList"/>
+    <dgm:cxn modelId="{B91A055F-FDBB-4DC3-A2F6-18F654A356F1}" type="presParOf" srcId="{7ED6CE45-05C2-47E4-A15C-3FB473F93C8B}" destId="{28CDD555-4155-47C3-AE3A-3A77AB32820D}" srcOrd="3" destOrd="0" presId="urn:microsoft.com/office/officeart/2018/2/layout/IconLabelList"/>
+    <dgm:cxn modelId="{636F33DE-7D2D-4651-94FA-DC4F1EFA0C78}" type="presParOf" srcId="{7ED6CE45-05C2-47E4-A15C-3FB473F93C8B}" destId="{7C099B74-F484-4C0A-94B9-A6376045B117}" srcOrd="4" destOrd="0" presId="urn:microsoft.com/office/officeart/2018/2/layout/IconLabelList"/>
+    <dgm:cxn modelId="{27F8F0EC-7B1E-44DC-B017-7F2402F87595}" type="presParOf" srcId="{7C099B74-F484-4C0A-94B9-A6376045B117}" destId="{9AABF2A9-0583-4B48-9747-C101A78BD21C}" srcOrd="0" destOrd="0" presId="urn:microsoft.com/office/officeart/2018/2/layout/IconLabelList"/>
+    <dgm:cxn modelId="{D200054F-C492-49CC-AC15-A12083A02799}" type="presParOf" srcId="{7C099B74-F484-4C0A-94B9-A6376045B117}" destId="{F12ECC81-DF8A-4C8A-8DE6-FF6934AF8386}" srcOrd="1" destOrd="0" presId="urn:microsoft.com/office/officeart/2018/2/layout/IconLabelList"/>
+    <dgm:cxn modelId="{4D1385B3-BB5D-41F4-8C84-CCF4F717C70E}" type="presParOf" srcId="{7C099B74-F484-4C0A-94B9-A6376045B117}" destId="{61902390-6512-41D0-96FB-89189C98AE4F}" srcOrd="2" destOrd="0" presId="urn:microsoft.com/office/officeart/2018/2/layout/IconLabelList"/>
   </dgm:cxnLst>
   <dgm:bg/>
   <dgm:whole/>
@@ -4643,7 +3330,7 @@
 </dgm:dataModel>
 </file>
 
-<file path=ppt/diagrams/data4.xml><?xml version="1.0" encoding="utf-8"?>
+<file path=ppt/diagrams/data3.xml><?xml version="1.0" encoding="utf-8"?>
 <dgm:dataModel xmlns:dgm="http://schemas.openxmlformats.org/drawingml/2006/diagram" xmlns:a="http://schemas.openxmlformats.org/drawingml/2006/main">
   <dgm:ptLst>
     <dgm:pt modelId="{EDAAEAD8-ABFA-4E20-9E5E-5E9372640A77}" type="doc">
@@ -4923,7 +3610,7 @@
         <a:lstStyle/>
         <a:p>
           <a:r>
-            <a:rPr lang="en-US"/>
+            <a:rPr lang="en-US" dirty="0"/>
             <a:t>Multiple Files</a:t>
           </a:r>
         </a:p>
@@ -5419,8 +4106,8 @@
             <a:buNone/>
           </a:pPr>
           <a:r>
-            <a:rPr lang="en-US" sz="1900" kern="1200"/>
-            <a:t>Communication Evolution</a:t>
+            <a:rPr lang="en-US" sz="1900" kern="1200" dirty="0"/>
+            <a:t>Communication</a:t>
           </a:r>
         </a:p>
       </dsp:txBody>
@@ -6179,7 +4866,7 @@
             <a:buNone/>
           </a:pPr>
           <a:r>
-            <a:rPr lang="en-US" sz="1900" kern="1200"/>
+            <a:rPr lang="en-US" sz="1900" kern="1200" dirty="0"/>
             <a:t>Design workshop and feature prioritization</a:t>
           </a:r>
         </a:p>
@@ -6201,411 +4888,15 @@
       <dsp:cNvGrpSpPr/>
     </dsp:nvGrpSpPr>
     <dsp:grpSpPr/>
-    <dsp:sp modelId="{ED22224E-0FBA-468D-B01F-56911EB39660}">
+    <dsp:sp modelId="{D3D61E8D-CACF-45C6-B2DD-2A66B76FFB8D}">
       <dsp:nvSpPr>
         <dsp:cNvPr id="0" name=""/>
         <dsp:cNvSpPr/>
       </dsp:nvSpPr>
       <dsp:spPr>
         <a:xfrm>
-          <a:off x="937964" y="1348840"/>
-          <a:ext cx="1007015" cy="1007015"/>
-        </a:xfrm>
-        <a:prstGeom prst="rect">
-          <a:avLst/>
-        </a:prstGeom>
-        <a:blipFill>
-          <a:blip xmlns:r="http://schemas.openxmlformats.org/officeDocument/2006/relationships" r:embed="rId1">
-            <a:extLst>
-              <a:ext uri="{28A0092B-C50C-407E-A947-70E740481C1C}">
-                <a14:useLocalDpi xmlns:a14="http://schemas.microsoft.com/office/drawing/2010/main" val="0"/>
-              </a:ext>
-              <a:ext uri="{96DAC541-7B7A-43D3-8B79-37D633B846F1}">
-                <asvg:svgBlip xmlns:asvg="http://schemas.microsoft.com/office/drawing/2016/SVG/main" r:embed="rId2"/>
-              </a:ext>
-            </a:extLst>
-          </a:blip>
-          <a:stretch>
-            <a:fillRect/>
-          </a:stretch>
-        </a:blipFill>
-        <a:ln w="12700" cap="flat" cmpd="sng" algn="ctr">
-          <a:noFill/>
-          <a:prstDash val="solid"/>
-          <a:miter lim="800000"/>
-        </a:ln>
-        <a:effectLst/>
-      </dsp:spPr>
-      <dsp:style>
-        <a:lnRef idx="2">
-          <a:scrgbClr r="0" g="0" b="0"/>
-        </a:lnRef>
-        <a:fillRef idx="1">
-          <a:scrgbClr r="0" g="0" b="0"/>
-        </a:fillRef>
-        <a:effectRef idx="0">
-          <a:scrgbClr r="0" g="0" b="0"/>
-        </a:effectRef>
-        <a:fontRef idx="minor">
-          <a:schemeClr val="lt1"/>
-        </a:fontRef>
-      </dsp:style>
-    </dsp:sp>
-    <dsp:sp modelId="{C9D54BEF-EBEC-4FF6-B4A2-A6CA3B089BCD}">
-      <dsp:nvSpPr>
-        <dsp:cNvPr id="0" name=""/>
-        <dsp:cNvSpPr/>
-      </dsp:nvSpPr>
-      <dsp:spPr>
-        <a:xfrm>
-          <a:off x="2878" y="2476557"/>
-          <a:ext cx="2877187" cy="431578"/>
-        </a:xfrm>
-        <a:prstGeom prst="rect">
-          <a:avLst/>
-        </a:prstGeom>
-        <a:noFill/>
-        <a:ln>
-          <a:noFill/>
-        </a:ln>
-        <a:effectLst/>
-      </dsp:spPr>
-      <dsp:style>
-        <a:lnRef idx="0">
-          <a:scrgbClr r="0" g="0" b="0"/>
-        </a:lnRef>
-        <a:fillRef idx="0">
-          <a:scrgbClr r="0" g="0" b="0"/>
-        </a:fillRef>
-        <a:effectRef idx="0">
-          <a:scrgbClr r="0" g="0" b="0"/>
-        </a:effectRef>
-        <a:fontRef idx="minor"/>
-      </dsp:style>
-      <dsp:txBody>
-        <a:bodyPr spcFirstLastPara="0" vert="horz" wrap="square" lIns="0" tIns="0" rIns="0" bIns="0" numCol="1" spcCol="1270" anchor="t" anchorCtr="0">
-          <a:noAutofit/>
-        </a:bodyPr>
-        <a:lstStyle/>
-        <a:p>
-          <a:pPr marL="0" lvl="0" indent="0" algn="ctr" defTabSz="1333500">
-            <a:lnSpc>
-              <a:spcPct val="90000"/>
-            </a:lnSpc>
-            <a:spcBef>
-              <a:spcPct val="0"/>
-            </a:spcBef>
-            <a:spcAft>
-              <a:spcPct val="35000"/>
-            </a:spcAft>
-            <a:buNone/>
-            <a:defRPr b="1"/>
-          </a:pPr>
-          <a:r>
-            <a:rPr lang="en-US" sz="3000" kern="1200"/>
-            <a:t>Problem</a:t>
-          </a:r>
-        </a:p>
-      </dsp:txBody>
-      <dsp:txXfrm>
-        <a:off x="2878" y="2476557"/>
-        <a:ext cx="2877187" cy="431578"/>
-      </dsp:txXfrm>
-    </dsp:sp>
-    <dsp:sp modelId="{D9159E77-8DCA-4379-946C-DE95DCB8BE76}">
-      <dsp:nvSpPr>
-        <dsp:cNvPr id="0" name=""/>
-        <dsp:cNvSpPr/>
-      </dsp:nvSpPr>
-      <dsp:spPr>
-        <a:xfrm>
-          <a:off x="2878" y="2964275"/>
-          <a:ext cx="2877187" cy="1191572"/>
-        </a:xfrm>
-        <a:prstGeom prst="rect">
-          <a:avLst/>
-        </a:prstGeom>
-        <a:noFill/>
-        <a:ln>
-          <a:noFill/>
-        </a:ln>
-        <a:effectLst/>
-      </dsp:spPr>
-      <dsp:style>
-        <a:lnRef idx="0">
-          <a:scrgbClr r="0" g="0" b="0"/>
-        </a:lnRef>
-        <a:fillRef idx="0">
-          <a:scrgbClr r="0" g="0" b="0"/>
-        </a:fillRef>
-        <a:effectRef idx="0">
-          <a:scrgbClr r="0" g="0" b="0"/>
-        </a:effectRef>
-        <a:fontRef idx="minor"/>
-      </dsp:style>
-      <dsp:txBody>
-        <a:bodyPr spcFirstLastPara="0" vert="horz" wrap="square" lIns="0" tIns="0" rIns="0" bIns="0" numCol="1" spcCol="1270" anchor="t" anchorCtr="0">
-          <a:noAutofit/>
-        </a:bodyPr>
-        <a:lstStyle/>
-        <a:p>
-          <a:pPr marL="0" lvl="0" indent="0" algn="ctr" defTabSz="755650">
-            <a:lnSpc>
-              <a:spcPct val="90000"/>
-            </a:lnSpc>
-            <a:spcBef>
-              <a:spcPct val="0"/>
-            </a:spcBef>
-            <a:spcAft>
-              <a:spcPct val="35000"/>
-            </a:spcAft>
-            <a:buNone/>
-          </a:pPr>
-          <a:r>
-            <a:rPr lang="en-US" sz="1700" kern="1200"/>
-            <a:t>One of the problems we identified internally on our first sprint retrospective was research visibility</a:t>
-          </a:r>
-        </a:p>
-      </dsp:txBody>
-      <dsp:txXfrm>
-        <a:off x="2878" y="2964275"/>
-        <a:ext cx="2877187" cy="1191572"/>
-      </dsp:txXfrm>
-    </dsp:sp>
-    <dsp:sp modelId="{39928BFF-5ADB-42CD-8D63-DC60CF5AD1A1}">
-      <dsp:nvSpPr>
-        <dsp:cNvPr id="0" name=""/>
-        <dsp:cNvSpPr/>
-      </dsp:nvSpPr>
-      <dsp:spPr>
-        <a:xfrm>
-          <a:off x="4318659" y="1348840"/>
-          <a:ext cx="1007015" cy="1007015"/>
-        </a:xfrm>
-        <a:prstGeom prst="rect">
-          <a:avLst/>
-        </a:prstGeom>
-        <a:blipFill>
-          <a:blip xmlns:r="http://schemas.openxmlformats.org/officeDocument/2006/relationships" r:embed="rId3">
-            <a:extLst>
-              <a:ext uri="{28A0092B-C50C-407E-A947-70E740481C1C}">
-                <a14:useLocalDpi xmlns:a14="http://schemas.microsoft.com/office/drawing/2010/main" val="0"/>
-              </a:ext>
-              <a:ext uri="{96DAC541-7B7A-43D3-8B79-37D633B846F1}">
-                <asvg:svgBlip xmlns:asvg="http://schemas.microsoft.com/office/drawing/2016/SVG/main" r:embed="rId4"/>
-              </a:ext>
-            </a:extLst>
-          </a:blip>
-          <a:stretch>
-            <a:fillRect/>
-          </a:stretch>
-        </a:blipFill>
-        <a:ln w="12700" cap="flat" cmpd="sng" algn="ctr">
-          <a:noFill/>
-          <a:prstDash val="solid"/>
-          <a:miter lim="800000"/>
-        </a:ln>
-        <a:effectLst/>
-      </dsp:spPr>
-      <dsp:style>
-        <a:lnRef idx="2">
-          <a:scrgbClr r="0" g="0" b="0"/>
-        </a:lnRef>
-        <a:fillRef idx="1">
-          <a:scrgbClr r="0" g="0" b="0"/>
-        </a:fillRef>
-        <a:effectRef idx="0">
-          <a:scrgbClr r="0" g="0" b="0"/>
-        </a:effectRef>
-        <a:fontRef idx="minor">
-          <a:schemeClr val="lt1"/>
-        </a:fontRef>
-      </dsp:style>
-    </dsp:sp>
-    <dsp:sp modelId="{4E521992-CBD0-41AD-A44D-EA3A50C8F09A}">
-      <dsp:nvSpPr>
-        <dsp:cNvPr id="0" name=""/>
-        <dsp:cNvSpPr/>
-      </dsp:nvSpPr>
-      <dsp:spPr>
-        <a:xfrm>
-          <a:off x="3383573" y="2476557"/>
-          <a:ext cx="2877187" cy="431578"/>
-        </a:xfrm>
-        <a:prstGeom prst="rect">
-          <a:avLst/>
-        </a:prstGeom>
-        <a:noFill/>
-        <a:ln>
-          <a:noFill/>
-        </a:ln>
-        <a:effectLst/>
-      </dsp:spPr>
-      <dsp:style>
-        <a:lnRef idx="0">
-          <a:scrgbClr r="0" g="0" b="0"/>
-        </a:lnRef>
-        <a:fillRef idx="0">
-          <a:scrgbClr r="0" g="0" b="0"/>
-        </a:fillRef>
-        <a:effectRef idx="0">
-          <a:scrgbClr r="0" g="0" b="0"/>
-        </a:effectRef>
-        <a:fontRef idx="minor"/>
-      </dsp:style>
-      <dsp:txBody>
-        <a:bodyPr spcFirstLastPara="0" vert="horz" wrap="square" lIns="0" tIns="0" rIns="0" bIns="0" numCol="1" spcCol="1270" anchor="t" anchorCtr="0">
-          <a:noAutofit/>
-        </a:bodyPr>
-        <a:lstStyle/>
-        <a:p>
-          <a:pPr marL="0" lvl="0" indent="0" algn="ctr" defTabSz="1333500">
-            <a:lnSpc>
-              <a:spcPct val="90000"/>
-            </a:lnSpc>
-            <a:spcBef>
-              <a:spcPct val="0"/>
-            </a:spcBef>
-            <a:spcAft>
-              <a:spcPct val="35000"/>
-            </a:spcAft>
-            <a:buNone/>
-            <a:defRPr b="1"/>
-          </a:pPr>
-          <a:r>
-            <a:rPr lang="en-US" sz="3000" kern="1200"/>
-            <a:t>Solution</a:t>
-          </a:r>
-        </a:p>
-      </dsp:txBody>
-      <dsp:txXfrm>
-        <a:off x="3383573" y="2476557"/>
-        <a:ext cx="2877187" cy="431578"/>
-      </dsp:txXfrm>
-    </dsp:sp>
-    <dsp:sp modelId="{F0536FDB-4446-4DCB-A34B-36D784166459}">
-      <dsp:nvSpPr>
-        <dsp:cNvPr id="0" name=""/>
-        <dsp:cNvSpPr/>
-      </dsp:nvSpPr>
-      <dsp:spPr>
-        <a:xfrm>
-          <a:off x="3383573" y="2964275"/>
-          <a:ext cx="2877187" cy="1191572"/>
-        </a:xfrm>
-        <a:prstGeom prst="rect">
-          <a:avLst/>
-        </a:prstGeom>
-        <a:noFill/>
-        <a:ln>
-          <a:noFill/>
-        </a:ln>
-        <a:effectLst/>
-      </dsp:spPr>
-      <dsp:style>
-        <a:lnRef idx="0">
-          <a:scrgbClr r="0" g="0" b="0"/>
-        </a:lnRef>
-        <a:fillRef idx="0">
-          <a:scrgbClr r="0" g="0" b="0"/>
-        </a:fillRef>
-        <a:effectRef idx="0">
-          <a:scrgbClr r="0" g="0" b="0"/>
-        </a:effectRef>
-        <a:fontRef idx="minor"/>
-      </dsp:style>
-      <dsp:txBody>
-        <a:bodyPr spcFirstLastPara="0" vert="horz" wrap="square" lIns="0" tIns="0" rIns="0" bIns="0" numCol="1" spcCol="1270" anchor="t" anchorCtr="0">
-          <a:noAutofit/>
-        </a:bodyPr>
-        <a:lstStyle/>
-        <a:p>
-          <a:pPr marL="0" lvl="0" indent="0" algn="ctr" defTabSz="755650">
-            <a:lnSpc>
-              <a:spcPct val="90000"/>
-            </a:lnSpc>
-            <a:spcBef>
-              <a:spcPct val="0"/>
-            </a:spcBef>
-            <a:spcAft>
-              <a:spcPct val="35000"/>
-            </a:spcAft>
-            <a:buNone/>
-          </a:pPr>
-          <a:r>
-            <a:rPr lang="en-US" sz="1700" kern="1200"/>
-            <a:t>After each piece of research, we share it in Slack and then try to organize a brief presentation with the whole team to get feedback.</a:t>
-          </a:r>
-        </a:p>
-      </dsp:txBody>
-      <dsp:txXfrm>
-        <a:off x="3383573" y="2964275"/>
-        <a:ext cx="2877187" cy="1191572"/>
-      </dsp:txXfrm>
-    </dsp:sp>
-  </dsp:spTree>
-</dsp:drawing>
-</file>
-
-<file path=ppt/diagrams/drawing3.xml><?xml version="1.0" encoding="utf-8"?>
-<dsp:drawing xmlns:dgm="http://schemas.openxmlformats.org/drawingml/2006/diagram" xmlns:dsp="http://schemas.microsoft.com/office/drawing/2008/diagram" xmlns:a="http://schemas.openxmlformats.org/drawingml/2006/main">
-  <dsp:spTree>
-    <dsp:nvGrpSpPr>
-      <dsp:cNvPr id="0" name=""/>
-      <dsp:cNvGrpSpPr/>
-    </dsp:nvGrpSpPr>
-    <dsp:grpSpPr/>
-    <dsp:sp modelId="{07827464-940F-4359-A152-E9E0821986AE}">
-      <dsp:nvSpPr>
-        <dsp:cNvPr id="0" name=""/>
-        <dsp:cNvSpPr/>
-      </dsp:nvSpPr>
-      <dsp:spPr>
-        <a:xfrm>
-          <a:off x="0" y="1805"/>
-          <a:ext cx="10515600" cy="915310"/>
-        </a:xfrm>
-        <a:prstGeom prst="roundRect">
-          <a:avLst>
-            <a:gd name="adj" fmla="val 10000"/>
-          </a:avLst>
-        </a:prstGeom>
-        <a:solidFill>
-          <a:schemeClr val="accent1">
-            <a:tint val="40000"/>
-            <a:hueOff val="0"/>
-            <a:satOff val="0"/>
-            <a:lumOff val="0"/>
-            <a:alphaOff val="0"/>
-          </a:schemeClr>
-        </a:solidFill>
-        <a:ln>
-          <a:noFill/>
-        </a:ln>
-        <a:effectLst/>
-      </dsp:spPr>
-      <dsp:style>
-        <a:lnRef idx="0">
-          <a:scrgbClr r="0" g="0" b="0"/>
-        </a:lnRef>
-        <a:fillRef idx="1">
-          <a:scrgbClr r="0" g="0" b="0"/>
-        </a:fillRef>
-        <a:effectRef idx="0">
-          <a:scrgbClr r="0" g="0" b="0"/>
-        </a:effectRef>
-        <a:fontRef idx="minor"/>
-      </dsp:style>
-    </dsp:sp>
-    <dsp:sp modelId="{740EB814-0FEE-4753-ADAA-418E6B83469D}">
-      <dsp:nvSpPr>
-        <dsp:cNvPr id="0" name=""/>
-        <dsp:cNvSpPr/>
-      </dsp:nvSpPr>
-      <dsp:spPr>
-        <a:xfrm>
-          <a:off x="276881" y="207750"/>
-          <a:ext cx="503420" cy="503420"/>
+          <a:off x="1212569" y="987197"/>
+          <a:ext cx="1300252" cy="1300252"/>
         </a:xfrm>
         <a:prstGeom prst="rect">
           <a:avLst/>
@@ -6654,15 +4945,15 @@
         </a:fontRef>
       </dsp:style>
     </dsp:sp>
-    <dsp:sp modelId="{4560B6D9-190E-45B1-81F8-CDAE5919F1F6}">
+    <dsp:sp modelId="{112BA1B5-1220-4189-8C54-F99B3EE4A852}">
       <dsp:nvSpPr>
         <dsp:cNvPr id="0" name=""/>
         <dsp:cNvSpPr/>
       </dsp:nvSpPr>
       <dsp:spPr>
         <a:xfrm>
-          <a:off x="1057183" y="1805"/>
-          <a:ext cx="4732020" cy="915310"/>
+          <a:off x="417971" y="2644140"/>
+          <a:ext cx="2889450" cy="720000"/>
         </a:xfrm>
         <a:prstGeom prst="rect">
           <a:avLst/>
@@ -6686,12 +4977,12 @@
         <a:fontRef idx="minor"/>
       </dsp:style>
       <dsp:txBody>
-        <a:bodyPr spcFirstLastPara="0" vert="horz" wrap="square" lIns="96870" tIns="96870" rIns="96870" bIns="96870" numCol="1" spcCol="1270" anchor="ctr" anchorCtr="0">
+        <a:bodyPr spcFirstLastPara="0" vert="horz" wrap="square" lIns="0" tIns="0" rIns="0" bIns="0" numCol="1" spcCol="1270" anchor="t" anchorCtr="0">
           <a:noAutofit/>
         </a:bodyPr>
         <a:lstStyle/>
         <a:p>
-          <a:pPr marL="0" lvl="0" indent="0" algn="l" defTabSz="977900">
+          <a:pPr marL="0" lvl="0" indent="0" algn="ctr" defTabSz="622300">
             <a:lnSpc>
               <a:spcPct val="100000"/>
             </a:lnSpc>
@@ -6704,163 +4995,25 @@
             <a:buNone/>
           </a:pPr>
           <a:r>
-            <a:rPr lang="en-US" sz="2200" kern="1200"/>
-            <a:t>Day to Day we have daily stand ups that answer the following questions</a:t>
+            <a:rPr lang="en-US" sz="1400" kern="1200"/>
+            <a:t>To share knowledge, we have regular catch ups, share and communicate on slack and share on sprint meetings</a:t>
           </a:r>
         </a:p>
       </dsp:txBody>
       <dsp:txXfrm>
-        <a:off x="1057183" y="1805"/>
-        <a:ext cx="4732020" cy="915310"/>
+        <a:off x="417971" y="2644140"/>
+        <a:ext cx="2889450" cy="720000"/>
       </dsp:txXfrm>
     </dsp:sp>
-    <dsp:sp modelId="{D47FC03E-A7D2-4EEC-871E-57566DE65A0D}">
+    <dsp:sp modelId="{218A7973-65F6-4815-AFBC-6A86F21CE1E7}">
       <dsp:nvSpPr>
         <dsp:cNvPr id="0" name=""/>
         <dsp:cNvSpPr/>
       </dsp:nvSpPr>
       <dsp:spPr>
         <a:xfrm>
-          <a:off x="5789203" y="1805"/>
-          <a:ext cx="4726396" cy="915310"/>
-        </a:xfrm>
-        <a:prstGeom prst="rect">
-          <a:avLst/>
-        </a:prstGeom>
-        <a:noFill/>
-        <a:ln>
-          <a:noFill/>
-        </a:ln>
-        <a:effectLst/>
-      </dsp:spPr>
-      <dsp:style>
-        <a:lnRef idx="0">
-          <a:scrgbClr r="0" g="0" b="0"/>
-        </a:lnRef>
-        <a:fillRef idx="0">
-          <a:scrgbClr r="0" g="0" b="0"/>
-        </a:fillRef>
-        <a:effectRef idx="0">
-          <a:scrgbClr r="0" g="0" b="0"/>
-        </a:effectRef>
-        <a:fontRef idx="minor"/>
-      </dsp:style>
-      <dsp:txBody>
-        <a:bodyPr spcFirstLastPara="0" vert="horz" wrap="square" lIns="96870" tIns="96870" rIns="96870" bIns="96870" numCol="1" spcCol="1270" anchor="ctr" anchorCtr="0">
-          <a:noAutofit/>
-        </a:bodyPr>
-        <a:lstStyle/>
-        <a:p>
-          <a:pPr marL="0" lvl="0" indent="0" algn="l" defTabSz="533400">
-            <a:lnSpc>
-              <a:spcPct val="100000"/>
-            </a:lnSpc>
-            <a:spcBef>
-              <a:spcPct val="0"/>
-            </a:spcBef>
-            <a:spcAft>
-              <a:spcPct val="35000"/>
-            </a:spcAft>
-            <a:buNone/>
-          </a:pPr>
-          <a:r>
-            <a:rPr lang="en-US" sz="1200" kern="1200"/>
-            <a:t>What did you complete yesterday?</a:t>
-          </a:r>
-        </a:p>
-        <a:p>
-          <a:pPr marL="0" lvl="0" indent="0" algn="l" defTabSz="533400">
-            <a:lnSpc>
-              <a:spcPct val="100000"/>
-            </a:lnSpc>
-            <a:spcBef>
-              <a:spcPct val="0"/>
-            </a:spcBef>
-            <a:spcAft>
-              <a:spcPct val="35000"/>
-            </a:spcAft>
-            <a:buNone/>
-          </a:pPr>
-          <a:r>
-            <a:rPr lang="en-US" sz="1200" kern="1200"/>
-            <a:t>What are you doing today?</a:t>
-          </a:r>
-        </a:p>
-        <a:p>
-          <a:pPr marL="0" lvl="0" indent="0" algn="l" defTabSz="533400">
-            <a:lnSpc>
-              <a:spcPct val="100000"/>
-            </a:lnSpc>
-            <a:spcBef>
-              <a:spcPct val="0"/>
-            </a:spcBef>
-            <a:spcAft>
-              <a:spcPct val="35000"/>
-            </a:spcAft>
-            <a:buNone/>
-          </a:pPr>
-          <a:r>
-            <a:rPr lang="en-US" sz="1200" kern="1200"/>
-            <a:t>Any blockers?</a:t>
-          </a:r>
-        </a:p>
-      </dsp:txBody>
-      <dsp:txXfrm>
-        <a:off x="5789203" y="1805"/>
-        <a:ext cx="4726396" cy="915310"/>
-      </dsp:txXfrm>
-    </dsp:sp>
-    <dsp:sp modelId="{0F8832A0-6286-4E44-8D21-477A1E7E671A}">
-      <dsp:nvSpPr>
-        <dsp:cNvPr id="0" name=""/>
-        <dsp:cNvSpPr/>
-      </dsp:nvSpPr>
-      <dsp:spPr>
-        <a:xfrm>
-          <a:off x="0" y="1145944"/>
-          <a:ext cx="10515600" cy="915310"/>
-        </a:xfrm>
-        <a:prstGeom prst="roundRect">
-          <a:avLst>
-            <a:gd name="adj" fmla="val 10000"/>
-          </a:avLst>
-        </a:prstGeom>
-        <a:solidFill>
-          <a:schemeClr val="accent1">
-            <a:tint val="40000"/>
-            <a:hueOff val="0"/>
-            <a:satOff val="0"/>
-            <a:lumOff val="0"/>
-            <a:alphaOff val="0"/>
-          </a:schemeClr>
-        </a:solidFill>
-        <a:ln>
-          <a:noFill/>
-        </a:ln>
-        <a:effectLst/>
-      </dsp:spPr>
-      <dsp:style>
-        <a:lnRef idx="0">
-          <a:scrgbClr r="0" g="0" b="0"/>
-        </a:lnRef>
-        <a:fillRef idx="1">
-          <a:scrgbClr r="0" g="0" b="0"/>
-        </a:fillRef>
-        <a:effectRef idx="0">
-          <a:scrgbClr r="0" g="0" b="0"/>
-        </a:effectRef>
-        <a:fontRef idx="minor"/>
-      </dsp:style>
-    </dsp:sp>
-    <dsp:sp modelId="{6025364B-1297-42F0-BC95-871BDC52882E}">
-      <dsp:nvSpPr>
-        <dsp:cNvPr id="0" name=""/>
-        <dsp:cNvSpPr/>
-      </dsp:nvSpPr>
-      <dsp:spPr>
-        <a:xfrm>
-          <a:off x="276881" y="1351889"/>
-          <a:ext cx="503420" cy="503420"/>
+          <a:off x="4607673" y="987197"/>
+          <a:ext cx="1300252" cy="1300252"/>
         </a:xfrm>
         <a:prstGeom prst="rect">
           <a:avLst/>
@@ -6909,15 +5062,15 @@
         </a:fontRef>
       </dsp:style>
     </dsp:sp>
-    <dsp:sp modelId="{6E727185-017A-41E8-BE50-0C1CFED30916}">
+    <dsp:sp modelId="{C1A3329E-7D7F-4A5E-9A72-706D0E578852}">
       <dsp:nvSpPr>
         <dsp:cNvPr id="0" name=""/>
         <dsp:cNvSpPr/>
       </dsp:nvSpPr>
       <dsp:spPr>
         <a:xfrm>
-          <a:off x="1057183" y="1145944"/>
-          <a:ext cx="9458416" cy="915310"/>
+          <a:off x="3813075" y="2644140"/>
+          <a:ext cx="2889450" cy="720000"/>
         </a:xfrm>
         <a:prstGeom prst="rect">
           <a:avLst/>
@@ -6941,12 +5094,12 @@
         <a:fontRef idx="minor"/>
       </dsp:style>
       <dsp:txBody>
-        <a:bodyPr spcFirstLastPara="0" vert="horz" wrap="square" lIns="96870" tIns="96870" rIns="96870" bIns="96870" numCol="1" spcCol="1270" anchor="ctr" anchorCtr="0">
+        <a:bodyPr spcFirstLastPara="0" vert="horz" wrap="square" lIns="0" tIns="0" rIns="0" bIns="0" numCol="1" spcCol="1270" anchor="t" anchorCtr="0">
           <a:noAutofit/>
         </a:bodyPr>
         <a:lstStyle/>
         <a:p>
-          <a:pPr marL="0" lvl="0" indent="0" algn="l" defTabSz="977900">
+          <a:pPr marL="0" lvl="0" indent="0" algn="ctr" defTabSz="622300">
             <a:lnSpc>
               <a:spcPct val="100000"/>
             </a:lnSpc>
@@ -6959,67 +5112,25 @@
             <a:buNone/>
           </a:pPr>
           <a:r>
-            <a:rPr lang="en-US" sz="2200" kern="1200"/>
-            <a:t>If problems are identified, we try to solve as a team on the call or organize a call between members that can help solve</a:t>
+            <a:rPr lang="en-US" sz="1400" kern="1200"/>
+            <a:t>ASD team have learned about data cleaning, data profiling, outliers and clustering</a:t>
           </a:r>
         </a:p>
       </dsp:txBody>
       <dsp:txXfrm>
-        <a:off x="1057183" y="1145944"/>
-        <a:ext cx="9458416" cy="915310"/>
+        <a:off x="3813075" y="2644140"/>
+        <a:ext cx="2889450" cy="720000"/>
       </dsp:txXfrm>
     </dsp:sp>
-    <dsp:sp modelId="{EF079ED5-E560-439F-90EF-F0484EA9B385}">
+    <dsp:sp modelId="{9AABF2A9-0583-4B48-9747-C101A78BD21C}">
       <dsp:nvSpPr>
         <dsp:cNvPr id="0" name=""/>
         <dsp:cNvSpPr/>
       </dsp:nvSpPr>
       <dsp:spPr>
         <a:xfrm>
-          <a:off x="0" y="2290082"/>
-          <a:ext cx="10515600" cy="915310"/>
-        </a:xfrm>
-        <a:prstGeom prst="roundRect">
-          <a:avLst>
-            <a:gd name="adj" fmla="val 10000"/>
-          </a:avLst>
-        </a:prstGeom>
-        <a:solidFill>
-          <a:schemeClr val="accent1">
-            <a:tint val="40000"/>
-            <a:hueOff val="0"/>
-            <a:satOff val="0"/>
-            <a:lumOff val="0"/>
-            <a:alphaOff val="0"/>
-          </a:schemeClr>
-        </a:solidFill>
-        <a:ln>
-          <a:noFill/>
-        </a:ln>
-        <a:effectLst/>
-      </dsp:spPr>
-      <dsp:style>
-        <a:lnRef idx="0">
-          <a:scrgbClr r="0" g="0" b="0"/>
-        </a:lnRef>
-        <a:fillRef idx="1">
-          <a:scrgbClr r="0" g="0" b="0"/>
-        </a:fillRef>
-        <a:effectRef idx="0">
-          <a:scrgbClr r="0" g="0" b="0"/>
-        </a:effectRef>
-        <a:fontRef idx="minor"/>
-      </dsp:style>
-    </dsp:sp>
-    <dsp:sp modelId="{291505EE-E626-4635-BF01-7E0DBB4AC563}">
-      <dsp:nvSpPr>
-        <dsp:cNvPr id="0" name=""/>
-        <dsp:cNvSpPr/>
-      </dsp:nvSpPr>
-      <dsp:spPr>
-        <a:xfrm>
-          <a:off x="276881" y="2496027"/>
-          <a:ext cx="503420" cy="503420"/>
+          <a:off x="8002777" y="987197"/>
+          <a:ext cx="1300252" cy="1300252"/>
         </a:xfrm>
         <a:prstGeom prst="rect">
           <a:avLst/>
@@ -7068,15 +5179,15 @@
         </a:fontRef>
       </dsp:style>
     </dsp:sp>
-    <dsp:sp modelId="{5B506843-E1AA-4DD7-B2DA-31B8AB344789}">
+    <dsp:sp modelId="{61902390-6512-41D0-96FB-89189C98AE4F}">
       <dsp:nvSpPr>
         <dsp:cNvPr id="0" name=""/>
         <dsp:cNvSpPr/>
       </dsp:nvSpPr>
       <dsp:spPr>
         <a:xfrm>
-          <a:off x="1057183" y="2290082"/>
-          <a:ext cx="9458416" cy="915310"/>
+          <a:off x="7208178" y="2644140"/>
+          <a:ext cx="2889450" cy="720000"/>
         </a:xfrm>
         <a:prstGeom prst="rect">
           <a:avLst/>
@@ -7100,12 +5211,12 @@
         <a:fontRef idx="minor"/>
       </dsp:style>
       <dsp:txBody>
-        <a:bodyPr spcFirstLastPara="0" vert="horz" wrap="square" lIns="96870" tIns="96870" rIns="96870" bIns="96870" numCol="1" spcCol="1270" anchor="ctr" anchorCtr="0">
+        <a:bodyPr spcFirstLastPara="0" vert="horz" wrap="square" lIns="0" tIns="0" rIns="0" bIns="0" numCol="1" spcCol="1270" anchor="t" anchorCtr="0">
           <a:noAutofit/>
         </a:bodyPr>
         <a:lstStyle/>
         <a:p>
-          <a:pPr marL="0" lvl="0" indent="0" algn="l" defTabSz="977900">
+          <a:pPr marL="0" lvl="0" indent="0" algn="ctr" defTabSz="622300">
             <a:lnSpc>
               <a:spcPct val="100000"/>
             </a:lnSpc>
@@ -7118,180 +5229,21 @@
             <a:buNone/>
           </a:pPr>
           <a:r>
-            <a:rPr lang="en-US" sz="2200" kern="1200"/>
-            <a:t>Dynamics of the team are evolving with rotation of a scrum master</a:t>
+            <a:rPr lang="en-US" sz="1400" kern="1200"/>
+            <a:t>DS team have learned about API’s, coding in a software environment rather than notebooks and GitHub </a:t>
           </a:r>
         </a:p>
       </dsp:txBody>
       <dsp:txXfrm>
-        <a:off x="1057183" y="2290082"/>
-        <a:ext cx="9458416" cy="915310"/>
-      </dsp:txXfrm>
-    </dsp:sp>
-    <dsp:sp modelId="{0C73EDC0-4DB9-4E6D-BB05-5FCFC4FF03EA}">
-      <dsp:nvSpPr>
-        <dsp:cNvPr id="0" name=""/>
-        <dsp:cNvSpPr/>
-      </dsp:nvSpPr>
-      <dsp:spPr>
-        <a:xfrm>
-          <a:off x="0" y="3434221"/>
-          <a:ext cx="10515600" cy="915310"/>
-        </a:xfrm>
-        <a:prstGeom prst="roundRect">
-          <a:avLst>
-            <a:gd name="adj" fmla="val 10000"/>
-          </a:avLst>
-        </a:prstGeom>
-        <a:solidFill>
-          <a:schemeClr val="accent1">
-            <a:tint val="40000"/>
-            <a:hueOff val="0"/>
-            <a:satOff val="0"/>
-            <a:lumOff val="0"/>
-            <a:alphaOff val="0"/>
-          </a:schemeClr>
-        </a:solidFill>
-        <a:ln>
-          <a:noFill/>
-        </a:ln>
-        <a:effectLst/>
-      </dsp:spPr>
-      <dsp:style>
-        <a:lnRef idx="0">
-          <a:scrgbClr r="0" g="0" b="0"/>
-        </a:lnRef>
-        <a:fillRef idx="1">
-          <a:scrgbClr r="0" g="0" b="0"/>
-        </a:fillRef>
-        <a:effectRef idx="0">
-          <a:scrgbClr r="0" g="0" b="0"/>
-        </a:effectRef>
-        <a:fontRef idx="minor"/>
-      </dsp:style>
-    </dsp:sp>
-    <dsp:sp modelId="{A6DC414E-0DBB-4209-8FD6-1DF21C1B41BD}">
-      <dsp:nvSpPr>
-        <dsp:cNvPr id="0" name=""/>
-        <dsp:cNvSpPr/>
-      </dsp:nvSpPr>
-      <dsp:spPr>
-        <a:xfrm>
-          <a:off x="276881" y="3640166"/>
-          <a:ext cx="503420" cy="503420"/>
-        </a:xfrm>
-        <a:prstGeom prst="rect">
-          <a:avLst/>
-        </a:prstGeom>
-        <a:blipFill>
-          <a:blip xmlns:r="http://schemas.openxmlformats.org/officeDocument/2006/relationships" r:embed="rId7">
-            <a:extLst>
-              <a:ext uri="{28A0092B-C50C-407E-A947-70E740481C1C}">
-                <a14:useLocalDpi xmlns:a14="http://schemas.microsoft.com/office/drawing/2010/main" val="0"/>
-              </a:ext>
-              <a:ext uri="{96DAC541-7B7A-43D3-8B79-37D633B846F1}">
-                <asvg:svgBlip xmlns:asvg="http://schemas.microsoft.com/office/drawing/2016/SVG/main" r:embed="rId8"/>
-              </a:ext>
-            </a:extLst>
-          </a:blip>
-          <a:stretch>
-            <a:fillRect/>
-          </a:stretch>
-        </a:blipFill>
-        <a:ln w="12700" cap="flat" cmpd="sng" algn="ctr">
-          <a:solidFill>
-            <a:schemeClr val="lt1">
-              <a:hueOff val="0"/>
-              <a:satOff val="0"/>
-              <a:lumOff val="0"/>
-              <a:alphaOff val="0"/>
-            </a:schemeClr>
-          </a:solidFill>
-          <a:prstDash val="solid"/>
-          <a:miter lim="800000"/>
-        </a:ln>
-        <a:effectLst/>
-      </dsp:spPr>
-      <dsp:style>
-        <a:lnRef idx="2">
-          <a:scrgbClr r="0" g="0" b="0"/>
-        </a:lnRef>
-        <a:fillRef idx="1">
-          <a:scrgbClr r="0" g="0" b="0"/>
-        </a:fillRef>
-        <a:effectRef idx="0">
-          <a:scrgbClr r="0" g="0" b="0"/>
-        </a:effectRef>
-        <a:fontRef idx="minor">
-          <a:schemeClr val="lt1"/>
-        </a:fontRef>
-      </dsp:style>
-    </dsp:sp>
-    <dsp:sp modelId="{559D6451-36E5-47D5-93FF-35D7B9CD5D07}">
-      <dsp:nvSpPr>
-        <dsp:cNvPr id="0" name=""/>
-        <dsp:cNvSpPr/>
-      </dsp:nvSpPr>
-      <dsp:spPr>
-        <a:xfrm>
-          <a:off x="1057183" y="3434221"/>
-          <a:ext cx="9458416" cy="915310"/>
-        </a:xfrm>
-        <a:prstGeom prst="rect">
-          <a:avLst/>
-        </a:prstGeom>
-        <a:noFill/>
-        <a:ln>
-          <a:noFill/>
-        </a:ln>
-        <a:effectLst/>
-      </dsp:spPr>
-      <dsp:style>
-        <a:lnRef idx="0">
-          <a:scrgbClr r="0" g="0" b="0"/>
-        </a:lnRef>
-        <a:fillRef idx="0">
-          <a:scrgbClr r="0" g="0" b="0"/>
-        </a:fillRef>
-        <a:effectRef idx="0">
-          <a:scrgbClr r="0" g="0" b="0"/>
-        </a:effectRef>
-        <a:fontRef idx="minor"/>
-      </dsp:style>
-      <dsp:txBody>
-        <a:bodyPr spcFirstLastPara="0" vert="horz" wrap="square" lIns="96870" tIns="96870" rIns="96870" bIns="96870" numCol="1" spcCol="1270" anchor="ctr" anchorCtr="0">
-          <a:noAutofit/>
-        </a:bodyPr>
-        <a:lstStyle/>
-        <a:p>
-          <a:pPr marL="0" lvl="0" indent="0" algn="l" defTabSz="977900">
-            <a:lnSpc>
-              <a:spcPct val="100000"/>
-            </a:lnSpc>
-            <a:spcBef>
-              <a:spcPct val="0"/>
-            </a:spcBef>
-            <a:spcAft>
-              <a:spcPct val="35000"/>
-            </a:spcAft>
-            <a:buNone/>
-          </a:pPr>
-          <a:r>
-            <a:rPr lang="en-US" sz="2200" kern="1200"/>
-            <a:t>Ownership of certain tasks may also change.</a:t>
-          </a:r>
-        </a:p>
-      </dsp:txBody>
-      <dsp:txXfrm>
-        <a:off x="1057183" y="3434221"/>
-        <a:ext cx="9458416" cy="915310"/>
+        <a:off x="7208178" y="2644140"/>
+        <a:ext cx="2889450" cy="720000"/>
       </dsp:txXfrm>
     </dsp:sp>
   </dsp:spTree>
 </dsp:drawing>
 </file>
 
-<file path=ppt/diagrams/drawing4.xml><?xml version="1.0" encoding="utf-8"?>
+<file path=ppt/diagrams/drawing3.xml><?xml version="1.0" encoding="utf-8"?>
 <dsp:drawing xmlns:dgm="http://schemas.openxmlformats.org/drawingml/2006/diagram" xmlns:dsp="http://schemas.microsoft.com/office/drawing/2008/diagram" xmlns:a="http://schemas.openxmlformats.org/drawingml/2006/main">
   <dsp:spTree>
     <dsp:nvGrpSpPr>
@@ -7639,7 +5591,7 @@
             <a:buChar char="•"/>
           </a:pPr>
           <a:r>
-            <a:rPr lang="en-US" sz="2300" kern="1200"/>
+            <a:rPr lang="en-US" sz="2300" kern="1200" dirty="0"/>
             <a:t>Multiple Files</a:t>
           </a:r>
         </a:p>
@@ -8141,9 +6093,9 @@
 </file>
 
 <file path=ppt/diagrams/layout2.xml><?xml version="1.0" encoding="utf-8"?>
-<dgm:layoutDef xmlns:dgm="http://schemas.openxmlformats.org/drawingml/2006/diagram" xmlns:a="http://schemas.openxmlformats.org/drawingml/2006/main" uniqueId="urn:microsoft.com/office/officeart/2018/5/layout/CenteredIconLabelDescriptionList">
-  <dgm:title val="Centered Icon Label Description List"/>
-  <dgm:desc val="Use to show non-sequential or grouped chunks of information. The placeholder holds an icon or small picture, and corresponding text boxes show Level 1 and Level 2 text respectively. Works well for minimal Level 1 text accompanied by lengthier Level two text."/>
+<dgm:layoutDef xmlns:dgm="http://schemas.openxmlformats.org/drawingml/2006/diagram" xmlns:a="http://schemas.openxmlformats.org/drawingml/2006/main" uniqueId="urn:microsoft.com/office/officeart/2018/2/layout/IconLabelList">
+  <dgm:title val="Icon Label List"/>
+  <dgm:desc val="Use to show non-sequential or grouped chunks of information accompanied by a related visuals. Works best with icons or small pictures with short text captions."/>
   <dgm:catLst>
     <dgm:cat type="icon" pri="500"/>
   </dgm:catLst>
@@ -8175,216 +6127,23 @@
     </dgm:varLst>
     <dgm:choose name="Name0">
       <dgm:if name="Name1" axis="self" func="var" arg="dir" op="equ" val="norm">
-        <dgm:alg type="lin"/>
-      </dgm:if>
-      <dgm:else name="Name2">
-        <dgm:alg type="lin">
-          <dgm:param type="linDir" val="fromR"/>
-        </dgm:alg>
-      </dgm:else>
-    </dgm:choose>
-    <dgm:shape xmlns:r="http://schemas.openxmlformats.org/officeDocument/2006/relationships" r:blip="">
-      <dgm:adjLst/>
-    </dgm:shape>
-    <dgm:presOf/>
-    <dgm:constrLst>
-      <dgm:constr type="h" for="ch" forName="compNode" refType="h" fact="0.45"/>
-      <dgm:constr type="w" for="ch" forName="compNode" val="120"/>
-      <dgm:constr type="w" for="ch" forName="sibTrans" refType="w" refFor="ch" refForName="compNode" fact="0.175"/>
-      <dgm:constr type="primFontSz" for="des" forName="parTx" val="36"/>
-      <dgm:constr type="primFontSz" for="des" forName="desTx" refType="primFontSz" refFor="des" refForName="parTx" op="lte" fact="0.75"/>
-      <dgm:constr type="h" for="des" forName="compNode" op="equ"/>
-      <dgm:constr type="h" for="des" forName="iconRect" op="equ"/>
-      <dgm:constr type="w" for="des" forName="iconRect" op="equ"/>
-      <dgm:constr type="h" for="des" forName="iconSpace" op="equ"/>
-      <dgm:constr type="h" for="des" forName="parTx" op="equ"/>
-      <dgm:constr type="h" for="des" forName="txSpace" op="equ"/>
-      <dgm:constr type="h" for="des" forName="desTx" op="equ"/>
-    </dgm:constrLst>
-    <dgm:ruleLst>
-      <dgm:rule type="w" for="ch" forName="compNode" val="0" fact="NaN" max="NaN"/>
-    </dgm:ruleLst>
-    <dgm:forEach name="Name3" axis="ch" ptType="node">
-      <dgm:layoutNode name="compNode">
-        <dgm:alg type="composite"/>
-        <dgm:shape xmlns:r="http://schemas.openxmlformats.org/officeDocument/2006/relationships" r:blip="">
-          <dgm:adjLst/>
-        </dgm:shape>
-        <dgm:presOf axis="self"/>
-        <dgm:constrLst>
-          <dgm:constr type="w" for="ch" forName="iconRect" refType="w" fact="0.35"/>
-          <dgm:constr type="h" for="ch" forName="iconRect" refType="w" refFor="ch" refForName="iconRect"/>
-          <dgm:constr type="ctrX" for="ch" forName="iconRect" refType="w" fact="0.5"/>
-          <dgm:constr type="t" for="ch" forName="iconRect"/>
-          <dgm:constr type="w" for="ch" forName="iconSpace" refType="w"/>
-          <dgm:constr type="h" for="ch" forName="iconSpace" refType="h" fact="0.043"/>
-          <dgm:constr type="l" for="ch" forName="iconSpace"/>
-          <dgm:constr type="t" for="ch" forName="iconSpace" refType="b" refFor="ch" refForName="iconRect"/>
-          <dgm:constr type="w" for="ch" forName="parTx" refType="w"/>
-          <dgm:constr type="h" for="ch" forName="parTx" refType="w" fact="0.15"/>
-          <dgm:constr type="l" for="ch" forName="parTx"/>
-          <dgm:constr type="t" for="ch" forName="parTx" refType="b" refFor="ch" refForName="iconSpace"/>
-          <dgm:constr type="h" for="ch" forName="txSpace" refType="h" fact="0.02"/>
-          <dgm:constr type="w" for="ch" forName="txSpace" refType="w"/>
-          <dgm:constr type="l" for="ch" forName="txSpace"/>
-          <dgm:constr type="t" for="ch" forName="txSpace" refType="b" refFor="ch" refForName="parTx"/>
-          <dgm:constr type="w" for="ch" forName="desTx" refType="w"/>
-          <dgm:constr type="l" for="ch" forName="desTx"/>
-          <dgm:constr type="t" for="ch" forName="desTx" refType="b" refFor="ch" refForName="txSpace"/>
-        </dgm:constrLst>
-        <dgm:ruleLst>
-          <dgm:rule type="h" val="INF" fact="NaN" max="NaN"/>
-        </dgm:ruleLst>
-        <dgm:layoutNode name="iconRect" styleLbl="node1">
-          <dgm:alg type="sp"/>
-          <dgm:shape xmlns:r="http://schemas.openxmlformats.org/officeDocument/2006/relationships" type="rect" r:blip="" blipPhldr="1">
-            <dgm:adjLst/>
-          </dgm:shape>
-          <dgm:presOf/>
-          <dgm:constrLst/>
-          <dgm:ruleLst/>
-        </dgm:layoutNode>
-        <dgm:layoutNode name="iconSpace">
-          <dgm:alg type="sp"/>
-          <dgm:shape xmlns:r="http://schemas.openxmlformats.org/officeDocument/2006/relationships" r:blip="">
-            <dgm:adjLst/>
-          </dgm:shape>
-          <dgm:presOf/>
-          <dgm:constrLst/>
-          <dgm:ruleLst/>
-        </dgm:layoutNode>
-        <dgm:layoutNode name="parTx" styleLbl="revTx">
-          <dgm:varLst>
-            <dgm:chMax val="0"/>
-            <dgm:chPref val="0"/>
-          </dgm:varLst>
-          <dgm:alg type="tx">
-            <dgm:param type="txAnchorVert" val="t"/>
-          </dgm:alg>
-          <dgm:shape xmlns:r="http://schemas.openxmlformats.org/officeDocument/2006/relationships" type="rect" r:blip="">
-            <dgm:adjLst/>
-          </dgm:shape>
-          <dgm:presOf axis="self" ptType="node"/>
-          <dgm:constrLst>
-            <dgm:constr type="lMarg"/>
-            <dgm:constr type="rMarg"/>
-            <dgm:constr type="tMarg"/>
-            <dgm:constr type="bMarg"/>
-          </dgm:constrLst>
-          <dgm:ruleLst>
-            <dgm:rule type="primFontSz" val="14" fact="NaN" max="NaN"/>
-            <dgm:rule type="h" val="INF" fact="NaN" max="NaN"/>
-          </dgm:ruleLst>
-        </dgm:layoutNode>
-        <dgm:layoutNode name="txSpace">
-          <dgm:alg type="sp"/>
-          <dgm:shape xmlns:r="http://schemas.openxmlformats.org/officeDocument/2006/relationships" r:blip="">
-            <dgm:adjLst/>
-          </dgm:shape>
-          <dgm:presOf/>
-          <dgm:constrLst/>
-          <dgm:ruleLst/>
-        </dgm:layoutNode>
-        <dgm:layoutNode name="desTx" styleLbl="revTx">
-          <dgm:varLst/>
-          <dgm:alg type="tx">
-            <dgm:param type="stBulletLvl" val="0"/>
-            <dgm:param type="txAnchorVert" val="t"/>
-          </dgm:alg>
-          <dgm:shape xmlns:r="http://schemas.openxmlformats.org/officeDocument/2006/relationships" type="rect" r:blip="">
-            <dgm:adjLst/>
-          </dgm:shape>
-          <dgm:presOf axis="des" ptType="node"/>
-          <dgm:constrLst>
-            <dgm:constr type="secFontSz" refType="primFontSz"/>
-            <dgm:constr type="lMarg"/>
-            <dgm:constr type="rMarg"/>
-            <dgm:constr type="tMarg"/>
-            <dgm:constr type="bMarg"/>
-          </dgm:constrLst>
-          <dgm:ruleLst>
-            <dgm:rule type="primFontSz" val="NaN" fact="NaN" max="17"/>
-            <dgm:rule type="h" val="INF" fact="NaN" max="NaN"/>
-          </dgm:ruleLst>
-        </dgm:layoutNode>
-      </dgm:layoutNode>
-      <dgm:forEach name="Name4" axis="followSib" ptType="sibTrans" cnt="1">
-        <dgm:layoutNode name="sibTrans">
-          <dgm:alg type="sp"/>
-          <dgm:shape xmlns:r="http://schemas.openxmlformats.org/officeDocument/2006/relationships" r:blip="">
-            <dgm:adjLst/>
-          </dgm:shape>
-          <dgm:presOf axis="self"/>
-          <dgm:constrLst/>
-          <dgm:ruleLst/>
-        </dgm:layoutNode>
-      </dgm:forEach>
-    </dgm:forEach>
-  </dgm:layoutNode>
-  <dgm:extLst>
-    <a:ext uri="{68A01E43-0DF5-4B5B-8FA6-DAF915123BFB}">
-      <dgm1612:lstStyle xmlns:dgm1612="http://schemas.microsoft.com/office/drawing/2016/12/diagram">
-        <a:lvl1pPr>
-          <a:lnSpc>
-            <a:spcPct val="100000"/>
-          </a:lnSpc>
-          <a:defRPr b="1"/>
-        </a:lvl1pPr>
-        <a:lvl2pPr>
-          <a:lnSpc>
-            <a:spcPct val="100000"/>
-          </a:lnSpc>
-        </a:lvl2pPr>
-      </dgm1612:lstStyle>
-    </a:ext>
-  </dgm:extLst>
-</dgm:layoutDef>
-</file>
-
-<file path=ppt/diagrams/layout3.xml><?xml version="1.0" encoding="utf-8"?>
-<dgm:layoutDef xmlns:dgm="http://schemas.openxmlformats.org/drawingml/2006/diagram" xmlns:a="http://schemas.openxmlformats.org/drawingml/2006/main" uniqueId="urn:microsoft.com/office/officeart/2018/2/layout/IconVerticalSolidList">
-  <dgm:title val="Icon Vertical Solid List"/>
-  <dgm:desc val="Use to show a series of visuals from top to bottom with Level 1 or Level 1 and Level 2 text grouped in a shape. Works best with icons or small pictures with lengthier descriptions."/>
-  <dgm:catLst>
-    <dgm:cat type="icon" pri="500"/>
-  </dgm:catLst>
-  <dgm:sampData useDef="1">
-    <dgm:dataModel>
-      <dgm:ptLst/>
-      <dgm:bg/>
-      <dgm:whole/>
-    </dgm:dataModel>
-  </dgm:sampData>
-  <dgm:styleData useDef="1">
-    <dgm:dataModel>
-      <dgm:ptLst/>
-      <dgm:bg/>
-      <dgm:whole/>
-    </dgm:dataModel>
-  </dgm:styleData>
-  <dgm:clrData useDef="1">
-    <dgm:dataModel>
-      <dgm:ptLst/>
-      <dgm:bg/>
-      <dgm:whole/>
-    </dgm:dataModel>
-  </dgm:clrData>
-  <dgm:layoutNode name="root">
-    <dgm:varLst>
-      <dgm:dir/>
-      <dgm:resizeHandles val="exact"/>
-    </dgm:varLst>
-    <dgm:choose name="Name0">
-      <dgm:if name="Name1" axis="self" func="var" arg="dir" op="equ" val="norm">
-        <dgm:alg type="lin">
-          <dgm:param type="linDir" val="fromT"/>
-          <dgm:param type="nodeHorzAlign" val="l"/>
+        <dgm:alg type="snake">
+          <dgm:param type="grDir" val="tL"/>
+          <dgm:param type="flowDir" val="row"/>
+          <dgm:param type="contDir" val="sameDir"/>
+          <dgm:param type="off" val="ctr"/>
+          <dgm:param type="vertAlign" val="mid"/>
+          <dgm:param type="horzAlign" val="ctr"/>
         </dgm:alg>
       </dgm:if>
       <dgm:else name="Name2">
-        <dgm:alg type="lin">
-          <dgm:param type="linDir" val="fromT"/>
-          <dgm:param type="nodeHorzAlign" val="r"/>
+        <dgm:alg type="snake">
+          <dgm:param type="grDir" val="tR"/>
+          <dgm:param type="flowDir" val="row"/>
+          <dgm:param type="contDir" val="sameDir"/>
+          <dgm:param type="off" val="ctr"/>
+          <dgm:param type="vertAlign" val="mid"/>
+          <dgm:param type="horzAlign" val="ctr"/>
         </dgm:alg>
       </dgm:else>
     </dgm:choose>
@@ -8393,139 +6152,67 @@
     </dgm:shape>
     <dgm:presOf/>
     <dgm:choose name="Name3">
-      <dgm:if name="Name4" axis="ch" ptType="node" func="cnt" op="lte" val="3">
+      <dgm:if name="Name4" axis="ch" ptType="node" func="cnt" op="lte" val="2">
         <dgm:constrLst>
-          <dgm:constr type="h" for="ch" forName="compNode" refType="h" fact="0.3"/>
-          <dgm:constr type="w" for="ch" forName="compNode" refType="w"/>
-          <dgm:constr type="h" for="ch" forName="sibTrans" refType="h" refFor="ch" refForName="compNode" fact="0.25"/>
-          <dgm:constr type="primFontSz" for="des" forName="parTx" val="25"/>
-          <dgm:constr type="primFontSz" for="des" forName="desTx" refType="primFontSz" refFor="des" refForName="parTx" op="lte" fact="0.75"/>
+          <dgm:constr type="h" for="ch" forName="compNode" refType="h" fact="0.4"/>
+          <dgm:constr type="w" for="ch" forName="compNode" val="120"/>
+          <dgm:constr type="w" for="ch" forName="sibTrans" refType="w" refFor="ch" refForName="compNode" fact="0.175"/>
+          <dgm:constr type="sp" refType="w" refFor="ch" refForName="compNode" op="equ" fact="0.25"/>
+          <dgm:constr type="primFontSz" for="des" ptType="node" op="equ" val="50"/>
           <dgm:constr type="h" for="des" forName="compNode" op="equ"/>
-          <dgm:constr type="h" for="des" forName="bgRect" op="equ"/>
-          <dgm:constr type="h" for="des" forName="iconRect" op="equ"/>
-          <dgm:constr type="w" for="des" forName="iconRect" op="equ"/>
-          <dgm:constr type="h" for="des" forName="spaceRect" op="equ"/>
-          <dgm:constr type="h" for="des" forName="parTx" op="equ"/>
-          <dgm:constr type="h" for="des" forName="desTx" op="equ"/>
+          <dgm:constr type="h" for="des" forName="textRect" op="equ"/>
         </dgm:constrLst>
       </dgm:if>
       <dgm:if name="Name5" axis="ch" ptType="node" func="cnt" op="lte" val="4">
         <dgm:constrLst>
-          <dgm:constr type="h" for="ch" forName="compNode" refType="h" fact="0.3"/>
+          <dgm:constr type="h" for="ch" forName="compNode" refType="h" fact="0.4"/>
           <dgm:constr type="w" for="ch" forName="compNode" refType="w"/>
-          <dgm:constr type="h" for="ch" forName="sibTrans" refType="h" refFor="ch" refForName="compNode" fact="0.25"/>
-          <dgm:constr type="primFontSz" for="des" forName="parTx" val="22"/>
-          <dgm:constr type="primFontSz" for="des" forName="desTx" refType="primFontSz" refFor="des" refForName="parTx" op="lte" fact="0.75"/>
+          <dgm:constr type="w" for="ch" forName="sibTrans" refType="w" refFor="ch" refForName="compNode" fact="0.175"/>
+          <dgm:constr type="sp" refType="w" refFor="ch" refForName="compNode" op="equ" fact="0.25"/>
+          <dgm:constr type="primFontSz" for="des" ptType="node" op="equ" val="36"/>
           <dgm:constr type="h" for="des" forName="compNode" op="equ"/>
-          <dgm:constr type="h" for="des" forName="bgRect" op="equ"/>
-          <dgm:constr type="h" for="des" forName="iconRect" op="equ"/>
-          <dgm:constr type="w" for="des" forName="iconRect" op="equ"/>
-          <dgm:constr type="h" for="des" forName="spaceRect" op="equ"/>
-          <dgm:constr type="h" for="des" forName="parTx" op="equ"/>
-          <dgm:constr type="h" for="des" forName="desTx" op="equ"/>
+          <dgm:constr type="h" for="des" forName="textRect" op="equ"/>
         </dgm:constrLst>
       </dgm:if>
-      <dgm:if name="Name6" axis="ch" ptType="node" func="cnt" op="lte" val="6">
+      <dgm:else name="Name6">
         <dgm:constrLst>
-          <dgm:constr type="h" for="ch" forName="compNode" refType="h" fact="0.3"/>
+          <dgm:constr type="h" for="ch" forName="compNode" refType="h" fact="0.4"/>
           <dgm:constr type="w" for="ch" forName="compNode" refType="w"/>
-          <dgm:constr type="h" for="ch" forName="sibTrans" refType="h" refFor="ch" refForName="compNode" fact="0.25"/>
-          <dgm:constr type="primFontSz" for="des" forName="parTx" val="19"/>
-          <dgm:constr type="primFontSz" for="des" forName="desTx" refType="primFontSz" refFor="des" refForName="parTx" op="lte" fact="0.75"/>
+          <dgm:constr type="w" for="ch" forName="sibTrans" refType="w" refFor="ch" refForName="compNode" fact="0.175"/>
+          <dgm:constr type="sp" refType="w" refFor="ch" refForName="compNode" op="equ" fact="0.25"/>
+          <dgm:constr type="primFontSz" for="des" ptType="node" op="equ" val="24"/>
           <dgm:constr type="h" for="des" forName="compNode" op="equ"/>
-          <dgm:constr type="h" for="des" forName="bgRect" op="equ"/>
-          <dgm:constr type="h" for="des" forName="iconRect" op="equ"/>
-          <dgm:constr type="w" for="des" forName="iconRect" op="equ"/>
-          <dgm:constr type="h" for="des" forName="spaceRect" op="equ"/>
-          <dgm:constr type="h" for="des" forName="parTx" op="equ"/>
-          <dgm:constr type="h" for="des" forName="desTx" op="equ"/>
-        </dgm:constrLst>
-      </dgm:if>
-      <dgm:else name="Name7">
-        <dgm:constrLst>
-          <dgm:constr type="h" for="ch" forName="compNode" refType="h" fact="0.3"/>
-          <dgm:constr type="w" for="ch" forName="compNode" refType="w"/>
-          <dgm:constr type="h" for="ch" forName="sibTrans" refType="h" refFor="ch" refForName="compNode" fact="0.25"/>
-          <dgm:constr type="primFontSz" for="des" forName="parTx" val="16"/>
-          <dgm:constr type="primFontSz" for="des" forName="desTx" refType="primFontSz" refFor="des" refForName="parTx" op="lte" fact="0.75"/>
-          <dgm:constr type="h" for="des" forName="compNode" op="equ"/>
-          <dgm:constr type="h" for="des" forName="bgRect" op="equ"/>
-          <dgm:constr type="h" for="des" forName="iconRect" op="equ"/>
-          <dgm:constr type="w" for="des" forName="iconRect" op="equ"/>
-          <dgm:constr type="h" for="des" forName="spaceRect" op="equ"/>
-          <dgm:constr type="h" for="des" forName="parTx" op="equ"/>
-          <dgm:constr type="h" for="des" forName="desTx" op="equ"/>
+          <dgm:constr type="h" for="des" forName="textRect" op="equ"/>
         </dgm:constrLst>
       </dgm:else>
     </dgm:choose>
     <dgm:ruleLst>
-      <dgm:rule type="h" for="ch" forName="compNode" val="0" fact="NaN" max="NaN"/>
+      <dgm:rule type="w" for="ch" forName="compNode" val="50" fact="NaN" max="NaN"/>
     </dgm:ruleLst>
-    <dgm:forEach name="Name8" axis="ch" ptType="node">
+    <dgm:forEach name="Name7" axis="ch" ptType="node">
       <dgm:layoutNode name="compNode">
         <dgm:alg type="composite"/>
         <dgm:shape xmlns:r="http://schemas.openxmlformats.org/officeDocument/2006/relationships" r:blip="">
           <dgm:adjLst/>
         </dgm:shape>
         <dgm:presOf axis="self"/>
-        <dgm:choose name="Name9">
-          <dgm:if name="Name10" axis="ch" ptType="node" func="cnt" op="gte" val="1">
-            <dgm:constrLst>
-              <dgm:constr type="w" for="ch" forName="bgRect" refType="w"/>
-              <dgm:constr type="h" for="ch" forName="bgRect" refType="h"/>
-              <dgm:constr type="l" for="ch" forName="bgRect"/>
-              <dgm:constr type="t" for="ch" forName="bgRect"/>
-              <dgm:constr type="h" for="ch" forName="iconRect" refType="h" fact="0.55"/>
-              <dgm:constr type="w" for="ch" forName="iconRect" refType="h" refFor="ch" refForName="iconRect"/>
-              <dgm:constr type="l" for="ch" forName="iconRect" refType="h" refFor="ch" refForName="iconRect" fact="0.55"/>
-              <dgm:constr type="ctrY" for="ch" forName="iconRect" refType="ctrY" refFor="ch" refForName="bgRect"/>
-              <dgm:constr type="w" for="ch" forName="spaceRect" refType="l" refFor="ch" refForName="iconRect"/>
-              <dgm:constr type="h" for="ch" forName="spaceRect" refType="h"/>
-              <dgm:constr type="l" for="ch" forName="spaceRect" refType="r" refFor="ch" refForName="iconRect"/>
-              <dgm:constr type="t" for="ch" forName="spaceRect"/>
-              <dgm:constr type="w" for="ch" forName="parTx" refType="w" fact="0.45"/>
-              <dgm:constr type="h" for="ch" forName="parTx" refType="h"/>
-              <dgm:constr type="l" for="ch" forName="parTx" refType="r" refFor="ch" refForName="spaceRect"/>
-              <dgm:constr type="t" for="ch" forName="parTx"/>
-              <dgm:constr type="h" for="ch" forName="desTx" refType="h"/>
-              <dgm:constr type="l" for="ch" forName="desTx" refType="r" refFor="ch" refForName="parTx"/>
-              <dgm:constr type="t" for="ch" forName="desTx"/>
-            </dgm:constrLst>
-          </dgm:if>
-          <dgm:else name="Name11">
-            <dgm:constrLst>
-              <dgm:constr type="w" for="ch" forName="bgRect" refType="w"/>
-              <dgm:constr type="h" for="ch" forName="bgRect" refType="h"/>
-              <dgm:constr type="l" for="ch" forName="bgRect"/>
-              <dgm:constr type="t" for="ch" forName="bgRect"/>
-              <dgm:constr type="h" for="ch" forName="iconRect" refType="h" fact="0.55"/>
-              <dgm:constr type="w" for="ch" forName="iconRect" refType="h" refFor="ch" refForName="iconRect"/>
-              <dgm:constr type="l" for="ch" forName="iconRect" refType="h" refFor="ch" refForName="iconRect" fact="0.55"/>
-              <dgm:constr type="ctrY" for="ch" forName="iconRect" refType="ctrY" refFor="ch" refForName="bgRect"/>
-              <dgm:constr type="w" for="ch" forName="spaceRect" refType="l" refFor="ch" refForName="iconRect"/>
-              <dgm:constr type="h" for="ch" forName="spaceRect" refType="h"/>
-              <dgm:constr type="l" for="ch" forName="spaceRect" refType="r" refFor="ch" refForName="iconRect"/>
-              <dgm:constr type="t" for="ch" forName="spaceRect"/>
-              <dgm:constr type="h" for="ch" forName="parTx" refType="h"/>
-              <dgm:constr type="l" for="ch" forName="parTx" refType="r" refFor="ch" refForName="spaceRect"/>
-              <dgm:constr type="t" for="ch" forName="parTx"/>
-            </dgm:constrLst>
-          </dgm:else>
-        </dgm:choose>
+        <dgm:constrLst>
+          <dgm:constr type="w" for="ch" forName="iconRect" refType="w" fact="0.45"/>
+          <dgm:constr type="h" for="ch" forName="iconRect" refType="w" refFor="ch" refForName="iconRect"/>
+          <dgm:constr type="ctrX" for="ch" forName="iconRect" refType="w" fact="0.5"/>
+          <dgm:constr type="t" for="ch" forName="iconRect"/>
+          <dgm:constr type="h" for="ch" forName="spaceRect" refType="h" fact="0.15"/>
+          <dgm:constr type="w" for="ch" forName="spaceRect" refType="w"/>
+          <dgm:constr type="l" for="ch" forName="spaceRect"/>
+          <dgm:constr type="t" for="ch" forName="spaceRect" refType="b" refFor="ch" refForName="iconRect"/>
+          <dgm:constr type="h" for="ch" forName="textRect" val="20"/>
+          <dgm:constr type="w" for="ch" forName="textRect" refType="w"/>
+          <dgm:constr type="l" for="ch" forName="textRect"/>
+          <dgm:constr type="t" for="ch" forName="textRect" refType="b" refFor="ch" refForName="spaceRect"/>
+        </dgm:constrLst>
         <dgm:ruleLst>
           <dgm:rule type="h" val="INF" fact="NaN" max="NaN"/>
         </dgm:ruleLst>
-        <dgm:layoutNode name="bgRect" styleLbl="bgShp">
-          <dgm:alg type="sp"/>
-          <dgm:shape xmlns:r="http://schemas.openxmlformats.org/officeDocument/2006/relationships" type="roundRect" r:blip="">
-            <dgm:adjLst>
-              <dgm:adj idx="1" val="0.1"/>
-            </dgm:adjLst>
-          </dgm:shape>
-          <dgm:presOf/>
-          <dgm:constrLst/>
-          <dgm:ruleLst/>
-        </dgm:layoutNode>
         <dgm:layoutNode name="iconRect" styleLbl="node1">
           <dgm:alg type="sp"/>
           <dgm:shape xmlns:r="http://schemas.openxmlformats.org/officeDocument/2006/relationships" type="rect" r:blip="" blipPhldr="1">
@@ -8544,66 +6231,31 @@
           <dgm:constrLst/>
           <dgm:ruleLst/>
         </dgm:layoutNode>
-        <dgm:layoutNode name="parTx" styleLbl="revTx">
+        <dgm:layoutNode name="textRect" styleLbl="revTx">
           <dgm:varLst>
-            <dgm:chMax val="0"/>
-            <dgm:chPref val="0"/>
+            <dgm:chMax val="1"/>
+            <dgm:chPref val="1"/>
           </dgm:varLst>
           <dgm:alg type="tx">
-            <dgm:param type="txAnchorVert" val="mid"/>
-            <dgm:param type="parTxLTRAlign" val="l"/>
-            <dgm:param type="shpTxLTRAlignCh" val="l"/>
-            <dgm:param type="parTxRTLAlign" val="r"/>
-            <dgm:param type="shpTxRTLAlignCh" val="r"/>
+            <dgm:param type="txAnchorVert" val="t"/>
           </dgm:alg>
           <dgm:shape xmlns:r="http://schemas.openxmlformats.org/officeDocument/2006/relationships" type="rect" r:blip="">
             <dgm:adjLst/>
           </dgm:shape>
           <dgm:presOf axis="self" ptType="node"/>
           <dgm:constrLst>
-            <dgm:constr type="lMarg" refType="h" fact="0.3"/>
-            <dgm:constr type="rMarg" refType="h" fact="0.3"/>
-            <dgm:constr type="tMarg" refType="h" fact="0.3"/>
-            <dgm:constr type="bMarg" refType="h" fact="0.3"/>
+            <dgm:constr type="lMarg"/>
+            <dgm:constr type="rMarg"/>
+            <dgm:constr type="tMarg"/>
+            <dgm:constr type="bMarg"/>
           </dgm:constrLst>
           <dgm:ruleLst>
-            <dgm:rule type="primFontSz" val="14" fact="NaN" max="NaN"/>
+            <dgm:rule type="primFontSz" val="11" fact="NaN" max="NaN"/>
             <dgm:rule type="h" val="INF" fact="NaN" max="NaN"/>
           </dgm:ruleLst>
         </dgm:layoutNode>
-        <dgm:choose name="Name12">
-          <dgm:if name="Name13" axis="ch" ptType="node" func="cnt" op="gte" val="1">
-            <dgm:layoutNode name="desTx" styleLbl="revTx">
-              <dgm:varLst/>
-              <dgm:alg type="tx">
-                <dgm:param type="txAnchorVertCh" val="mid"/>
-                <dgm:param type="parTxLTRAlign" val="l"/>
-                <dgm:param type="shpTxLTRAlignCh" val="l"/>
-                <dgm:param type="parTxRTLAlign" val="r"/>
-                <dgm:param type="shpTxRTLAlignCh" val="r"/>
-                <dgm:param type="stBulletLvl" val="0"/>
-              </dgm:alg>
-              <dgm:shape xmlns:r="http://schemas.openxmlformats.org/officeDocument/2006/relationships" type="rect" r:blip="">
-                <dgm:adjLst/>
-              </dgm:shape>
-              <dgm:presOf axis="des" ptType="node"/>
-              <dgm:constrLst>
-                <dgm:constr type="primFontSz" val="18"/>
-                <dgm:constr type="secFontSz" refType="primFontSz"/>
-                <dgm:constr type="lMarg" refType="h" fact="0.3"/>
-                <dgm:constr type="rMarg" refType="h" fact="0.3"/>
-                <dgm:constr type="tMarg" refType="h" fact="0.3"/>
-                <dgm:constr type="bMarg" refType="h" fact="0.3"/>
-              </dgm:constrLst>
-              <dgm:ruleLst>
-                <dgm:rule type="primFontSz" val="11" fact="NaN" max="NaN"/>
-              </dgm:ruleLst>
-            </dgm:layoutNode>
-          </dgm:if>
-          <dgm:else name="Name14"/>
-        </dgm:choose>
       </dgm:layoutNode>
-      <dgm:forEach name="Name15" axis="followSib" ptType="sibTrans" cnt="1">
+      <dgm:forEach name="Name8" axis="followSib" ptType="sibTrans" cnt="1">
         <dgm:layoutNode name="sibTrans">
           <dgm:alg type="sp"/>
           <dgm:shape xmlns:r="http://schemas.openxmlformats.org/officeDocument/2006/relationships" r:blip="">
@@ -8624,18 +6276,13 @@
             <a:spcPct val="100000"/>
           </a:lnSpc>
         </a:lvl1pPr>
-        <a:lvl2pPr>
-          <a:lnSpc>
-            <a:spcPct val="100000"/>
-          </a:lnSpc>
-        </a:lvl2pPr>
       </dgm1612:lstStyle>
     </a:ext>
   </dgm:extLst>
 </dgm:layoutDef>
 </file>
 
-<file path=ppt/diagrams/layout4.xml><?xml version="1.0" encoding="utf-8"?>
+<file path=ppt/diagrams/layout3.xml><?xml version="1.0" encoding="utf-8"?>
 <dgm:layoutDef xmlns:dgm="http://schemas.openxmlformats.org/drawingml/2006/diagram" xmlns:a="http://schemas.openxmlformats.org/drawingml/2006/main" uniqueId="urn:microsoft.com/office/officeart/2005/8/layout/chevron1">
   <dgm:title val=""/>
   <dgm:desc val=""/>
@@ -12020,1038 +9667,354 @@
 </dgm:styleDef>
 </file>
 
-<file path=ppt/diagrams/quickStyle4.xml><?xml version="1.0" encoding="utf-8"?>
-<dgm:styleDef xmlns:dgm="http://schemas.openxmlformats.org/drawingml/2006/diagram" xmlns:a="http://schemas.openxmlformats.org/drawingml/2006/main" uniqueId="urn:microsoft.com/office/officeart/2005/8/quickstyle/simple1">
-  <dgm:title val=""/>
-  <dgm:desc val=""/>
-  <dgm:catLst>
-    <dgm:cat type="simple" pri="10100"/>
-  </dgm:catLst>
-  <dgm:scene3d>
-    <a:camera prst="orthographicFront"/>
-    <a:lightRig rig="threePt" dir="t"/>
-  </dgm:scene3d>
-  <dgm:styleLbl name="node0">
-    <dgm:scene3d>
-      <a:camera prst="orthographicFront"/>
-      <a:lightRig rig="threePt" dir="t"/>
-    </dgm:scene3d>
-    <dgm:sp3d/>
-    <dgm:txPr/>
-    <dgm:style>
-      <a:lnRef idx="2">
-        <a:scrgbClr r="0" g="0" b="0"/>
-      </a:lnRef>
-      <a:fillRef idx="1">
-        <a:scrgbClr r="0" g="0" b="0"/>
-      </a:fillRef>
-      <a:effectRef idx="0">
-        <a:scrgbClr r="0" g="0" b="0"/>
-      </a:effectRef>
-      <a:fontRef idx="minor">
-        <a:schemeClr val="lt1"/>
-      </a:fontRef>
-    </dgm:style>
-  </dgm:styleLbl>
-  <dgm:styleLbl name="lnNode1">
-    <dgm:scene3d>
-      <a:camera prst="orthographicFront"/>
-      <a:lightRig rig="threePt" dir="t"/>
-    </dgm:scene3d>
-    <dgm:sp3d/>
-    <dgm:txPr/>
-    <dgm:style>
-      <a:lnRef idx="2">
-        <a:scrgbClr r="0" g="0" b="0"/>
-      </a:lnRef>
-      <a:fillRef idx="1">
-        <a:scrgbClr r="0" g="0" b="0"/>
-      </a:fillRef>
-      <a:effectRef idx="0">
-        <a:scrgbClr r="0" g="0" b="0"/>
-      </a:effectRef>
-      <a:fontRef idx="minor">
-        <a:schemeClr val="lt1"/>
-      </a:fontRef>
-    </dgm:style>
-  </dgm:styleLbl>
-  <dgm:styleLbl name="vennNode1">
-    <dgm:scene3d>
-      <a:camera prst="orthographicFront"/>
-      <a:lightRig rig="threePt" dir="t"/>
-    </dgm:scene3d>
-    <dgm:sp3d/>
-    <dgm:txPr/>
-    <dgm:style>
-      <a:lnRef idx="2">
-        <a:scrgbClr r="0" g="0" b="0"/>
-      </a:lnRef>
-      <a:fillRef idx="1">
-        <a:scrgbClr r="0" g="0" b="0"/>
-      </a:fillRef>
-      <a:effectRef idx="0">
-        <a:scrgbClr r="0" g="0" b="0"/>
-      </a:effectRef>
-      <a:fontRef idx="minor">
-        <a:schemeClr val="tx1"/>
-      </a:fontRef>
-    </dgm:style>
-  </dgm:styleLbl>
-  <dgm:styleLbl name="alignNode1">
-    <dgm:scene3d>
-      <a:camera prst="orthographicFront"/>
-      <a:lightRig rig="threePt" dir="t"/>
-    </dgm:scene3d>
-    <dgm:sp3d/>
-    <dgm:txPr/>
-    <dgm:style>
-      <a:lnRef idx="2">
-        <a:scrgbClr r="0" g="0" b="0"/>
-      </a:lnRef>
-      <a:fillRef idx="1">
-        <a:scrgbClr r="0" g="0" b="0"/>
-      </a:fillRef>
-      <a:effectRef idx="0">
-        <a:scrgbClr r="0" g="0" b="0"/>
-      </a:effectRef>
-      <a:fontRef idx="minor">
-        <a:schemeClr val="lt1"/>
-      </a:fontRef>
-    </dgm:style>
-  </dgm:styleLbl>
-  <dgm:styleLbl name="node1">
-    <dgm:scene3d>
-      <a:camera prst="orthographicFront"/>
-      <a:lightRig rig="threePt" dir="t"/>
-    </dgm:scene3d>
-    <dgm:sp3d/>
-    <dgm:txPr/>
-    <dgm:style>
-      <a:lnRef idx="2">
-        <a:scrgbClr r="0" g="0" b="0"/>
-      </a:lnRef>
-      <a:fillRef idx="1">
-        <a:scrgbClr r="0" g="0" b="0"/>
-      </a:fillRef>
-      <a:effectRef idx="0">
-        <a:scrgbClr r="0" g="0" b="0"/>
-      </a:effectRef>
-      <a:fontRef idx="minor">
-        <a:schemeClr val="lt1"/>
-      </a:fontRef>
-    </dgm:style>
-  </dgm:styleLbl>
-  <dgm:styleLbl name="node2">
-    <dgm:scene3d>
-      <a:camera prst="orthographicFront"/>
-      <a:lightRig rig="threePt" dir="t"/>
-    </dgm:scene3d>
-    <dgm:sp3d/>
-    <dgm:txPr/>
-    <dgm:style>
-      <a:lnRef idx="2">
-        <a:scrgbClr r="0" g="0" b="0"/>
-      </a:lnRef>
-      <a:fillRef idx="1">
-        <a:scrgbClr r="0" g="0" b="0"/>
-      </a:fillRef>
-      <a:effectRef idx="0">
-        <a:scrgbClr r="0" g="0" b="0"/>
-      </a:effectRef>
-      <a:fontRef idx="minor">
-        <a:schemeClr val="lt1"/>
-      </a:fontRef>
-    </dgm:style>
-  </dgm:styleLbl>
-  <dgm:styleLbl name="node3">
-    <dgm:scene3d>
-      <a:camera prst="orthographicFront"/>
-      <a:lightRig rig="threePt" dir="t"/>
-    </dgm:scene3d>
-    <dgm:sp3d/>
-    <dgm:txPr/>
-    <dgm:style>
-      <a:lnRef idx="2">
-        <a:scrgbClr r="0" g="0" b="0"/>
-      </a:lnRef>
-      <a:fillRef idx="1">
-        <a:scrgbClr r="0" g="0" b="0"/>
-      </a:fillRef>
-      <a:effectRef idx="0">
-        <a:scrgbClr r="0" g="0" b="0"/>
-      </a:effectRef>
-      <a:fontRef idx="minor">
-        <a:schemeClr val="lt1"/>
-      </a:fontRef>
-    </dgm:style>
-  </dgm:styleLbl>
-  <dgm:styleLbl name="node4">
-    <dgm:scene3d>
-      <a:camera prst="orthographicFront"/>
-      <a:lightRig rig="threePt" dir="t"/>
-    </dgm:scene3d>
-    <dgm:sp3d/>
-    <dgm:txPr/>
-    <dgm:style>
-      <a:lnRef idx="2">
-        <a:scrgbClr r="0" g="0" b="0"/>
-      </a:lnRef>
-      <a:fillRef idx="1">
-        <a:scrgbClr r="0" g="0" b="0"/>
-      </a:fillRef>
-      <a:effectRef idx="0">
-        <a:scrgbClr r="0" g="0" b="0"/>
-      </a:effectRef>
-      <a:fontRef idx="minor">
-        <a:schemeClr val="lt1"/>
-      </a:fontRef>
-    </dgm:style>
-  </dgm:styleLbl>
-  <dgm:styleLbl name="fgImgPlace1">
-    <dgm:scene3d>
-      <a:camera prst="orthographicFront"/>
-      <a:lightRig rig="threePt" dir="t"/>
-    </dgm:scene3d>
-    <dgm:sp3d/>
-    <dgm:txPr/>
-    <dgm:style>
-      <a:lnRef idx="2">
-        <a:scrgbClr r="0" g="0" b="0"/>
-      </a:lnRef>
-      <a:fillRef idx="1">
-        <a:scrgbClr r="0" g="0" b="0"/>
-      </a:fillRef>
-      <a:effectRef idx="0">
-        <a:scrgbClr r="0" g="0" b="0"/>
-      </a:effectRef>
-      <a:fontRef idx="minor"/>
-    </dgm:style>
-  </dgm:styleLbl>
-  <dgm:styleLbl name="alignImgPlace1">
-    <dgm:scene3d>
-      <a:camera prst="orthographicFront"/>
-      <a:lightRig rig="threePt" dir="t"/>
-    </dgm:scene3d>
-    <dgm:sp3d/>
-    <dgm:txPr/>
-    <dgm:style>
-      <a:lnRef idx="2">
-        <a:scrgbClr r="0" g="0" b="0"/>
-      </a:lnRef>
-      <a:fillRef idx="1">
-        <a:scrgbClr r="0" g="0" b="0"/>
-      </a:fillRef>
-      <a:effectRef idx="0">
-        <a:scrgbClr r="0" g="0" b="0"/>
-      </a:effectRef>
-      <a:fontRef idx="minor"/>
-    </dgm:style>
-  </dgm:styleLbl>
-  <dgm:styleLbl name="bgImgPlace1">
-    <dgm:scene3d>
-      <a:camera prst="orthographicFront"/>
-      <a:lightRig rig="threePt" dir="t"/>
-    </dgm:scene3d>
-    <dgm:sp3d/>
-    <dgm:txPr/>
-    <dgm:style>
-      <a:lnRef idx="2">
-        <a:scrgbClr r="0" g="0" b="0"/>
-      </a:lnRef>
-      <a:fillRef idx="1">
-        <a:scrgbClr r="0" g="0" b="0"/>
-      </a:fillRef>
-      <a:effectRef idx="0">
-        <a:scrgbClr r="0" g="0" b="0"/>
-      </a:effectRef>
-      <a:fontRef idx="minor"/>
-    </dgm:style>
-  </dgm:styleLbl>
-  <dgm:styleLbl name="sibTrans2D1">
-    <dgm:scene3d>
-      <a:camera prst="orthographicFront"/>
-      <a:lightRig rig="threePt" dir="t"/>
-    </dgm:scene3d>
-    <dgm:sp3d/>
-    <dgm:txPr/>
-    <dgm:style>
-      <a:lnRef idx="0">
-        <a:scrgbClr r="0" g="0" b="0"/>
-      </a:lnRef>
-      <a:fillRef idx="1">
-        <a:scrgbClr r="0" g="0" b="0"/>
-      </a:fillRef>
-      <a:effectRef idx="0">
-        <a:scrgbClr r="0" g="0" b="0"/>
-      </a:effectRef>
-      <a:fontRef idx="minor">
-        <a:schemeClr val="lt1"/>
-      </a:fontRef>
-    </dgm:style>
-  </dgm:styleLbl>
-  <dgm:styleLbl name="fgSibTrans2D1">
-    <dgm:scene3d>
-      <a:camera prst="orthographicFront"/>
-      <a:lightRig rig="threePt" dir="t"/>
-    </dgm:scene3d>
-    <dgm:sp3d/>
-    <dgm:txPr/>
-    <dgm:style>
-      <a:lnRef idx="0">
-        <a:scrgbClr r="0" g="0" b="0"/>
-      </a:lnRef>
-      <a:fillRef idx="1">
-        <a:scrgbClr r="0" g="0" b="0"/>
-      </a:fillRef>
-      <a:effectRef idx="0">
-        <a:scrgbClr r="0" g="0" b="0"/>
-      </a:effectRef>
-      <a:fontRef idx="minor">
-        <a:schemeClr val="lt1"/>
-      </a:fontRef>
-    </dgm:style>
-  </dgm:styleLbl>
-  <dgm:styleLbl name="bgSibTrans2D1">
-    <dgm:scene3d>
-      <a:camera prst="orthographicFront"/>
-      <a:lightRig rig="threePt" dir="t"/>
-    </dgm:scene3d>
-    <dgm:sp3d/>
-    <dgm:txPr/>
-    <dgm:style>
-      <a:lnRef idx="0">
-        <a:scrgbClr r="0" g="0" b="0"/>
-      </a:lnRef>
-      <a:fillRef idx="1">
-        <a:scrgbClr r="0" g="0" b="0"/>
-      </a:fillRef>
-      <a:effectRef idx="0">
-        <a:scrgbClr r="0" g="0" b="0"/>
-      </a:effectRef>
-      <a:fontRef idx="minor">
-        <a:schemeClr val="lt1"/>
-      </a:fontRef>
-    </dgm:style>
-  </dgm:styleLbl>
-  <dgm:styleLbl name="sibTrans1D1">
-    <dgm:scene3d>
-      <a:camera prst="orthographicFront"/>
-      <a:lightRig rig="threePt" dir="t"/>
-    </dgm:scene3d>
-    <dgm:sp3d/>
-    <dgm:txPr/>
-    <dgm:style>
-      <a:lnRef idx="1">
-        <a:scrgbClr r="0" g="0" b="0"/>
-      </a:lnRef>
-      <a:fillRef idx="0">
-        <a:scrgbClr r="0" g="0" b="0"/>
-      </a:fillRef>
-      <a:effectRef idx="0">
-        <a:scrgbClr r="0" g="0" b="0"/>
-      </a:effectRef>
-      <a:fontRef idx="minor"/>
-    </dgm:style>
-  </dgm:styleLbl>
-  <dgm:styleLbl name="callout">
-    <dgm:scene3d>
-      <a:camera prst="orthographicFront"/>
-      <a:lightRig rig="threePt" dir="t"/>
-    </dgm:scene3d>
-    <dgm:sp3d/>
-    <dgm:txPr/>
-    <dgm:style>
-      <a:lnRef idx="2">
-        <a:scrgbClr r="0" g="0" b="0"/>
-      </a:lnRef>
-      <a:fillRef idx="1">
-        <a:scrgbClr r="0" g="0" b="0"/>
-      </a:fillRef>
-      <a:effectRef idx="0">
-        <a:scrgbClr r="0" g="0" b="0"/>
-      </a:effectRef>
-      <a:fontRef idx="minor"/>
-    </dgm:style>
-  </dgm:styleLbl>
-  <dgm:styleLbl name="asst0">
-    <dgm:scene3d>
-      <a:camera prst="orthographicFront"/>
-      <a:lightRig rig="threePt" dir="t"/>
-    </dgm:scene3d>
-    <dgm:sp3d/>
-    <dgm:txPr/>
-    <dgm:style>
-      <a:lnRef idx="2">
-        <a:scrgbClr r="0" g="0" b="0"/>
-      </a:lnRef>
-      <a:fillRef idx="1">
-        <a:scrgbClr r="0" g="0" b="0"/>
-      </a:fillRef>
-      <a:effectRef idx="0">
-        <a:scrgbClr r="0" g="0" b="0"/>
-      </a:effectRef>
-      <a:fontRef idx="minor">
-        <a:schemeClr val="lt1"/>
-      </a:fontRef>
-    </dgm:style>
-  </dgm:styleLbl>
-  <dgm:styleLbl name="asst1">
-    <dgm:scene3d>
-      <a:camera prst="orthographicFront"/>
-      <a:lightRig rig="threePt" dir="t"/>
-    </dgm:scene3d>
-    <dgm:sp3d/>
-    <dgm:txPr/>
-    <dgm:style>
-      <a:lnRef idx="2">
-        <a:scrgbClr r="0" g="0" b="0"/>
-      </a:lnRef>
-      <a:fillRef idx="1">
-        <a:scrgbClr r="0" g="0" b="0"/>
-      </a:fillRef>
-      <a:effectRef idx="0">
-        <a:scrgbClr r="0" g="0" b="0"/>
-      </a:effectRef>
-      <a:fontRef idx="minor">
-        <a:schemeClr val="lt1"/>
-      </a:fontRef>
-    </dgm:style>
-  </dgm:styleLbl>
-  <dgm:styleLbl name="asst2">
-    <dgm:scene3d>
-      <a:camera prst="orthographicFront"/>
-      <a:lightRig rig="threePt" dir="t"/>
-    </dgm:scene3d>
-    <dgm:sp3d/>
-    <dgm:txPr/>
-    <dgm:style>
-      <a:lnRef idx="2">
-        <a:scrgbClr r="0" g="0" b="0"/>
-      </a:lnRef>
-      <a:fillRef idx="1">
-        <a:scrgbClr r="0" g="0" b="0"/>
-      </a:fillRef>
-      <a:effectRef idx="0">
-        <a:scrgbClr r="0" g="0" b="0"/>
-      </a:effectRef>
-      <a:fontRef idx="minor">
-        <a:schemeClr val="lt1"/>
-      </a:fontRef>
-    </dgm:style>
-  </dgm:styleLbl>
-  <dgm:styleLbl name="asst3">
-    <dgm:scene3d>
-      <a:camera prst="orthographicFront"/>
-      <a:lightRig rig="threePt" dir="t"/>
-    </dgm:scene3d>
-    <dgm:sp3d/>
-    <dgm:txPr/>
-    <dgm:style>
-      <a:lnRef idx="2">
-        <a:scrgbClr r="0" g="0" b="0"/>
-      </a:lnRef>
-      <a:fillRef idx="1">
-        <a:scrgbClr r="0" g="0" b="0"/>
-      </a:fillRef>
-      <a:effectRef idx="0">
-        <a:scrgbClr r="0" g="0" b="0"/>
-      </a:effectRef>
-      <a:fontRef idx="minor">
-        <a:schemeClr val="lt1"/>
-      </a:fontRef>
-    </dgm:style>
-  </dgm:styleLbl>
-  <dgm:styleLbl name="asst4">
-    <dgm:scene3d>
-      <a:camera prst="orthographicFront"/>
-      <a:lightRig rig="threePt" dir="t"/>
-    </dgm:scene3d>
-    <dgm:sp3d/>
-    <dgm:txPr/>
-    <dgm:style>
-      <a:lnRef idx="2">
-        <a:scrgbClr r="0" g="0" b="0"/>
-      </a:lnRef>
-      <a:fillRef idx="1">
-        <a:scrgbClr r="0" g="0" b="0"/>
-      </a:fillRef>
-      <a:effectRef idx="0">
-        <a:scrgbClr r="0" g="0" b="0"/>
-      </a:effectRef>
-      <a:fontRef idx="minor">
-        <a:schemeClr val="lt1"/>
-      </a:fontRef>
-    </dgm:style>
-  </dgm:styleLbl>
-  <dgm:styleLbl name="parChTrans2D1">
-    <dgm:scene3d>
-      <a:camera prst="orthographicFront"/>
-      <a:lightRig rig="threePt" dir="t"/>
-    </dgm:scene3d>
-    <dgm:sp3d/>
-    <dgm:txPr/>
-    <dgm:style>
-      <a:lnRef idx="2">
-        <a:scrgbClr r="0" g="0" b="0"/>
-      </a:lnRef>
-      <a:fillRef idx="1">
-        <a:scrgbClr r="0" g="0" b="0"/>
-      </a:fillRef>
-      <a:effectRef idx="0">
-        <a:scrgbClr r="0" g="0" b="0"/>
-      </a:effectRef>
-      <a:fontRef idx="minor">
-        <a:schemeClr val="lt1"/>
-      </a:fontRef>
-    </dgm:style>
-  </dgm:styleLbl>
-  <dgm:styleLbl name="parChTrans2D2">
-    <dgm:scene3d>
-      <a:camera prst="orthographicFront"/>
-      <a:lightRig rig="threePt" dir="t"/>
-    </dgm:scene3d>
-    <dgm:sp3d/>
-    <dgm:txPr/>
-    <dgm:style>
-      <a:lnRef idx="2">
-        <a:scrgbClr r="0" g="0" b="0"/>
-      </a:lnRef>
-      <a:fillRef idx="1">
-        <a:scrgbClr r="0" g="0" b="0"/>
-      </a:fillRef>
-      <a:effectRef idx="0">
-        <a:scrgbClr r="0" g="0" b="0"/>
-      </a:effectRef>
-      <a:fontRef idx="minor">
-        <a:schemeClr val="lt1"/>
-      </a:fontRef>
-    </dgm:style>
-  </dgm:styleLbl>
-  <dgm:styleLbl name="parChTrans2D3">
-    <dgm:scene3d>
-      <a:camera prst="orthographicFront"/>
-      <a:lightRig rig="threePt" dir="t"/>
-    </dgm:scene3d>
-    <dgm:sp3d/>
-    <dgm:txPr/>
-    <dgm:style>
-      <a:lnRef idx="2">
-        <a:scrgbClr r="0" g="0" b="0"/>
-      </a:lnRef>
-      <a:fillRef idx="1">
-        <a:scrgbClr r="0" g="0" b="0"/>
-      </a:fillRef>
-      <a:effectRef idx="0">
-        <a:scrgbClr r="0" g="0" b="0"/>
-      </a:effectRef>
-      <a:fontRef idx="minor">
-        <a:schemeClr val="lt1"/>
-      </a:fontRef>
-    </dgm:style>
-  </dgm:styleLbl>
-  <dgm:styleLbl name="parChTrans2D4">
-    <dgm:scene3d>
-      <a:camera prst="orthographicFront"/>
-      <a:lightRig rig="threePt" dir="t"/>
-    </dgm:scene3d>
-    <dgm:sp3d/>
-    <dgm:txPr/>
-    <dgm:style>
-      <a:lnRef idx="2">
-        <a:scrgbClr r="0" g="0" b="0"/>
-      </a:lnRef>
-      <a:fillRef idx="1">
-        <a:scrgbClr r="0" g="0" b="0"/>
-      </a:fillRef>
-      <a:effectRef idx="0">
-        <a:scrgbClr r="0" g="0" b="0"/>
-      </a:effectRef>
-      <a:fontRef idx="minor">
-        <a:schemeClr val="lt1"/>
-      </a:fontRef>
-    </dgm:style>
-  </dgm:styleLbl>
-  <dgm:styleLbl name="parChTrans1D1">
-    <dgm:scene3d>
-      <a:camera prst="orthographicFront"/>
-      <a:lightRig rig="threePt" dir="t"/>
-    </dgm:scene3d>
-    <dgm:sp3d/>
-    <dgm:txPr/>
-    <dgm:style>
-      <a:lnRef idx="2">
-        <a:scrgbClr r="0" g="0" b="0"/>
-      </a:lnRef>
-      <a:fillRef idx="0">
-        <a:scrgbClr r="0" g="0" b="0"/>
-      </a:fillRef>
-      <a:effectRef idx="0">
-        <a:scrgbClr r="0" g="0" b="0"/>
-      </a:effectRef>
-      <a:fontRef idx="minor"/>
-    </dgm:style>
-  </dgm:styleLbl>
-  <dgm:styleLbl name="parChTrans1D2">
-    <dgm:scene3d>
-      <a:camera prst="orthographicFront"/>
-      <a:lightRig rig="threePt" dir="t"/>
-    </dgm:scene3d>
-    <dgm:sp3d/>
-    <dgm:txPr/>
-    <dgm:style>
-      <a:lnRef idx="2">
-        <a:scrgbClr r="0" g="0" b="0"/>
-      </a:lnRef>
-      <a:fillRef idx="0">
-        <a:scrgbClr r="0" g="0" b="0"/>
-      </a:fillRef>
-      <a:effectRef idx="0">
-        <a:scrgbClr r="0" g="0" b="0"/>
-      </a:effectRef>
-      <a:fontRef idx="minor"/>
-    </dgm:style>
-  </dgm:styleLbl>
-  <dgm:styleLbl name="parChTrans1D3">
-    <dgm:scene3d>
-      <a:camera prst="orthographicFront"/>
-      <a:lightRig rig="threePt" dir="t"/>
-    </dgm:scene3d>
-    <dgm:sp3d/>
-    <dgm:txPr/>
-    <dgm:style>
-      <a:lnRef idx="2">
-        <a:scrgbClr r="0" g="0" b="0"/>
-      </a:lnRef>
-      <a:fillRef idx="0">
-        <a:scrgbClr r="0" g="0" b="0"/>
-      </a:fillRef>
-      <a:effectRef idx="0">
-        <a:scrgbClr r="0" g="0" b="0"/>
-      </a:effectRef>
-      <a:fontRef idx="minor"/>
-    </dgm:style>
-  </dgm:styleLbl>
-  <dgm:styleLbl name="parChTrans1D4">
-    <dgm:scene3d>
-      <a:camera prst="orthographicFront"/>
-      <a:lightRig rig="threePt" dir="t"/>
-    </dgm:scene3d>
-    <dgm:sp3d/>
-    <dgm:txPr/>
-    <dgm:style>
-      <a:lnRef idx="2">
-        <a:scrgbClr r="0" g="0" b="0"/>
-      </a:lnRef>
-      <a:fillRef idx="0">
-        <a:scrgbClr r="0" g="0" b="0"/>
-      </a:fillRef>
-      <a:effectRef idx="0">
-        <a:scrgbClr r="0" g="0" b="0"/>
-      </a:effectRef>
-      <a:fontRef idx="minor"/>
-    </dgm:style>
-  </dgm:styleLbl>
-  <dgm:styleLbl name="fgAcc1">
-    <dgm:scene3d>
-      <a:camera prst="orthographicFront"/>
-      <a:lightRig rig="threePt" dir="t"/>
-    </dgm:scene3d>
-    <dgm:sp3d/>
-    <dgm:txPr/>
-    <dgm:style>
-      <a:lnRef idx="2">
-        <a:scrgbClr r="0" g="0" b="0"/>
-      </a:lnRef>
-      <a:fillRef idx="1">
-        <a:scrgbClr r="0" g="0" b="0"/>
-      </a:fillRef>
-      <a:effectRef idx="0">
-        <a:scrgbClr r="0" g="0" b="0"/>
-      </a:effectRef>
-      <a:fontRef idx="minor"/>
-    </dgm:style>
-  </dgm:styleLbl>
-  <dgm:styleLbl name="conFgAcc1">
-    <dgm:scene3d>
-      <a:camera prst="orthographicFront"/>
-      <a:lightRig rig="threePt" dir="t"/>
-    </dgm:scene3d>
-    <dgm:sp3d/>
-    <dgm:txPr/>
-    <dgm:style>
-      <a:lnRef idx="2">
-        <a:scrgbClr r="0" g="0" b="0"/>
-      </a:lnRef>
-      <a:fillRef idx="1">
-        <a:scrgbClr r="0" g="0" b="0"/>
-      </a:fillRef>
-      <a:effectRef idx="0">
-        <a:scrgbClr r="0" g="0" b="0"/>
-      </a:effectRef>
-      <a:fontRef idx="minor"/>
-    </dgm:style>
-  </dgm:styleLbl>
-  <dgm:styleLbl name="alignAcc1">
-    <dgm:scene3d>
-      <a:camera prst="orthographicFront"/>
-      <a:lightRig rig="threePt" dir="t"/>
-    </dgm:scene3d>
-    <dgm:sp3d/>
-    <dgm:txPr/>
-    <dgm:style>
-      <a:lnRef idx="2">
-        <a:scrgbClr r="0" g="0" b="0"/>
-      </a:lnRef>
-      <a:fillRef idx="1">
-        <a:scrgbClr r="0" g="0" b="0"/>
-      </a:fillRef>
-      <a:effectRef idx="0">
-        <a:scrgbClr r="0" g="0" b="0"/>
-      </a:effectRef>
-      <a:fontRef idx="minor"/>
-    </dgm:style>
-  </dgm:styleLbl>
-  <dgm:styleLbl name="trAlignAcc1">
-    <dgm:scene3d>
-      <a:camera prst="orthographicFront"/>
-      <a:lightRig rig="threePt" dir="t"/>
-    </dgm:scene3d>
-    <dgm:sp3d/>
-    <dgm:txPr/>
-    <dgm:style>
-      <a:lnRef idx="1">
-        <a:scrgbClr r="0" g="0" b="0"/>
-      </a:lnRef>
-      <a:fillRef idx="1">
-        <a:scrgbClr r="0" g="0" b="0"/>
-      </a:fillRef>
-      <a:effectRef idx="0">
-        <a:scrgbClr r="0" g="0" b="0"/>
-      </a:effectRef>
-      <a:fontRef idx="minor"/>
-    </dgm:style>
-  </dgm:styleLbl>
-  <dgm:styleLbl name="bgAcc1">
-    <dgm:scene3d>
-      <a:camera prst="orthographicFront"/>
-      <a:lightRig rig="threePt" dir="t"/>
-    </dgm:scene3d>
-    <dgm:sp3d/>
-    <dgm:txPr/>
-    <dgm:style>
-      <a:lnRef idx="2">
-        <a:scrgbClr r="0" g="0" b="0"/>
-      </a:lnRef>
-      <a:fillRef idx="1">
-        <a:scrgbClr r="0" g="0" b="0"/>
-      </a:fillRef>
-      <a:effectRef idx="0">
-        <a:scrgbClr r="0" g="0" b="0"/>
-      </a:effectRef>
-      <a:fontRef idx="minor"/>
-    </dgm:style>
-  </dgm:styleLbl>
-  <dgm:styleLbl name="solidFgAcc1">
-    <dgm:scene3d>
-      <a:camera prst="orthographicFront"/>
-      <a:lightRig rig="threePt" dir="t"/>
-    </dgm:scene3d>
-    <dgm:sp3d/>
-    <dgm:txPr/>
-    <dgm:style>
-      <a:lnRef idx="2">
-        <a:scrgbClr r="0" g="0" b="0"/>
-      </a:lnRef>
-      <a:fillRef idx="1">
-        <a:scrgbClr r="0" g="0" b="0"/>
-      </a:fillRef>
-      <a:effectRef idx="0">
-        <a:scrgbClr r="0" g="0" b="0"/>
-      </a:effectRef>
-      <a:fontRef idx="minor"/>
-    </dgm:style>
-  </dgm:styleLbl>
-  <dgm:styleLbl name="solidAlignAcc1">
-    <dgm:scene3d>
-      <a:camera prst="orthographicFront"/>
-      <a:lightRig rig="threePt" dir="t"/>
-    </dgm:scene3d>
-    <dgm:sp3d/>
-    <dgm:txPr/>
-    <dgm:style>
-      <a:lnRef idx="2">
-        <a:scrgbClr r="0" g="0" b="0"/>
-      </a:lnRef>
-      <a:fillRef idx="1">
-        <a:scrgbClr r="0" g="0" b="0"/>
-      </a:fillRef>
-      <a:effectRef idx="0">
-        <a:scrgbClr r="0" g="0" b="0"/>
-      </a:effectRef>
-      <a:fontRef idx="minor"/>
-    </dgm:style>
-  </dgm:styleLbl>
-  <dgm:styleLbl name="solidBgAcc1">
-    <dgm:scene3d>
-      <a:camera prst="orthographicFront"/>
-      <a:lightRig rig="threePt" dir="t"/>
-    </dgm:scene3d>
-    <dgm:sp3d/>
-    <dgm:txPr/>
-    <dgm:style>
-      <a:lnRef idx="2">
-        <a:scrgbClr r="0" g="0" b="0"/>
-      </a:lnRef>
-      <a:fillRef idx="1">
-        <a:scrgbClr r="0" g="0" b="0"/>
-      </a:fillRef>
-      <a:effectRef idx="0">
-        <a:scrgbClr r="0" g="0" b="0"/>
-      </a:effectRef>
-      <a:fontRef idx="minor"/>
-    </dgm:style>
-  </dgm:styleLbl>
-  <dgm:styleLbl name="fgAccFollowNode1">
-    <dgm:scene3d>
-      <a:camera prst="orthographicFront"/>
-      <a:lightRig rig="threePt" dir="t"/>
-    </dgm:scene3d>
-    <dgm:sp3d/>
-    <dgm:txPr/>
-    <dgm:style>
-      <a:lnRef idx="2">
-        <a:scrgbClr r="0" g="0" b="0"/>
-      </a:lnRef>
-      <a:fillRef idx="1">
-        <a:scrgbClr r="0" g="0" b="0"/>
-      </a:fillRef>
-      <a:effectRef idx="0">
-        <a:scrgbClr r="0" g="0" b="0"/>
-      </a:effectRef>
-      <a:fontRef idx="minor"/>
-    </dgm:style>
-  </dgm:styleLbl>
-  <dgm:styleLbl name="alignAccFollowNode1">
-    <dgm:scene3d>
-      <a:camera prst="orthographicFront"/>
-      <a:lightRig rig="threePt" dir="t"/>
-    </dgm:scene3d>
-    <dgm:sp3d/>
-    <dgm:txPr/>
-    <dgm:style>
-      <a:lnRef idx="2">
-        <a:scrgbClr r="0" g="0" b="0"/>
-      </a:lnRef>
-      <a:fillRef idx="1">
-        <a:scrgbClr r="0" g="0" b="0"/>
-      </a:fillRef>
-      <a:effectRef idx="0">
-        <a:scrgbClr r="0" g="0" b="0"/>
-      </a:effectRef>
-      <a:fontRef idx="minor"/>
-    </dgm:style>
-  </dgm:styleLbl>
-  <dgm:styleLbl name="bgAccFollowNode1">
-    <dgm:scene3d>
-      <a:camera prst="orthographicFront"/>
-      <a:lightRig rig="threePt" dir="t"/>
-    </dgm:scene3d>
-    <dgm:sp3d/>
-    <dgm:txPr/>
-    <dgm:style>
-      <a:lnRef idx="2">
-        <a:scrgbClr r="0" g="0" b="0"/>
-      </a:lnRef>
-      <a:fillRef idx="1">
-        <a:scrgbClr r="0" g="0" b="0"/>
-      </a:fillRef>
-      <a:effectRef idx="0">
-        <a:scrgbClr r="0" g="0" b="0"/>
-      </a:effectRef>
-      <a:fontRef idx="minor"/>
-    </dgm:style>
-  </dgm:styleLbl>
-  <dgm:styleLbl name="fgAcc0">
-    <dgm:scene3d>
-      <a:camera prst="orthographicFront"/>
-      <a:lightRig rig="threePt" dir="t"/>
-    </dgm:scene3d>
-    <dgm:sp3d/>
-    <dgm:txPr/>
-    <dgm:style>
-      <a:lnRef idx="2">
-        <a:scrgbClr r="0" g="0" b="0"/>
-      </a:lnRef>
-      <a:fillRef idx="1">
-        <a:scrgbClr r="0" g="0" b="0"/>
-      </a:fillRef>
-      <a:effectRef idx="0">
-        <a:scrgbClr r="0" g="0" b="0"/>
-      </a:effectRef>
-      <a:fontRef idx="minor"/>
-    </dgm:style>
-  </dgm:styleLbl>
-  <dgm:styleLbl name="fgAcc2">
-    <dgm:scene3d>
-      <a:camera prst="orthographicFront"/>
-      <a:lightRig rig="threePt" dir="t"/>
-    </dgm:scene3d>
-    <dgm:sp3d/>
-    <dgm:txPr/>
-    <dgm:style>
-      <a:lnRef idx="2">
-        <a:scrgbClr r="0" g="0" b="0"/>
-      </a:lnRef>
-      <a:fillRef idx="1">
-        <a:scrgbClr r="0" g="0" b="0"/>
-      </a:fillRef>
-      <a:effectRef idx="0">
-        <a:scrgbClr r="0" g="0" b="0"/>
-      </a:effectRef>
-      <a:fontRef idx="minor"/>
-    </dgm:style>
-  </dgm:styleLbl>
-  <dgm:styleLbl name="fgAcc3">
-    <dgm:scene3d>
-      <a:camera prst="orthographicFront"/>
-      <a:lightRig rig="threePt" dir="t"/>
-    </dgm:scene3d>
-    <dgm:sp3d/>
-    <dgm:txPr/>
-    <dgm:style>
-      <a:lnRef idx="2">
-        <a:scrgbClr r="0" g="0" b="0"/>
-      </a:lnRef>
-      <a:fillRef idx="1">
-        <a:scrgbClr r="0" g="0" b="0"/>
-      </a:fillRef>
-      <a:effectRef idx="0">
-        <a:scrgbClr r="0" g="0" b="0"/>
-      </a:effectRef>
-      <a:fontRef idx="minor"/>
-    </dgm:style>
-  </dgm:styleLbl>
-  <dgm:styleLbl name="fgAcc4">
-    <dgm:scene3d>
-      <a:camera prst="orthographicFront"/>
-      <a:lightRig rig="threePt" dir="t"/>
-    </dgm:scene3d>
-    <dgm:sp3d/>
-    <dgm:txPr/>
-    <dgm:style>
-      <a:lnRef idx="2">
-        <a:scrgbClr r="0" g="0" b="0"/>
-      </a:lnRef>
-      <a:fillRef idx="1">
-        <a:scrgbClr r="0" g="0" b="0"/>
-      </a:fillRef>
-      <a:effectRef idx="0">
-        <a:scrgbClr r="0" g="0" b="0"/>
-      </a:effectRef>
-      <a:fontRef idx="minor"/>
-    </dgm:style>
-  </dgm:styleLbl>
-  <dgm:styleLbl name="bgShp">
-    <dgm:scene3d>
-      <a:camera prst="orthographicFront"/>
-      <a:lightRig rig="threePt" dir="t"/>
-    </dgm:scene3d>
-    <dgm:sp3d/>
-    <dgm:txPr/>
-    <dgm:style>
-      <a:lnRef idx="0">
-        <a:scrgbClr r="0" g="0" b="0"/>
-      </a:lnRef>
-      <a:fillRef idx="1">
-        <a:scrgbClr r="0" g="0" b="0"/>
-      </a:fillRef>
-      <a:effectRef idx="0">
-        <a:scrgbClr r="0" g="0" b="0"/>
-      </a:effectRef>
-      <a:fontRef idx="minor"/>
-    </dgm:style>
-  </dgm:styleLbl>
-  <dgm:styleLbl name="dkBgShp">
-    <dgm:scene3d>
-      <a:camera prst="orthographicFront"/>
-      <a:lightRig rig="threePt" dir="t"/>
-    </dgm:scene3d>
-    <dgm:sp3d/>
-    <dgm:txPr/>
-    <dgm:style>
-      <a:lnRef idx="0">
-        <a:scrgbClr r="0" g="0" b="0"/>
-      </a:lnRef>
-      <a:fillRef idx="1">
-        <a:scrgbClr r="0" g="0" b="0"/>
-      </a:fillRef>
-      <a:effectRef idx="0">
-        <a:scrgbClr r="0" g="0" b="0"/>
-      </a:effectRef>
-      <a:fontRef idx="minor"/>
-    </dgm:style>
-  </dgm:styleLbl>
-  <dgm:styleLbl name="trBgShp">
-    <dgm:scene3d>
-      <a:camera prst="orthographicFront"/>
-      <a:lightRig rig="threePt" dir="t"/>
-    </dgm:scene3d>
-    <dgm:sp3d/>
-    <dgm:txPr/>
-    <dgm:style>
-      <a:lnRef idx="0">
-        <a:scrgbClr r="0" g="0" b="0"/>
-      </a:lnRef>
-      <a:fillRef idx="1">
-        <a:scrgbClr r="0" g="0" b="0"/>
-      </a:fillRef>
-      <a:effectRef idx="0">
-        <a:scrgbClr r="0" g="0" b="0"/>
-      </a:effectRef>
-      <a:fontRef idx="minor"/>
-    </dgm:style>
-  </dgm:styleLbl>
-  <dgm:styleLbl name="fgShp">
-    <dgm:scene3d>
-      <a:camera prst="orthographicFront"/>
-      <a:lightRig rig="threePt" dir="t"/>
-    </dgm:scene3d>
-    <dgm:sp3d/>
-    <dgm:txPr/>
-    <dgm:style>
-      <a:lnRef idx="2">
-        <a:scrgbClr r="0" g="0" b="0"/>
-      </a:lnRef>
-      <a:fillRef idx="1">
-        <a:scrgbClr r="0" g="0" b="0"/>
-      </a:fillRef>
-      <a:effectRef idx="0">
-        <a:scrgbClr r="0" g="0" b="0"/>
-      </a:effectRef>
-      <a:fontRef idx="minor"/>
-    </dgm:style>
-  </dgm:styleLbl>
-  <dgm:styleLbl name="revTx">
-    <dgm:scene3d>
-      <a:camera prst="orthographicFront"/>
-      <a:lightRig rig="threePt" dir="t"/>
-    </dgm:scene3d>
-    <dgm:sp3d/>
-    <dgm:txPr/>
-    <dgm:style>
-      <a:lnRef idx="0">
-        <a:scrgbClr r="0" g="0" b="0"/>
-      </a:lnRef>
-      <a:fillRef idx="0">
-        <a:scrgbClr r="0" g="0" b="0"/>
-      </a:fillRef>
-      <a:effectRef idx="0">
-        <a:scrgbClr r="0" g="0" b="0"/>
-      </a:effectRef>
-      <a:fontRef idx="minor"/>
-    </dgm:style>
-  </dgm:styleLbl>
-</dgm:styleDef>
+<file path=ppt/notesMasters/notesMaster1.xml><?xml version="1.0" encoding="utf-8"?>
+<p:notesMaster xmlns:a="http://schemas.openxmlformats.org/drawingml/2006/main" xmlns:r="http://schemas.openxmlformats.org/officeDocument/2006/relationships" xmlns:p="http://schemas.openxmlformats.org/presentationml/2006/main">
+  <p:cSld>
+    <p:bg>
+      <p:bgRef idx="1001">
+        <a:schemeClr val="bg1"/>
+      </p:bgRef>
+    </p:bg>
+    <p:spTree>
+      <p:nvGrpSpPr>
+        <p:cNvPr id="1" name=""/>
+        <p:cNvGrpSpPr/>
+        <p:nvPr/>
+      </p:nvGrpSpPr>
+      <p:grpSpPr>
+        <a:xfrm>
+          <a:off x="0" y="0"/>
+          <a:ext cx="0" cy="0"/>
+          <a:chOff x="0" y="0"/>
+          <a:chExt cx="0" cy="0"/>
+        </a:xfrm>
+      </p:grpSpPr>
+      <p:sp>
+        <p:nvSpPr>
+          <p:cNvPr id="2" name="Header Placeholder 1"/>
+          <p:cNvSpPr>
+            <a:spLocks noGrp="1"/>
+          </p:cNvSpPr>
+          <p:nvPr>
+            <p:ph type="hdr" sz="quarter"/>
+          </p:nvPr>
+        </p:nvSpPr>
+        <p:spPr>
+          <a:xfrm>
+            <a:off x="0" y="0"/>
+            <a:ext cx="2971800" cy="458788"/>
+          </a:xfrm>
+          <a:prstGeom prst="rect">
+            <a:avLst/>
+          </a:prstGeom>
+        </p:spPr>
+        <p:txBody>
+          <a:bodyPr vert="horz" lIns="91440" tIns="45720" rIns="91440" bIns="45720" rtlCol="0"/>
+          <a:lstStyle>
+            <a:lvl1pPr algn="l">
+              <a:defRPr sz="1200"/>
+            </a:lvl1pPr>
+          </a:lstStyle>
+          <a:p>
+            <a:endParaRPr lang="en-US"/>
+          </a:p>
+        </p:txBody>
+      </p:sp>
+      <p:sp>
+        <p:nvSpPr>
+          <p:cNvPr id="3" name="Date Placeholder 2"/>
+          <p:cNvSpPr>
+            <a:spLocks noGrp="1"/>
+          </p:cNvSpPr>
+          <p:nvPr>
+            <p:ph type="dt" idx="1"/>
+          </p:nvPr>
+        </p:nvSpPr>
+        <p:spPr>
+          <a:xfrm>
+            <a:off x="3884613" y="0"/>
+            <a:ext cx="2971800" cy="458788"/>
+          </a:xfrm>
+          <a:prstGeom prst="rect">
+            <a:avLst/>
+          </a:prstGeom>
+        </p:spPr>
+        <p:txBody>
+          <a:bodyPr vert="horz" lIns="91440" tIns="45720" rIns="91440" bIns="45720" rtlCol="0"/>
+          <a:lstStyle>
+            <a:lvl1pPr algn="r">
+              <a:defRPr sz="1200"/>
+            </a:lvl1pPr>
+          </a:lstStyle>
+          <a:p>
+            <a:fld id="{B2A687DB-1CC2-7F49-9491-AB7F5B574AEB}" type="datetimeFigureOut">
+              <a:rPr lang="en-US" smtClean="0"/>
+              <a:t>10/19/23</a:t>
+            </a:fld>
+            <a:endParaRPr lang="en-US"/>
+          </a:p>
+        </p:txBody>
+      </p:sp>
+      <p:sp>
+        <p:nvSpPr>
+          <p:cNvPr id="4" name="Slide Image Placeholder 3"/>
+          <p:cNvSpPr>
+            <a:spLocks noGrp="1" noRot="1" noChangeAspect="1"/>
+          </p:cNvSpPr>
+          <p:nvPr>
+            <p:ph type="sldImg" idx="2"/>
+          </p:nvPr>
+        </p:nvSpPr>
+        <p:spPr>
+          <a:xfrm>
+            <a:off x="685800" y="1143000"/>
+            <a:ext cx="5486400" cy="3086100"/>
+          </a:xfrm>
+          <a:prstGeom prst="rect">
+            <a:avLst/>
+          </a:prstGeom>
+          <a:noFill/>
+          <a:ln w="12700">
+            <a:solidFill>
+              <a:prstClr val="black"/>
+            </a:solidFill>
+          </a:ln>
+        </p:spPr>
+        <p:txBody>
+          <a:bodyPr vert="horz" lIns="91440" tIns="45720" rIns="91440" bIns="45720" rtlCol="0" anchor="ctr"/>
+          <a:lstStyle/>
+          <a:p>
+            <a:endParaRPr lang="en-US"/>
+          </a:p>
+        </p:txBody>
+      </p:sp>
+      <p:sp>
+        <p:nvSpPr>
+          <p:cNvPr id="5" name="Notes Placeholder 4"/>
+          <p:cNvSpPr>
+            <a:spLocks noGrp="1"/>
+          </p:cNvSpPr>
+          <p:nvPr>
+            <p:ph type="body" sz="quarter" idx="3"/>
+          </p:nvPr>
+        </p:nvSpPr>
+        <p:spPr>
+          <a:xfrm>
+            <a:off x="685800" y="4400550"/>
+            <a:ext cx="5486400" cy="3600450"/>
+          </a:xfrm>
+          <a:prstGeom prst="rect">
+            <a:avLst/>
+          </a:prstGeom>
+        </p:spPr>
+        <p:txBody>
+          <a:bodyPr vert="horz" lIns="91440" tIns="45720" rIns="91440" bIns="45720" rtlCol="0"/>
+          <a:lstStyle/>
+          <a:p>
+            <a:pPr lvl="0"/>
+            <a:r>
+              <a:rPr lang="en-GB"/>
+              <a:t>Click to edit Master text styles</a:t>
+            </a:r>
+          </a:p>
+          <a:p>
+            <a:pPr lvl="1"/>
+            <a:r>
+              <a:rPr lang="en-GB"/>
+              <a:t>Second level</a:t>
+            </a:r>
+          </a:p>
+          <a:p>
+            <a:pPr lvl="2"/>
+            <a:r>
+              <a:rPr lang="en-GB"/>
+              <a:t>Third level</a:t>
+            </a:r>
+          </a:p>
+          <a:p>
+            <a:pPr lvl="3"/>
+            <a:r>
+              <a:rPr lang="en-GB"/>
+              <a:t>Fourth level</a:t>
+            </a:r>
+          </a:p>
+          <a:p>
+            <a:pPr lvl="4"/>
+            <a:r>
+              <a:rPr lang="en-GB"/>
+              <a:t>Fifth level</a:t>
+            </a:r>
+            <a:endParaRPr lang="en-US"/>
+          </a:p>
+        </p:txBody>
+      </p:sp>
+      <p:sp>
+        <p:nvSpPr>
+          <p:cNvPr id="6" name="Footer Placeholder 5"/>
+          <p:cNvSpPr>
+            <a:spLocks noGrp="1"/>
+          </p:cNvSpPr>
+          <p:nvPr>
+            <p:ph type="ftr" sz="quarter" idx="4"/>
+          </p:nvPr>
+        </p:nvSpPr>
+        <p:spPr>
+          <a:xfrm>
+            <a:off x="0" y="8685213"/>
+            <a:ext cx="2971800" cy="458787"/>
+          </a:xfrm>
+          <a:prstGeom prst="rect">
+            <a:avLst/>
+          </a:prstGeom>
+        </p:spPr>
+        <p:txBody>
+          <a:bodyPr vert="horz" lIns="91440" tIns="45720" rIns="91440" bIns="45720" rtlCol="0" anchor="b"/>
+          <a:lstStyle>
+            <a:lvl1pPr algn="l">
+              <a:defRPr sz="1200"/>
+            </a:lvl1pPr>
+          </a:lstStyle>
+          <a:p>
+            <a:endParaRPr lang="en-US"/>
+          </a:p>
+        </p:txBody>
+      </p:sp>
+      <p:sp>
+        <p:nvSpPr>
+          <p:cNvPr id="7" name="Slide Number Placeholder 6"/>
+          <p:cNvSpPr>
+            <a:spLocks noGrp="1"/>
+          </p:cNvSpPr>
+          <p:nvPr>
+            <p:ph type="sldNum" sz="quarter" idx="5"/>
+          </p:nvPr>
+        </p:nvSpPr>
+        <p:spPr>
+          <a:xfrm>
+            <a:off x="3884613" y="8685213"/>
+            <a:ext cx="2971800" cy="458787"/>
+          </a:xfrm>
+          <a:prstGeom prst="rect">
+            <a:avLst/>
+          </a:prstGeom>
+        </p:spPr>
+        <p:txBody>
+          <a:bodyPr vert="horz" lIns="91440" tIns="45720" rIns="91440" bIns="45720" rtlCol="0" anchor="b"/>
+          <a:lstStyle>
+            <a:lvl1pPr algn="r">
+              <a:defRPr sz="1200"/>
+            </a:lvl1pPr>
+          </a:lstStyle>
+          <a:p>
+            <a:fld id="{4A91BFEC-8535-3041-8338-55B272DC01B7}" type="slidenum">
+              <a:rPr lang="en-US" smtClean="0"/>
+              <a:t>‹#›</a:t>
+            </a:fld>
+            <a:endParaRPr lang="en-US"/>
+          </a:p>
+        </p:txBody>
+      </p:sp>
+    </p:spTree>
+    <p:extLst>
+      <p:ext uri="{BB962C8B-B14F-4D97-AF65-F5344CB8AC3E}">
+        <p14:creationId xmlns:p14="http://schemas.microsoft.com/office/powerpoint/2010/main" val="2162141521"/>
+      </p:ext>
+    </p:extLst>
+  </p:cSld>
+  <p:clrMap bg1="lt1" tx1="dk1" bg2="lt2" tx2="dk2" accent1="accent1" accent2="accent2" accent3="accent3" accent4="accent4" accent5="accent5" accent6="accent6" hlink="hlink" folHlink="folHlink"/>
+  <p:notesStyle>
+    <a:lvl1pPr marL="0" algn="l" defTabSz="914400" rtl="0" eaLnBrk="1" latinLnBrk="0" hangingPunct="1">
+      <a:defRPr sz="1200" kern="1200">
+        <a:solidFill>
+          <a:schemeClr val="tx1"/>
+        </a:solidFill>
+        <a:latin typeface="+mn-lt"/>
+        <a:ea typeface="+mn-ea"/>
+        <a:cs typeface="+mn-cs"/>
+      </a:defRPr>
+    </a:lvl1pPr>
+    <a:lvl2pPr marL="457200" algn="l" defTabSz="914400" rtl="0" eaLnBrk="1" latinLnBrk="0" hangingPunct="1">
+      <a:defRPr sz="1200" kern="1200">
+        <a:solidFill>
+          <a:schemeClr val="tx1"/>
+        </a:solidFill>
+        <a:latin typeface="+mn-lt"/>
+        <a:ea typeface="+mn-ea"/>
+        <a:cs typeface="+mn-cs"/>
+      </a:defRPr>
+    </a:lvl2pPr>
+    <a:lvl3pPr marL="914400" algn="l" defTabSz="914400" rtl="0" eaLnBrk="1" latinLnBrk="0" hangingPunct="1">
+      <a:defRPr sz="1200" kern="1200">
+        <a:solidFill>
+          <a:schemeClr val="tx1"/>
+        </a:solidFill>
+        <a:latin typeface="+mn-lt"/>
+        <a:ea typeface="+mn-ea"/>
+        <a:cs typeface="+mn-cs"/>
+      </a:defRPr>
+    </a:lvl3pPr>
+    <a:lvl4pPr marL="1371600" algn="l" defTabSz="914400" rtl="0" eaLnBrk="1" latinLnBrk="0" hangingPunct="1">
+      <a:defRPr sz="1200" kern="1200">
+        <a:solidFill>
+          <a:schemeClr val="tx1"/>
+        </a:solidFill>
+        <a:latin typeface="+mn-lt"/>
+        <a:ea typeface="+mn-ea"/>
+        <a:cs typeface="+mn-cs"/>
+      </a:defRPr>
+    </a:lvl4pPr>
+    <a:lvl5pPr marL="1828800" algn="l" defTabSz="914400" rtl="0" eaLnBrk="1" latinLnBrk="0" hangingPunct="1">
+      <a:defRPr sz="1200" kern="1200">
+        <a:solidFill>
+          <a:schemeClr val="tx1"/>
+        </a:solidFill>
+        <a:latin typeface="+mn-lt"/>
+        <a:ea typeface="+mn-ea"/>
+        <a:cs typeface="+mn-cs"/>
+      </a:defRPr>
+    </a:lvl5pPr>
+    <a:lvl6pPr marL="2286000" algn="l" defTabSz="914400" rtl="0" eaLnBrk="1" latinLnBrk="0" hangingPunct="1">
+      <a:defRPr sz="1200" kern="1200">
+        <a:solidFill>
+          <a:schemeClr val="tx1"/>
+        </a:solidFill>
+        <a:latin typeface="+mn-lt"/>
+        <a:ea typeface="+mn-ea"/>
+        <a:cs typeface="+mn-cs"/>
+      </a:defRPr>
+    </a:lvl6pPr>
+    <a:lvl7pPr marL="2743200" algn="l" defTabSz="914400" rtl="0" eaLnBrk="1" latinLnBrk="0" hangingPunct="1">
+      <a:defRPr sz="1200" kern="1200">
+        <a:solidFill>
+          <a:schemeClr val="tx1"/>
+        </a:solidFill>
+        <a:latin typeface="+mn-lt"/>
+        <a:ea typeface="+mn-ea"/>
+        <a:cs typeface="+mn-cs"/>
+      </a:defRPr>
+    </a:lvl7pPr>
+    <a:lvl8pPr marL="3200400" algn="l" defTabSz="914400" rtl="0" eaLnBrk="1" latinLnBrk="0" hangingPunct="1">
+      <a:defRPr sz="1200" kern="1200">
+        <a:solidFill>
+          <a:schemeClr val="tx1"/>
+        </a:solidFill>
+        <a:latin typeface="+mn-lt"/>
+        <a:ea typeface="+mn-ea"/>
+        <a:cs typeface="+mn-cs"/>
+      </a:defRPr>
+    </a:lvl8pPr>
+    <a:lvl9pPr marL="3657600" algn="l" defTabSz="914400" rtl="0" eaLnBrk="1" latinLnBrk="0" hangingPunct="1">
+      <a:defRPr sz="1200" kern="1200">
+        <a:solidFill>
+          <a:schemeClr val="tx1"/>
+        </a:solidFill>
+        <a:latin typeface="+mn-lt"/>
+        <a:ea typeface="+mn-ea"/>
+        <a:cs typeface="+mn-cs"/>
+      </a:defRPr>
+    </a:lvl9pPr>
+  </p:notesStyle>
+</p:notesMaster>
 </file>
 
 <file path=ppt/slideLayouts/slideLayout1.xml><?xml version="1.0" encoding="utf-8"?>
@@ -22215,7 +19178,7 @@
             <p:ph idx="1"/>
             <p:extLst>
               <p:ext uri="{D42A27DB-BD31-4B8C-83A1-F6EECF244321}">
-                <p14:modId xmlns:p14="http://schemas.microsoft.com/office/powerpoint/2010/main" val="957559072"/>
+                <p14:modId xmlns:p14="http://schemas.microsoft.com/office/powerpoint/2010/main" val="2902107825"/>
               </p:ext>
             </p:extLst>
           </p:nvPr>
@@ -22387,37 +19350,45 @@
         </p:spPr>
         <p:txBody>
           <a:bodyPr anchor="ctr">
-            <a:normAutofit/>
+            <a:normAutofit lnSpcReduction="10000"/>
           </a:bodyPr>
           <a:lstStyle/>
           <a:p>
             <a:r>
-              <a:rPr lang="en-US" sz="1400"/>
-              <a:t>ASD and DS team communicate through Slack instant messaging and daily stand ups on Teams. </a:t>
+              <a:rPr lang="en-US" sz="1400" dirty="0"/>
+              <a:t>Team communicate through Slack instant messaging and daily stand ups on Teams. </a:t>
             </a:r>
           </a:p>
           <a:p>
             <a:r>
-              <a:rPr lang="en-US" sz="1400"/>
+              <a:rPr lang="en-US" sz="1400" dirty="0"/>
               <a:t>Initial challenges were problems with focused conversations</a:t>
             </a:r>
           </a:p>
           <a:p>
-            <a:pPr lvl="1"/>
             <a:r>
-              <a:rPr lang="en-US" sz="1400"/>
-              <a:t>Primary communication tool switched from WhatsApp to Slack as it allows channels and apps that connect to github and Jira.</a:t>
+              <a:rPr lang="en-US" sz="1400" dirty="0"/>
+              <a:t>Solution:</a:t>
+            </a:r>
+          </a:p>
+          <a:p>
+            <a:pPr marL="457200" lvl="1" indent="0">
+              <a:buNone/>
+            </a:pPr>
+            <a:r>
+              <a:rPr lang="en-US" sz="1400" dirty="0"/>
+              <a:t>Primary communication tool switched from WhatsApp to Slack as it allows channels, threads and apps that connect to GitHub and Jira.</a:t>
             </a:r>
           </a:p>
           <a:p>
             <a:pPr lvl="1"/>
-            <a:endParaRPr lang="en-US" sz="1400"/>
+            <a:endParaRPr lang="en-US" sz="1400" dirty="0"/>
           </a:p>
           <a:p>
             <a:pPr marL="0" indent="0">
               <a:buNone/>
             </a:pPr>
-            <a:endParaRPr lang="en-US" sz="1400"/>
+            <a:endParaRPr lang="en-US" sz="1400" dirty="0"/>
           </a:p>
         </p:txBody>
       </p:sp>
@@ -22466,14 +19437,6 @@
 <file path=ppt/slides/slide4.xml><?xml version="1.0" encoding="utf-8"?>
 <p:sld xmlns:a="http://schemas.openxmlformats.org/drawingml/2006/main" xmlns:r="http://schemas.openxmlformats.org/officeDocument/2006/relationships" xmlns:p="http://schemas.openxmlformats.org/presentationml/2006/main">
   <p:cSld>
-    <p:bg>
-      <p:bgPr>
-        <a:solidFill>
-          <a:schemeClr val="bg1"/>
-        </a:solidFill>
-        <a:effectLst/>
-      </p:bgPr>
-    </p:bg>
     <p:spTree>
       <p:nvGrpSpPr>
         <p:cNvPr id="1" name=""/>
@@ -22488,72 +19451,12 @@
           <a:chExt cx="0" cy="0"/>
         </a:xfrm>
       </p:grpSpPr>
-      <p:sp useBgFill="1">
-        <p:nvSpPr>
-          <p:cNvPr id="10" name="Rectangle 9">
-            <a:extLst>
-              <a:ext uri="{FF2B5EF4-FFF2-40B4-BE49-F238E27FC236}">
-                <a16:creationId xmlns:a16="http://schemas.microsoft.com/office/drawing/2014/main" id="{DCC231C8-C761-4B31-9B1C-C6D19248C6B3}"/>
-              </a:ext>
-              <a:ext uri="{C183D7F6-B498-43B3-948B-1728B52AA6E4}">
-                <adec:decorative xmlns:adec="http://schemas.microsoft.com/office/drawing/2017/decorative" val="1"/>
-              </a:ext>
-            </a:extLst>
-          </p:cNvPr>
-          <p:cNvSpPr>
-            <a:spLocks noGrp="1" noRot="1" noChangeAspect="1" noMove="1" noResize="1" noEditPoints="1" noAdjustHandles="1" noChangeArrowheads="1" noChangeShapeType="1" noTextEdit="1"/>
-          </p:cNvSpPr>
-          <p:nvPr>
-            <p:extLst>
-              <p:ext uri="{386F3935-93C4-4BCD-93E2-E3B085C9AB24}">
-                <p16:designElem xmlns:p16="http://schemas.microsoft.com/office/powerpoint/2015/main" val="1"/>
-              </p:ext>
-            </p:extLst>
-          </p:nvPr>
-        </p:nvSpPr>
-        <p:spPr>
-          <a:xfrm>
-            <a:off x="-1" y="0"/>
-            <a:ext cx="12188952" cy="6858000"/>
-          </a:xfrm>
-          <a:prstGeom prst="rect">
-            <a:avLst/>
-          </a:prstGeom>
-          <a:ln>
-            <a:noFill/>
-          </a:ln>
-        </p:spPr>
-        <p:style>
-          <a:lnRef idx="2">
-            <a:schemeClr val="accent1">
-              <a:shade val="50000"/>
-            </a:schemeClr>
-          </a:lnRef>
-          <a:fillRef idx="1">
-            <a:schemeClr val="accent1"/>
-          </a:fillRef>
-          <a:effectRef idx="0">
-            <a:schemeClr val="accent1"/>
-          </a:effectRef>
-          <a:fontRef idx="minor">
-            <a:schemeClr val="lt1"/>
-          </a:fontRef>
-        </p:style>
-        <p:txBody>
-          <a:bodyPr rtlCol="0" anchor="ctr"/>
-          <a:lstStyle/>
-          <a:p>
-            <a:pPr algn="ctr"/>
-            <a:endParaRPr lang="en-US"/>
-          </a:p>
-        </p:txBody>
-      </p:sp>
       <p:sp>
         <p:nvSpPr>
           <p:cNvPr id="2" name="Title 1">
             <a:extLst>
               <a:ext uri="{FF2B5EF4-FFF2-40B4-BE49-F238E27FC236}">
-                <a16:creationId xmlns:a16="http://schemas.microsoft.com/office/drawing/2014/main" id="{DA9E81AC-BD3E-54D3-8B4C-23A6BA610074}"/>
+                <a16:creationId xmlns:a16="http://schemas.microsoft.com/office/drawing/2014/main" id="{240234DE-4208-44B0-2422-2EA3D80F84C8}"/>
               </a:ext>
             </a:extLst>
           </p:cNvPr>
@@ -22564,31 +19467,25 @@
             <p:ph type="title"/>
           </p:nvPr>
         </p:nvSpPr>
-        <p:spPr>
-          <a:xfrm>
-            <a:off x="838200" y="557189"/>
-            <a:ext cx="3374136" cy="5567891"/>
-          </a:xfrm>
-        </p:spPr>
+        <p:spPr/>
         <p:txBody>
-          <a:bodyPr>
-            <a:normAutofit/>
-          </a:bodyPr>
+          <a:bodyPr/>
           <a:lstStyle/>
           <a:p>
             <a:r>
-              <a:rPr lang="en-US" sz="5200"/>
-              <a:t>Knowledge Sharing </a:t>
+              <a:rPr lang="en-US"/>
+              <a:t>Knowledge sharing</a:t>
             </a:r>
+            <a:endParaRPr lang="en-US" dirty="0"/>
           </a:p>
         </p:txBody>
       </p:sp>
       <p:graphicFrame>
         <p:nvGraphicFramePr>
-          <p:cNvPr id="5" name="Content Placeholder 2">
+          <p:cNvPr id="13" name="Content Placeholder 2">
             <a:extLst>
               <a:ext uri="{FF2B5EF4-FFF2-40B4-BE49-F238E27FC236}">
-                <a16:creationId xmlns:a16="http://schemas.microsoft.com/office/drawing/2014/main" id="{D864B2E0-8B93-9B2C-0EBF-5D5EA233E74D}"/>
+                <a16:creationId xmlns:a16="http://schemas.microsoft.com/office/drawing/2014/main" id="{C1E52FA8-CC10-6C5E-7E6E-E90C7DE844CB}"/>
               </a:ext>
             </a:extLst>
           </p:cNvPr>
@@ -22597,16 +19494,11 @@
           </p:cNvGraphicFramePr>
           <p:nvPr>
             <p:ph idx="1"/>
-            <p:extLst>
-              <p:ext uri="{D42A27DB-BD31-4B8C-83A1-F6EECF244321}">
-                <p14:modId xmlns:p14="http://schemas.microsoft.com/office/powerpoint/2010/main" val="2796664664"/>
-              </p:ext>
-            </p:extLst>
           </p:nvPr>
         </p:nvGraphicFramePr>
         <p:xfrm>
-          <a:off x="5093208" y="620392"/>
-          <a:ext cx="6263640" cy="5504688"/>
+          <a:off x="838200" y="1825625"/>
+          <a:ext cx="10515600" cy="4351338"/>
         </p:xfrm>
         <a:graphic>
           <a:graphicData uri="http://schemas.openxmlformats.org/drawingml/2006/diagram">
@@ -22617,7 +19509,7 @@
     </p:spTree>
     <p:extLst>
       <p:ext uri="{BB962C8B-B14F-4D97-AF65-F5344CB8AC3E}">
-        <p14:creationId xmlns:p14="http://schemas.microsoft.com/office/powerpoint/2010/main" val="2966525020"/>
+        <p14:creationId xmlns:p14="http://schemas.microsoft.com/office/powerpoint/2010/main" val="2857374559"/>
       </p:ext>
     </p:extLst>
   </p:cSld>
@@ -22843,7 +19735,7 @@
           <a:lstStyle/>
           <a:p>
             <a:r>
-              <a:rPr lang="en-US" sz="1800">
+              <a:rPr lang="en-US" sz="1800" dirty="0">
                 <a:solidFill>
                   <a:schemeClr val="tx2"/>
                 </a:solidFill>
@@ -22852,15 +19744,18 @@
             </a:r>
           </a:p>
           <a:p>
-            <a:endParaRPr lang="en-US" sz="1800">
-              <a:solidFill>
-                <a:schemeClr val="tx2"/>
-              </a:solidFill>
-            </a:endParaRPr>
+            <a:r>
+              <a:rPr lang="en-US" sz="1800" dirty="0">
+                <a:solidFill>
+                  <a:schemeClr val="tx2"/>
+                </a:solidFill>
+              </a:rPr>
+              <a:t>Tracking with user stories on Jira. </a:t>
+            </a:r>
           </a:p>
           <a:p>
             <a:r>
-              <a:rPr lang="en-US" sz="1800">
+              <a:rPr lang="en-US" sz="1800" dirty="0">
                 <a:solidFill>
                   <a:schemeClr val="tx2"/>
                 </a:solidFill>
@@ -22871,7 +19766,7 @@
           <a:p>
             <a:pPr lvl="1"/>
             <a:r>
-              <a:rPr lang="en-US" sz="1800">
+              <a:rPr lang="en-US" sz="1800" dirty="0">
                 <a:solidFill>
                   <a:schemeClr val="tx2"/>
                 </a:solidFill>
@@ -22880,20 +19775,13 @@
             </a:r>
           </a:p>
           <a:p>
-            <a:endParaRPr lang="en-US" sz="1800">
-              <a:solidFill>
-                <a:schemeClr val="tx2"/>
-              </a:solidFill>
-            </a:endParaRPr>
-          </a:p>
-          <a:p>
             <a:r>
-              <a:rPr lang="en-US" sz="1800">
+              <a:rPr lang="en-US" sz="1800" dirty="0">
                 <a:solidFill>
                   <a:schemeClr val="tx2"/>
                 </a:solidFill>
               </a:rPr>
-              <a:t>Team pushes to development branch with stable code getting pushed to main branch once a week on Wednesday evening. </a:t>
+              <a:t>Team pushes to development branch and then Naveen pushes to prod and main branches once a week on Wednesday evening. </a:t>
             </a:r>
           </a:p>
         </p:txBody>
@@ -25943,12 +22831,12 @@
         </p:spPr>
         <p:txBody>
           <a:bodyPr anchor="ctr">
-            <a:normAutofit/>
+            <a:normAutofit fontScale="92500" lnSpcReduction="20000"/>
           </a:bodyPr>
           <a:lstStyle/>
           <a:p>
             <a:r>
-              <a:rPr lang="en-US" sz="1700">
+              <a:rPr lang="en-US" sz="1700" dirty="0">
                 <a:solidFill>
                   <a:schemeClr val="tx2"/>
                 </a:solidFill>
@@ -25959,7 +22847,7 @@
           <a:p>
             <a:pPr lvl="1"/>
             <a:r>
-              <a:rPr lang="en-US" sz="1700">
+              <a:rPr lang="en-US" sz="1700" dirty="0">
                 <a:solidFill>
                   <a:schemeClr val="tx2"/>
                 </a:solidFill>
@@ -25969,7 +22857,29 @@
           </a:p>
           <a:p>
             <a:pPr lvl="1"/>
-            <a:endParaRPr lang="en-US" sz="1700">
+            <a:r>
+              <a:rPr lang="en-US" sz="1700" dirty="0">
+                <a:solidFill>
+                  <a:schemeClr val="tx2"/>
+                </a:solidFill>
+              </a:rPr>
+              <a:t>Column specific cleaning.</a:t>
+            </a:r>
+          </a:p>
+          <a:p>
+            <a:pPr lvl="1"/>
+            <a:r>
+              <a:rPr lang="en-US" sz="1700" dirty="0">
+                <a:solidFill>
+                  <a:schemeClr val="tx2"/>
+                </a:solidFill>
+              </a:rPr>
+              <a:t>Interactive data profile dashboard.</a:t>
+            </a:r>
+          </a:p>
+          <a:p>
+            <a:pPr lvl="1"/>
+            <a:endParaRPr lang="en-US" sz="1700" dirty="0">
               <a:solidFill>
                 <a:schemeClr val="tx2"/>
               </a:solidFill>
@@ -25977,7 +22887,7 @@
           </a:p>
           <a:p>
             <a:r>
-              <a:rPr lang="en-US" sz="1700">
+              <a:rPr lang="en-US" sz="1700" dirty="0">
                 <a:solidFill>
                   <a:schemeClr val="tx2"/>
                 </a:solidFill>
@@ -25988,7 +22898,7 @@
           <a:p>
             <a:pPr lvl="1"/>
             <a:r>
-              <a:rPr lang="en-US" sz="1700">
+              <a:rPr lang="en-US" sz="1700" dirty="0">
                 <a:solidFill>
                   <a:schemeClr val="tx2"/>
                 </a:solidFill>
@@ -25999,7 +22909,7 @@
           <a:p>
             <a:pPr lvl="1"/>
             <a:r>
-              <a:rPr lang="en-US" sz="1700">
+              <a:rPr lang="en-US" sz="1700" dirty="0">
                 <a:solidFill>
                   <a:schemeClr val="tx2"/>
                 </a:solidFill>
@@ -26010,17 +22920,28 @@
           <a:p>
             <a:pPr lvl="1"/>
             <a:r>
-              <a:rPr lang="en-US" sz="1700">
+              <a:rPr lang="en-US" sz="1700" dirty="0">
                 <a:solidFill>
                   <a:schemeClr val="tx2"/>
                 </a:solidFill>
               </a:rPr>
-              <a:t>Setting out goals for each week is important so that team has alignment and purpose for the week.</a:t>
+              <a:t>Setting out goals for each sprint is important so that team has alignment and purpose for the week.</a:t>
             </a:r>
           </a:p>
           <a:p>
             <a:pPr lvl="1"/>
-            <a:endParaRPr lang="en-US" sz="1700">
+            <a:r>
+              <a:rPr lang="en-US" sz="1700" dirty="0">
+                <a:solidFill>
+                  <a:schemeClr val="tx2"/>
+                </a:solidFill>
+              </a:rPr>
+              <a:t>Importance of a white board (bonus)</a:t>
+            </a:r>
+          </a:p>
+          <a:p>
+            <a:pPr lvl="1"/>
+            <a:endParaRPr lang="en-US" sz="1700" dirty="0">
               <a:solidFill>
                 <a:schemeClr val="tx2"/>
               </a:solidFill>
@@ -26028,7 +22949,7 @@
           </a:p>
           <a:p>
             <a:pPr lvl="1"/>
-            <a:endParaRPr lang="en-US" sz="1700">
+            <a:endParaRPr lang="en-US" sz="1700" dirty="0">
               <a:solidFill>
                 <a:schemeClr val="tx2"/>
               </a:solidFill>
@@ -26036,7 +22957,15 @@
           </a:p>
           <a:p>
             <a:pPr lvl="1"/>
-            <a:endParaRPr lang="en-US" sz="1700">
+            <a:endParaRPr lang="en-US" sz="1700" dirty="0">
+              <a:solidFill>
+                <a:schemeClr val="tx2"/>
+              </a:solidFill>
+            </a:endParaRPr>
+          </a:p>
+          <a:p>
+            <a:pPr lvl="1"/>
+            <a:endParaRPr lang="en-US" sz="1700" dirty="0">
               <a:solidFill>
                 <a:schemeClr val="tx2"/>
               </a:solidFill>
@@ -28881,6 +25810,14 @@
 <file path=ppt/slides/slide7.xml><?xml version="1.0" encoding="utf-8"?>
 <p:sld xmlns:a="http://schemas.openxmlformats.org/drawingml/2006/main" xmlns:r="http://schemas.openxmlformats.org/officeDocument/2006/relationships" xmlns:p="http://schemas.openxmlformats.org/presentationml/2006/main">
   <p:cSld>
+    <p:bg>
+      <p:bgPr>
+        <a:solidFill>
+          <a:schemeClr val="bg1"/>
+        </a:solidFill>
+        <a:effectLst/>
+      </p:bgPr>
+    </p:bg>
     <p:spTree>
       <p:nvGrpSpPr>
         <p:cNvPr id="1" name=""/>
@@ -28895,12 +25832,135 @@
           <a:chExt cx="0" cy="0"/>
         </a:xfrm>
       </p:grpSpPr>
+      <p:sp useBgFill="1">
+        <p:nvSpPr>
+          <p:cNvPr id="10" name="Rectangle 9">
+            <a:extLst>
+              <a:ext uri="{FF2B5EF4-FFF2-40B4-BE49-F238E27FC236}">
+                <a16:creationId xmlns:a16="http://schemas.microsoft.com/office/drawing/2014/main" id="{EDDBB197-D710-4A4F-A9CA-FD2177498BE8}"/>
+              </a:ext>
+              <a:ext uri="{C183D7F6-B498-43B3-948B-1728B52AA6E4}">
+                <adec:decorative xmlns:adec="http://schemas.microsoft.com/office/drawing/2017/decorative" val="1"/>
+              </a:ext>
+            </a:extLst>
+          </p:cNvPr>
+          <p:cNvSpPr>
+            <a:spLocks noGrp="1" noRot="1" noChangeAspect="1" noMove="1" noResize="1" noEditPoints="1" noAdjustHandles="1" noChangeArrowheads="1" noChangeShapeType="1" noTextEdit="1"/>
+          </p:cNvSpPr>
+          <p:nvPr>
+            <p:extLst>
+              <p:ext uri="{386F3935-93C4-4BCD-93E2-E3B085C9AB24}">
+                <p16:designElem xmlns:p16="http://schemas.microsoft.com/office/powerpoint/2015/main" val="1"/>
+              </p:ext>
+            </p:extLst>
+          </p:nvPr>
+        </p:nvSpPr>
+        <p:spPr>
+          <a:xfrm>
+            <a:off x="0" y="0"/>
+            <a:ext cx="12192000" cy="6858000"/>
+          </a:xfrm>
+          <a:prstGeom prst="rect">
+            <a:avLst/>
+          </a:prstGeom>
+          <a:ln>
+            <a:noFill/>
+          </a:ln>
+        </p:spPr>
+        <p:style>
+          <a:lnRef idx="2">
+            <a:schemeClr val="accent1">
+              <a:shade val="50000"/>
+            </a:schemeClr>
+          </a:lnRef>
+          <a:fillRef idx="1">
+            <a:schemeClr val="accent1"/>
+          </a:fillRef>
+          <a:effectRef idx="0">
+            <a:schemeClr val="accent1"/>
+          </a:effectRef>
+          <a:fontRef idx="minor">
+            <a:schemeClr val="lt1"/>
+          </a:fontRef>
+        </p:style>
+        <p:txBody>
+          <a:bodyPr rtlCol="0" anchor="ctr"/>
+          <a:lstStyle/>
+          <a:p>
+            <a:pPr algn="ctr"/>
+            <a:endParaRPr lang="en-US"/>
+          </a:p>
+        </p:txBody>
+      </p:sp>
+      <p:sp>
+        <p:nvSpPr>
+          <p:cNvPr id="12" name="Rectangle 11">
+            <a:extLst>
+              <a:ext uri="{FF2B5EF4-FFF2-40B4-BE49-F238E27FC236}">
+                <a16:creationId xmlns:a16="http://schemas.microsoft.com/office/drawing/2014/main" id="{975D1CFA-2CDB-4B64-BD9F-85744E8DA12F}"/>
+              </a:ext>
+              <a:ext uri="{C183D7F6-B498-43B3-948B-1728B52AA6E4}">
+                <adec:decorative xmlns:adec="http://schemas.microsoft.com/office/drawing/2017/decorative" val="1"/>
+              </a:ext>
+            </a:extLst>
+          </p:cNvPr>
+          <p:cNvSpPr>
+            <a:spLocks noGrp="1" noRot="1" noChangeAspect="1" noMove="1" noResize="1" noEditPoints="1" noAdjustHandles="1" noChangeArrowheads="1" noChangeShapeType="1" noTextEdit="1"/>
+          </p:cNvSpPr>
+          <p:nvPr>
+            <p:extLst>
+              <p:ext uri="{386F3935-93C4-4BCD-93E2-E3B085C9AB24}">
+                <p16:designElem xmlns:p16="http://schemas.microsoft.com/office/powerpoint/2015/main" val="1"/>
+              </p:ext>
+            </p:extLst>
+          </p:nvPr>
+        </p:nvSpPr>
+        <p:spPr>
+          <a:xfrm>
+            <a:off x="305" y="0"/>
+            <a:ext cx="12191695" cy="6858000"/>
+          </a:xfrm>
+          <a:prstGeom prst="rect">
+            <a:avLst/>
+          </a:prstGeom>
+          <a:solidFill>
+            <a:schemeClr val="bg1"/>
+          </a:solidFill>
+          <a:ln>
+            <a:noFill/>
+          </a:ln>
+        </p:spPr>
+        <p:style>
+          <a:lnRef idx="2">
+            <a:schemeClr val="accent1">
+              <a:shade val="50000"/>
+            </a:schemeClr>
+          </a:lnRef>
+          <a:fillRef idx="1">
+            <a:schemeClr val="accent1"/>
+          </a:fillRef>
+          <a:effectRef idx="0">
+            <a:schemeClr val="accent1"/>
+          </a:effectRef>
+          <a:fontRef idx="minor">
+            <a:schemeClr val="lt1"/>
+          </a:fontRef>
+        </p:style>
+        <p:txBody>
+          <a:bodyPr rtlCol="0" anchor="ctr"/>
+          <a:lstStyle/>
+          <a:p>
+            <a:pPr algn="ctr"/>
+            <a:endParaRPr lang="en-US"/>
+          </a:p>
+        </p:txBody>
+      </p:sp>
       <p:sp>
         <p:nvSpPr>
           <p:cNvPr id="2" name="Title 1">
             <a:extLst>
               <a:ext uri="{FF2B5EF4-FFF2-40B4-BE49-F238E27FC236}">
-                <a16:creationId xmlns:a16="http://schemas.microsoft.com/office/drawing/2014/main" id="{CFCB13B5-FDA3-4216-9186-CFBE01AD3ACA}"/>
+                <a16:creationId xmlns:a16="http://schemas.microsoft.com/office/drawing/2014/main" id="{251F5DF3-B50C-CDF6-82A8-B94281B2DBF8}"/>
               </a:ext>
             </a:extLst>
           </p:cNvPr>
@@ -28911,49 +25971,2975 @@
             <p:ph type="title"/>
           </p:nvPr>
         </p:nvSpPr>
-        <p:spPr/>
+        <p:spPr>
+          <a:xfrm>
+            <a:off x="804672" y="802955"/>
+            <a:ext cx="4977976" cy="1454051"/>
+          </a:xfrm>
+        </p:spPr>
         <p:txBody>
-          <a:bodyPr/>
+          <a:bodyPr>
+            <a:normAutofit/>
+          </a:bodyPr>
           <a:lstStyle/>
           <a:p>
             <a:r>
-              <a:rPr lang="en-US"/>
-              <a:t>Team Dynamics</a:t>
+              <a:rPr lang="en-US" sz="3600">
+                <a:solidFill>
+                  <a:schemeClr val="tx2"/>
+                </a:solidFill>
+              </a:rPr>
+              <a:t>Team problem solving and Dynamics</a:t>
             </a:r>
-            <a:endParaRPr lang="en-US" dirty="0"/>
           </a:p>
         </p:txBody>
       </p:sp>
-      <p:graphicFrame>
-        <p:nvGraphicFramePr>
-          <p:cNvPr id="5" name="Content Placeholder 2">
+      <p:sp>
+        <p:nvSpPr>
+          <p:cNvPr id="3" name="Content Placeholder 2">
             <a:extLst>
               <a:ext uri="{FF2B5EF4-FFF2-40B4-BE49-F238E27FC236}">
-                <a16:creationId xmlns:a16="http://schemas.microsoft.com/office/drawing/2014/main" id="{0BE96811-CAEC-9AAF-F424-434B8360F29A}"/>
+                <a16:creationId xmlns:a16="http://schemas.microsoft.com/office/drawing/2014/main" id="{0AE8FFA6-5D7D-CE8B-2B16-2124C824E7CC}"/>
               </a:ext>
             </a:extLst>
           </p:cNvPr>
-          <p:cNvGraphicFramePr>
-            <a:graphicFrameLocks noGrp="1"/>
-          </p:cNvGraphicFramePr>
+          <p:cNvSpPr>
+            <a:spLocks noGrp="1"/>
+          </p:cNvSpPr>
           <p:nvPr>
             <p:ph idx="1"/>
           </p:nvPr>
-        </p:nvGraphicFramePr>
-        <p:xfrm>
-          <a:off x="838200" y="1825625"/>
-          <a:ext cx="10515600" cy="4351338"/>
-        </p:xfrm>
-        <a:graphic>
-          <a:graphicData uri="http://schemas.openxmlformats.org/drawingml/2006/diagram">
-            <dgm:relIds xmlns:dgm="http://schemas.openxmlformats.org/drawingml/2006/diagram" xmlns:r="http://schemas.openxmlformats.org/officeDocument/2006/relationships" r:dm="rId2" r:lo="rId3" r:qs="rId4" r:cs="rId5"/>
-          </a:graphicData>
-        </a:graphic>
-      </p:graphicFrame>
+        </p:nvSpPr>
+        <p:spPr>
+          <a:xfrm>
+            <a:off x="804672" y="2421682"/>
+            <a:ext cx="4977578" cy="3639289"/>
+          </a:xfrm>
+        </p:spPr>
+        <p:txBody>
+          <a:bodyPr anchor="ctr">
+            <a:normAutofit/>
+          </a:bodyPr>
+          <a:lstStyle/>
+          <a:p>
+            <a:r>
+              <a:rPr lang="en-US" sz="1500">
+                <a:solidFill>
+                  <a:schemeClr val="tx2"/>
+                </a:solidFill>
+              </a:rPr>
+              <a:t>The team has regular daily stand ups that help solve day to day problems. 3 questions are asked of each person:</a:t>
+            </a:r>
+          </a:p>
+          <a:p>
+            <a:pPr lvl="1"/>
+            <a:r>
+              <a:rPr lang="en-US" sz="1500">
+                <a:solidFill>
+                  <a:schemeClr val="tx2"/>
+                </a:solidFill>
+              </a:rPr>
+              <a:t>What did you do yesterday?</a:t>
+            </a:r>
+          </a:p>
+          <a:p>
+            <a:pPr lvl="1"/>
+            <a:r>
+              <a:rPr lang="en-US" sz="1500">
+                <a:solidFill>
+                  <a:schemeClr val="tx2"/>
+                </a:solidFill>
+              </a:rPr>
+              <a:t>What are you doing today?</a:t>
+            </a:r>
+          </a:p>
+          <a:p>
+            <a:pPr lvl="1"/>
+            <a:r>
+              <a:rPr lang="en-US" sz="1500">
+                <a:solidFill>
+                  <a:schemeClr val="tx2"/>
+                </a:solidFill>
+              </a:rPr>
+              <a:t>Any problems or blockers?</a:t>
+            </a:r>
+          </a:p>
+          <a:p>
+            <a:pPr lvl="2"/>
+            <a:r>
+              <a:rPr lang="en-US" sz="1500">
+                <a:solidFill>
+                  <a:schemeClr val="tx2"/>
+                </a:solidFill>
+              </a:rPr>
+              <a:t>If yes, then we stay on the call and try to solve the problem as a team or split off on a separate call to solve the problem with relevant team members. </a:t>
+            </a:r>
+          </a:p>
+          <a:p>
+            <a:r>
+              <a:rPr lang="en-US" sz="1500">
+                <a:solidFill>
+                  <a:schemeClr val="tx2"/>
+                </a:solidFill>
+              </a:rPr>
+              <a:t>Team dynamics that may have to change for product to get to completion are</a:t>
+            </a:r>
+          </a:p>
+          <a:p>
+            <a:pPr marL="914400" lvl="1" indent="-457200">
+              <a:buFont typeface="+mj-lt"/>
+              <a:buAutoNum type="arabicPeriod"/>
+            </a:pPr>
+            <a:r>
+              <a:rPr lang="en-US" sz="1500">
+                <a:solidFill>
+                  <a:schemeClr val="tx2"/>
+                </a:solidFill>
+              </a:rPr>
+              <a:t>An increase in in person meetings</a:t>
+            </a:r>
+          </a:p>
+          <a:p>
+            <a:pPr marL="914400" lvl="1" indent="-457200">
+              <a:buFont typeface="+mj-lt"/>
+              <a:buAutoNum type="arabicPeriod"/>
+            </a:pPr>
+            <a:r>
+              <a:rPr lang="en-US" sz="1500">
+                <a:solidFill>
+                  <a:schemeClr val="tx2"/>
+                </a:solidFill>
+              </a:rPr>
+              <a:t>More efficient adhoc calls so that we can focus on development. </a:t>
+            </a:r>
+          </a:p>
+        </p:txBody>
+      </p:sp>
+      <p:grpSp>
+        <p:nvGrpSpPr>
+          <p:cNvPr id="14" name="Group 13">
+            <a:extLst>
+              <a:ext uri="{FF2B5EF4-FFF2-40B4-BE49-F238E27FC236}">
+                <a16:creationId xmlns:a16="http://schemas.microsoft.com/office/drawing/2014/main" id="{25EE5136-01F1-466C-962D-BA9B4C6757AA}"/>
+              </a:ext>
+              <a:ext uri="{C183D7F6-B498-43B3-948B-1728B52AA6E4}">
+                <adec:decorative xmlns:adec="http://schemas.microsoft.com/office/drawing/2017/decorative" val="1"/>
+              </a:ext>
+            </a:extLst>
+          </p:cNvPr>
+          <p:cNvGrpSpPr>
+            <a:grpSpLocks noGrp="1" noUngrp="1" noRot="1" noChangeAspect="1" noMove="1" noResize="1"/>
+          </p:cNvGrpSpPr>
+          <p:nvPr>
+            <p:extLst>
+              <p:ext uri="{386F3935-93C4-4BCD-93E2-E3B085C9AB24}">
+                <p16:designElem xmlns:p16="http://schemas.microsoft.com/office/powerpoint/2015/main" val="1"/>
+              </p:ext>
+            </p:extLst>
+          </p:nvPr>
+        </p:nvGrpSpPr>
+        <p:grpSpPr>
+          <a:xfrm>
+            <a:off x="6369897" y="0"/>
+            <a:ext cx="5822103" cy="6685267"/>
+            <a:chOff x="6357228" y="0"/>
+            <a:chExt cx="5822103" cy="6685267"/>
+          </a:xfrm>
+        </p:grpSpPr>
+        <p:sp>
+          <p:nvSpPr>
+            <p:cNvPr id="15" name="Freeform: Shape 14">
+              <a:extLst>
+                <a:ext uri="{FF2B5EF4-FFF2-40B4-BE49-F238E27FC236}">
+                  <a16:creationId xmlns:a16="http://schemas.microsoft.com/office/drawing/2014/main" id="{E11D3AD4-AF9B-4EB5-8C7B-C45D173B4B56}"/>
+                </a:ext>
+                <a:ext uri="{C183D7F6-B498-43B3-948B-1728B52AA6E4}">
+                  <adec:decorative xmlns:adec="http://schemas.microsoft.com/office/drawing/2017/decorative" val="1"/>
+                </a:ext>
+              </a:extLst>
+            </p:cNvPr>
+            <p:cNvSpPr/>
+            <p:nvPr>
+              <p:extLst>
+                <p:ext uri="{386F3935-93C4-4BCD-93E2-E3B085C9AB24}">
+                  <p16:designElem xmlns:p16="http://schemas.microsoft.com/office/powerpoint/2015/main" val="1"/>
+                </p:ext>
+              </p:extLst>
+            </p:nvPr>
+          </p:nvSpPr>
+          <p:spPr>
+            <a:xfrm>
+              <a:off x="6357228" y="0"/>
+              <a:ext cx="5822102" cy="6685267"/>
+            </a:xfrm>
+            <a:custGeom>
+              <a:avLst/>
+              <a:gdLst>
+                <a:gd name="connsiteX0" fmla="*/ 2605444 w 5822102"/>
+                <a:gd name="connsiteY0" fmla="*/ 0 h 6685267"/>
+                <a:gd name="connsiteX1" fmla="*/ 4757391 w 5822102"/>
+                <a:gd name="connsiteY1" fmla="*/ 0 h 6685267"/>
+                <a:gd name="connsiteX2" fmla="*/ 4913680 w 5822102"/>
+                <a:gd name="connsiteY2" fmla="*/ 56274 h 6685267"/>
+                <a:gd name="connsiteX3" fmla="*/ 5376238 w 5822102"/>
+                <a:gd name="connsiteY3" fmla="*/ 282027 h 6685267"/>
+                <a:gd name="connsiteX4" fmla="*/ 5658024 w 5822102"/>
+                <a:gd name="connsiteY4" fmla="*/ 471014 h 6685267"/>
+                <a:gd name="connsiteX5" fmla="*/ 5822102 w 5822102"/>
+                <a:gd name="connsiteY5" fmla="*/ 609109 h 6685267"/>
+                <a:gd name="connsiteX6" fmla="*/ 5822102 w 5822102"/>
+                <a:gd name="connsiteY6" fmla="*/ 760697 h 6685267"/>
+                <a:gd name="connsiteX7" fmla="*/ 5707785 w 5822102"/>
+                <a:gd name="connsiteY7" fmla="*/ 666601 h 6685267"/>
+                <a:gd name="connsiteX8" fmla="*/ 5577306 w 5822102"/>
+                <a:gd name="connsiteY8" fmla="*/ 571666 h 6685267"/>
+                <a:gd name="connsiteX9" fmla="*/ 5298630 w 5822102"/>
+                <a:gd name="connsiteY9" fmla="*/ 407449 h 6685267"/>
+                <a:gd name="connsiteX10" fmla="*/ 4690768 w 5822102"/>
+                <a:gd name="connsiteY10" fmla="*/ 184979 h 6685267"/>
+                <a:gd name="connsiteX11" fmla="*/ 4048577 w 5822102"/>
+                <a:gd name="connsiteY11" fmla="*/ 99280 h 6685267"/>
+                <a:gd name="connsiteX12" fmla="*/ 3405404 w 5822102"/>
+                <a:gd name="connsiteY12" fmla="*/ 131937 h 6685267"/>
+                <a:gd name="connsiteX13" fmla="*/ 3089702 w 5822102"/>
+                <a:gd name="connsiteY13" fmla="*/ 190190 h 6685267"/>
+                <a:gd name="connsiteX14" fmla="*/ 2780132 w 5822102"/>
+                <a:gd name="connsiteY14" fmla="*/ 273457 h 6685267"/>
+                <a:gd name="connsiteX15" fmla="*/ 2478040 w 5822102"/>
+                <a:gd name="connsiteY15" fmla="*/ 379654 h 6685267"/>
+                <a:gd name="connsiteX16" fmla="*/ 2184897 w 5822102"/>
+                <a:gd name="connsiteY16" fmla="*/ 507972 h 6685267"/>
+                <a:gd name="connsiteX17" fmla="*/ 1629141 w 5822102"/>
+                <a:gd name="connsiteY17" fmla="*/ 823205 h 6685267"/>
+                <a:gd name="connsiteX18" fmla="*/ 1497711 w 5822102"/>
+                <a:gd name="connsiteY18" fmla="*/ 914000 h 6685267"/>
+                <a:gd name="connsiteX19" fmla="*/ 1433099 w 5822102"/>
+                <a:gd name="connsiteY19" fmla="*/ 960903 h 6685267"/>
+                <a:gd name="connsiteX20" fmla="*/ 1369346 w 5822102"/>
+                <a:gd name="connsiteY20" fmla="*/ 1008963 h 6685267"/>
+                <a:gd name="connsiteX21" fmla="*/ 1123406 w 5822102"/>
+                <a:gd name="connsiteY21" fmla="*/ 1212905 h 6685267"/>
+                <a:gd name="connsiteX22" fmla="*/ 684367 w 5822102"/>
+                <a:gd name="connsiteY22" fmla="*/ 1675564 h 6685267"/>
+                <a:gd name="connsiteX23" fmla="*/ 497153 w 5822102"/>
+                <a:gd name="connsiteY23" fmla="*/ 1933588 h 6685267"/>
+                <a:gd name="connsiteX24" fmla="*/ 337770 w 5822102"/>
+                <a:gd name="connsiteY24" fmla="*/ 2208983 h 6685267"/>
+                <a:gd name="connsiteX25" fmla="*/ 302461 w 5822102"/>
+                <a:gd name="connsiteY25" fmla="*/ 2280207 h 6685267"/>
+                <a:gd name="connsiteX26" fmla="*/ 285296 w 5822102"/>
+                <a:gd name="connsiteY26" fmla="*/ 2316107 h 6685267"/>
+                <a:gd name="connsiteX27" fmla="*/ 268991 w 5822102"/>
+                <a:gd name="connsiteY27" fmla="*/ 2352355 h 6685267"/>
+                <a:gd name="connsiteX28" fmla="*/ 237849 w 5822102"/>
+                <a:gd name="connsiteY28" fmla="*/ 2425432 h 6685267"/>
+                <a:gd name="connsiteX29" fmla="*/ 208670 w 5822102"/>
+                <a:gd name="connsiteY29" fmla="*/ 2499319 h 6685267"/>
+                <a:gd name="connsiteX30" fmla="*/ 113775 w 5822102"/>
+                <a:gd name="connsiteY30" fmla="*/ 2801929 h 6685267"/>
+                <a:gd name="connsiteX31" fmla="*/ 36781 w 5822102"/>
+                <a:gd name="connsiteY31" fmla="*/ 3428922 h 6685267"/>
+                <a:gd name="connsiteX32" fmla="*/ 69148 w 5822102"/>
+                <a:gd name="connsiteY32" fmla="*/ 3741955 h 6685267"/>
+                <a:gd name="connsiteX33" fmla="*/ 167966 w 5822102"/>
+                <a:gd name="connsiteY33" fmla="*/ 4041323 h 6685267"/>
+                <a:gd name="connsiteX34" fmla="*/ 202049 w 5822102"/>
+                <a:gd name="connsiteY34" fmla="*/ 4112894 h 6685267"/>
+                <a:gd name="connsiteX35" fmla="*/ 239933 w 5822102"/>
+                <a:gd name="connsiteY35" fmla="*/ 4182843 h 6685267"/>
+                <a:gd name="connsiteX36" fmla="*/ 323916 w 5822102"/>
+                <a:gd name="connsiteY36" fmla="*/ 4318456 h 6685267"/>
+                <a:gd name="connsiteX37" fmla="*/ 416604 w 5822102"/>
+                <a:gd name="connsiteY37" fmla="*/ 4449436 h 6685267"/>
+                <a:gd name="connsiteX38" fmla="*/ 515911 w 5822102"/>
+                <a:gd name="connsiteY38" fmla="*/ 4576711 h 6685267"/>
+                <a:gd name="connsiteX39" fmla="*/ 722619 w 5822102"/>
+                <a:gd name="connsiteY39" fmla="*/ 4828482 h 6685267"/>
+                <a:gd name="connsiteX40" fmla="*/ 825972 w 5822102"/>
+                <a:gd name="connsiteY40" fmla="*/ 4956104 h 6685267"/>
+                <a:gd name="connsiteX41" fmla="*/ 926506 w 5822102"/>
+                <a:gd name="connsiteY41" fmla="*/ 5085347 h 6685267"/>
+                <a:gd name="connsiteX42" fmla="*/ 1027040 w 5822102"/>
+                <a:gd name="connsiteY42" fmla="*/ 5210191 h 6685267"/>
+                <a:gd name="connsiteX43" fmla="*/ 1132110 w 5822102"/>
+                <a:gd name="connsiteY43" fmla="*/ 5330748 h 6685267"/>
+                <a:gd name="connsiteX44" fmla="*/ 1354880 w 5822102"/>
+                <a:gd name="connsiteY44" fmla="*/ 5558083 h 6685267"/>
+                <a:gd name="connsiteX45" fmla="*/ 1855220 w 5822102"/>
+                <a:gd name="connsiteY45" fmla="*/ 5937591 h 6685267"/>
+                <a:gd name="connsiteX46" fmla="*/ 2131810 w 5822102"/>
+                <a:gd name="connsiteY46" fmla="*/ 6080268 h 6685267"/>
+                <a:gd name="connsiteX47" fmla="*/ 2423726 w 5822102"/>
+                <a:gd name="connsiteY47" fmla="*/ 6188087 h 6685267"/>
+                <a:gd name="connsiteX48" fmla="*/ 2727780 w 5822102"/>
+                <a:gd name="connsiteY48" fmla="*/ 6262552 h 6685267"/>
+                <a:gd name="connsiteX49" fmla="*/ 3041276 w 5822102"/>
+                <a:gd name="connsiteY49" fmla="*/ 6304245 h 6685267"/>
+                <a:gd name="connsiteX50" fmla="*/ 3360532 w 5822102"/>
+                <a:gd name="connsiteY50" fmla="*/ 6317331 h 6685267"/>
+                <a:gd name="connsiteX51" fmla="*/ 3439855 w 5822102"/>
+                <a:gd name="connsiteY51" fmla="*/ 6316751 h 6685267"/>
+                <a:gd name="connsiteX52" fmla="*/ 3478721 w 5822102"/>
+                <a:gd name="connsiteY52" fmla="*/ 6315826 h 6685267"/>
+                <a:gd name="connsiteX53" fmla="*/ 3517463 w 5822102"/>
+                <a:gd name="connsiteY53" fmla="*/ 6313971 h 6685267"/>
+                <a:gd name="connsiteX54" fmla="*/ 3671452 w 5822102"/>
+                <a:gd name="connsiteY54" fmla="*/ 6301233 h 6685267"/>
+                <a:gd name="connsiteX55" fmla="*/ 4265460 w 5822102"/>
+                <a:gd name="connsiteY55" fmla="*/ 6149638 h 6685267"/>
+                <a:gd name="connsiteX56" fmla="*/ 4546587 w 5822102"/>
+                <a:gd name="connsiteY56" fmla="*/ 6018079 h 6685267"/>
+                <a:gd name="connsiteX57" fmla="*/ 4818030 w 5822102"/>
+                <a:gd name="connsiteY57" fmla="*/ 5858029 h 6685267"/>
+                <a:gd name="connsiteX58" fmla="*/ 5081870 w 5822102"/>
+                <a:gd name="connsiteY58" fmla="*/ 5676903 h 6685267"/>
+                <a:gd name="connsiteX59" fmla="*/ 5212073 w 5822102"/>
+                <a:gd name="connsiteY59" fmla="*/ 5581013 h 6685267"/>
+                <a:gd name="connsiteX60" fmla="*/ 5343625 w 5822102"/>
+                <a:gd name="connsiteY60" fmla="*/ 5481533 h 6685267"/>
+                <a:gd name="connsiteX61" fmla="*/ 5610378 w 5822102"/>
+                <a:gd name="connsiteY61" fmla="*/ 5284425 h 6685267"/>
+                <a:gd name="connsiteX62" fmla="*/ 5822102 w 5822102"/>
+                <a:gd name="connsiteY62" fmla="*/ 5126414 h 6685267"/>
+                <a:gd name="connsiteX63" fmla="*/ 5822102 w 5822102"/>
+                <a:gd name="connsiteY63" fmla="*/ 5556641 h 6685267"/>
+                <a:gd name="connsiteX64" fmla="*/ 5576325 w 5822102"/>
+                <a:gd name="connsiteY64" fmla="*/ 5749979 h 6685267"/>
+                <a:gd name="connsiteX65" fmla="*/ 5447715 w 5822102"/>
+                <a:gd name="connsiteY65" fmla="*/ 5852818 h 6685267"/>
+                <a:gd name="connsiteX66" fmla="*/ 5315059 w 5822102"/>
+                <a:gd name="connsiteY66" fmla="*/ 5956236 h 6685267"/>
+                <a:gd name="connsiteX67" fmla="*/ 5038468 w 5822102"/>
+                <a:gd name="connsiteY67" fmla="*/ 6155776 h 6685267"/>
+                <a:gd name="connsiteX68" fmla="*/ 4741892 w 5822102"/>
+                <a:gd name="connsiteY68" fmla="*/ 6338292 h 6685267"/>
+                <a:gd name="connsiteX69" fmla="*/ 4420920 w 5822102"/>
+                <a:gd name="connsiteY69" fmla="*/ 6492203 h 6685267"/>
+                <a:gd name="connsiteX70" fmla="*/ 3717672 w 5822102"/>
+                <a:gd name="connsiteY70" fmla="*/ 6670434 h 6685267"/>
+                <a:gd name="connsiteX71" fmla="*/ 3535853 w 5822102"/>
+                <a:gd name="connsiteY71" fmla="*/ 6683289 h 6685267"/>
+                <a:gd name="connsiteX72" fmla="*/ 3490367 w 5822102"/>
+                <a:gd name="connsiteY72" fmla="*/ 6684910 h 6685267"/>
+                <a:gd name="connsiteX73" fmla="*/ 3445005 w 5822102"/>
+                <a:gd name="connsiteY73" fmla="*/ 6685142 h 6685267"/>
+                <a:gd name="connsiteX74" fmla="*/ 3355872 w 5822102"/>
+                <a:gd name="connsiteY74" fmla="*/ 6684100 h 6685267"/>
+                <a:gd name="connsiteX75" fmla="*/ 3179203 w 5822102"/>
+                <a:gd name="connsiteY75" fmla="*/ 6677150 h 6685267"/>
+                <a:gd name="connsiteX76" fmla="*/ 3002410 w 5822102"/>
+                <a:gd name="connsiteY76" fmla="*/ 6661169 h 6685267"/>
+                <a:gd name="connsiteX77" fmla="*/ 2650296 w 5822102"/>
+                <a:gd name="connsiteY77" fmla="*/ 6604191 h 6685267"/>
+                <a:gd name="connsiteX78" fmla="*/ 2306028 w 5822102"/>
+                <a:gd name="connsiteY78" fmla="*/ 6505869 h 6685267"/>
+                <a:gd name="connsiteX79" fmla="*/ 1978803 w 5822102"/>
+                <a:gd name="connsiteY79" fmla="*/ 6363307 h 6685267"/>
+                <a:gd name="connsiteX80" fmla="*/ 1678428 w 5822102"/>
+                <a:gd name="connsiteY80" fmla="*/ 6177779 h 6685267"/>
+                <a:gd name="connsiteX81" fmla="*/ 1175880 w 5822102"/>
+                <a:gd name="connsiteY81" fmla="*/ 5710373 h 6685267"/>
+                <a:gd name="connsiteX82" fmla="*/ 971502 w 5822102"/>
+                <a:gd name="connsiteY82" fmla="*/ 5445399 h 6685267"/>
+                <a:gd name="connsiteX83" fmla="*/ 790909 w 5822102"/>
+                <a:gd name="connsiteY83" fmla="*/ 5169078 h 6685267"/>
+                <a:gd name="connsiteX84" fmla="*/ 706680 w 5822102"/>
+                <a:gd name="connsiteY84" fmla="*/ 5031959 h 6685267"/>
+                <a:gd name="connsiteX85" fmla="*/ 619143 w 5822102"/>
+                <a:gd name="connsiteY85" fmla="*/ 4897157 h 6685267"/>
+                <a:gd name="connsiteX86" fmla="*/ 436465 w 5822102"/>
+                <a:gd name="connsiteY86" fmla="*/ 4628710 h 6685267"/>
+                <a:gd name="connsiteX87" fmla="*/ 347088 w 5822102"/>
+                <a:gd name="connsiteY87" fmla="*/ 4492171 h 6685267"/>
+                <a:gd name="connsiteX88" fmla="*/ 262001 w 5822102"/>
+                <a:gd name="connsiteY88" fmla="*/ 4352619 h 6685267"/>
+                <a:gd name="connsiteX89" fmla="*/ 118679 w 5822102"/>
+                <a:gd name="connsiteY89" fmla="*/ 4059853 h 6685267"/>
+                <a:gd name="connsiteX90" fmla="*/ 28322 w 5822102"/>
+                <a:gd name="connsiteY90" fmla="*/ 3749136 h 6685267"/>
+                <a:gd name="connsiteX91" fmla="*/ 0 w 5822102"/>
+                <a:gd name="connsiteY91" fmla="*/ 3428922 h 6685267"/>
+                <a:gd name="connsiteX92" fmla="*/ 253052 w 5822102"/>
+                <a:gd name="connsiteY92" fmla="*/ 2174356 h 6685267"/>
+                <a:gd name="connsiteX93" fmla="*/ 389141 w 5822102"/>
+                <a:gd name="connsiteY93" fmla="*/ 1877652 h 6685267"/>
+                <a:gd name="connsiteX94" fmla="*/ 552079 w 5822102"/>
+                <a:gd name="connsiteY94" fmla="*/ 1591834 h 6685267"/>
+                <a:gd name="connsiteX95" fmla="*/ 954950 w 5822102"/>
+                <a:gd name="connsiteY95" fmla="*/ 1061773 h 6685267"/>
+                <a:gd name="connsiteX96" fmla="*/ 1192922 w 5822102"/>
+                <a:gd name="connsiteY96" fmla="*/ 822626 h 6685267"/>
+                <a:gd name="connsiteX97" fmla="*/ 1255939 w 5822102"/>
+                <a:gd name="connsiteY97" fmla="*/ 765880 h 6685267"/>
+                <a:gd name="connsiteX98" fmla="*/ 1320183 w 5822102"/>
+                <a:gd name="connsiteY98" fmla="*/ 710291 h 6685267"/>
+                <a:gd name="connsiteX99" fmla="*/ 1452961 w 5822102"/>
+                <a:gd name="connsiteY99" fmla="*/ 603514 h 6685267"/>
+                <a:gd name="connsiteX100" fmla="*/ 2033360 w 5822102"/>
+                <a:gd name="connsiteY100" fmla="*/ 235818 h 6685267"/>
+                <a:gd name="connsiteX101" fmla="*/ 2512513 w 5822102"/>
+                <a:gd name="connsiteY101" fmla="*/ 30012 h 6685267"/>
+              </a:gdLst>
+              <a:ahLst/>
+              <a:cxnLst>
+                <a:cxn ang="0">
+                  <a:pos x="connsiteX0" y="connsiteY0"/>
+                </a:cxn>
+                <a:cxn ang="0">
+                  <a:pos x="connsiteX1" y="connsiteY1"/>
+                </a:cxn>
+                <a:cxn ang="0">
+                  <a:pos x="connsiteX2" y="connsiteY2"/>
+                </a:cxn>
+                <a:cxn ang="0">
+                  <a:pos x="connsiteX3" y="connsiteY3"/>
+                </a:cxn>
+                <a:cxn ang="0">
+                  <a:pos x="connsiteX4" y="connsiteY4"/>
+                </a:cxn>
+                <a:cxn ang="0">
+                  <a:pos x="connsiteX5" y="connsiteY5"/>
+                </a:cxn>
+                <a:cxn ang="0">
+                  <a:pos x="connsiteX6" y="connsiteY6"/>
+                </a:cxn>
+                <a:cxn ang="0">
+                  <a:pos x="connsiteX7" y="connsiteY7"/>
+                </a:cxn>
+                <a:cxn ang="0">
+                  <a:pos x="connsiteX8" y="connsiteY8"/>
+                </a:cxn>
+                <a:cxn ang="0">
+                  <a:pos x="connsiteX9" y="connsiteY9"/>
+                </a:cxn>
+                <a:cxn ang="0">
+                  <a:pos x="connsiteX10" y="connsiteY10"/>
+                </a:cxn>
+                <a:cxn ang="0">
+                  <a:pos x="connsiteX11" y="connsiteY11"/>
+                </a:cxn>
+                <a:cxn ang="0">
+                  <a:pos x="connsiteX12" y="connsiteY12"/>
+                </a:cxn>
+                <a:cxn ang="0">
+                  <a:pos x="connsiteX13" y="connsiteY13"/>
+                </a:cxn>
+                <a:cxn ang="0">
+                  <a:pos x="connsiteX14" y="connsiteY14"/>
+                </a:cxn>
+                <a:cxn ang="0">
+                  <a:pos x="connsiteX15" y="connsiteY15"/>
+                </a:cxn>
+                <a:cxn ang="0">
+                  <a:pos x="connsiteX16" y="connsiteY16"/>
+                </a:cxn>
+                <a:cxn ang="0">
+                  <a:pos x="connsiteX17" y="connsiteY17"/>
+                </a:cxn>
+                <a:cxn ang="0">
+                  <a:pos x="connsiteX18" y="connsiteY18"/>
+                </a:cxn>
+                <a:cxn ang="0">
+                  <a:pos x="connsiteX19" y="connsiteY19"/>
+                </a:cxn>
+                <a:cxn ang="0">
+                  <a:pos x="connsiteX20" y="connsiteY20"/>
+                </a:cxn>
+                <a:cxn ang="0">
+                  <a:pos x="connsiteX21" y="connsiteY21"/>
+                </a:cxn>
+                <a:cxn ang="0">
+                  <a:pos x="connsiteX22" y="connsiteY22"/>
+                </a:cxn>
+                <a:cxn ang="0">
+                  <a:pos x="connsiteX23" y="connsiteY23"/>
+                </a:cxn>
+                <a:cxn ang="0">
+                  <a:pos x="connsiteX24" y="connsiteY24"/>
+                </a:cxn>
+                <a:cxn ang="0">
+                  <a:pos x="connsiteX25" y="connsiteY25"/>
+                </a:cxn>
+                <a:cxn ang="0">
+                  <a:pos x="connsiteX26" y="connsiteY26"/>
+                </a:cxn>
+                <a:cxn ang="0">
+                  <a:pos x="connsiteX27" y="connsiteY27"/>
+                </a:cxn>
+                <a:cxn ang="0">
+                  <a:pos x="connsiteX28" y="connsiteY28"/>
+                </a:cxn>
+                <a:cxn ang="0">
+                  <a:pos x="connsiteX29" y="connsiteY29"/>
+                </a:cxn>
+                <a:cxn ang="0">
+                  <a:pos x="connsiteX30" y="connsiteY30"/>
+                </a:cxn>
+                <a:cxn ang="0">
+                  <a:pos x="connsiteX31" y="connsiteY31"/>
+                </a:cxn>
+                <a:cxn ang="0">
+                  <a:pos x="connsiteX32" y="connsiteY32"/>
+                </a:cxn>
+                <a:cxn ang="0">
+                  <a:pos x="connsiteX33" y="connsiteY33"/>
+                </a:cxn>
+                <a:cxn ang="0">
+                  <a:pos x="connsiteX34" y="connsiteY34"/>
+                </a:cxn>
+                <a:cxn ang="0">
+                  <a:pos x="connsiteX35" y="connsiteY35"/>
+                </a:cxn>
+                <a:cxn ang="0">
+                  <a:pos x="connsiteX36" y="connsiteY36"/>
+                </a:cxn>
+                <a:cxn ang="0">
+                  <a:pos x="connsiteX37" y="connsiteY37"/>
+                </a:cxn>
+                <a:cxn ang="0">
+                  <a:pos x="connsiteX38" y="connsiteY38"/>
+                </a:cxn>
+                <a:cxn ang="0">
+                  <a:pos x="connsiteX39" y="connsiteY39"/>
+                </a:cxn>
+                <a:cxn ang="0">
+                  <a:pos x="connsiteX40" y="connsiteY40"/>
+                </a:cxn>
+                <a:cxn ang="0">
+                  <a:pos x="connsiteX41" y="connsiteY41"/>
+                </a:cxn>
+                <a:cxn ang="0">
+                  <a:pos x="connsiteX42" y="connsiteY42"/>
+                </a:cxn>
+                <a:cxn ang="0">
+                  <a:pos x="connsiteX43" y="connsiteY43"/>
+                </a:cxn>
+                <a:cxn ang="0">
+                  <a:pos x="connsiteX44" y="connsiteY44"/>
+                </a:cxn>
+                <a:cxn ang="0">
+                  <a:pos x="connsiteX45" y="connsiteY45"/>
+                </a:cxn>
+                <a:cxn ang="0">
+                  <a:pos x="connsiteX46" y="connsiteY46"/>
+                </a:cxn>
+                <a:cxn ang="0">
+                  <a:pos x="connsiteX47" y="connsiteY47"/>
+                </a:cxn>
+                <a:cxn ang="0">
+                  <a:pos x="connsiteX48" y="connsiteY48"/>
+                </a:cxn>
+                <a:cxn ang="0">
+                  <a:pos x="connsiteX49" y="connsiteY49"/>
+                </a:cxn>
+                <a:cxn ang="0">
+                  <a:pos x="connsiteX50" y="connsiteY50"/>
+                </a:cxn>
+                <a:cxn ang="0">
+                  <a:pos x="connsiteX51" y="connsiteY51"/>
+                </a:cxn>
+                <a:cxn ang="0">
+                  <a:pos x="connsiteX52" y="connsiteY52"/>
+                </a:cxn>
+                <a:cxn ang="0">
+                  <a:pos x="connsiteX53" y="connsiteY53"/>
+                </a:cxn>
+                <a:cxn ang="0">
+                  <a:pos x="connsiteX54" y="connsiteY54"/>
+                </a:cxn>
+                <a:cxn ang="0">
+                  <a:pos x="connsiteX55" y="connsiteY55"/>
+                </a:cxn>
+                <a:cxn ang="0">
+                  <a:pos x="connsiteX56" y="connsiteY56"/>
+                </a:cxn>
+                <a:cxn ang="0">
+                  <a:pos x="connsiteX57" y="connsiteY57"/>
+                </a:cxn>
+                <a:cxn ang="0">
+                  <a:pos x="connsiteX58" y="connsiteY58"/>
+                </a:cxn>
+                <a:cxn ang="0">
+                  <a:pos x="connsiteX59" y="connsiteY59"/>
+                </a:cxn>
+                <a:cxn ang="0">
+                  <a:pos x="connsiteX60" y="connsiteY60"/>
+                </a:cxn>
+                <a:cxn ang="0">
+                  <a:pos x="connsiteX61" y="connsiteY61"/>
+                </a:cxn>
+                <a:cxn ang="0">
+                  <a:pos x="connsiteX62" y="connsiteY62"/>
+                </a:cxn>
+                <a:cxn ang="0">
+                  <a:pos x="connsiteX63" y="connsiteY63"/>
+                </a:cxn>
+                <a:cxn ang="0">
+                  <a:pos x="connsiteX64" y="connsiteY64"/>
+                </a:cxn>
+                <a:cxn ang="0">
+                  <a:pos x="connsiteX65" y="connsiteY65"/>
+                </a:cxn>
+                <a:cxn ang="0">
+                  <a:pos x="connsiteX66" y="connsiteY66"/>
+                </a:cxn>
+                <a:cxn ang="0">
+                  <a:pos x="connsiteX67" y="connsiteY67"/>
+                </a:cxn>
+                <a:cxn ang="0">
+                  <a:pos x="connsiteX68" y="connsiteY68"/>
+                </a:cxn>
+                <a:cxn ang="0">
+                  <a:pos x="connsiteX69" y="connsiteY69"/>
+                </a:cxn>
+                <a:cxn ang="0">
+                  <a:pos x="connsiteX70" y="connsiteY70"/>
+                </a:cxn>
+                <a:cxn ang="0">
+                  <a:pos x="connsiteX71" y="connsiteY71"/>
+                </a:cxn>
+                <a:cxn ang="0">
+                  <a:pos x="connsiteX72" y="connsiteY72"/>
+                </a:cxn>
+                <a:cxn ang="0">
+                  <a:pos x="connsiteX73" y="connsiteY73"/>
+                </a:cxn>
+                <a:cxn ang="0">
+                  <a:pos x="connsiteX74" y="connsiteY74"/>
+                </a:cxn>
+                <a:cxn ang="0">
+                  <a:pos x="connsiteX75" y="connsiteY75"/>
+                </a:cxn>
+                <a:cxn ang="0">
+                  <a:pos x="connsiteX76" y="connsiteY76"/>
+                </a:cxn>
+                <a:cxn ang="0">
+                  <a:pos x="connsiteX77" y="connsiteY77"/>
+                </a:cxn>
+                <a:cxn ang="0">
+                  <a:pos x="connsiteX78" y="connsiteY78"/>
+                </a:cxn>
+                <a:cxn ang="0">
+                  <a:pos x="connsiteX79" y="connsiteY79"/>
+                </a:cxn>
+                <a:cxn ang="0">
+                  <a:pos x="connsiteX80" y="connsiteY80"/>
+                </a:cxn>
+                <a:cxn ang="0">
+                  <a:pos x="connsiteX81" y="connsiteY81"/>
+                </a:cxn>
+                <a:cxn ang="0">
+                  <a:pos x="connsiteX82" y="connsiteY82"/>
+                </a:cxn>
+                <a:cxn ang="0">
+                  <a:pos x="connsiteX83" y="connsiteY83"/>
+                </a:cxn>
+                <a:cxn ang="0">
+                  <a:pos x="connsiteX84" y="connsiteY84"/>
+                </a:cxn>
+                <a:cxn ang="0">
+                  <a:pos x="connsiteX85" y="connsiteY85"/>
+                </a:cxn>
+                <a:cxn ang="0">
+                  <a:pos x="connsiteX86" y="connsiteY86"/>
+                </a:cxn>
+                <a:cxn ang="0">
+                  <a:pos x="connsiteX87" y="connsiteY87"/>
+                </a:cxn>
+                <a:cxn ang="0">
+                  <a:pos x="connsiteX88" y="connsiteY88"/>
+                </a:cxn>
+                <a:cxn ang="0">
+                  <a:pos x="connsiteX89" y="connsiteY89"/>
+                </a:cxn>
+                <a:cxn ang="0">
+                  <a:pos x="connsiteX90" y="connsiteY90"/>
+                </a:cxn>
+                <a:cxn ang="0">
+                  <a:pos x="connsiteX91" y="connsiteY91"/>
+                </a:cxn>
+                <a:cxn ang="0">
+                  <a:pos x="connsiteX92" y="connsiteY92"/>
+                </a:cxn>
+                <a:cxn ang="0">
+                  <a:pos x="connsiteX93" y="connsiteY93"/>
+                </a:cxn>
+                <a:cxn ang="0">
+                  <a:pos x="connsiteX94" y="connsiteY94"/>
+                </a:cxn>
+                <a:cxn ang="0">
+                  <a:pos x="connsiteX95" y="connsiteY95"/>
+                </a:cxn>
+                <a:cxn ang="0">
+                  <a:pos x="connsiteX96" y="connsiteY96"/>
+                </a:cxn>
+                <a:cxn ang="0">
+                  <a:pos x="connsiteX97" y="connsiteY97"/>
+                </a:cxn>
+                <a:cxn ang="0">
+                  <a:pos x="connsiteX98" y="connsiteY98"/>
+                </a:cxn>
+                <a:cxn ang="0">
+                  <a:pos x="connsiteX99" y="connsiteY99"/>
+                </a:cxn>
+                <a:cxn ang="0">
+                  <a:pos x="connsiteX100" y="connsiteY100"/>
+                </a:cxn>
+                <a:cxn ang="0">
+                  <a:pos x="connsiteX101" y="connsiteY101"/>
+                </a:cxn>
+              </a:cxnLst>
+              <a:rect l="l" t="t" r="r" b="b"/>
+              <a:pathLst>
+                <a:path w="5822102" h="6685267">
+                  <a:moveTo>
+                    <a:pt x="2605444" y="0"/>
+                  </a:moveTo>
+                  <a:lnTo>
+                    <a:pt x="4757391" y="0"/>
+                  </a:lnTo>
+                  <a:lnTo>
+                    <a:pt x="4913680" y="56274"/>
+                  </a:lnTo>
+                  <a:cubicBezTo>
+                    <a:pt x="5074659" y="119278"/>
+                    <a:pt x="5229483" y="195083"/>
+                    <a:pt x="5376238" y="282027"/>
+                  </a:cubicBezTo>
+                  <a:cubicBezTo>
+                    <a:pt x="5474014" y="340105"/>
+                    <a:pt x="5568080" y="403280"/>
+                    <a:pt x="5658024" y="471014"/>
+                  </a:cubicBezTo>
+                  <a:lnTo>
+                    <a:pt x="5822102" y="609109"/>
+                  </a:lnTo>
+                  <a:lnTo>
+                    <a:pt x="5822102" y="760697"/>
+                  </a:lnTo>
+                  <a:lnTo>
+                    <a:pt x="5707785" y="666601"/>
+                  </a:lnTo>
+                  <a:cubicBezTo>
+                    <a:pt x="5665273" y="633682"/>
+                    <a:pt x="5621749" y="602008"/>
+                    <a:pt x="5577306" y="571666"/>
+                  </a:cubicBezTo>
+                  <a:cubicBezTo>
+                    <a:pt x="5487929" y="511562"/>
+                    <a:pt x="5395118" y="456089"/>
+                    <a:pt x="5298630" y="407449"/>
+                  </a:cubicBezTo>
+                  <a:cubicBezTo>
+                    <a:pt x="5106266" y="309010"/>
+                    <a:pt x="4901153" y="235355"/>
+                    <a:pt x="4690768" y="184979"/>
+                  </a:cubicBezTo>
+                  <a:cubicBezTo>
+                    <a:pt x="4480382" y="134486"/>
+                    <a:pt x="4264724" y="106807"/>
+                    <a:pt x="4048577" y="99280"/>
+                  </a:cubicBezTo>
+                  <a:cubicBezTo>
+                    <a:pt x="3832182" y="90709"/>
+                    <a:pt x="3617997" y="102290"/>
+                    <a:pt x="3405404" y="131937"/>
+                  </a:cubicBezTo>
+                  <a:cubicBezTo>
+                    <a:pt x="3299353" y="147340"/>
+                    <a:pt x="3193915" y="166449"/>
+                    <a:pt x="3089702" y="190190"/>
+                  </a:cubicBezTo>
+                  <a:cubicBezTo>
+                    <a:pt x="2985491" y="214278"/>
+                    <a:pt x="2882137" y="241725"/>
+                    <a:pt x="2780132" y="273457"/>
+                  </a:cubicBezTo>
+                  <a:cubicBezTo>
+                    <a:pt x="2678126" y="305073"/>
+                    <a:pt x="2577348" y="340510"/>
+                    <a:pt x="2478040" y="379654"/>
+                  </a:cubicBezTo>
+                  <a:cubicBezTo>
+                    <a:pt x="2378854" y="418914"/>
+                    <a:pt x="2281017" y="461763"/>
+                    <a:pt x="2184897" y="507972"/>
+                  </a:cubicBezTo>
+                  <a:cubicBezTo>
+                    <a:pt x="1992657" y="600271"/>
+                    <a:pt x="1806791" y="705542"/>
+                    <a:pt x="1629141" y="823205"/>
+                  </a:cubicBezTo>
+                  <a:cubicBezTo>
+                    <a:pt x="1584882" y="852736"/>
+                    <a:pt x="1540745" y="882731"/>
+                    <a:pt x="1497711" y="914000"/>
+                  </a:cubicBezTo>
+                  <a:cubicBezTo>
+                    <a:pt x="1475888" y="929286"/>
+                    <a:pt x="1454555" y="945153"/>
+                    <a:pt x="1433099" y="960903"/>
+                  </a:cubicBezTo>
+                  <a:cubicBezTo>
+                    <a:pt x="1411521" y="976537"/>
+                    <a:pt x="1390311" y="992634"/>
+                    <a:pt x="1369346" y="1008963"/>
+                  </a:cubicBezTo>
+                  <a:cubicBezTo>
+                    <a:pt x="1285119" y="1074165"/>
+                    <a:pt x="1202730" y="1141797"/>
+                    <a:pt x="1123406" y="1212905"/>
+                  </a:cubicBezTo>
+                  <a:cubicBezTo>
+                    <a:pt x="964391" y="1354656"/>
+                    <a:pt x="816900" y="1509261"/>
+                    <a:pt x="684367" y="1675564"/>
+                  </a:cubicBezTo>
+                  <a:cubicBezTo>
+                    <a:pt x="618161" y="1758716"/>
+                    <a:pt x="555512" y="1844763"/>
+                    <a:pt x="497153" y="1933588"/>
+                  </a:cubicBezTo>
+                  <a:cubicBezTo>
+                    <a:pt x="439775" y="2022877"/>
+                    <a:pt x="385584" y="2114367"/>
+                    <a:pt x="337770" y="2208983"/>
+                  </a:cubicBezTo>
+                  <a:cubicBezTo>
+                    <a:pt x="325388" y="2232493"/>
+                    <a:pt x="313862" y="2256349"/>
+                    <a:pt x="302461" y="2280207"/>
+                  </a:cubicBezTo>
+                  <a:lnTo>
+                    <a:pt x="285296" y="2316107"/>
+                  </a:lnTo>
+                  <a:lnTo>
+                    <a:pt x="268991" y="2352355"/>
+                  </a:lnTo>
+                  <a:cubicBezTo>
+                    <a:pt x="258324" y="2376560"/>
+                    <a:pt x="247535" y="2400764"/>
+                    <a:pt x="237849" y="2425432"/>
+                  </a:cubicBezTo>
+                  <a:cubicBezTo>
+                    <a:pt x="228163" y="2450099"/>
+                    <a:pt x="217498" y="2474419"/>
+                    <a:pt x="208670" y="2499319"/>
+                  </a:cubicBezTo>
+                  <a:cubicBezTo>
+                    <a:pt x="170909" y="2598219"/>
+                    <a:pt x="138908" y="2699206"/>
+                    <a:pt x="113775" y="2801929"/>
+                  </a:cubicBezTo>
+                  <a:cubicBezTo>
+                    <a:pt x="62773" y="3006911"/>
+                    <a:pt x="36659" y="3217917"/>
+                    <a:pt x="36781" y="3428922"/>
+                  </a:cubicBezTo>
+                  <a:cubicBezTo>
+                    <a:pt x="37394" y="3534078"/>
+                    <a:pt x="47816" y="3639001"/>
+                    <a:pt x="69148" y="3741955"/>
+                  </a:cubicBezTo>
+                  <a:cubicBezTo>
+                    <a:pt x="91585" y="3844679"/>
+                    <a:pt x="124074" y="3945202"/>
+                    <a:pt x="167966" y="4041323"/>
+                  </a:cubicBezTo>
+                  <a:cubicBezTo>
+                    <a:pt x="178387" y="4065528"/>
+                    <a:pt x="190525" y="4089153"/>
+                    <a:pt x="202049" y="4112894"/>
+                  </a:cubicBezTo>
+                  <a:cubicBezTo>
+                    <a:pt x="214555" y="4136288"/>
+                    <a:pt x="226447" y="4159912"/>
+                    <a:pt x="239933" y="4182843"/>
+                  </a:cubicBezTo>
+                  <a:cubicBezTo>
+                    <a:pt x="265680" y="4229167"/>
+                    <a:pt x="294368" y="4274101"/>
+                    <a:pt x="323916" y="4318456"/>
+                  </a:cubicBezTo>
+                  <a:cubicBezTo>
+                    <a:pt x="353341" y="4362927"/>
+                    <a:pt x="384849" y="4406240"/>
+                    <a:pt x="416604" y="4449436"/>
+                  </a:cubicBezTo>
+                  <a:cubicBezTo>
+                    <a:pt x="448847" y="4492286"/>
+                    <a:pt x="482319" y="4534557"/>
+                    <a:pt x="515911" y="4576711"/>
+                  </a:cubicBezTo>
+                  <a:cubicBezTo>
+                    <a:pt x="583219" y="4661137"/>
+                    <a:pt x="653594" y="4743825"/>
+                    <a:pt x="722619" y="4828482"/>
+                  </a:cubicBezTo>
+                  <a:cubicBezTo>
+                    <a:pt x="757315" y="4870637"/>
+                    <a:pt x="791889" y="4913138"/>
+                    <a:pt x="825972" y="4956104"/>
+                  </a:cubicBezTo>
+                  <a:cubicBezTo>
+                    <a:pt x="859934" y="4998722"/>
+                    <a:pt x="893649" y="5044004"/>
+                    <a:pt x="926506" y="5085347"/>
+                  </a:cubicBezTo>
+                  <a:cubicBezTo>
+                    <a:pt x="959119" y="5127734"/>
+                    <a:pt x="993324" y="5168847"/>
+                    <a:pt x="1027040" y="5210191"/>
+                  </a:cubicBezTo>
+                  <a:cubicBezTo>
+                    <a:pt x="1061737" y="5250840"/>
+                    <a:pt x="1096188" y="5291488"/>
+                    <a:pt x="1132110" y="5330748"/>
+                  </a:cubicBezTo>
+                  <a:cubicBezTo>
+                    <a:pt x="1203465" y="5409731"/>
+                    <a:pt x="1277639" y="5485818"/>
+                    <a:pt x="1354880" y="5558083"/>
+                  </a:cubicBezTo>
+                  <a:cubicBezTo>
+                    <a:pt x="1509603" y="5702266"/>
+                    <a:pt x="1676588" y="5830930"/>
+                    <a:pt x="1855220" y="5937591"/>
+                  </a:cubicBezTo>
+                  <a:cubicBezTo>
+                    <a:pt x="1944720" y="5990632"/>
+                    <a:pt x="2036549" y="6039272"/>
+                    <a:pt x="2131810" y="6080268"/>
+                  </a:cubicBezTo>
+                  <a:cubicBezTo>
+                    <a:pt x="2226460" y="6122423"/>
+                    <a:pt x="2324173" y="6157977"/>
+                    <a:pt x="2423726" y="6188087"/>
+                  </a:cubicBezTo>
+                  <a:cubicBezTo>
+                    <a:pt x="2523280" y="6218313"/>
+                    <a:pt x="2624794" y="6242749"/>
+                    <a:pt x="2727780" y="6262552"/>
+                  </a:cubicBezTo>
+                  <a:cubicBezTo>
+                    <a:pt x="2830890" y="6282008"/>
+                    <a:pt x="2935714" y="6295326"/>
+                    <a:pt x="3041276" y="6304245"/>
+                  </a:cubicBezTo>
+                  <a:cubicBezTo>
+                    <a:pt x="3146836" y="6313277"/>
+                    <a:pt x="3253499" y="6317215"/>
+                    <a:pt x="3360532" y="6317331"/>
+                  </a:cubicBezTo>
+                  <a:cubicBezTo>
+                    <a:pt x="3387259" y="6317331"/>
+                    <a:pt x="3414354" y="6317794"/>
+                    <a:pt x="3439855" y="6316751"/>
+                  </a:cubicBezTo>
+                  <a:lnTo>
+                    <a:pt x="3478721" y="6315826"/>
+                  </a:lnTo>
+                  <a:lnTo>
+                    <a:pt x="3517463" y="6313971"/>
+                  </a:lnTo>
+                  <a:cubicBezTo>
+                    <a:pt x="3569078" y="6311772"/>
+                    <a:pt x="3620449" y="6306907"/>
+                    <a:pt x="3671452" y="6301233"/>
+                  </a:cubicBezTo>
+                  <a:cubicBezTo>
+                    <a:pt x="3875707" y="6277608"/>
+                    <a:pt x="4074445" y="6225841"/>
+                    <a:pt x="4265460" y="6149638"/>
+                  </a:cubicBezTo>
+                  <a:cubicBezTo>
+                    <a:pt x="4361212" y="6111884"/>
+                    <a:pt x="4454636" y="6067065"/>
+                    <a:pt x="4546587" y="6018079"/>
+                  </a:cubicBezTo>
+                  <a:cubicBezTo>
+                    <a:pt x="4638662" y="5969322"/>
+                    <a:pt x="4729020" y="5915240"/>
+                    <a:pt x="4818030" y="5858029"/>
+                  </a:cubicBezTo>
+                  <a:cubicBezTo>
+                    <a:pt x="4907038" y="5800703"/>
+                    <a:pt x="4994577" y="5739672"/>
+                    <a:pt x="5081870" y="5676903"/>
+                  </a:cubicBezTo>
+                  <a:cubicBezTo>
+                    <a:pt x="5125392" y="5645519"/>
+                    <a:pt x="5168794" y="5613324"/>
+                    <a:pt x="5212073" y="5581013"/>
+                  </a:cubicBezTo>
+                  <a:lnTo>
+                    <a:pt x="5343625" y="5481533"/>
+                  </a:lnTo>
+                  <a:cubicBezTo>
+                    <a:pt x="5432696" y="5414768"/>
+                    <a:pt x="5521951" y="5349452"/>
+                    <a:pt x="5610378" y="5284425"/>
+                  </a:cubicBezTo>
+                  <a:lnTo>
+                    <a:pt x="5822102" y="5126414"/>
+                  </a:lnTo>
+                  <a:lnTo>
+                    <a:pt x="5822102" y="5556641"/>
+                  </a:lnTo>
+                  <a:lnTo>
+                    <a:pt x="5576325" y="5749979"/>
+                  </a:lnTo>
+                  <a:lnTo>
+                    <a:pt x="5447715" y="5852818"/>
+                  </a:lnTo>
+                  <a:cubicBezTo>
+                    <a:pt x="5403945" y="5887445"/>
+                    <a:pt x="5359932" y="5922073"/>
+                    <a:pt x="5315059" y="5956236"/>
+                  </a:cubicBezTo>
+                  <a:cubicBezTo>
+                    <a:pt x="5225682" y="6024680"/>
+                    <a:pt x="5133976" y="6091734"/>
+                    <a:pt x="5038468" y="6155776"/>
+                  </a:cubicBezTo>
+                  <a:cubicBezTo>
+                    <a:pt x="4943084" y="6219703"/>
+                    <a:pt x="4845002" y="6281777"/>
+                    <a:pt x="4741892" y="6338292"/>
+                  </a:cubicBezTo>
+                  <a:cubicBezTo>
+                    <a:pt x="4638784" y="6394692"/>
+                    <a:pt x="4532120" y="6447038"/>
+                    <a:pt x="4420920" y="6492203"/>
+                  </a:cubicBezTo>
+                  <a:cubicBezTo>
+                    <a:pt x="4199255" y="6583693"/>
+                    <a:pt x="3959813" y="6644840"/>
+                    <a:pt x="3717672" y="6670434"/>
+                  </a:cubicBezTo>
+                  <a:cubicBezTo>
+                    <a:pt x="3657106" y="6676456"/>
+                    <a:pt x="3596419" y="6681321"/>
+                    <a:pt x="3535853" y="6683289"/>
+                  </a:cubicBezTo>
+                  <a:lnTo>
+                    <a:pt x="3490367" y="6684910"/>
+                  </a:lnTo>
+                  <a:lnTo>
+                    <a:pt x="3445005" y="6685142"/>
+                  </a:lnTo>
+                  <a:cubicBezTo>
+                    <a:pt x="3414354" y="6685605"/>
+                    <a:pt x="3385297" y="6684679"/>
+                    <a:pt x="3355872" y="6684100"/>
+                  </a:cubicBezTo>
+                  <a:cubicBezTo>
+                    <a:pt x="3297146" y="6683405"/>
+                    <a:pt x="3238052" y="6680047"/>
+                    <a:pt x="3179203" y="6677150"/>
+                  </a:cubicBezTo>
+                  <a:cubicBezTo>
+                    <a:pt x="3120232" y="6672519"/>
+                    <a:pt x="3061259" y="6668233"/>
+                    <a:pt x="3002410" y="6661169"/>
+                  </a:cubicBezTo>
+                  <a:cubicBezTo>
+                    <a:pt x="2884589" y="6647851"/>
+                    <a:pt x="2766891" y="6629669"/>
+                    <a:pt x="2650296" y="6604191"/>
+                  </a:cubicBezTo>
+                  <a:cubicBezTo>
+                    <a:pt x="2533702" y="6578713"/>
+                    <a:pt x="2418456" y="6545938"/>
+                    <a:pt x="2306028" y="6505869"/>
+                  </a:cubicBezTo>
+                  <a:cubicBezTo>
+                    <a:pt x="2193602" y="6465683"/>
+                    <a:pt x="2084118" y="6417738"/>
+                    <a:pt x="1978803" y="6363307"/>
+                  </a:cubicBezTo>
+                  <a:cubicBezTo>
+                    <a:pt x="1873855" y="6308066"/>
+                    <a:pt x="1773077" y="6246340"/>
+                    <a:pt x="1678428" y="6177779"/>
+                  </a:cubicBezTo>
+                  <a:cubicBezTo>
+                    <a:pt x="1488393" y="6041356"/>
+                    <a:pt x="1321900" y="5881423"/>
+                    <a:pt x="1175880" y="5710373"/>
+                  </a:cubicBezTo>
+                  <a:cubicBezTo>
+                    <a:pt x="1103177" y="5624441"/>
+                    <a:pt x="1035501" y="5535732"/>
+                    <a:pt x="971502" y="5445399"/>
+                  </a:cubicBezTo>
+                  <a:cubicBezTo>
+                    <a:pt x="907380" y="5355069"/>
+                    <a:pt x="847550" y="5262768"/>
+                    <a:pt x="790909" y="5169078"/>
+                  </a:cubicBezTo>
+                  <a:cubicBezTo>
+                    <a:pt x="761974" y="5121712"/>
+                    <a:pt x="735492" y="5077357"/>
+                    <a:pt x="706680" y="5031959"/>
+                  </a:cubicBezTo>
+                  <a:cubicBezTo>
+                    <a:pt x="678114" y="4986910"/>
+                    <a:pt x="649058" y="4941860"/>
+                    <a:pt x="619143" y="4897157"/>
+                  </a:cubicBezTo>
+                  <a:lnTo>
+                    <a:pt x="436465" y="4628710"/>
+                  </a:lnTo>
+                  <a:cubicBezTo>
+                    <a:pt x="406182" y="4583544"/>
+                    <a:pt x="376267" y="4538147"/>
+                    <a:pt x="347088" y="4492171"/>
+                  </a:cubicBezTo>
+                  <a:cubicBezTo>
+                    <a:pt x="317908" y="4446194"/>
+                    <a:pt x="288974" y="4400102"/>
+                    <a:pt x="262001" y="4352619"/>
+                  </a:cubicBezTo>
+                  <a:cubicBezTo>
+                    <a:pt x="207934" y="4258119"/>
+                    <a:pt x="158280" y="4160840"/>
+                    <a:pt x="118679" y="4059853"/>
+                  </a:cubicBezTo>
+                  <a:cubicBezTo>
+                    <a:pt x="78343" y="3959214"/>
+                    <a:pt x="48429" y="3854870"/>
+                    <a:pt x="28322" y="3749136"/>
+                  </a:cubicBezTo>
+                  <a:cubicBezTo>
+                    <a:pt x="9073" y="3643402"/>
+                    <a:pt x="0" y="3536046"/>
+                    <a:pt x="0" y="3428922"/>
+                  </a:cubicBezTo>
+                  <a:cubicBezTo>
+                    <a:pt x="1594" y="3001816"/>
+                    <a:pt x="89010" y="2575868"/>
+                    <a:pt x="253052" y="2174356"/>
+                  </a:cubicBezTo>
+                  <a:cubicBezTo>
+                    <a:pt x="294246" y="2074066"/>
+                    <a:pt x="338873" y="1974700"/>
+                    <a:pt x="389141" y="1877652"/>
+                  </a:cubicBezTo>
+                  <a:cubicBezTo>
+                    <a:pt x="438672" y="1780256"/>
+                    <a:pt x="493230" y="1684945"/>
+                    <a:pt x="552079" y="1591834"/>
+                  </a:cubicBezTo>
+                  <a:cubicBezTo>
+                    <a:pt x="669900" y="1405728"/>
+                    <a:pt x="804394" y="1227729"/>
+                    <a:pt x="954950" y="1061773"/>
+                  </a:cubicBezTo>
+                  <a:cubicBezTo>
+                    <a:pt x="1030597" y="979085"/>
+                    <a:pt x="1109552" y="898829"/>
+                    <a:pt x="1192922" y="822626"/>
+                  </a:cubicBezTo>
+                  <a:cubicBezTo>
+                    <a:pt x="1213642" y="803402"/>
+                    <a:pt x="1234483" y="784409"/>
+                    <a:pt x="1255939" y="765880"/>
+                  </a:cubicBezTo>
+                  <a:cubicBezTo>
+                    <a:pt x="1277273" y="747234"/>
+                    <a:pt x="1298237" y="728241"/>
+                    <a:pt x="1320183" y="710291"/>
+                  </a:cubicBezTo>
+                  <a:cubicBezTo>
+                    <a:pt x="1363585" y="673811"/>
+                    <a:pt x="1408088" y="638489"/>
+                    <a:pt x="1452961" y="603514"/>
+                  </a:cubicBezTo>
+                  <a:cubicBezTo>
+                    <a:pt x="1633310" y="464543"/>
+                    <a:pt x="1828125" y="341437"/>
+                    <a:pt x="2033360" y="235818"/>
+                  </a:cubicBezTo>
+                  <a:cubicBezTo>
+                    <a:pt x="2187242" y="156561"/>
+                    <a:pt x="2347554" y="87597"/>
+                    <a:pt x="2512513" y="30012"/>
+                  </a:cubicBezTo>
+                  <a:close/>
+                </a:path>
+              </a:pathLst>
+            </a:custGeom>
+            <a:gradFill>
+              <a:gsLst>
+                <a:gs pos="2000">
+                  <a:schemeClr val="bg1">
+                    <a:alpha val="10000"/>
+                  </a:schemeClr>
+                </a:gs>
+                <a:gs pos="16000">
+                  <a:schemeClr val="accent6">
+                    <a:alpha val="10000"/>
+                  </a:schemeClr>
+                </a:gs>
+                <a:gs pos="100000">
+                  <a:schemeClr val="bg1">
+                    <a:alpha val="10000"/>
+                  </a:schemeClr>
+                </a:gs>
+                <a:gs pos="85000">
+                  <a:schemeClr val="accent1">
+                    <a:alpha val="10000"/>
+                  </a:schemeClr>
+                </a:gs>
+              </a:gsLst>
+              <a:lin ang="12000000" scaled="0"/>
+            </a:gradFill>
+            <a:ln>
+              <a:noFill/>
+            </a:ln>
+          </p:spPr>
+          <p:style>
+            <a:lnRef idx="2">
+              <a:schemeClr val="accent1">
+                <a:shade val="50000"/>
+              </a:schemeClr>
+            </a:lnRef>
+            <a:fillRef idx="1">
+              <a:schemeClr val="accent1"/>
+            </a:fillRef>
+            <a:effectRef idx="0">
+              <a:schemeClr val="accent1"/>
+            </a:effectRef>
+            <a:fontRef idx="minor">
+              <a:schemeClr val="lt1"/>
+            </a:fontRef>
+          </p:style>
+          <p:txBody>
+            <a:bodyPr rtlCol="0" anchor="ctr"/>
+            <a:lstStyle/>
+            <a:p>
+              <a:pPr algn="ctr"/>
+              <a:endParaRPr lang="en-US"/>
+            </a:p>
+          </p:txBody>
+        </p:sp>
+        <p:sp>
+          <p:nvSpPr>
+            <p:cNvPr id="16" name="Freeform: Shape 15">
+              <a:extLst>
+                <a:ext uri="{FF2B5EF4-FFF2-40B4-BE49-F238E27FC236}">
+                  <a16:creationId xmlns:a16="http://schemas.microsoft.com/office/drawing/2014/main" id="{15102EBE-A80F-4CFF-B1DD-941EF9728B54}"/>
+                </a:ext>
+                <a:ext uri="{C183D7F6-B498-43B3-948B-1728B52AA6E4}">
+                  <adec:decorative xmlns:adec="http://schemas.microsoft.com/office/drawing/2017/decorative" val="1"/>
+                </a:ext>
+              </a:extLst>
+            </p:cNvPr>
+            <p:cNvSpPr/>
+            <p:nvPr>
+              <p:extLst>
+                <p:ext uri="{386F3935-93C4-4BCD-93E2-E3B085C9AB24}">
+                  <p16:designElem xmlns:p16="http://schemas.microsoft.com/office/powerpoint/2015/main" val="1"/>
+                </p:ext>
+              </p:extLst>
+            </p:nvPr>
+          </p:nvSpPr>
+          <p:spPr>
+            <a:xfrm>
+              <a:off x="6404998" y="98659"/>
+              <a:ext cx="5774333" cy="6315453"/>
+            </a:xfrm>
+            <a:custGeom>
+              <a:avLst/>
+              <a:gdLst>
+                <a:gd name="connsiteX0" fmla="*/ 3707237 w 5774333"/>
+                <a:gd name="connsiteY0" fmla="*/ 1489 h 6315453"/>
+                <a:gd name="connsiteX1" fmla="*/ 4037665 w 5774333"/>
+                <a:gd name="connsiteY1" fmla="*/ 6121 h 6315453"/>
+                <a:gd name="connsiteX2" fmla="*/ 4692239 w 5774333"/>
+                <a:gd name="connsiteY2" fmla="*/ 102128 h 6315453"/>
+                <a:gd name="connsiteX3" fmla="*/ 5315059 w 5774333"/>
+                <a:gd name="connsiteY3" fmla="*/ 324945 h 6315453"/>
+                <a:gd name="connsiteX4" fmla="*/ 5738325 w 5774333"/>
+                <a:gd name="connsiteY4" fmla="*/ 578286 h 6315453"/>
+                <a:gd name="connsiteX5" fmla="*/ 5774333 w 5774333"/>
+                <a:gd name="connsiteY5" fmla="*/ 606551 h 6315453"/>
+                <a:gd name="connsiteX6" fmla="*/ 5774333 w 5774333"/>
+                <a:gd name="connsiteY6" fmla="*/ 975490 h 6315453"/>
+                <a:gd name="connsiteX7" fmla="*/ 5676001 w 5774333"/>
+                <a:gd name="connsiteY7" fmla="*/ 889749 h 6315453"/>
+                <a:gd name="connsiteX8" fmla="*/ 5177132 w 5774333"/>
+                <a:gd name="connsiteY8" fmla="*/ 581926 h 6315453"/>
+                <a:gd name="connsiteX9" fmla="*/ 4615735 w 5774333"/>
+                <a:gd name="connsiteY9" fmla="*/ 388640 h 6315453"/>
+                <a:gd name="connsiteX10" fmla="*/ 4020010 w 5774333"/>
+                <a:gd name="connsiteY10" fmla="*/ 308500 h 6315453"/>
+                <a:gd name="connsiteX11" fmla="*/ 3416315 w 5774333"/>
+                <a:gd name="connsiteY11" fmla="*/ 328882 h 6315453"/>
+                <a:gd name="connsiteX12" fmla="*/ 2823779 w 5774333"/>
+                <a:gd name="connsiteY12" fmla="*/ 446545 h 6315453"/>
+                <a:gd name="connsiteX13" fmla="*/ 2256987 w 5774333"/>
+                <a:gd name="connsiteY13" fmla="*/ 651296 h 6315453"/>
+                <a:gd name="connsiteX14" fmla="*/ 1244169 w 5774333"/>
+                <a:gd name="connsiteY14" fmla="*/ 1280374 h 6315453"/>
+                <a:gd name="connsiteX15" fmla="*/ 830141 w 5774333"/>
+                <a:gd name="connsiteY15" fmla="*/ 1700184 h 6315453"/>
+                <a:gd name="connsiteX16" fmla="*/ 502792 w 5774333"/>
+                <a:gd name="connsiteY16" fmla="*/ 2182300 h 6315453"/>
+                <a:gd name="connsiteX17" fmla="*/ 280637 w 5774333"/>
+                <a:gd name="connsiteY17" fmla="*/ 2715256 h 6315453"/>
+                <a:gd name="connsiteX18" fmla="*/ 199843 w 5774333"/>
+                <a:gd name="connsiteY18" fmla="*/ 3283418 h 6315453"/>
+                <a:gd name="connsiteX19" fmla="*/ 233926 w 5774333"/>
+                <a:gd name="connsiteY19" fmla="*/ 3561593 h 6315453"/>
+                <a:gd name="connsiteX20" fmla="*/ 334582 w 5774333"/>
+                <a:gd name="connsiteY20" fmla="*/ 3821816 h 6315453"/>
+                <a:gd name="connsiteX21" fmla="*/ 404834 w 5774333"/>
+                <a:gd name="connsiteY21" fmla="*/ 3944343 h 6315453"/>
+                <a:gd name="connsiteX22" fmla="*/ 485506 w 5774333"/>
+                <a:gd name="connsiteY22" fmla="*/ 4062932 h 6315453"/>
+                <a:gd name="connsiteX23" fmla="*/ 671861 w 5774333"/>
+                <a:gd name="connsiteY23" fmla="*/ 4292120 h 6315453"/>
+                <a:gd name="connsiteX24" fmla="*/ 873542 w 5774333"/>
+                <a:gd name="connsiteY24" fmla="*/ 4523044 h 6315453"/>
+                <a:gd name="connsiteX25" fmla="*/ 973831 w 5774333"/>
+                <a:gd name="connsiteY25" fmla="*/ 4643601 h 6315453"/>
+                <a:gd name="connsiteX26" fmla="*/ 1022014 w 5774333"/>
+                <a:gd name="connsiteY26" fmla="*/ 4702780 h 6315453"/>
+                <a:gd name="connsiteX27" fmla="*/ 1069215 w 5774333"/>
+                <a:gd name="connsiteY27" fmla="*/ 4759411 h 6315453"/>
+                <a:gd name="connsiteX28" fmla="*/ 1474784 w 5774333"/>
+                <a:gd name="connsiteY28" fmla="*/ 5177948 h 6315453"/>
+                <a:gd name="connsiteX29" fmla="*/ 1690442 w 5774333"/>
+                <a:gd name="connsiteY29" fmla="*/ 5366255 h 6315453"/>
+                <a:gd name="connsiteX30" fmla="*/ 1916276 w 5774333"/>
+                <a:gd name="connsiteY30" fmla="*/ 5539852 h 6315453"/>
+                <a:gd name="connsiteX31" fmla="*/ 2420784 w 5774333"/>
+                <a:gd name="connsiteY31" fmla="*/ 5814437 h 6315453"/>
+                <a:gd name="connsiteX32" fmla="*/ 2703015 w 5774333"/>
+                <a:gd name="connsiteY32" fmla="*/ 5892029 h 6315453"/>
+                <a:gd name="connsiteX33" fmla="*/ 2775350 w 5774333"/>
+                <a:gd name="connsiteY33" fmla="*/ 5905695 h 6315453"/>
+                <a:gd name="connsiteX34" fmla="*/ 2848299 w 5774333"/>
+                <a:gd name="connsiteY34" fmla="*/ 5917161 h 6315453"/>
+                <a:gd name="connsiteX35" fmla="*/ 2995544 w 5774333"/>
+                <a:gd name="connsiteY35" fmla="*/ 5933605 h 6315453"/>
+                <a:gd name="connsiteX36" fmla="*/ 3069596 w 5774333"/>
+                <a:gd name="connsiteY36" fmla="*/ 5938933 h 6315453"/>
+                <a:gd name="connsiteX37" fmla="*/ 3143894 w 5774333"/>
+                <a:gd name="connsiteY37" fmla="*/ 5942639 h 6315453"/>
+                <a:gd name="connsiteX38" fmla="*/ 3218436 w 5774333"/>
+                <a:gd name="connsiteY38" fmla="*/ 5944260 h 6315453"/>
+                <a:gd name="connsiteX39" fmla="*/ 3293101 w 5774333"/>
+                <a:gd name="connsiteY39" fmla="*/ 5943913 h 6315453"/>
+                <a:gd name="connsiteX40" fmla="*/ 3330494 w 5774333"/>
+                <a:gd name="connsiteY40" fmla="*/ 5943565 h 6315453"/>
+                <a:gd name="connsiteX41" fmla="*/ 3366540 w 5774333"/>
+                <a:gd name="connsiteY41" fmla="*/ 5942059 h 6315453"/>
+                <a:gd name="connsiteX42" fmla="*/ 3402462 w 5774333"/>
+                <a:gd name="connsiteY42" fmla="*/ 5940323 h 6315453"/>
+                <a:gd name="connsiteX43" fmla="*/ 3438262 w 5774333"/>
+                <a:gd name="connsiteY43" fmla="*/ 5937543 h 6315453"/>
+                <a:gd name="connsiteX44" fmla="*/ 3580236 w 5774333"/>
+                <a:gd name="connsiteY44" fmla="*/ 5920982 h 6315453"/>
+                <a:gd name="connsiteX45" fmla="*/ 4121034 w 5774333"/>
+                <a:gd name="connsiteY45" fmla="*/ 5753290 h 6315453"/>
+                <a:gd name="connsiteX46" fmla="*/ 4620639 w 5774333"/>
+                <a:gd name="connsiteY46" fmla="*/ 5459364 h 6315453"/>
+                <a:gd name="connsiteX47" fmla="*/ 4741771 w 5774333"/>
+                <a:gd name="connsiteY47" fmla="*/ 5372971 h 6315453"/>
+                <a:gd name="connsiteX48" fmla="*/ 4862901 w 5774333"/>
+                <a:gd name="connsiteY48" fmla="*/ 5283682 h 6315453"/>
+                <a:gd name="connsiteX49" fmla="*/ 5108229 w 5774333"/>
+                <a:gd name="connsiteY49" fmla="*/ 5098386 h 6315453"/>
+                <a:gd name="connsiteX50" fmla="*/ 5612493 w 5774333"/>
+                <a:gd name="connsiteY50" fmla="*/ 4739724 h 6315453"/>
+                <a:gd name="connsiteX51" fmla="*/ 5774333 w 5774333"/>
+                <a:gd name="connsiteY51" fmla="*/ 4623488 h 6315453"/>
+                <a:gd name="connsiteX52" fmla="*/ 5774333 w 5774333"/>
+                <a:gd name="connsiteY52" fmla="*/ 5232926 h 6315453"/>
+                <a:gd name="connsiteX53" fmla="*/ 5676492 w 5774333"/>
+                <a:gd name="connsiteY53" fmla="*/ 5306859 h 6315453"/>
+                <a:gd name="connsiteX54" fmla="*/ 5426260 w 5774333"/>
+                <a:gd name="connsiteY54" fmla="*/ 5486233 h 6315453"/>
+                <a:gd name="connsiteX55" fmla="*/ 5300225 w 5774333"/>
+                <a:gd name="connsiteY55" fmla="*/ 5576217 h 6315453"/>
+                <a:gd name="connsiteX56" fmla="*/ 5170757 w 5774333"/>
+                <a:gd name="connsiteY56" fmla="*/ 5666780 h 6315453"/>
+                <a:gd name="connsiteX57" fmla="*/ 5038100 w 5774333"/>
+                <a:gd name="connsiteY57" fmla="*/ 5756185 h 6315453"/>
+                <a:gd name="connsiteX58" fmla="*/ 4901276 w 5774333"/>
+                <a:gd name="connsiteY58" fmla="*/ 5843043 h 6315453"/>
+                <a:gd name="connsiteX59" fmla="*/ 4614019 w 5774333"/>
+                <a:gd name="connsiteY59" fmla="*/ 6006103 h 6315453"/>
+                <a:gd name="connsiteX60" fmla="*/ 4305061 w 5774333"/>
+                <a:gd name="connsiteY60" fmla="*/ 6144726 h 6315453"/>
+                <a:gd name="connsiteX61" fmla="*/ 3632710 w 5774333"/>
+                <a:gd name="connsiteY61" fmla="*/ 6304196 h 6315453"/>
+                <a:gd name="connsiteX62" fmla="*/ 3459594 w 5774333"/>
+                <a:gd name="connsiteY62" fmla="*/ 6314504 h 6315453"/>
+                <a:gd name="connsiteX63" fmla="*/ 3416315 w 5774333"/>
+                <a:gd name="connsiteY63" fmla="*/ 6315429 h 6315453"/>
+                <a:gd name="connsiteX64" fmla="*/ 3373159 w 5774333"/>
+                <a:gd name="connsiteY64" fmla="*/ 6315198 h 6315453"/>
+                <a:gd name="connsiteX65" fmla="*/ 3330127 w 5774333"/>
+                <a:gd name="connsiteY65" fmla="*/ 6314735 h 6315453"/>
+                <a:gd name="connsiteX66" fmla="*/ 3288320 w 5774333"/>
+                <a:gd name="connsiteY66" fmla="*/ 6313230 h 6315453"/>
+                <a:gd name="connsiteX67" fmla="*/ 2954350 w 5774333"/>
+                <a:gd name="connsiteY67" fmla="*/ 6288098 h 6315453"/>
+                <a:gd name="connsiteX68" fmla="*/ 2622466 w 5774333"/>
+                <a:gd name="connsiteY68" fmla="*/ 6232742 h 6315453"/>
+                <a:gd name="connsiteX69" fmla="*/ 2296466 w 5774333"/>
+                <a:gd name="connsiteY69" fmla="*/ 6146001 h 6315453"/>
+                <a:gd name="connsiteX70" fmla="*/ 1672419 w 5774333"/>
+                <a:gd name="connsiteY70" fmla="*/ 5885197 h 6315453"/>
+                <a:gd name="connsiteX71" fmla="*/ 1146578 w 5774333"/>
+                <a:gd name="connsiteY71" fmla="*/ 5479168 h 6315453"/>
+                <a:gd name="connsiteX72" fmla="*/ 933372 w 5774333"/>
+                <a:gd name="connsiteY72" fmla="*/ 5234810 h 6315453"/>
+                <a:gd name="connsiteX73" fmla="*/ 747140 w 5774333"/>
+                <a:gd name="connsiteY73" fmla="*/ 4976091 h 6315453"/>
+                <a:gd name="connsiteX74" fmla="*/ 703616 w 5774333"/>
+                <a:gd name="connsiteY74" fmla="*/ 4910196 h 6315453"/>
+                <a:gd name="connsiteX75" fmla="*/ 662053 w 5774333"/>
+                <a:gd name="connsiteY75" fmla="*/ 4846269 h 6315453"/>
+                <a:gd name="connsiteX76" fmla="*/ 580033 w 5774333"/>
+                <a:gd name="connsiteY76" fmla="*/ 4722352 h 6315453"/>
+                <a:gd name="connsiteX77" fmla="*/ 410105 w 5774333"/>
+                <a:gd name="connsiteY77" fmla="*/ 4469193 h 6315453"/>
+                <a:gd name="connsiteX78" fmla="*/ 244224 w 5774333"/>
+                <a:gd name="connsiteY78" fmla="*/ 4201556 h 6315453"/>
+                <a:gd name="connsiteX79" fmla="*/ 169437 w 5774333"/>
+                <a:gd name="connsiteY79" fmla="*/ 4059690 h 6315453"/>
+                <a:gd name="connsiteX80" fmla="*/ 105929 w 5774333"/>
+                <a:gd name="connsiteY80" fmla="*/ 3911221 h 6315453"/>
+                <a:gd name="connsiteX81" fmla="*/ 57256 w 5774333"/>
+                <a:gd name="connsiteY81" fmla="*/ 3757195 h 6315453"/>
+                <a:gd name="connsiteX82" fmla="*/ 39111 w 5774333"/>
+                <a:gd name="connsiteY82" fmla="*/ 3678677 h 6315453"/>
+                <a:gd name="connsiteX83" fmla="*/ 31142 w 5774333"/>
+                <a:gd name="connsiteY83" fmla="*/ 3639300 h 6315453"/>
+                <a:gd name="connsiteX84" fmla="*/ 24521 w 5774333"/>
+                <a:gd name="connsiteY84" fmla="*/ 3599809 h 6315453"/>
+                <a:gd name="connsiteX85" fmla="*/ 0 w 5774333"/>
+                <a:gd name="connsiteY85" fmla="*/ 3283418 h 6315453"/>
+                <a:gd name="connsiteX86" fmla="*/ 68045 w 5774333"/>
+                <a:gd name="connsiteY86" fmla="*/ 2666963 h 6315453"/>
+                <a:gd name="connsiteX87" fmla="*/ 272546 w 5774333"/>
+                <a:gd name="connsiteY87" fmla="*/ 2076334 h 6315453"/>
+                <a:gd name="connsiteX88" fmla="*/ 1039300 w 5774333"/>
+                <a:gd name="connsiteY88" fmla="*/ 1073307 h 6315453"/>
+                <a:gd name="connsiteX89" fmla="*/ 1547733 w 5774333"/>
+                <a:gd name="connsiteY89" fmla="*/ 680365 h 6315453"/>
+                <a:gd name="connsiteX90" fmla="*/ 2115995 w 5774333"/>
+                <a:gd name="connsiteY90" fmla="*/ 368373 h 6315453"/>
+                <a:gd name="connsiteX91" fmla="*/ 3377451 w 5774333"/>
+                <a:gd name="connsiteY91" fmla="*/ 24304 h 6315453"/>
+                <a:gd name="connsiteX92" fmla="*/ 3707237 w 5774333"/>
+                <a:gd name="connsiteY92" fmla="*/ 1489 h 6315453"/>
+              </a:gdLst>
+              <a:ahLst/>
+              <a:cxnLst>
+                <a:cxn ang="0">
+                  <a:pos x="connsiteX0" y="connsiteY0"/>
+                </a:cxn>
+                <a:cxn ang="0">
+                  <a:pos x="connsiteX1" y="connsiteY1"/>
+                </a:cxn>
+                <a:cxn ang="0">
+                  <a:pos x="connsiteX2" y="connsiteY2"/>
+                </a:cxn>
+                <a:cxn ang="0">
+                  <a:pos x="connsiteX3" y="connsiteY3"/>
+                </a:cxn>
+                <a:cxn ang="0">
+                  <a:pos x="connsiteX4" y="connsiteY4"/>
+                </a:cxn>
+                <a:cxn ang="0">
+                  <a:pos x="connsiteX5" y="connsiteY5"/>
+                </a:cxn>
+                <a:cxn ang="0">
+                  <a:pos x="connsiteX6" y="connsiteY6"/>
+                </a:cxn>
+                <a:cxn ang="0">
+                  <a:pos x="connsiteX7" y="connsiteY7"/>
+                </a:cxn>
+                <a:cxn ang="0">
+                  <a:pos x="connsiteX8" y="connsiteY8"/>
+                </a:cxn>
+                <a:cxn ang="0">
+                  <a:pos x="connsiteX9" y="connsiteY9"/>
+                </a:cxn>
+                <a:cxn ang="0">
+                  <a:pos x="connsiteX10" y="connsiteY10"/>
+                </a:cxn>
+                <a:cxn ang="0">
+                  <a:pos x="connsiteX11" y="connsiteY11"/>
+                </a:cxn>
+                <a:cxn ang="0">
+                  <a:pos x="connsiteX12" y="connsiteY12"/>
+                </a:cxn>
+                <a:cxn ang="0">
+                  <a:pos x="connsiteX13" y="connsiteY13"/>
+                </a:cxn>
+                <a:cxn ang="0">
+                  <a:pos x="connsiteX14" y="connsiteY14"/>
+                </a:cxn>
+                <a:cxn ang="0">
+                  <a:pos x="connsiteX15" y="connsiteY15"/>
+                </a:cxn>
+                <a:cxn ang="0">
+                  <a:pos x="connsiteX16" y="connsiteY16"/>
+                </a:cxn>
+                <a:cxn ang="0">
+                  <a:pos x="connsiteX17" y="connsiteY17"/>
+                </a:cxn>
+                <a:cxn ang="0">
+                  <a:pos x="connsiteX18" y="connsiteY18"/>
+                </a:cxn>
+                <a:cxn ang="0">
+                  <a:pos x="connsiteX19" y="connsiteY19"/>
+                </a:cxn>
+                <a:cxn ang="0">
+                  <a:pos x="connsiteX20" y="connsiteY20"/>
+                </a:cxn>
+                <a:cxn ang="0">
+                  <a:pos x="connsiteX21" y="connsiteY21"/>
+                </a:cxn>
+                <a:cxn ang="0">
+                  <a:pos x="connsiteX22" y="connsiteY22"/>
+                </a:cxn>
+                <a:cxn ang="0">
+                  <a:pos x="connsiteX23" y="connsiteY23"/>
+                </a:cxn>
+                <a:cxn ang="0">
+                  <a:pos x="connsiteX24" y="connsiteY24"/>
+                </a:cxn>
+                <a:cxn ang="0">
+                  <a:pos x="connsiteX25" y="connsiteY25"/>
+                </a:cxn>
+                <a:cxn ang="0">
+                  <a:pos x="connsiteX26" y="connsiteY26"/>
+                </a:cxn>
+                <a:cxn ang="0">
+                  <a:pos x="connsiteX27" y="connsiteY27"/>
+                </a:cxn>
+                <a:cxn ang="0">
+                  <a:pos x="connsiteX28" y="connsiteY28"/>
+                </a:cxn>
+                <a:cxn ang="0">
+                  <a:pos x="connsiteX29" y="connsiteY29"/>
+                </a:cxn>
+                <a:cxn ang="0">
+                  <a:pos x="connsiteX30" y="connsiteY30"/>
+                </a:cxn>
+                <a:cxn ang="0">
+                  <a:pos x="connsiteX31" y="connsiteY31"/>
+                </a:cxn>
+                <a:cxn ang="0">
+                  <a:pos x="connsiteX32" y="connsiteY32"/>
+                </a:cxn>
+                <a:cxn ang="0">
+                  <a:pos x="connsiteX33" y="connsiteY33"/>
+                </a:cxn>
+                <a:cxn ang="0">
+                  <a:pos x="connsiteX34" y="connsiteY34"/>
+                </a:cxn>
+                <a:cxn ang="0">
+                  <a:pos x="connsiteX35" y="connsiteY35"/>
+                </a:cxn>
+                <a:cxn ang="0">
+                  <a:pos x="connsiteX36" y="connsiteY36"/>
+                </a:cxn>
+                <a:cxn ang="0">
+                  <a:pos x="connsiteX37" y="connsiteY37"/>
+                </a:cxn>
+                <a:cxn ang="0">
+                  <a:pos x="connsiteX38" y="connsiteY38"/>
+                </a:cxn>
+                <a:cxn ang="0">
+                  <a:pos x="connsiteX39" y="connsiteY39"/>
+                </a:cxn>
+                <a:cxn ang="0">
+                  <a:pos x="connsiteX40" y="connsiteY40"/>
+                </a:cxn>
+                <a:cxn ang="0">
+                  <a:pos x="connsiteX41" y="connsiteY41"/>
+                </a:cxn>
+                <a:cxn ang="0">
+                  <a:pos x="connsiteX42" y="connsiteY42"/>
+                </a:cxn>
+                <a:cxn ang="0">
+                  <a:pos x="connsiteX43" y="connsiteY43"/>
+                </a:cxn>
+                <a:cxn ang="0">
+                  <a:pos x="connsiteX44" y="connsiteY44"/>
+                </a:cxn>
+                <a:cxn ang="0">
+                  <a:pos x="connsiteX45" y="connsiteY45"/>
+                </a:cxn>
+                <a:cxn ang="0">
+                  <a:pos x="connsiteX46" y="connsiteY46"/>
+                </a:cxn>
+                <a:cxn ang="0">
+                  <a:pos x="connsiteX47" y="connsiteY47"/>
+                </a:cxn>
+                <a:cxn ang="0">
+                  <a:pos x="connsiteX48" y="connsiteY48"/>
+                </a:cxn>
+                <a:cxn ang="0">
+                  <a:pos x="connsiteX49" y="connsiteY49"/>
+                </a:cxn>
+                <a:cxn ang="0">
+                  <a:pos x="connsiteX50" y="connsiteY50"/>
+                </a:cxn>
+                <a:cxn ang="0">
+                  <a:pos x="connsiteX51" y="connsiteY51"/>
+                </a:cxn>
+                <a:cxn ang="0">
+                  <a:pos x="connsiteX52" y="connsiteY52"/>
+                </a:cxn>
+                <a:cxn ang="0">
+                  <a:pos x="connsiteX53" y="connsiteY53"/>
+                </a:cxn>
+                <a:cxn ang="0">
+                  <a:pos x="connsiteX54" y="connsiteY54"/>
+                </a:cxn>
+                <a:cxn ang="0">
+                  <a:pos x="connsiteX55" y="connsiteY55"/>
+                </a:cxn>
+                <a:cxn ang="0">
+                  <a:pos x="connsiteX56" y="connsiteY56"/>
+                </a:cxn>
+                <a:cxn ang="0">
+                  <a:pos x="connsiteX57" y="connsiteY57"/>
+                </a:cxn>
+                <a:cxn ang="0">
+                  <a:pos x="connsiteX58" y="connsiteY58"/>
+                </a:cxn>
+                <a:cxn ang="0">
+                  <a:pos x="connsiteX59" y="connsiteY59"/>
+                </a:cxn>
+                <a:cxn ang="0">
+                  <a:pos x="connsiteX60" y="connsiteY60"/>
+                </a:cxn>
+                <a:cxn ang="0">
+                  <a:pos x="connsiteX61" y="connsiteY61"/>
+                </a:cxn>
+                <a:cxn ang="0">
+                  <a:pos x="connsiteX62" y="connsiteY62"/>
+                </a:cxn>
+                <a:cxn ang="0">
+                  <a:pos x="connsiteX63" y="connsiteY63"/>
+                </a:cxn>
+                <a:cxn ang="0">
+                  <a:pos x="connsiteX64" y="connsiteY64"/>
+                </a:cxn>
+                <a:cxn ang="0">
+                  <a:pos x="connsiteX65" y="connsiteY65"/>
+                </a:cxn>
+                <a:cxn ang="0">
+                  <a:pos x="connsiteX66" y="connsiteY66"/>
+                </a:cxn>
+                <a:cxn ang="0">
+                  <a:pos x="connsiteX67" y="connsiteY67"/>
+                </a:cxn>
+                <a:cxn ang="0">
+                  <a:pos x="connsiteX68" y="connsiteY68"/>
+                </a:cxn>
+                <a:cxn ang="0">
+                  <a:pos x="connsiteX69" y="connsiteY69"/>
+                </a:cxn>
+                <a:cxn ang="0">
+                  <a:pos x="connsiteX70" y="connsiteY70"/>
+                </a:cxn>
+                <a:cxn ang="0">
+                  <a:pos x="connsiteX71" y="connsiteY71"/>
+                </a:cxn>
+                <a:cxn ang="0">
+                  <a:pos x="connsiteX72" y="connsiteY72"/>
+                </a:cxn>
+                <a:cxn ang="0">
+                  <a:pos x="connsiteX73" y="connsiteY73"/>
+                </a:cxn>
+                <a:cxn ang="0">
+                  <a:pos x="connsiteX74" y="connsiteY74"/>
+                </a:cxn>
+                <a:cxn ang="0">
+                  <a:pos x="connsiteX75" y="connsiteY75"/>
+                </a:cxn>
+                <a:cxn ang="0">
+                  <a:pos x="connsiteX76" y="connsiteY76"/>
+                </a:cxn>
+                <a:cxn ang="0">
+                  <a:pos x="connsiteX77" y="connsiteY77"/>
+                </a:cxn>
+                <a:cxn ang="0">
+                  <a:pos x="connsiteX78" y="connsiteY78"/>
+                </a:cxn>
+                <a:cxn ang="0">
+                  <a:pos x="connsiteX79" y="connsiteY79"/>
+                </a:cxn>
+                <a:cxn ang="0">
+                  <a:pos x="connsiteX80" y="connsiteY80"/>
+                </a:cxn>
+                <a:cxn ang="0">
+                  <a:pos x="connsiteX81" y="connsiteY81"/>
+                </a:cxn>
+                <a:cxn ang="0">
+                  <a:pos x="connsiteX82" y="connsiteY82"/>
+                </a:cxn>
+                <a:cxn ang="0">
+                  <a:pos x="connsiteX83" y="connsiteY83"/>
+                </a:cxn>
+                <a:cxn ang="0">
+                  <a:pos x="connsiteX84" y="connsiteY84"/>
+                </a:cxn>
+                <a:cxn ang="0">
+                  <a:pos x="connsiteX85" y="connsiteY85"/>
+                </a:cxn>
+                <a:cxn ang="0">
+                  <a:pos x="connsiteX86" y="connsiteY86"/>
+                </a:cxn>
+                <a:cxn ang="0">
+                  <a:pos x="connsiteX87" y="connsiteY87"/>
+                </a:cxn>
+                <a:cxn ang="0">
+                  <a:pos x="connsiteX88" y="connsiteY88"/>
+                </a:cxn>
+                <a:cxn ang="0">
+                  <a:pos x="connsiteX89" y="connsiteY89"/>
+                </a:cxn>
+                <a:cxn ang="0">
+                  <a:pos x="connsiteX90" y="connsiteY90"/>
+                </a:cxn>
+                <a:cxn ang="0">
+                  <a:pos x="connsiteX91" y="connsiteY91"/>
+                </a:cxn>
+                <a:cxn ang="0">
+                  <a:pos x="connsiteX92" y="connsiteY92"/>
+                </a:cxn>
+              </a:cxnLst>
+              <a:rect l="l" t="t" r="r" b="b"/>
+              <a:pathLst>
+                <a:path w="5774333" h="6315453">
+                  <a:moveTo>
+                    <a:pt x="3707237" y="1489"/>
+                  </a:moveTo>
+                  <a:cubicBezTo>
+                    <a:pt x="3817502" y="-1522"/>
+                    <a:pt x="3927875" y="41"/>
+                    <a:pt x="4037665" y="6121"/>
+                  </a:cubicBezTo>
+                  <a:cubicBezTo>
+                    <a:pt x="4257614" y="18745"/>
+                    <a:pt x="4477439" y="49665"/>
+                    <a:pt x="4692239" y="102128"/>
+                  </a:cubicBezTo>
+                  <a:cubicBezTo>
+                    <a:pt x="4907039" y="154474"/>
+                    <a:pt x="5116811" y="228592"/>
+                    <a:pt x="5315059" y="324945"/>
+                  </a:cubicBezTo>
+                  <a:cubicBezTo>
+                    <a:pt x="5463562" y="397211"/>
+                    <a:pt x="5606133" y="481527"/>
+                    <a:pt x="5738325" y="578286"/>
+                  </a:cubicBezTo>
+                  <a:lnTo>
+                    <a:pt x="5774333" y="606551"/>
+                  </a:lnTo>
+                  <a:lnTo>
+                    <a:pt x="5774333" y="975490"/>
+                  </a:lnTo>
+                  <a:lnTo>
+                    <a:pt x="5676001" y="889749"/>
+                  </a:lnTo>
+                  <a:cubicBezTo>
+                    <a:pt x="5522381" y="769886"/>
+                    <a:pt x="5355519" y="665657"/>
+                    <a:pt x="5177132" y="581926"/>
+                  </a:cubicBezTo>
+                  <a:cubicBezTo>
+                    <a:pt x="4998867" y="497965"/>
+                    <a:pt x="4810183" y="433574"/>
+                    <a:pt x="4615735" y="388640"/>
+                  </a:cubicBezTo>
+                  <a:cubicBezTo>
+                    <a:pt x="4421289" y="343591"/>
+                    <a:pt x="4221446" y="317649"/>
+                    <a:pt x="4020010" y="308500"/>
+                  </a:cubicBezTo>
+                  <a:cubicBezTo>
+                    <a:pt x="3818207" y="298887"/>
+                    <a:pt x="3616649" y="305257"/>
+                    <a:pt x="3416315" y="328882"/>
+                  </a:cubicBezTo>
+                  <a:cubicBezTo>
+                    <a:pt x="3216106" y="352623"/>
+                    <a:pt x="3017736" y="392346"/>
+                    <a:pt x="2823779" y="446545"/>
+                  </a:cubicBezTo>
+                  <a:cubicBezTo>
+                    <a:pt x="2629699" y="500513"/>
+                    <a:pt x="2440401" y="570345"/>
+                    <a:pt x="2256987" y="651296"/>
+                  </a:cubicBezTo>
+                  <a:cubicBezTo>
+                    <a:pt x="1889058" y="811461"/>
+                    <a:pt x="1545527" y="1023856"/>
+                    <a:pt x="1244169" y="1280374"/>
+                  </a:cubicBezTo>
+                  <a:cubicBezTo>
+                    <a:pt x="1093982" y="1409039"/>
+                    <a:pt x="954828" y="1549400"/>
+                    <a:pt x="830141" y="1700184"/>
+                  </a:cubicBezTo>
+                  <a:cubicBezTo>
+                    <a:pt x="705209" y="1850736"/>
+                    <a:pt x="594989" y="2012176"/>
+                    <a:pt x="502792" y="2182300"/>
+                  </a:cubicBezTo>
+                  <a:cubicBezTo>
+                    <a:pt x="410595" y="2352308"/>
+                    <a:pt x="333847" y="2530307"/>
+                    <a:pt x="280637" y="2715256"/>
+                  </a:cubicBezTo>
+                  <a:cubicBezTo>
+                    <a:pt x="227306" y="2899741"/>
+                    <a:pt x="199719" y="3091521"/>
+                    <a:pt x="199843" y="3283418"/>
+                  </a:cubicBezTo>
+                  <a:cubicBezTo>
+                    <a:pt x="200946" y="3377687"/>
+                    <a:pt x="210754" y="3471261"/>
+                    <a:pt x="233926" y="3561593"/>
+                  </a:cubicBezTo>
+                  <a:cubicBezTo>
+                    <a:pt x="256730" y="3652040"/>
+                    <a:pt x="292162" y="3738550"/>
+                    <a:pt x="334582" y="3821816"/>
+                  </a:cubicBezTo>
+                  <a:cubicBezTo>
+                    <a:pt x="356038" y="3863392"/>
+                    <a:pt x="379823" y="3904157"/>
+                    <a:pt x="404834" y="3944343"/>
+                  </a:cubicBezTo>
+                  <a:cubicBezTo>
+                    <a:pt x="430212" y="3984413"/>
+                    <a:pt x="457308" y="4023905"/>
+                    <a:pt x="485506" y="4062932"/>
+                  </a:cubicBezTo>
+                  <a:cubicBezTo>
+                    <a:pt x="542639" y="4140757"/>
+                    <a:pt x="606146" y="4216265"/>
+                    <a:pt x="671861" y="4292120"/>
+                  </a:cubicBezTo>
+                  <a:cubicBezTo>
+                    <a:pt x="737576" y="4368091"/>
+                    <a:pt x="806234" y="4444062"/>
+                    <a:pt x="873542" y="4523044"/>
+                  </a:cubicBezTo>
+                  <a:cubicBezTo>
+                    <a:pt x="907258" y="4562419"/>
+                    <a:pt x="940606" y="4602721"/>
+                    <a:pt x="973831" y="4643601"/>
+                  </a:cubicBezTo>
+                  <a:lnTo>
+                    <a:pt x="1022014" y="4702780"/>
+                  </a:lnTo>
+                  <a:cubicBezTo>
+                    <a:pt x="1037829" y="4721658"/>
+                    <a:pt x="1052910" y="4740998"/>
+                    <a:pt x="1069215" y="4759411"/>
+                  </a:cubicBezTo>
+                  <a:cubicBezTo>
+                    <a:pt x="1196477" y="4909269"/>
+                    <a:pt x="1334527" y="5047199"/>
+                    <a:pt x="1474784" y="5177948"/>
+                  </a:cubicBezTo>
+                  <a:cubicBezTo>
+                    <a:pt x="1545281" y="5243033"/>
+                    <a:pt x="1617003" y="5305917"/>
+                    <a:pt x="1690442" y="5366255"/>
+                  </a:cubicBezTo>
+                  <a:cubicBezTo>
+                    <a:pt x="1763881" y="5426591"/>
+                    <a:pt x="1838668" y="5484959"/>
+                    <a:pt x="1916276" y="5539852"/>
+                  </a:cubicBezTo>
+                  <a:cubicBezTo>
+                    <a:pt x="2070877" y="5649872"/>
+                    <a:pt x="2237617" y="5748194"/>
+                    <a:pt x="2420784" y="5814437"/>
+                  </a:cubicBezTo>
+                  <a:cubicBezTo>
+                    <a:pt x="2512124" y="5847559"/>
+                    <a:pt x="2606773" y="5872921"/>
+                    <a:pt x="2703015" y="5892029"/>
+                  </a:cubicBezTo>
+                  <a:cubicBezTo>
+                    <a:pt x="2727168" y="5896546"/>
+                    <a:pt x="2751075" y="5901758"/>
+                    <a:pt x="2775350" y="5905695"/>
+                  </a:cubicBezTo>
+                  <a:lnTo>
+                    <a:pt x="2848299" y="5917161"/>
+                  </a:lnTo>
+                  <a:cubicBezTo>
+                    <a:pt x="2897218" y="5923298"/>
+                    <a:pt x="2946136" y="5929784"/>
+                    <a:pt x="2995544" y="5933605"/>
+                  </a:cubicBezTo>
+                  <a:cubicBezTo>
+                    <a:pt x="3020188" y="5935806"/>
+                    <a:pt x="3044831" y="5937891"/>
+                    <a:pt x="3069596" y="5938933"/>
+                  </a:cubicBezTo>
+                  <a:cubicBezTo>
+                    <a:pt x="3094362" y="5940090"/>
+                    <a:pt x="3119005" y="5941943"/>
+                    <a:pt x="3143894" y="5942639"/>
+                  </a:cubicBezTo>
+                  <a:lnTo>
+                    <a:pt x="3218436" y="5944260"/>
+                  </a:lnTo>
+                  <a:cubicBezTo>
+                    <a:pt x="3243201" y="5944838"/>
+                    <a:pt x="3268212" y="5944029"/>
+                    <a:pt x="3293101" y="5943913"/>
+                  </a:cubicBezTo>
+                  <a:lnTo>
+                    <a:pt x="3330494" y="5943565"/>
+                  </a:lnTo>
+                  <a:cubicBezTo>
+                    <a:pt x="3342632" y="5943218"/>
+                    <a:pt x="3354524" y="5942523"/>
+                    <a:pt x="3366540" y="5942059"/>
+                  </a:cubicBezTo>
+                  <a:cubicBezTo>
+                    <a:pt x="3378554" y="5941480"/>
+                    <a:pt x="3390570" y="5941134"/>
+                    <a:pt x="3402462" y="5940323"/>
+                  </a:cubicBezTo>
+                  <a:lnTo>
+                    <a:pt x="3438262" y="5937543"/>
+                  </a:lnTo>
+                  <a:cubicBezTo>
+                    <a:pt x="3485954" y="5933953"/>
+                    <a:pt x="3533279" y="5927931"/>
+                    <a:pt x="3580236" y="5920982"/>
+                  </a:cubicBezTo>
+                  <a:cubicBezTo>
+                    <a:pt x="3768185" y="5891567"/>
+                    <a:pt x="3948901" y="5834010"/>
+                    <a:pt x="4121034" y="5753290"/>
+                  </a:cubicBezTo>
+                  <a:cubicBezTo>
+                    <a:pt x="4293782" y="5673497"/>
+                    <a:pt x="4458191" y="5571353"/>
+                    <a:pt x="4620639" y="5459364"/>
+                  </a:cubicBezTo>
+                  <a:cubicBezTo>
+                    <a:pt x="4661221" y="5431455"/>
+                    <a:pt x="4701557" y="5402271"/>
+                    <a:pt x="4741771" y="5372971"/>
+                  </a:cubicBezTo>
+                  <a:cubicBezTo>
+                    <a:pt x="4782230" y="5343672"/>
+                    <a:pt x="4822566" y="5313908"/>
+                    <a:pt x="4862901" y="5283682"/>
+                  </a:cubicBezTo>
+                  <a:lnTo>
+                    <a:pt x="5108229" y="5098386"/>
+                  </a:lnTo>
+                  <a:cubicBezTo>
+                    <a:pt x="5276563" y="4972270"/>
+                    <a:pt x="5446489" y="4854838"/>
+                    <a:pt x="5612493" y="4739724"/>
+                  </a:cubicBezTo>
+                  <a:lnTo>
+                    <a:pt x="5774333" y="4623488"/>
+                  </a:lnTo>
+                  <a:lnTo>
+                    <a:pt x="5774333" y="5232926"/>
+                  </a:lnTo>
+                  <a:lnTo>
+                    <a:pt x="5676492" y="5306859"/>
+                  </a:lnTo>
+                  <a:cubicBezTo>
+                    <a:pt x="5592693" y="5367905"/>
+                    <a:pt x="5508955" y="5427286"/>
+                    <a:pt x="5426260" y="5486233"/>
+                  </a:cubicBezTo>
+                  <a:lnTo>
+                    <a:pt x="5300225" y="5576217"/>
+                  </a:lnTo>
+                  <a:cubicBezTo>
+                    <a:pt x="5257559" y="5606443"/>
+                    <a:pt x="5214525" y="5636901"/>
+                    <a:pt x="5170757" y="5666780"/>
+                  </a:cubicBezTo>
+                  <a:cubicBezTo>
+                    <a:pt x="5127110" y="5696775"/>
+                    <a:pt x="5082973" y="5726654"/>
+                    <a:pt x="5038100" y="5756185"/>
+                  </a:cubicBezTo>
+                  <a:cubicBezTo>
+                    <a:pt x="4993106" y="5785486"/>
+                    <a:pt x="4947743" y="5814553"/>
+                    <a:pt x="4901276" y="5843043"/>
+                  </a:cubicBezTo>
+                  <a:cubicBezTo>
+                    <a:pt x="4808835" y="5900136"/>
+                    <a:pt x="4713449" y="5955494"/>
+                    <a:pt x="4614019" y="6006103"/>
+                  </a:cubicBezTo>
+                  <a:cubicBezTo>
+                    <a:pt x="4514711" y="6056943"/>
+                    <a:pt x="4411971" y="6104192"/>
+                    <a:pt x="4305061" y="6144726"/>
+                  </a:cubicBezTo>
+                  <a:cubicBezTo>
+                    <a:pt x="4092223" y="6226952"/>
+                    <a:pt x="3863569" y="6282424"/>
+                    <a:pt x="3632710" y="6304196"/>
+                  </a:cubicBezTo>
+                  <a:cubicBezTo>
+                    <a:pt x="3574964" y="6309408"/>
+                    <a:pt x="3517218" y="6313345"/>
+                    <a:pt x="3459594" y="6314504"/>
+                  </a:cubicBezTo>
+                  <a:lnTo>
+                    <a:pt x="3416315" y="6315429"/>
+                  </a:lnTo>
+                  <a:cubicBezTo>
+                    <a:pt x="3401971" y="6315546"/>
+                    <a:pt x="3387505" y="6315198"/>
+                    <a:pt x="3373159" y="6315198"/>
+                  </a:cubicBezTo>
+                  <a:lnTo>
+                    <a:pt x="3330127" y="6314735"/>
+                  </a:lnTo>
+                  <a:lnTo>
+                    <a:pt x="3288320" y="6313230"/>
+                  </a:lnTo>
+                  <a:cubicBezTo>
+                    <a:pt x="3176996" y="6309870"/>
+                    <a:pt x="3065428" y="6301533"/>
+                    <a:pt x="2954350" y="6288098"/>
+                  </a:cubicBezTo>
+                  <a:cubicBezTo>
+                    <a:pt x="2843150" y="6275360"/>
+                    <a:pt x="2732194" y="6257061"/>
+                    <a:pt x="2622466" y="6232742"/>
+                  </a:cubicBezTo>
+                  <a:cubicBezTo>
+                    <a:pt x="2512859" y="6208190"/>
+                    <a:pt x="2404110" y="6179122"/>
+                    <a:pt x="2296466" y="6146001"/>
+                  </a:cubicBezTo>
+                  <a:cubicBezTo>
+                    <a:pt x="2081544" y="6079179"/>
+                    <a:pt x="1869073" y="5996027"/>
+                    <a:pt x="1672419" y="5885197"/>
+                  </a:cubicBezTo>
+                  <a:cubicBezTo>
+                    <a:pt x="1475643" y="5774599"/>
+                    <a:pt x="1299954" y="5634353"/>
+                    <a:pt x="1146578" y="5479168"/>
+                  </a:cubicBezTo>
+                  <a:cubicBezTo>
+                    <a:pt x="1069461" y="5401692"/>
+                    <a:pt x="999333" y="5319235"/>
+                    <a:pt x="933372" y="5234810"/>
+                  </a:cubicBezTo>
+                  <a:cubicBezTo>
+                    <a:pt x="867781" y="5150038"/>
+                    <a:pt x="805375" y="5063991"/>
+                    <a:pt x="747140" y="4976091"/>
+                  </a:cubicBezTo>
+                  <a:cubicBezTo>
+                    <a:pt x="732182" y="4954319"/>
+                    <a:pt x="718082" y="4932199"/>
+                    <a:pt x="703616" y="4910196"/>
+                  </a:cubicBezTo>
+                  <a:lnTo>
+                    <a:pt x="662053" y="4846269"/>
+                  </a:lnTo>
+                  <a:cubicBezTo>
+                    <a:pt x="635449" y="4804925"/>
+                    <a:pt x="607864" y="4763928"/>
+                    <a:pt x="580033" y="4722352"/>
+                  </a:cubicBezTo>
+                  <a:lnTo>
+                    <a:pt x="410105" y="4469193"/>
+                  </a:lnTo>
+                  <a:cubicBezTo>
+                    <a:pt x="353095" y="4382915"/>
+                    <a:pt x="296820" y="4294089"/>
+                    <a:pt x="244224" y="4201556"/>
+                  </a:cubicBezTo>
+                  <a:cubicBezTo>
+                    <a:pt x="217987" y="4155232"/>
+                    <a:pt x="192609" y="4108098"/>
+                    <a:pt x="169437" y="4059690"/>
+                  </a:cubicBezTo>
+                  <a:cubicBezTo>
+                    <a:pt x="146388" y="4011165"/>
+                    <a:pt x="124932" y="3961715"/>
+                    <a:pt x="105929" y="3911221"/>
+                  </a:cubicBezTo>
+                  <a:cubicBezTo>
+                    <a:pt x="87293" y="3860613"/>
+                    <a:pt x="70742" y="3809309"/>
+                    <a:pt x="57256" y="3757195"/>
+                  </a:cubicBezTo>
+                  <a:cubicBezTo>
+                    <a:pt x="50881" y="3731138"/>
+                    <a:pt x="44383" y="3704965"/>
+                    <a:pt x="39111" y="3678677"/>
+                  </a:cubicBezTo>
+                  <a:lnTo>
+                    <a:pt x="31142" y="3639300"/>
+                  </a:lnTo>
+                  <a:lnTo>
+                    <a:pt x="24521" y="3599809"/>
+                  </a:lnTo>
+                  <a:cubicBezTo>
+                    <a:pt x="7234" y="3494423"/>
+                    <a:pt x="0" y="3388457"/>
+                    <a:pt x="0" y="3283418"/>
+                  </a:cubicBezTo>
+                  <a:cubicBezTo>
+                    <a:pt x="491" y="3076698"/>
+                    <a:pt x="23418" y="2869978"/>
+                    <a:pt x="68045" y="2666963"/>
+                  </a:cubicBezTo>
+                  <a:cubicBezTo>
+                    <a:pt x="112550" y="2464064"/>
+                    <a:pt x="180717" y="2265104"/>
+                    <a:pt x="272546" y="2076334"/>
+                  </a:cubicBezTo>
+                  <a:cubicBezTo>
+                    <a:pt x="457062" y="1698794"/>
+                    <a:pt x="724457" y="1360978"/>
+                    <a:pt x="1039300" y="1073307"/>
+                  </a:cubicBezTo>
+                  <a:cubicBezTo>
+                    <a:pt x="1197090" y="929472"/>
+                    <a:pt x="1367630" y="798259"/>
+                    <a:pt x="1547733" y="680365"/>
+                  </a:cubicBezTo>
+                  <a:cubicBezTo>
+                    <a:pt x="1728081" y="562587"/>
+                    <a:pt x="1917870" y="457663"/>
+                    <a:pt x="2115995" y="368373"/>
+                  </a:cubicBezTo>
+                  <a:cubicBezTo>
+                    <a:pt x="2512737" y="191070"/>
+                    <a:pt x="2939883" y="73870"/>
+                    <a:pt x="3377451" y="24304"/>
+                  </a:cubicBezTo>
+                  <a:cubicBezTo>
+                    <a:pt x="3486812" y="12086"/>
+                    <a:pt x="3596971" y="4500"/>
+                    <a:pt x="3707237" y="1489"/>
+                  </a:cubicBezTo>
+                  <a:close/>
+                </a:path>
+              </a:pathLst>
+            </a:custGeom>
+            <a:gradFill>
+              <a:gsLst>
+                <a:gs pos="2000">
+                  <a:schemeClr val="bg1">
+                    <a:alpha val="10000"/>
+                  </a:schemeClr>
+                </a:gs>
+                <a:gs pos="16000">
+                  <a:schemeClr val="accent6">
+                    <a:alpha val="10000"/>
+                  </a:schemeClr>
+                </a:gs>
+                <a:gs pos="100000">
+                  <a:schemeClr val="bg1">
+                    <a:alpha val="10000"/>
+                  </a:schemeClr>
+                </a:gs>
+                <a:gs pos="85000">
+                  <a:schemeClr val="accent1">
+                    <a:alpha val="10000"/>
+                  </a:schemeClr>
+                </a:gs>
+              </a:gsLst>
+              <a:lin ang="12000000" scaled="0"/>
+            </a:gradFill>
+            <a:ln>
+              <a:noFill/>
+            </a:ln>
+          </p:spPr>
+          <p:style>
+            <a:lnRef idx="2">
+              <a:schemeClr val="accent1">
+                <a:shade val="50000"/>
+              </a:schemeClr>
+            </a:lnRef>
+            <a:fillRef idx="1">
+              <a:schemeClr val="accent1"/>
+            </a:fillRef>
+            <a:effectRef idx="0">
+              <a:schemeClr val="accent1"/>
+            </a:effectRef>
+            <a:fontRef idx="minor">
+              <a:schemeClr val="lt1"/>
+            </a:fontRef>
+          </p:style>
+          <p:txBody>
+            <a:bodyPr rtlCol="0" anchor="ctr"/>
+            <a:lstStyle/>
+            <a:p>
+              <a:pPr algn="ctr"/>
+              <a:endParaRPr lang="en-US"/>
+            </a:p>
+          </p:txBody>
+        </p:sp>
+        <p:sp>
+          <p:nvSpPr>
+            <p:cNvPr id="17" name="Freeform: Shape 16">
+              <a:extLst>
+                <a:ext uri="{FF2B5EF4-FFF2-40B4-BE49-F238E27FC236}">
+                  <a16:creationId xmlns:a16="http://schemas.microsoft.com/office/drawing/2014/main" id="{EC18CE1F-9DF1-47AF-9E66-6CE348AC2334}"/>
+                </a:ext>
+                <a:ext uri="{C183D7F6-B498-43B3-948B-1728B52AA6E4}">
+                  <adec:decorative xmlns:adec="http://schemas.microsoft.com/office/drawing/2017/decorative" val="1"/>
+                </a:ext>
+              </a:extLst>
+            </p:cNvPr>
+            <p:cNvSpPr/>
+            <p:nvPr>
+              <p:extLst>
+                <p:ext uri="{386F3935-93C4-4BCD-93E2-E3B085C9AB24}">
+                  <p16:designElem xmlns:p16="http://schemas.microsoft.com/office/powerpoint/2015/main" val="1"/>
+                </p:ext>
+              </p:extLst>
+            </p:nvPr>
+          </p:nvSpPr>
+          <p:spPr>
+            <a:xfrm>
+              <a:off x="6410220" y="131729"/>
+              <a:ext cx="5769111" cy="6229400"/>
+            </a:xfrm>
+            <a:custGeom>
+              <a:avLst/>
+              <a:gdLst>
+                <a:gd name="connsiteX0" fmla="*/ 3882695 w 5769111"/>
+                <a:gd name="connsiteY0" fmla="*/ 0 h 6229400"/>
+                <a:gd name="connsiteX1" fmla="*/ 5691883 w 5769111"/>
+                <a:gd name="connsiteY1" fmla="*/ 557381 h 6229400"/>
+                <a:gd name="connsiteX2" fmla="*/ 5769111 w 5769111"/>
+                <a:gd name="connsiteY2" fmla="*/ 620523 h 6229400"/>
+                <a:gd name="connsiteX3" fmla="*/ 5769111 w 5769111"/>
+                <a:gd name="connsiteY3" fmla="*/ 1464911 h 6229400"/>
+                <a:gd name="connsiteX4" fmla="*/ 5660063 w 5769111"/>
+                <a:gd name="connsiteY4" fmla="*/ 1328105 h 6229400"/>
+                <a:gd name="connsiteX5" fmla="*/ 4910471 w 5769111"/>
+                <a:gd name="connsiteY5" fmla="*/ 781599 h 6229400"/>
+                <a:gd name="connsiteX6" fmla="*/ 3882695 w 5769111"/>
+                <a:gd name="connsiteY6" fmla="*/ 579048 h 6229400"/>
+                <a:gd name="connsiteX7" fmla="*/ 2683153 w 5769111"/>
+                <a:gd name="connsiteY7" fmla="*/ 797003 h 6229400"/>
+                <a:gd name="connsiteX8" fmla="*/ 1617493 w 5769111"/>
+                <a:gd name="connsiteY8" fmla="*/ 1395738 h 6229400"/>
+                <a:gd name="connsiteX9" fmla="*/ 880408 w 5769111"/>
+                <a:gd name="connsiteY9" fmla="*/ 2259099 h 6229400"/>
+                <a:gd name="connsiteX10" fmla="*/ 613135 w 5769111"/>
+                <a:gd name="connsiteY10" fmla="*/ 3263863 h 6229400"/>
+                <a:gd name="connsiteX11" fmla="*/ 1055484 w 5769111"/>
+                <a:gd name="connsiteY11" fmla="*/ 4196825 h 6229400"/>
+                <a:gd name="connsiteX12" fmla="*/ 1278376 w 5769111"/>
+                <a:gd name="connsiteY12" fmla="*/ 4492950 h 6229400"/>
+                <a:gd name="connsiteX13" fmla="*/ 3369851 w 5769111"/>
+                <a:gd name="connsiteY13" fmla="*/ 5650468 h 6229400"/>
+                <a:gd name="connsiteX14" fmla="*/ 4957551 w 5769111"/>
+                <a:gd name="connsiteY14" fmla="*/ 4938355 h 6229400"/>
+                <a:gd name="connsiteX15" fmla="*/ 5150773 w 5769111"/>
+                <a:gd name="connsiteY15" fmla="*/ 4796950 h 6229400"/>
+                <a:gd name="connsiteX16" fmla="*/ 5747247 w 5769111"/>
+                <a:gd name="connsiteY16" fmla="*/ 4338176 h 6229400"/>
+                <a:gd name="connsiteX17" fmla="*/ 5769111 w 5769111"/>
+                <a:gd name="connsiteY17" fmla="*/ 4318497 h 6229400"/>
+                <a:gd name="connsiteX18" fmla="*/ 5769111 w 5769111"/>
+                <a:gd name="connsiteY18" fmla="*/ 5074612 h 6229400"/>
+                <a:gd name="connsiteX19" fmla="*/ 5636252 w 5769111"/>
+                <a:gd name="connsiteY19" fmla="*/ 5174208 h 6229400"/>
+                <a:gd name="connsiteX20" fmla="*/ 5334922 w 5769111"/>
+                <a:gd name="connsiteY20" fmla="*/ 5394528 h 6229400"/>
+                <a:gd name="connsiteX21" fmla="*/ 3369727 w 5769111"/>
+                <a:gd name="connsiteY21" fmla="*/ 6229400 h 6229400"/>
+                <a:gd name="connsiteX22" fmla="*/ 771046 w 5769111"/>
+                <a:gd name="connsiteY22" fmla="*/ 4817913 h 6229400"/>
+                <a:gd name="connsiteX23" fmla="*/ 0 w 5769111"/>
+                <a:gd name="connsiteY23" fmla="*/ 3263748 h 6229400"/>
+                <a:gd name="connsiteX24" fmla="*/ 3882695 w 5769111"/>
+                <a:gd name="connsiteY24" fmla="*/ 0 h 6229400"/>
+              </a:gdLst>
+              <a:ahLst/>
+              <a:cxnLst>
+                <a:cxn ang="0">
+                  <a:pos x="connsiteX0" y="connsiteY0"/>
+                </a:cxn>
+                <a:cxn ang="0">
+                  <a:pos x="connsiteX1" y="connsiteY1"/>
+                </a:cxn>
+                <a:cxn ang="0">
+                  <a:pos x="connsiteX2" y="connsiteY2"/>
+                </a:cxn>
+                <a:cxn ang="0">
+                  <a:pos x="connsiteX3" y="connsiteY3"/>
+                </a:cxn>
+                <a:cxn ang="0">
+                  <a:pos x="connsiteX4" y="connsiteY4"/>
+                </a:cxn>
+                <a:cxn ang="0">
+                  <a:pos x="connsiteX5" y="connsiteY5"/>
+                </a:cxn>
+                <a:cxn ang="0">
+                  <a:pos x="connsiteX6" y="connsiteY6"/>
+                </a:cxn>
+                <a:cxn ang="0">
+                  <a:pos x="connsiteX7" y="connsiteY7"/>
+                </a:cxn>
+                <a:cxn ang="0">
+                  <a:pos x="connsiteX8" y="connsiteY8"/>
+                </a:cxn>
+                <a:cxn ang="0">
+                  <a:pos x="connsiteX9" y="connsiteY9"/>
+                </a:cxn>
+                <a:cxn ang="0">
+                  <a:pos x="connsiteX10" y="connsiteY10"/>
+                </a:cxn>
+                <a:cxn ang="0">
+                  <a:pos x="connsiteX11" y="connsiteY11"/>
+                </a:cxn>
+                <a:cxn ang="0">
+                  <a:pos x="connsiteX12" y="connsiteY12"/>
+                </a:cxn>
+                <a:cxn ang="0">
+                  <a:pos x="connsiteX13" y="connsiteY13"/>
+                </a:cxn>
+                <a:cxn ang="0">
+                  <a:pos x="connsiteX14" y="connsiteY14"/>
+                </a:cxn>
+                <a:cxn ang="0">
+                  <a:pos x="connsiteX15" y="connsiteY15"/>
+                </a:cxn>
+                <a:cxn ang="0">
+                  <a:pos x="connsiteX16" y="connsiteY16"/>
+                </a:cxn>
+                <a:cxn ang="0">
+                  <a:pos x="connsiteX17" y="connsiteY17"/>
+                </a:cxn>
+                <a:cxn ang="0">
+                  <a:pos x="connsiteX18" y="connsiteY18"/>
+                </a:cxn>
+                <a:cxn ang="0">
+                  <a:pos x="connsiteX19" y="connsiteY19"/>
+                </a:cxn>
+                <a:cxn ang="0">
+                  <a:pos x="connsiteX20" y="connsiteY20"/>
+                </a:cxn>
+                <a:cxn ang="0">
+                  <a:pos x="connsiteX21" y="connsiteY21"/>
+                </a:cxn>
+                <a:cxn ang="0">
+                  <a:pos x="connsiteX22" y="connsiteY22"/>
+                </a:cxn>
+                <a:cxn ang="0">
+                  <a:pos x="connsiteX23" y="connsiteY23"/>
+                </a:cxn>
+                <a:cxn ang="0">
+                  <a:pos x="connsiteX24" y="connsiteY24"/>
+                </a:cxn>
+              </a:cxnLst>
+              <a:rect l="l" t="t" r="r" b="b"/>
+              <a:pathLst>
+                <a:path w="5769111" h="6229400">
+                  <a:moveTo>
+                    <a:pt x="3882695" y="0"/>
+                  </a:moveTo>
+                  <a:cubicBezTo>
+                    <a:pt x="4601253" y="0"/>
+                    <a:pt x="5210727" y="205477"/>
+                    <a:pt x="5691883" y="557381"/>
+                  </a:cubicBezTo>
+                  <a:lnTo>
+                    <a:pt x="5769111" y="620523"/>
+                  </a:lnTo>
+                  <a:lnTo>
+                    <a:pt x="5769111" y="1464911"/>
+                  </a:lnTo>
+                  <a:lnTo>
+                    <a:pt x="5660063" y="1328105"/>
+                  </a:lnTo>
+                  <a:cubicBezTo>
+                    <a:pt x="5449800" y="1091506"/>
+                    <a:pt x="5197607" y="907600"/>
+                    <a:pt x="4910471" y="781599"/>
+                  </a:cubicBezTo>
+                  <a:cubicBezTo>
+                    <a:pt x="4604088" y="647260"/>
+                    <a:pt x="4258349" y="579048"/>
+                    <a:pt x="3882695" y="579048"/>
+                  </a:cubicBezTo>
+                  <a:cubicBezTo>
+                    <a:pt x="3484238" y="579048"/>
+                    <a:pt x="3080631" y="652240"/>
+                    <a:pt x="2683153" y="797003"/>
+                  </a:cubicBezTo>
+                  <a:cubicBezTo>
+                    <a:pt x="2296098" y="937595"/>
+                    <a:pt x="1927678" y="1144662"/>
+                    <a:pt x="1617493" y="1395738"/>
+                  </a:cubicBezTo>
+                  <a:cubicBezTo>
+                    <a:pt x="1301915" y="1651098"/>
+                    <a:pt x="1053890" y="1941665"/>
+                    <a:pt x="880408" y="2259099"/>
+                  </a:cubicBezTo>
+                  <a:cubicBezTo>
+                    <a:pt x="703125" y="2583597"/>
+                    <a:pt x="613135" y="2921645"/>
+                    <a:pt x="613135" y="3263863"/>
+                  </a:cubicBezTo>
+                  <a:cubicBezTo>
+                    <a:pt x="613135" y="3608512"/>
+                    <a:pt x="756702" y="3809789"/>
+                    <a:pt x="1055484" y="4196825"/>
+                  </a:cubicBezTo>
+                  <a:cubicBezTo>
+                    <a:pt x="1127574" y="4290167"/>
+                    <a:pt x="1202116" y="4386753"/>
+                    <a:pt x="1278376" y="4492950"/>
+                  </a:cubicBezTo>
+                  <a:cubicBezTo>
+                    <a:pt x="1861105" y="5304313"/>
+                    <a:pt x="2486623" y="5650468"/>
+                    <a:pt x="3369851" y="5650468"/>
+                  </a:cubicBezTo>
+                  <a:cubicBezTo>
+                    <a:pt x="3949515" y="5650468"/>
+                    <a:pt x="4374822" y="5368471"/>
+                    <a:pt x="4957551" y="4938355"/>
+                  </a:cubicBezTo>
+                  <a:cubicBezTo>
+                    <a:pt x="5022653" y="4890293"/>
+                    <a:pt x="5087755" y="4842811"/>
+                    <a:pt x="5150773" y="4796950"/>
+                  </a:cubicBezTo>
+                  <a:cubicBezTo>
+                    <a:pt x="5364254" y="4641404"/>
+                    <a:pt x="5570313" y="4491241"/>
+                    <a:pt x="5747247" y="4338176"/>
+                  </a:cubicBezTo>
+                  <a:lnTo>
+                    <a:pt x="5769111" y="4318497"/>
+                  </a:lnTo>
+                  <a:lnTo>
+                    <a:pt x="5769111" y="5074612"/>
+                  </a:lnTo>
+                  <a:lnTo>
+                    <a:pt x="5636252" y="5174208"/>
+                  </a:lnTo>
+                  <a:cubicBezTo>
+                    <a:pt x="5537051" y="5246835"/>
+                    <a:pt x="5436100" y="5319845"/>
+                    <a:pt x="5334922" y="5394528"/>
+                  </a:cubicBezTo>
+                  <a:cubicBezTo>
+                    <a:pt x="4745327" y="5829741"/>
+                    <a:pt x="4177309" y="6229400"/>
+                    <a:pt x="3369727" y="6229400"/>
+                  </a:cubicBezTo>
+                  <a:cubicBezTo>
+                    <a:pt x="2172147" y="6229400"/>
+                    <a:pt x="1394603" y="5686137"/>
+                    <a:pt x="771046" y="4817913"/>
+                  </a:cubicBezTo>
+                  <a:cubicBezTo>
+                    <a:pt x="396864" y="4297000"/>
+                    <a:pt x="0" y="3939728"/>
+                    <a:pt x="0" y="3263748"/>
+                  </a:cubicBezTo>
+                  <a:cubicBezTo>
+                    <a:pt x="0" y="1461170"/>
+                    <a:pt x="1955141" y="0"/>
+                    <a:pt x="3882695" y="0"/>
+                  </a:cubicBezTo>
+                  <a:close/>
+                </a:path>
+              </a:pathLst>
+            </a:custGeom>
+            <a:gradFill>
+              <a:gsLst>
+                <a:gs pos="2000">
+                  <a:schemeClr val="bg1">
+                    <a:alpha val="10000"/>
+                  </a:schemeClr>
+                </a:gs>
+                <a:gs pos="16000">
+                  <a:schemeClr val="accent6">
+                    <a:alpha val="10000"/>
+                  </a:schemeClr>
+                </a:gs>
+                <a:gs pos="100000">
+                  <a:schemeClr val="bg1">
+                    <a:alpha val="10000"/>
+                  </a:schemeClr>
+                </a:gs>
+                <a:gs pos="85000">
+                  <a:schemeClr val="accent1">
+                    <a:alpha val="10000"/>
+                  </a:schemeClr>
+                </a:gs>
+              </a:gsLst>
+              <a:lin ang="12000000" scaled="0"/>
+            </a:gradFill>
+            <a:ln>
+              <a:noFill/>
+            </a:ln>
+          </p:spPr>
+          <p:style>
+            <a:lnRef idx="2">
+              <a:schemeClr val="accent1">
+                <a:shade val="50000"/>
+              </a:schemeClr>
+            </a:lnRef>
+            <a:fillRef idx="1">
+              <a:schemeClr val="accent1"/>
+            </a:fillRef>
+            <a:effectRef idx="0">
+              <a:schemeClr val="accent1"/>
+            </a:effectRef>
+            <a:fontRef idx="minor">
+              <a:schemeClr val="lt1"/>
+            </a:fontRef>
+          </p:style>
+          <p:txBody>
+            <a:bodyPr rtlCol="0" anchor="ctr"/>
+            <a:lstStyle/>
+            <a:p>
+              <a:pPr algn="ctr"/>
+              <a:endParaRPr lang="en-US"/>
+            </a:p>
+          </p:txBody>
+        </p:sp>
+        <p:sp>
+          <p:nvSpPr>
+            <p:cNvPr id="18" name="Freeform: Shape 17">
+              <a:extLst>
+                <a:ext uri="{FF2B5EF4-FFF2-40B4-BE49-F238E27FC236}">
+                  <a16:creationId xmlns:a16="http://schemas.microsoft.com/office/drawing/2014/main" id="{5BD26A8C-8D1D-41E6-A71E-FE9AC75F3F8A}"/>
+                </a:ext>
+                <a:ext uri="{C183D7F6-B498-43B3-948B-1728B52AA6E4}">
+                  <adec:decorative xmlns:adec="http://schemas.microsoft.com/office/drawing/2017/decorative" val="1"/>
+                </a:ext>
+              </a:extLst>
+            </p:cNvPr>
+            <p:cNvSpPr/>
+            <p:nvPr>
+              <p:extLst>
+                <p:ext uri="{386F3935-93C4-4BCD-93E2-E3B085C9AB24}">
+                  <p16:designElem xmlns:p16="http://schemas.microsoft.com/office/powerpoint/2015/main" val="1"/>
+                </p:ext>
+              </p:extLst>
+            </p:nvPr>
+          </p:nvSpPr>
+          <p:spPr>
+            <a:xfrm>
+              <a:off x="6410220" y="131729"/>
+              <a:ext cx="5769111" cy="6229400"/>
+            </a:xfrm>
+            <a:custGeom>
+              <a:avLst/>
+              <a:gdLst>
+                <a:gd name="connsiteX0" fmla="*/ 3882695 w 5769111"/>
+                <a:gd name="connsiteY0" fmla="*/ 0 h 6229400"/>
+                <a:gd name="connsiteX1" fmla="*/ 5691883 w 5769111"/>
+                <a:gd name="connsiteY1" fmla="*/ 557381 h 6229400"/>
+                <a:gd name="connsiteX2" fmla="*/ 5769111 w 5769111"/>
+                <a:gd name="connsiteY2" fmla="*/ 620523 h 6229400"/>
+                <a:gd name="connsiteX3" fmla="*/ 5769111 w 5769111"/>
+                <a:gd name="connsiteY3" fmla="*/ 1675390 h 6229400"/>
+                <a:gd name="connsiteX4" fmla="*/ 5711488 w 5769111"/>
+                <a:gd name="connsiteY4" fmla="*/ 1585205 h 6229400"/>
+                <a:gd name="connsiteX5" fmla="*/ 5566027 w 5769111"/>
+                <a:gd name="connsiteY5" fmla="*/ 1402571 h 6229400"/>
+                <a:gd name="connsiteX6" fmla="*/ 4858734 w 5769111"/>
+                <a:gd name="connsiteY6" fmla="*/ 886639 h 6229400"/>
+                <a:gd name="connsiteX7" fmla="*/ 3882695 w 5769111"/>
+                <a:gd name="connsiteY7" fmla="*/ 694858 h 6229400"/>
+                <a:gd name="connsiteX8" fmla="*/ 2727046 w 5769111"/>
+                <a:gd name="connsiteY8" fmla="*/ 905053 h 6229400"/>
+                <a:gd name="connsiteX9" fmla="*/ 1697186 w 5769111"/>
+                <a:gd name="connsiteY9" fmla="*/ 1483638 h 6229400"/>
+                <a:gd name="connsiteX10" fmla="*/ 989279 w 5769111"/>
+                <a:gd name="connsiteY10" fmla="*/ 2312139 h 6229400"/>
+                <a:gd name="connsiteX11" fmla="*/ 735615 w 5769111"/>
+                <a:gd name="connsiteY11" fmla="*/ 3263863 h 6229400"/>
+                <a:gd name="connsiteX12" fmla="*/ 1154424 w 5769111"/>
+                <a:gd name="connsiteY12" fmla="*/ 4128614 h 6229400"/>
+                <a:gd name="connsiteX13" fmla="*/ 1379768 w 5769111"/>
+                <a:gd name="connsiteY13" fmla="*/ 4427981 h 6229400"/>
+                <a:gd name="connsiteX14" fmla="*/ 2239456 w 5769111"/>
+                <a:gd name="connsiteY14" fmla="*/ 5256947 h 6229400"/>
+                <a:gd name="connsiteX15" fmla="*/ 3369727 w 5769111"/>
+                <a:gd name="connsiteY15" fmla="*/ 5534658 h 6229400"/>
+                <a:gd name="connsiteX16" fmla="*/ 4096760 w 5769111"/>
+                <a:gd name="connsiteY16" fmla="*/ 5357817 h 6229400"/>
+                <a:gd name="connsiteX17" fmla="*/ 4881905 w 5769111"/>
+                <a:gd name="connsiteY17" fmla="*/ 4847212 h 6229400"/>
+                <a:gd name="connsiteX18" fmla="*/ 5075739 w 5769111"/>
+                <a:gd name="connsiteY18" fmla="*/ 4705346 h 6229400"/>
+                <a:gd name="connsiteX19" fmla="*/ 5759930 w 5769111"/>
+                <a:gd name="connsiteY19" fmla="*/ 4166809 h 6229400"/>
+                <a:gd name="connsiteX20" fmla="*/ 5769111 w 5769111"/>
+                <a:gd name="connsiteY20" fmla="*/ 4157764 h 6229400"/>
+                <a:gd name="connsiteX21" fmla="*/ 5769111 w 5769111"/>
+                <a:gd name="connsiteY21" fmla="*/ 5074612 h 6229400"/>
+                <a:gd name="connsiteX22" fmla="*/ 5636252 w 5769111"/>
+                <a:gd name="connsiteY22" fmla="*/ 5174208 h 6229400"/>
+                <a:gd name="connsiteX23" fmla="*/ 5334922 w 5769111"/>
+                <a:gd name="connsiteY23" fmla="*/ 5394528 h 6229400"/>
+                <a:gd name="connsiteX24" fmla="*/ 3369727 w 5769111"/>
+                <a:gd name="connsiteY24" fmla="*/ 6229400 h 6229400"/>
+                <a:gd name="connsiteX25" fmla="*/ 771046 w 5769111"/>
+                <a:gd name="connsiteY25" fmla="*/ 4817913 h 6229400"/>
+                <a:gd name="connsiteX26" fmla="*/ 0 w 5769111"/>
+                <a:gd name="connsiteY26" fmla="*/ 3263748 h 6229400"/>
+                <a:gd name="connsiteX27" fmla="*/ 3882695 w 5769111"/>
+                <a:gd name="connsiteY27" fmla="*/ 0 h 6229400"/>
+              </a:gdLst>
+              <a:ahLst/>
+              <a:cxnLst>
+                <a:cxn ang="0">
+                  <a:pos x="connsiteX0" y="connsiteY0"/>
+                </a:cxn>
+                <a:cxn ang="0">
+                  <a:pos x="connsiteX1" y="connsiteY1"/>
+                </a:cxn>
+                <a:cxn ang="0">
+                  <a:pos x="connsiteX2" y="connsiteY2"/>
+                </a:cxn>
+                <a:cxn ang="0">
+                  <a:pos x="connsiteX3" y="connsiteY3"/>
+                </a:cxn>
+                <a:cxn ang="0">
+                  <a:pos x="connsiteX4" y="connsiteY4"/>
+                </a:cxn>
+                <a:cxn ang="0">
+                  <a:pos x="connsiteX5" y="connsiteY5"/>
+                </a:cxn>
+                <a:cxn ang="0">
+                  <a:pos x="connsiteX6" y="connsiteY6"/>
+                </a:cxn>
+                <a:cxn ang="0">
+                  <a:pos x="connsiteX7" y="connsiteY7"/>
+                </a:cxn>
+                <a:cxn ang="0">
+                  <a:pos x="connsiteX8" y="connsiteY8"/>
+                </a:cxn>
+                <a:cxn ang="0">
+                  <a:pos x="connsiteX9" y="connsiteY9"/>
+                </a:cxn>
+                <a:cxn ang="0">
+                  <a:pos x="connsiteX10" y="connsiteY10"/>
+                </a:cxn>
+                <a:cxn ang="0">
+                  <a:pos x="connsiteX11" y="connsiteY11"/>
+                </a:cxn>
+                <a:cxn ang="0">
+                  <a:pos x="connsiteX12" y="connsiteY12"/>
+                </a:cxn>
+                <a:cxn ang="0">
+                  <a:pos x="connsiteX13" y="connsiteY13"/>
+                </a:cxn>
+                <a:cxn ang="0">
+                  <a:pos x="connsiteX14" y="connsiteY14"/>
+                </a:cxn>
+                <a:cxn ang="0">
+                  <a:pos x="connsiteX15" y="connsiteY15"/>
+                </a:cxn>
+                <a:cxn ang="0">
+                  <a:pos x="connsiteX16" y="connsiteY16"/>
+                </a:cxn>
+                <a:cxn ang="0">
+                  <a:pos x="connsiteX17" y="connsiteY17"/>
+                </a:cxn>
+                <a:cxn ang="0">
+                  <a:pos x="connsiteX18" y="connsiteY18"/>
+                </a:cxn>
+                <a:cxn ang="0">
+                  <a:pos x="connsiteX19" y="connsiteY19"/>
+                </a:cxn>
+                <a:cxn ang="0">
+                  <a:pos x="connsiteX20" y="connsiteY20"/>
+                </a:cxn>
+                <a:cxn ang="0">
+                  <a:pos x="connsiteX21" y="connsiteY21"/>
+                </a:cxn>
+                <a:cxn ang="0">
+                  <a:pos x="connsiteX22" y="connsiteY22"/>
+                </a:cxn>
+                <a:cxn ang="0">
+                  <a:pos x="connsiteX23" y="connsiteY23"/>
+                </a:cxn>
+                <a:cxn ang="0">
+                  <a:pos x="connsiteX24" y="connsiteY24"/>
+                </a:cxn>
+                <a:cxn ang="0">
+                  <a:pos x="connsiteX25" y="connsiteY25"/>
+                </a:cxn>
+                <a:cxn ang="0">
+                  <a:pos x="connsiteX26" y="connsiteY26"/>
+                </a:cxn>
+                <a:cxn ang="0">
+                  <a:pos x="connsiteX27" y="connsiteY27"/>
+                </a:cxn>
+              </a:cxnLst>
+              <a:rect l="l" t="t" r="r" b="b"/>
+              <a:pathLst>
+                <a:path w="5769111" h="6229400">
+                  <a:moveTo>
+                    <a:pt x="3882695" y="0"/>
+                  </a:moveTo>
+                  <a:cubicBezTo>
+                    <a:pt x="4601253" y="0"/>
+                    <a:pt x="5210727" y="205477"/>
+                    <a:pt x="5691883" y="557381"/>
+                  </a:cubicBezTo>
+                  <a:lnTo>
+                    <a:pt x="5769111" y="620523"/>
+                  </a:lnTo>
+                  <a:lnTo>
+                    <a:pt x="5769111" y="1675390"/>
+                  </a:lnTo>
+                  <a:lnTo>
+                    <a:pt x="5711488" y="1585205"/>
+                  </a:lnTo>
+                  <a:cubicBezTo>
+                    <a:pt x="5665942" y="1521390"/>
+                    <a:pt x="5617428" y="1460432"/>
+                    <a:pt x="5566027" y="1402571"/>
+                  </a:cubicBezTo>
+                  <a:cubicBezTo>
+                    <a:pt x="5367411" y="1179058"/>
+                    <a:pt x="5129563" y="1005460"/>
+                    <a:pt x="4858734" y="886639"/>
+                  </a:cubicBezTo>
+                  <a:cubicBezTo>
+                    <a:pt x="4568779" y="759363"/>
+                    <a:pt x="4240327" y="694858"/>
+                    <a:pt x="3882695" y="694858"/>
+                  </a:cubicBezTo>
+                  <a:cubicBezTo>
+                    <a:pt x="3504835" y="694858"/>
+                    <a:pt x="3105151" y="767471"/>
+                    <a:pt x="2727046" y="905053"/>
+                  </a:cubicBezTo>
+                  <a:cubicBezTo>
+                    <a:pt x="2352985" y="1041013"/>
+                    <a:pt x="1996826" y="1241132"/>
+                    <a:pt x="1697186" y="1483638"/>
+                  </a:cubicBezTo>
+                  <a:cubicBezTo>
+                    <a:pt x="1397913" y="1725796"/>
+                    <a:pt x="1153199" y="2012308"/>
+                    <a:pt x="989279" y="2312139"/>
+                  </a:cubicBezTo>
+                  <a:cubicBezTo>
+                    <a:pt x="820946" y="2620077"/>
+                    <a:pt x="735615" y="2940290"/>
+                    <a:pt x="735615" y="3263863"/>
+                  </a:cubicBezTo>
+                  <a:cubicBezTo>
+                    <a:pt x="735615" y="3573074"/>
+                    <a:pt x="863980" y="3752464"/>
+                    <a:pt x="1154424" y="4128614"/>
+                  </a:cubicBezTo>
+                  <a:cubicBezTo>
+                    <a:pt x="1227127" y="4222767"/>
+                    <a:pt x="1302282" y="4320162"/>
+                    <a:pt x="1379768" y="4427981"/>
+                  </a:cubicBezTo>
+                  <a:cubicBezTo>
+                    <a:pt x="1653784" y="4809458"/>
+                    <a:pt x="1934912" y="5080685"/>
+                    <a:pt x="2239456" y="5256947"/>
+                  </a:cubicBezTo>
+                  <a:cubicBezTo>
+                    <a:pt x="2562268" y="5443863"/>
+                    <a:pt x="2932037" y="5534658"/>
+                    <a:pt x="3369727" y="5534658"/>
+                  </a:cubicBezTo>
+                  <a:cubicBezTo>
+                    <a:pt x="3618120" y="5534658"/>
+                    <a:pt x="3849103" y="5478491"/>
+                    <a:pt x="4096760" y="5357817"/>
+                  </a:cubicBezTo>
+                  <a:cubicBezTo>
+                    <a:pt x="4351037" y="5233901"/>
+                    <a:pt x="4602740" y="5053238"/>
+                    <a:pt x="4881905" y="4847212"/>
+                  </a:cubicBezTo>
+                  <a:cubicBezTo>
+                    <a:pt x="4947375" y="4798920"/>
+                    <a:pt x="5012599" y="4751322"/>
+                    <a:pt x="5075739" y="4705346"/>
+                  </a:cubicBezTo>
+                  <a:cubicBezTo>
+                    <a:pt x="5327320" y="4521990"/>
+                    <a:pt x="5568418" y="4346256"/>
+                    <a:pt x="5759930" y="4166809"/>
+                  </a:cubicBezTo>
+                  <a:lnTo>
+                    <a:pt x="5769111" y="4157764"/>
+                  </a:lnTo>
+                  <a:lnTo>
+                    <a:pt x="5769111" y="5074612"/>
+                  </a:lnTo>
+                  <a:lnTo>
+                    <a:pt x="5636252" y="5174208"/>
+                  </a:lnTo>
+                  <a:cubicBezTo>
+                    <a:pt x="5537051" y="5246835"/>
+                    <a:pt x="5436100" y="5319845"/>
+                    <a:pt x="5334922" y="5394528"/>
+                  </a:cubicBezTo>
+                  <a:cubicBezTo>
+                    <a:pt x="4745327" y="5829741"/>
+                    <a:pt x="4177309" y="6229400"/>
+                    <a:pt x="3369727" y="6229400"/>
+                  </a:cubicBezTo>
+                  <a:cubicBezTo>
+                    <a:pt x="2172147" y="6229400"/>
+                    <a:pt x="1394603" y="5686137"/>
+                    <a:pt x="771046" y="4817913"/>
+                  </a:cubicBezTo>
+                  <a:cubicBezTo>
+                    <a:pt x="396864" y="4297000"/>
+                    <a:pt x="0" y="3939728"/>
+                    <a:pt x="0" y="3263748"/>
+                  </a:cubicBezTo>
+                  <a:cubicBezTo>
+                    <a:pt x="0" y="1461170"/>
+                    <a:pt x="1955141" y="0"/>
+                    <a:pt x="3882695" y="0"/>
+                  </a:cubicBezTo>
+                  <a:close/>
+                </a:path>
+              </a:pathLst>
+            </a:custGeom>
+            <a:gradFill>
+              <a:gsLst>
+                <a:gs pos="2000">
+                  <a:schemeClr val="bg1">
+                    <a:alpha val="10000"/>
+                  </a:schemeClr>
+                </a:gs>
+                <a:gs pos="16000">
+                  <a:schemeClr val="accent6">
+                    <a:alpha val="10000"/>
+                  </a:schemeClr>
+                </a:gs>
+                <a:gs pos="100000">
+                  <a:schemeClr val="bg1">
+                    <a:alpha val="10000"/>
+                  </a:schemeClr>
+                </a:gs>
+                <a:gs pos="85000">
+                  <a:schemeClr val="accent1">
+                    <a:alpha val="10000"/>
+                  </a:schemeClr>
+                </a:gs>
+              </a:gsLst>
+              <a:lin ang="12000000" scaled="0"/>
+            </a:gradFill>
+            <a:ln>
+              <a:noFill/>
+            </a:ln>
+          </p:spPr>
+          <p:style>
+            <a:lnRef idx="2">
+              <a:schemeClr val="accent1">
+                <a:shade val="50000"/>
+              </a:schemeClr>
+            </a:lnRef>
+            <a:fillRef idx="1">
+              <a:schemeClr val="accent1"/>
+            </a:fillRef>
+            <a:effectRef idx="0">
+              <a:schemeClr val="accent1"/>
+            </a:effectRef>
+            <a:fontRef idx="minor">
+              <a:schemeClr val="lt1"/>
+            </a:fontRef>
+          </p:style>
+          <p:txBody>
+            <a:bodyPr rtlCol="0" anchor="ctr"/>
+            <a:lstStyle/>
+            <a:p>
+              <a:pPr algn="ctr"/>
+              <a:endParaRPr lang="en-US"/>
+            </a:p>
+          </p:txBody>
+        </p:sp>
+      </p:grpSp>
+      <p:pic>
+        <p:nvPicPr>
+          <p:cNvPr id="7" name="Graphic 6" descr="Board Room">
+            <a:extLst>
+              <a:ext uri="{FF2B5EF4-FFF2-40B4-BE49-F238E27FC236}">
+                <a16:creationId xmlns:a16="http://schemas.microsoft.com/office/drawing/2014/main" id="{CB153D43-9022-4E51-82F0-98D5DD15A0F5}"/>
+              </a:ext>
+            </a:extLst>
+          </p:cNvPr>
+          <p:cNvPicPr>
+            <a:picLocks noChangeAspect="1"/>
+          </p:cNvPicPr>
+          <p:nvPr/>
+        </p:nvPicPr>
+        <p:blipFill>
+          <a:blip r:embed="rId2">
+            <a:extLst>
+              <a:ext uri="{28A0092B-C50C-407E-A947-70E740481C1C}">
+                <a14:useLocalDpi xmlns:a14="http://schemas.microsoft.com/office/drawing/2010/main" val="0"/>
+              </a:ext>
+              <a:ext uri="{96DAC541-7B7A-43D3-8B79-37D633B846F1}">
+                <asvg:svgBlip xmlns:asvg="http://schemas.microsoft.com/office/drawing/2016/SVG/main" r:embed="rId3"/>
+              </a:ext>
+            </a:extLst>
+          </a:blip>
+          <a:stretch>
+            <a:fillRect/>
+          </a:stretch>
+        </p:blipFill>
+        <p:spPr>
+          <a:xfrm>
+            <a:off x="8121726" y="1629089"/>
+            <a:ext cx="3620021" cy="3620021"/>
+          </a:xfrm>
+          <a:prstGeom prst="rect">
+            <a:avLst/>
+          </a:prstGeom>
+        </p:spPr>
+      </p:pic>
     </p:spTree>
     <p:extLst>
       <p:ext uri="{BB962C8B-B14F-4D97-AF65-F5344CB8AC3E}">
-        <p14:creationId xmlns:p14="http://schemas.microsoft.com/office/powerpoint/2010/main" val="3921397009"/>
+        <p14:creationId xmlns:p14="http://schemas.microsoft.com/office/powerpoint/2010/main" val="756732069"/>
       </p:ext>
     </p:extLst>
   </p:cSld>
@@ -28966,6 +28952,14 @@
 <file path=ppt/slides/slide8.xml><?xml version="1.0" encoding="utf-8"?>
 <p:sld xmlns:a="http://schemas.openxmlformats.org/drawingml/2006/main" xmlns:r="http://schemas.openxmlformats.org/officeDocument/2006/relationships" xmlns:p="http://schemas.openxmlformats.org/presentationml/2006/main">
   <p:cSld>
+    <p:bg>
+      <p:bgPr>
+        <a:solidFill>
+          <a:schemeClr val="bg1"/>
+        </a:solidFill>
+        <a:effectLst/>
+      </p:bgPr>
+    </p:bg>
     <p:spTree>
       <p:nvGrpSpPr>
         <p:cNvPr id="1" name=""/>
@@ -28980,6 +28974,66 @@
           <a:chExt cx="0" cy="0"/>
         </a:xfrm>
       </p:grpSpPr>
+      <p:sp useBgFill="1">
+        <p:nvSpPr>
+          <p:cNvPr id="10" name="Rectangle 9">
+            <a:extLst>
+              <a:ext uri="{FF2B5EF4-FFF2-40B4-BE49-F238E27FC236}">
+                <a16:creationId xmlns:a16="http://schemas.microsoft.com/office/drawing/2014/main" id="{32AEEBC8-9D30-42EF-95F2-386C2653FBF0}"/>
+              </a:ext>
+              <a:ext uri="{C183D7F6-B498-43B3-948B-1728B52AA6E4}">
+                <adec:decorative xmlns:adec="http://schemas.microsoft.com/office/drawing/2017/decorative" val="1"/>
+              </a:ext>
+            </a:extLst>
+          </p:cNvPr>
+          <p:cNvSpPr>
+            <a:spLocks noGrp="1" noRot="1" noChangeAspect="1" noMove="1" noResize="1" noEditPoints="1" noAdjustHandles="1" noChangeArrowheads="1" noChangeShapeType="1" noTextEdit="1"/>
+          </p:cNvSpPr>
+          <p:nvPr>
+            <p:extLst>
+              <p:ext uri="{386F3935-93C4-4BCD-93E2-E3B085C9AB24}">
+                <p16:designElem xmlns:p16="http://schemas.microsoft.com/office/powerpoint/2015/main" val="1"/>
+              </p:ext>
+            </p:extLst>
+          </p:nvPr>
+        </p:nvSpPr>
+        <p:spPr>
+          <a:xfrm>
+            <a:off x="0" y="0"/>
+            <a:ext cx="12192000" cy="6858000"/>
+          </a:xfrm>
+          <a:prstGeom prst="rect">
+            <a:avLst/>
+          </a:prstGeom>
+          <a:ln>
+            <a:noFill/>
+          </a:ln>
+        </p:spPr>
+        <p:style>
+          <a:lnRef idx="2">
+            <a:schemeClr val="accent1">
+              <a:shade val="50000"/>
+            </a:schemeClr>
+          </a:lnRef>
+          <a:fillRef idx="1">
+            <a:schemeClr val="accent1"/>
+          </a:fillRef>
+          <a:effectRef idx="0">
+            <a:schemeClr val="accent1"/>
+          </a:effectRef>
+          <a:fontRef idx="minor">
+            <a:schemeClr val="lt1"/>
+          </a:fontRef>
+        </p:style>
+        <p:txBody>
+          <a:bodyPr rtlCol="0" anchor="ctr"/>
+          <a:lstStyle/>
+          <a:p>
+            <a:pPr algn="ctr"/>
+            <a:endParaRPr lang="en-US"/>
+          </a:p>
+        </p:txBody>
+      </p:sp>
       <p:sp>
         <p:nvSpPr>
           <p:cNvPr id="2" name="Title 1">
@@ -28996,15 +29050,245 @@
             <p:ph type="title"/>
           </p:nvPr>
         </p:nvSpPr>
-        <p:spPr/>
+        <p:spPr>
+          <a:xfrm>
+            <a:off x="630936" y="502920"/>
+            <a:ext cx="3419856" cy="1463040"/>
+          </a:xfrm>
+        </p:spPr>
         <p:txBody>
-          <a:bodyPr/>
+          <a:bodyPr anchor="ctr">
+            <a:normAutofit/>
+          </a:bodyPr>
           <a:lstStyle/>
           <a:p>
             <a:r>
-              <a:rPr lang="en-US" dirty="0"/>
+              <a:rPr lang="en-US" sz="4800"/>
               <a:t>Design workshop</a:t>
             </a:r>
+          </a:p>
+        </p:txBody>
+      </p:sp>
+      <p:sp>
+        <p:nvSpPr>
+          <p:cNvPr id="12" name="sketch line">
+            <a:extLst>
+              <a:ext uri="{FF2B5EF4-FFF2-40B4-BE49-F238E27FC236}">
+                <a16:creationId xmlns:a16="http://schemas.microsoft.com/office/drawing/2014/main" id="{2E92FA66-67D7-4CB4-94D3-E643A9AD4757}"/>
+              </a:ext>
+              <a:ext uri="{C183D7F6-B498-43B3-948B-1728B52AA6E4}">
+                <adec:decorative xmlns:adec="http://schemas.microsoft.com/office/drawing/2017/decorative" val="1"/>
+              </a:ext>
+            </a:extLst>
+          </p:cNvPr>
+          <p:cNvSpPr>
+            <a:spLocks noGrp="1" noRot="1" noChangeAspect="1" noMove="1" noResize="1" noEditPoints="1" noAdjustHandles="1" noChangeArrowheads="1" noChangeShapeType="1" noTextEdit="1"/>
+          </p:cNvSpPr>
+          <p:nvPr>
+            <p:extLst>
+              <p:ext uri="{386F3935-93C4-4BCD-93E2-E3B085C9AB24}">
+                <p16:designElem xmlns:p16="http://schemas.microsoft.com/office/powerpoint/2015/main" val="1"/>
+              </p:ext>
+            </p:extLst>
+          </p:nvPr>
+        </p:nvSpPr>
+        <p:spPr>
+          <a:xfrm rot="5400000">
+            <a:off x="3566159" y="1225296"/>
+            <a:ext cx="1554480" cy="18288"/>
+          </a:xfrm>
+          <a:custGeom>
+            <a:avLst/>
+            <a:gdLst>
+              <a:gd name="connsiteX0" fmla="*/ 0 w 1554480"/>
+              <a:gd name="connsiteY0" fmla="*/ 0 h 18288"/>
+              <a:gd name="connsiteX1" fmla="*/ 549250 w 1554480"/>
+              <a:gd name="connsiteY1" fmla="*/ 0 h 18288"/>
+              <a:gd name="connsiteX2" fmla="*/ 1082954 w 1554480"/>
+              <a:gd name="connsiteY2" fmla="*/ 0 h 18288"/>
+              <a:gd name="connsiteX3" fmla="*/ 1554480 w 1554480"/>
+              <a:gd name="connsiteY3" fmla="*/ 0 h 18288"/>
+              <a:gd name="connsiteX4" fmla="*/ 1554480 w 1554480"/>
+              <a:gd name="connsiteY4" fmla="*/ 18288 h 18288"/>
+              <a:gd name="connsiteX5" fmla="*/ 1067410 w 1554480"/>
+              <a:gd name="connsiteY5" fmla="*/ 18288 h 18288"/>
+              <a:gd name="connsiteX6" fmla="*/ 549250 w 1554480"/>
+              <a:gd name="connsiteY6" fmla="*/ 18288 h 18288"/>
+              <a:gd name="connsiteX7" fmla="*/ 0 w 1554480"/>
+              <a:gd name="connsiteY7" fmla="*/ 18288 h 18288"/>
+              <a:gd name="connsiteX8" fmla="*/ 0 w 1554480"/>
+              <a:gd name="connsiteY8" fmla="*/ 0 h 18288"/>
+            </a:gdLst>
+            <a:ahLst/>
+            <a:cxnLst>
+              <a:cxn ang="0">
+                <a:pos x="connsiteX0" y="connsiteY0"/>
+              </a:cxn>
+              <a:cxn ang="0">
+                <a:pos x="connsiteX1" y="connsiteY1"/>
+              </a:cxn>
+              <a:cxn ang="0">
+                <a:pos x="connsiteX2" y="connsiteY2"/>
+              </a:cxn>
+              <a:cxn ang="0">
+                <a:pos x="connsiteX3" y="connsiteY3"/>
+              </a:cxn>
+              <a:cxn ang="0">
+                <a:pos x="connsiteX4" y="connsiteY4"/>
+              </a:cxn>
+              <a:cxn ang="0">
+                <a:pos x="connsiteX5" y="connsiteY5"/>
+              </a:cxn>
+              <a:cxn ang="0">
+                <a:pos x="connsiteX6" y="connsiteY6"/>
+              </a:cxn>
+              <a:cxn ang="0">
+                <a:pos x="connsiteX7" y="connsiteY7"/>
+              </a:cxn>
+              <a:cxn ang="0">
+                <a:pos x="connsiteX8" y="connsiteY8"/>
+              </a:cxn>
+            </a:cxnLst>
+            <a:rect l="l" t="t" r="r" b="b"/>
+            <a:pathLst>
+              <a:path w="1554480" h="18288" fill="none" extrusionOk="0">
+                <a:moveTo>
+                  <a:pt x="0" y="0"/>
+                </a:moveTo>
+                <a:cubicBezTo>
+                  <a:pt x="114141" y="-19864"/>
+                  <a:pt x="345055" y="-1657"/>
+                  <a:pt x="549250" y="0"/>
+                </a:cubicBezTo>
+                <a:cubicBezTo>
+                  <a:pt x="753445" y="1657"/>
+                  <a:pt x="862292" y="-5674"/>
+                  <a:pt x="1082954" y="0"/>
+                </a:cubicBezTo>
+                <a:cubicBezTo>
+                  <a:pt x="1303616" y="5674"/>
+                  <a:pt x="1363530" y="4537"/>
+                  <a:pt x="1554480" y="0"/>
+                </a:cubicBezTo>
+                <a:cubicBezTo>
+                  <a:pt x="1554963" y="7176"/>
+                  <a:pt x="1553909" y="13682"/>
+                  <a:pt x="1554480" y="18288"/>
+                </a:cubicBezTo>
+                <a:cubicBezTo>
+                  <a:pt x="1338847" y="6127"/>
+                  <a:pt x="1215066" y="37851"/>
+                  <a:pt x="1067410" y="18288"/>
+                </a:cubicBezTo>
+                <a:cubicBezTo>
+                  <a:pt x="919754" y="-1275"/>
+                  <a:pt x="800465" y="3080"/>
+                  <a:pt x="549250" y="18288"/>
+                </a:cubicBezTo>
+                <a:cubicBezTo>
+                  <a:pt x="298035" y="33496"/>
+                  <a:pt x="158868" y="22769"/>
+                  <a:pt x="0" y="18288"/>
+                </a:cubicBezTo>
+                <a:cubicBezTo>
+                  <a:pt x="-655" y="13237"/>
+                  <a:pt x="709" y="4645"/>
+                  <a:pt x="0" y="0"/>
+                </a:cubicBezTo>
+                <a:close/>
+              </a:path>
+              <a:path w="1554480" h="18288" stroke="0" extrusionOk="0">
+                <a:moveTo>
+                  <a:pt x="0" y="0"/>
+                </a:moveTo>
+                <a:cubicBezTo>
+                  <a:pt x="249941" y="-58"/>
+                  <a:pt x="367334" y="23448"/>
+                  <a:pt x="502615" y="0"/>
+                </a:cubicBezTo>
+                <a:cubicBezTo>
+                  <a:pt x="637897" y="-23448"/>
+                  <a:pt x="813653" y="-20418"/>
+                  <a:pt x="974141" y="0"/>
+                </a:cubicBezTo>
+                <a:cubicBezTo>
+                  <a:pt x="1134629" y="20418"/>
+                  <a:pt x="1268772" y="6288"/>
+                  <a:pt x="1554480" y="0"/>
+                </a:cubicBezTo>
+                <a:cubicBezTo>
+                  <a:pt x="1554917" y="7222"/>
+                  <a:pt x="1555359" y="13299"/>
+                  <a:pt x="1554480" y="18288"/>
+                </a:cubicBezTo>
+                <a:cubicBezTo>
+                  <a:pt x="1336087" y="12172"/>
+                  <a:pt x="1310024" y="19759"/>
+                  <a:pt x="1067410" y="18288"/>
+                </a:cubicBezTo>
+                <a:cubicBezTo>
+                  <a:pt x="824796" y="16818"/>
+                  <a:pt x="787902" y="34647"/>
+                  <a:pt x="518160" y="18288"/>
+                </a:cubicBezTo>
+                <a:cubicBezTo>
+                  <a:pt x="248418" y="1930"/>
+                  <a:pt x="133160" y="9205"/>
+                  <a:pt x="0" y="18288"/>
+                </a:cubicBezTo>
+                <a:cubicBezTo>
+                  <a:pt x="-643" y="9451"/>
+                  <a:pt x="-340" y="7114"/>
+                  <a:pt x="0" y="0"/>
+                </a:cubicBezTo>
+                <a:close/>
+              </a:path>
+            </a:pathLst>
+          </a:custGeom>
+          <a:solidFill>
+            <a:schemeClr val="accent2"/>
+          </a:solidFill>
+          <a:ln w="41275" cap="rnd">
+            <a:solidFill>
+              <a:schemeClr val="accent2"/>
+            </a:solidFill>
+            <a:round/>
+            <a:extLst>
+              <a:ext uri="{C807C97D-BFC1-408E-A445-0C87EB9F89A2}">
+                <ask:lineSketchStyleProps xmlns:ask="http://schemas.microsoft.com/office/drawing/2018/sketchyshapes" sd="1219033472">
+                  <a:prstGeom prst="rect">
+                    <a:avLst/>
+                  </a:prstGeom>
+                  <ask:type>
+                    <ask:lineSketchFreehand/>
+                  </ask:type>
+                </ask:lineSketchStyleProps>
+              </a:ext>
+            </a:extLst>
+          </a:ln>
+        </p:spPr>
+        <p:style>
+          <a:lnRef idx="2">
+            <a:schemeClr val="accent1">
+              <a:shade val="50000"/>
+            </a:schemeClr>
+          </a:lnRef>
+          <a:fillRef idx="1">
+            <a:schemeClr val="accent1"/>
+          </a:fillRef>
+          <a:effectRef idx="0">
+            <a:schemeClr val="accent1"/>
+          </a:effectRef>
+          <a:fontRef idx="minor">
+            <a:schemeClr val="lt1"/>
+          </a:fontRef>
+        </p:style>
+        <p:txBody>
+          <a:bodyPr rtlCol="0" anchor="ctr"/>
+          <a:lstStyle/>
+          <a:p>
+            <a:pPr algn="ctr"/>
+            <a:endParaRPr lang="en-US"/>
           </a:p>
         </p:txBody>
       </p:sp>
@@ -29024,24 +29308,64 @@
             <p:ph idx="1"/>
           </p:nvPr>
         </p:nvSpPr>
-        <p:spPr/>
+        <p:spPr>
+          <a:xfrm>
+            <a:off x="4654295" y="502920"/>
+            <a:ext cx="6894576" cy="1463040"/>
+          </a:xfrm>
+        </p:spPr>
         <p:txBody>
-          <a:bodyPr/>
+          <a:bodyPr anchor="ctr">
+            <a:normAutofit/>
+          </a:bodyPr>
           <a:lstStyle/>
           <a:p>
             <a:r>
-              <a:rPr lang="en-US" dirty="0"/>
+              <a:rPr lang="en-US" sz="2200" dirty="0"/>
               <a:t>Compiled list of features gathered from research, competitor analysis and target user requests.</a:t>
             </a:r>
           </a:p>
           <a:p>
             <a:r>
-              <a:rPr lang="en-US" dirty="0"/>
-              <a:t>Planned the product roadmap until December.</a:t>
+              <a:rPr lang="en-US" sz="2200" dirty="0"/>
+              <a:t>Planned the product roadmap until December (agile).</a:t>
             </a:r>
+          </a:p>
+          <a:p>
+            <a:endParaRPr lang="en-US" sz="2200" dirty="0"/>
           </a:p>
         </p:txBody>
       </p:sp>
+      <p:pic>
+        <p:nvPicPr>
+          <p:cNvPr id="5" name="Picture 4" descr="A screenshot of a chart&#10;&#10;Description automatically generated">
+            <a:extLst>
+              <a:ext uri="{FF2B5EF4-FFF2-40B4-BE49-F238E27FC236}">
+                <a16:creationId xmlns:a16="http://schemas.microsoft.com/office/drawing/2014/main" id="{349872E4-87E5-291B-3D86-6831FBD5C9FA}"/>
+              </a:ext>
+            </a:extLst>
+          </p:cNvPr>
+          <p:cNvPicPr>
+            <a:picLocks noChangeAspect="1"/>
+          </p:cNvPicPr>
+          <p:nvPr/>
+        </p:nvPicPr>
+        <p:blipFill>
+          <a:blip r:embed="rId2"/>
+          <a:stretch>
+            <a:fillRect/>
+          </a:stretch>
+        </p:blipFill>
+        <p:spPr>
+          <a:xfrm>
+            <a:off x="630936" y="2346326"/>
+            <a:ext cx="10917936" cy="3848571"/>
+          </a:xfrm>
+          <a:prstGeom prst="rect">
+            <a:avLst/>
+          </a:prstGeom>
+        </p:spPr>
+      </p:pic>
     </p:spTree>
     <p:extLst>
       <p:ext uri="{BB962C8B-B14F-4D97-AF65-F5344CB8AC3E}">
@@ -31930,4 +32254,299 @@
     </a:ext>
   </a:extLst>
 </a:theme>
+</file>
+
+<file path=ppt/theme/theme2.xml><?xml version="1.0" encoding="utf-8"?>
+<a:theme xmlns:a="http://schemas.openxmlformats.org/drawingml/2006/main" name="Office Theme">
+  <a:themeElements>
+    <a:clrScheme name="Office">
+      <a:dk1>
+        <a:sysClr val="windowText" lastClr="000000"/>
+      </a:dk1>
+      <a:lt1>
+        <a:sysClr val="window" lastClr="FFFFFF"/>
+      </a:lt1>
+      <a:dk2>
+        <a:srgbClr val="44546A"/>
+      </a:dk2>
+      <a:lt2>
+        <a:srgbClr val="E7E6E6"/>
+      </a:lt2>
+      <a:accent1>
+        <a:srgbClr val="4472C4"/>
+      </a:accent1>
+      <a:accent2>
+        <a:srgbClr val="ED7D31"/>
+      </a:accent2>
+      <a:accent3>
+        <a:srgbClr val="A5A5A5"/>
+      </a:accent3>
+      <a:accent4>
+        <a:srgbClr val="FFC000"/>
+      </a:accent4>
+      <a:accent5>
+        <a:srgbClr val="5B9BD5"/>
+      </a:accent5>
+      <a:accent6>
+        <a:srgbClr val="70AD47"/>
+      </a:accent6>
+      <a:hlink>
+        <a:srgbClr val="0563C1"/>
+      </a:hlink>
+      <a:folHlink>
+        <a:srgbClr val="954F72"/>
+      </a:folHlink>
+    </a:clrScheme>
+    <a:fontScheme name="Office">
+      <a:majorFont>
+        <a:latin typeface="Calibri Light" panose="020F0302020204030204"/>
+        <a:ea typeface=""/>
+        <a:cs typeface=""/>
+        <a:font script="Jpan" typeface="游ゴシック Light"/>
+        <a:font script="Hang" typeface="맑은 고딕"/>
+        <a:font script="Hans" typeface="等线 Light"/>
+        <a:font script="Hant" typeface="新細明體"/>
+        <a:font script="Arab" typeface="Times New Roman"/>
+        <a:font script="Hebr" typeface="Times New Roman"/>
+        <a:font script="Thai" typeface="Angsana New"/>
+        <a:font script="Ethi" typeface="Nyala"/>
+        <a:font script="Beng" typeface="Vrinda"/>
+        <a:font script="Gujr" typeface="Shruti"/>
+        <a:font script="Khmr" typeface="MoolBoran"/>
+        <a:font script="Knda" typeface="Tunga"/>
+        <a:font script="Guru" typeface="Raavi"/>
+        <a:font script="Cans" typeface="Euphemia"/>
+        <a:font script="Cher" typeface="Plantagenet Cherokee"/>
+        <a:font script="Yiii" typeface="Microsoft Yi Baiti"/>
+        <a:font script="Tibt" typeface="Microsoft Himalaya"/>
+        <a:font script="Thaa" typeface="MV Boli"/>
+        <a:font script="Deva" typeface="Mangal"/>
+        <a:font script="Telu" typeface="Gautami"/>
+        <a:font script="Taml" typeface="Latha"/>
+        <a:font script="Syrc" typeface="Estrangelo Edessa"/>
+        <a:font script="Orya" typeface="Kalinga"/>
+        <a:font script="Mlym" typeface="Kartika"/>
+        <a:font script="Laoo" typeface="DokChampa"/>
+        <a:font script="Sinh" typeface="Iskoola Pota"/>
+        <a:font script="Mong" typeface="Mongolian Baiti"/>
+        <a:font script="Viet" typeface="Times New Roman"/>
+        <a:font script="Uigh" typeface="Microsoft Uighur"/>
+        <a:font script="Geor" typeface="Sylfaen"/>
+        <a:font script="Armn" typeface="Arial"/>
+        <a:font script="Bugi" typeface="Leelawadee UI"/>
+        <a:font script="Bopo" typeface="Microsoft JhengHei"/>
+        <a:font script="Java" typeface="Javanese Text"/>
+        <a:font script="Lisu" typeface="Segoe UI"/>
+        <a:font script="Mymr" typeface="Myanmar Text"/>
+        <a:font script="Nkoo" typeface="Ebrima"/>
+        <a:font script="Olck" typeface="Nirmala UI"/>
+        <a:font script="Osma" typeface="Ebrima"/>
+        <a:font script="Phag" typeface="Phagspa"/>
+        <a:font script="Syrn" typeface="Estrangelo Edessa"/>
+        <a:font script="Syrj" typeface="Estrangelo Edessa"/>
+        <a:font script="Syre" typeface="Estrangelo Edessa"/>
+        <a:font script="Sora" typeface="Nirmala UI"/>
+        <a:font script="Tale" typeface="Microsoft Tai Le"/>
+        <a:font script="Talu" typeface="Microsoft New Tai Lue"/>
+        <a:font script="Tfng" typeface="Ebrima"/>
+      </a:majorFont>
+      <a:minorFont>
+        <a:latin typeface="Calibri" panose="020F0502020204030204"/>
+        <a:ea typeface=""/>
+        <a:cs typeface=""/>
+        <a:font script="Jpan" typeface="游ゴシック"/>
+        <a:font script="Hang" typeface="맑은 고딕"/>
+        <a:font script="Hans" typeface="等线"/>
+        <a:font script="Hant" typeface="新細明體"/>
+        <a:font script="Arab" typeface="Arial"/>
+        <a:font script="Hebr" typeface="Arial"/>
+        <a:font script="Thai" typeface="Cordia New"/>
+        <a:font script="Ethi" typeface="Nyala"/>
+        <a:font script="Beng" typeface="Vrinda"/>
+        <a:font script="Gujr" typeface="Shruti"/>
+        <a:font script="Khmr" typeface="DaunPenh"/>
+        <a:font script="Knda" typeface="Tunga"/>
+        <a:font script="Guru" typeface="Raavi"/>
+        <a:font script="Cans" typeface="Euphemia"/>
+        <a:font script="Cher" typeface="Plantagenet Cherokee"/>
+        <a:font script="Yiii" typeface="Microsoft Yi Baiti"/>
+        <a:font script="Tibt" typeface="Microsoft Himalaya"/>
+        <a:font script="Thaa" typeface="MV Boli"/>
+        <a:font script="Deva" typeface="Mangal"/>
+        <a:font script="Telu" typeface="Gautami"/>
+        <a:font script="Taml" typeface="Latha"/>
+        <a:font script="Syrc" typeface="Estrangelo Edessa"/>
+        <a:font script="Orya" typeface="Kalinga"/>
+        <a:font script="Mlym" typeface="Kartika"/>
+        <a:font script="Laoo" typeface="DokChampa"/>
+        <a:font script="Sinh" typeface="Iskoola Pota"/>
+        <a:font script="Mong" typeface="Mongolian Baiti"/>
+        <a:font script="Viet" typeface="Arial"/>
+        <a:font script="Uigh" typeface="Microsoft Uighur"/>
+        <a:font script="Geor" typeface="Sylfaen"/>
+        <a:font script="Armn" typeface="Arial"/>
+        <a:font script="Bugi" typeface="Leelawadee UI"/>
+        <a:font script="Bopo" typeface="Microsoft JhengHei"/>
+        <a:font script="Java" typeface="Javanese Text"/>
+        <a:font script="Lisu" typeface="Segoe UI"/>
+        <a:font script="Mymr" typeface="Myanmar Text"/>
+        <a:font script="Nkoo" typeface="Ebrima"/>
+        <a:font script="Olck" typeface="Nirmala UI"/>
+        <a:font script="Osma" typeface="Ebrima"/>
+        <a:font script="Phag" typeface="Phagspa"/>
+        <a:font script="Syrn" typeface="Estrangelo Edessa"/>
+        <a:font script="Syrj" typeface="Estrangelo Edessa"/>
+        <a:font script="Syre" typeface="Estrangelo Edessa"/>
+        <a:font script="Sora" typeface="Nirmala UI"/>
+        <a:font script="Tale" typeface="Microsoft Tai Le"/>
+        <a:font script="Talu" typeface="Microsoft New Tai Lue"/>
+        <a:font script="Tfng" typeface="Ebrima"/>
+      </a:minorFont>
+    </a:fontScheme>
+    <a:fmtScheme name="Office">
+      <a:fillStyleLst>
+        <a:solidFill>
+          <a:schemeClr val="phClr"/>
+        </a:solidFill>
+        <a:gradFill rotWithShape="1">
+          <a:gsLst>
+            <a:gs pos="0">
+              <a:schemeClr val="phClr">
+                <a:lumMod val="110000"/>
+                <a:satMod val="105000"/>
+                <a:tint val="67000"/>
+              </a:schemeClr>
+            </a:gs>
+            <a:gs pos="50000">
+              <a:schemeClr val="phClr">
+                <a:lumMod val="105000"/>
+                <a:satMod val="103000"/>
+                <a:tint val="73000"/>
+              </a:schemeClr>
+            </a:gs>
+            <a:gs pos="100000">
+              <a:schemeClr val="phClr">
+                <a:lumMod val="105000"/>
+                <a:satMod val="109000"/>
+                <a:tint val="81000"/>
+              </a:schemeClr>
+            </a:gs>
+          </a:gsLst>
+          <a:lin ang="5400000" scaled="0"/>
+        </a:gradFill>
+        <a:gradFill rotWithShape="1">
+          <a:gsLst>
+            <a:gs pos="0">
+              <a:schemeClr val="phClr">
+                <a:satMod val="103000"/>
+                <a:lumMod val="102000"/>
+                <a:tint val="94000"/>
+              </a:schemeClr>
+            </a:gs>
+            <a:gs pos="50000">
+              <a:schemeClr val="phClr">
+                <a:satMod val="110000"/>
+                <a:lumMod val="100000"/>
+                <a:shade val="100000"/>
+              </a:schemeClr>
+            </a:gs>
+            <a:gs pos="100000">
+              <a:schemeClr val="phClr">
+                <a:lumMod val="99000"/>
+                <a:satMod val="120000"/>
+                <a:shade val="78000"/>
+              </a:schemeClr>
+            </a:gs>
+          </a:gsLst>
+          <a:lin ang="5400000" scaled="0"/>
+        </a:gradFill>
+      </a:fillStyleLst>
+      <a:lnStyleLst>
+        <a:ln w="6350" cap="flat" cmpd="sng" algn="ctr">
+          <a:solidFill>
+            <a:schemeClr val="phClr"/>
+          </a:solidFill>
+          <a:prstDash val="solid"/>
+          <a:miter lim="800000"/>
+        </a:ln>
+        <a:ln w="12700" cap="flat" cmpd="sng" algn="ctr">
+          <a:solidFill>
+            <a:schemeClr val="phClr"/>
+          </a:solidFill>
+          <a:prstDash val="solid"/>
+          <a:miter lim="800000"/>
+        </a:ln>
+        <a:ln w="19050" cap="flat" cmpd="sng" algn="ctr">
+          <a:solidFill>
+            <a:schemeClr val="phClr"/>
+          </a:solidFill>
+          <a:prstDash val="solid"/>
+          <a:miter lim="800000"/>
+        </a:ln>
+      </a:lnStyleLst>
+      <a:effectStyleLst>
+        <a:effectStyle>
+          <a:effectLst/>
+        </a:effectStyle>
+        <a:effectStyle>
+          <a:effectLst/>
+        </a:effectStyle>
+        <a:effectStyle>
+          <a:effectLst>
+            <a:outerShdw blurRad="57150" dist="19050" dir="5400000" algn="ctr" rotWithShape="0">
+              <a:srgbClr val="000000">
+                <a:alpha val="63000"/>
+              </a:srgbClr>
+            </a:outerShdw>
+          </a:effectLst>
+        </a:effectStyle>
+      </a:effectStyleLst>
+      <a:bgFillStyleLst>
+        <a:solidFill>
+          <a:schemeClr val="phClr"/>
+        </a:solidFill>
+        <a:solidFill>
+          <a:schemeClr val="phClr">
+            <a:tint val="95000"/>
+            <a:satMod val="170000"/>
+          </a:schemeClr>
+        </a:solidFill>
+        <a:gradFill rotWithShape="1">
+          <a:gsLst>
+            <a:gs pos="0">
+              <a:schemeClr val="phClr">
+                <a:tint val="93000"/>
+                <a:satMod val="150000"/>
+                <a:shade val="98000"/>
+                <a:lumMod val="102000"/>
+              </a:schemeClr>
+            </a:gs>
+            <a:gs pos="50000">
+              <a:schemeClr val="phClr">
+                <a:tint val="98000"/>
+                <a:satMod val="130000"/>
+                <a:shade val="90000"/>
+                <a:lumMod val="103000"/>
+              </a:schemeClr>
+            </a:gs>
+            <a:gs pos="100000">
+              <a:schemeClr val="phClr">
+                <a:shade val="63000"/>
+                <a:satMod val="120000"/>
+              </a:schemeClr>
+            </a:gs>
+          </a:gsLst>
+          <a:lin ang="5400000" scaled="0"/>
+        </a:gradFill>
+      </a:bgFillStyleLst>
+    </a:fmtScheme>
+  </a:themeElements>
+  <a:objectDefaults/>
+  <a:extraClrSchemeLst/>
+  <a:extLst>
+    <a:ext uri="{05A4C25C-085E-4340-85A3-A5531E510DB2}">
+      <thm15:themeFamily xmlns:thm15="http://schemas.microsoft.com/office/thememl/2012/main" name="Office Theme" id="{62F939B6-93AF-4DB8-9C6B-D6C7DFDC589F}" vid="{4A3C46E8-61CC-4603-A589-7422A47A8E4A}"/>
+    </a:ext>
+  </a:extLst>
+</a:theme>
 </file>